--- a/docker_present.pptx
+++ b/docker_present.pptx
@@ -8,7 +8,7 @@
     <p:notesMasterId r:id="rId4"/>
   </p:notesMasterIdLst>
   <p:handoutMasterIdLst>
-    <p:handoutMasterId r:id="rId20"/>
+    <p:handoutMasterId r:id="rId22"/>
   </p:handoutMasterIdLst>
   <p:sldIdLst>
     <p:sldId id="256" r:id="rId3"/>
@@ -20,13 +20,15 @@
     <p:sldId id="293" r:id="rId10"/>
     <p:sldId id="294" r:id="rId11"/>
     <p:sldId id="264" r:id="rId12"/>
-    <p:sldId id="274" r:id="rId13"/>
-    <p:sldId id="277" r:id="rId14"/>
-    <p:sldId id="278" r:id="rId15"/>
-    <p:sldId id="268" r:id="rId16"/>
-    <p:sldId id="266" r:id="rId17"/>
-    <p:sldId id="281" r:id="rId18"/>
-    <p:sldId id="276" r:id="rId19"/>
+    <p:sldId id="303" r:id="rId13"/>
+    <p:sldId id="274" r:id="rId14"/>
+    <p:sldId id="277" r:id="rId15"/>
+    <p:sldId id="278" r:id="rId16"/>
+    <p:sldId id="268" r:id="rId17"/>
+    <p:sldId id="305" r:id="rId18"/>
+    <p:sldId id="266" r:id="rId19"/>
+    <p:sldId id="281" r:id="rId20"/>
+    <p:sldId id="276" r:id="rId21"/>
   </p:sldIdLst>
   <p:sldSz cx="9144000" cy="6858000" type="screen4x3"/>
   <p:notesSz cx="6858000" cy="9144000"/>
@@ -720,6 +722,162 @@
 </p:notes>
 </file>
 
+<file path=ppt/notesSlides/notesSlide10.xml><?xml version="1.0" encoding="utf-8"?>
+<p:notes xmlns:a="http://schemas.openxmlformats.org/drawingml/2006/main" xmlns:r="http://schemas.openxmlformats.org/officeDocument/2006/relationships" xmlns:p="http://schemas.openxmlformats.org/presentationml/2006/main">
+  <p:cSld>
+    <p:spTree>
+      <p:nvGrpSpPr>
+        <p:cNvPr id="1" name=""/>
+        <p:cNvGrpSpPr/>
+        <p:nvPr/>
+      </p:nvGrpSpPr>
+      <p:grpSpPr>
+        <a:xfrm>
+          <a:off x="0" y="0"/>
+          <a:ext cx="0" cy="0"/>
+          <a:chOff x="0" y="0"/>
+          <a:chExt cx="0" cy="0"/>
+        </a:xfrm>
+      </p:grpSpPr>
+      <p:sp>
+        <p:nvSpPr>
+          <p:cNvPr id="2" name="Slide Image Placeholder 1"/>
+          <p:cNvSpPr>
+            <a:spLocks noGrp="1" noRot="1" noChangeAspect="1"/>
+          </p:cNvSpPr>
+          <p:nvPr>
+            <p:ph type="sldImg"/>
+          </p:nvPr>
+        </p:nvSpPr>
+        <p:spPr/>
+      </p:sp>
+      <p:sp>
+        <p:nvSpPr>
+          <p:cNvPr id="3" name="Notes Placeholder 2"/>
+          <p:cNvSpPr>
+            <a:spLocks noGrp="1"/>
+          </p:cNvSpPr>
+          <p:nvPr>
+            <p:ph type="body" idx="1"/>
+          </p:nvPr>
+        </p:nvSpPr>
+        <p:spPr/>
+        <p:txBody>
+          <a:bodyPr/>
+          <a:lstStyle/>
+          <a:p>
+            <a:endParaRPr lang="en-US" altLang="en-US" dirty="0"/>
+          </a:p>
+        </p:txBody>
+      </p:sp>
+      <p:sp>
+        <p:nvSpPr>
+          <p:cNvPr id="4" name="Slide Number Placeholder 3"/>
+          <p:cNvSpPr>
+            <a:spLocks noGrp="1"/>
+          </p:cNvSpPr>
+          <p:nvPr>
+            <p:ph type="sldNum" sz="quarter" idx="10"/>
+          </p:nvPr>
+        </p:nvSpPr>
+        <p:spPr/>
+        <p:txBody>
+          <a:bodyPr/>
+          <a:lstStyle/>
+          <a:p>
+            <a:fld id="{52E27252-EF20-D744-8857-623D53E3D728}" type="slidenum">
+              <a:rPr lang="en-US" smtClean="0"/>
+            </a:fld>
+            <a:endParaRPr lang="en-US"/>
+          </a:p>
+        </p:txBody>
+      </p:sp>
+    </p:spTree>
+  </p:cSld>
+  <p:clrMapOvr>
+    <a:masterClrMapping/>
+  </p:clrMapOvr>
+</p:notes>
+</file>
+
+<file path=ppt/notesSlides/notesSlide11.xml><?xml version="1.0" encoding="utf-8"?>
+<p:notes xmlns:a="http://schemas.openxmlformats.org/drawingml/2006/main" xmlns:r="http://schemas.openxmlformats.org/officeDocument/2006/relationships" xmlns:p="http://schemas.openxmlformats.org/presentationml/2006/main">
+  <p:cSld>
+    <p:spTree>
+      <p:nvGrpSpPr>
+        <p:cNvPr id="1" name=""/>
+        <p:cNvGrpSpPr/>
+        <p:nvPr/>
+      </p:nvGrpSpPr>
+      <p:grpSpPr>
+        <a:xfrm>
+          <a:off x="0" y="0"/>
+          <a:ext cx="0" cy="0"/>
+          <a:chOff x="0" y="0"/>
+          <a:chExt cx="0" cy="0"/>
+        </a:xfrm>
+      </p:grpSpPr>
+      <p:sp>
+        <p:nvSpPr>
+          <p:cNvPr id="2" name="Slide Image Placeholder 1"/>
+          <p:cNvSpPr>
+            <a:spLocks noGrp="1" noRot="1" noChangeAspect="1"/>
+          </p:cNvSpPr>
+          <p:nvPr>
+            <p:ph type="sldImg"/>
+          </p:nvPr>
+        </p:nvSpPr>
+        <p:spPr/>
+      </p:sp>
+      <p:sp>
+        <p:nvSpPr>
+          <p:cNvPr id="3" name="Notes Placeholder 2"/>
+          <p:cNvSpPr>
+            <a:spLocks noGrp="1"/>
+          </p:cNvSpPr>
+          <p:nvPr>
+            <p:ph type="body" idx="1"/>
+          </p:nvPr>
+        </p:nvSpPr>
+        <p:spPr/>
+        <p:txBody>
+          <a:bodyPr/>
+          <a:lstStyle/>
+          <a:p>
+            <a:endParaRPr lang="en-US" dirty="0"/>
+          </a:p>
+        </p:txBody>
+      </p:sp>
+      <p:sp>
+        <p:nvSpPr>
+          <p:cNvPr id="4" name="Slide Number Placeholder 3"/>
+          <p:cNvSpPr>
+            <a:spLocks noGrp="1"/>
+          </p:cNvSpPr>
+          <p:nvPr>
+            <p:ph type="sldNum" sz="quarter" idx="10"/>
+          </p:nvPr>
+        </p:nvSpPr>
+        <p:spPr/>
+        <p:txBody>
+          <a:bodyPr/>
+          <a:lstStyle/>
+          <a:p>
+            <a:fld id="{52E27252-EF20-D744-8857-623D53E3D728}" type="slidenum">
+              <a:rPr lang="en-US" smtClean="0"/>
+            </a:fld>
+            <a:endParaRPr lang="en-US"/>
+          </a:p>
+        </p:txBody>
+      </p:sp>
+    </p:spTree>
+  </p:cSld>
+  <p:clrMapOvr>
+    <a:masterClrMapping/>
+  </p:clrMapOvr>
+</p:notes>
+</file>
+
 <file path=ppt/notesSlides/notesSlide2.xml><?xml version="1.0" encoding="utf-8"?>
 <p:notes xmlns:a="http://schemas.openxmlformats.org/drawingml/2006/main" xmlns:r="http://schemas.openxmlformats.org/officeDocument/2006/relationships" xmlns:p="http://schemas.openxmlformats.org/presentationml/2006/main">
   <p:cSld>
@@ -1416,14 +1574,10 @@
           <a:bodyPr/>
           <a:lstStyle/>
           <a:p>
-            <a:r>
-              <a:rPr lang="de-CH" dirty="0" smtClean="0"/>
-              <a:t>docker run</a:t>
-            </a:r>
-            <a:r>
-              <a:rPr lang="de-CH" baseline="0" dirty="0" smtClean="0"/>
-              <a:t> --rm to remove container after termination</a:t>
-            </a:r>
+            <a:pPr indent="0">
+              <a:buFont typeface="Arial" panose="02080604020202020204" pitchFamily="34" charset="0"/>
+              <a:buNone/>
+            </a:pPr>
             <a:endParaRPr lang="en-US" dirty="0"/>
           </a:p>
         </p:txBody>
@@ -1502,6 +1656,14 @@
           <a:bodyPr/>
           <a:lstStyle/>
           <a:p>
+            <a:r>
+              <a:rPr lang="de-CH" dirty="0" smtClean="0"/>
+              <a:t>docker run</a:t>
+            </a:r>
+            <a:r>
+              <a:rPr lang="de-CH" baseline="0" dirty="0" smtClean="0"/>
+              <a:t> --rm to remove container after termination</a:t>
+            </a:r>
             <a:endParaRPr lang="en-US" dirty="0"/>
           </a:p>
         </p:txBody>
@@ -1580,7 +1742,100 @@
           <a:bodyPr/>
           <a:lstStyle/>
           <a:p>
-            <a:endParaRPr lang="en-US" dirty="0"/>
+            <a:r>
+              <a:rPr lang="en-US" altLang="en-US" dirty="0"/>
+              <a:t>~: cat app.js</a:t>
+            </a:r>
+            <a:endParaRPr lang="en-US" altLang="en-US" dirty="0"/>
+          </a:p>
+          <a:p>
+            <a:r>
+              <a:rPr lang="en-US" altLang="en-US" dirty="0"/>
+              <a:t># starts up an HTTP server on port 8080</a:t>
+            </a:r>
+            <a:endParaRPr lang="en-US" altLang="en-US" dirty="0"/>
+          </a:p>
+          <a:p>
+            <a:endParaRPr lang="en-US" altLang="en-US" dirty="0"/>
+          </a:p>
+          <a:p>
+            <a:r>
+              <a:rPr lang="en-US" altLang="en-US" dirty="0"/>
+              <a:t>const http = require('http');</a:t>
+            </a:r>
+            <a:endParaRPr lang="en-US" altLang="en-US" dirty="0"/>
+          </a:p>
+          <a:p>
+            <a:r>
+              <a:rPr lang="en-US" altLang="en-US" dirty="0"/>
+              <a:t>const os = require('os');</a:t>
+            </a:r>
+            <a:endParaRPr lang="en-US" altLang="en-US" dirty="0"/>
+          </a:p>
+          <a:p>
+            <a:endParaRPr lang="en-US" altLang="en-US" dirty="0"/>
+          </a:p>
+          <a:p>
+            <a:r>
+              <a:rPr lang="en-US" altLang="en-US" dirty="0"/>
+              <a:t>console.log("Kubia server starting...");</a:t>
+            </a:r>
+            <a:endParaRPr lang="en-US" altLang="en-US" dirty="0"/>
+          </a:p>
+          <a:p>
+            <a:endParaRPr lang="en-US" altLang="en-US" dirty="0"/>
+          </a:p>
+          <a:p>
+            <a:r>
+              <a:rPr lang="en-US" altLang="en-US" dirty="0"/>
+              <a:t>var handler = function(request, response) {</a:t>
+            </a:r>
+            <a:endParaRPr lang="en-US" altLang="en-US" dirty="0"/>
+          </a:p>
+          <a:p>
+            <a:r>
+              <a:rPr lang="en-US" altLang="en-US" dirty="0"/>
+              <a:t>	console.log("Received request from " + request.connection.remoteAddress);</a:t>
+            </a:r>
+            <a:endParaRPr lang="en-US" altLang="en-US" dirty="0"/>
+          </a:p>
+          <a:p>
+            <a:r>
+              <a:rPr lang="en-US" altLang="en-US" dirty="0"/>
+              <a:t>	response.writeHead(200);</a:t>
+            </a:r>
+            <a:endParaRPr lang="en-US" altLang="en-US" dirty="0"/>
+          </a:p>
+          <a:p>
+            <a:r>
+              <a:rPr lang="en-US" altLang="en-US" dirty="0"/>
+              <a:t>	response.end("You've hit " + os.hostname() + "\n");</a:t>
+            </a:r>
+            <a:endParaRPr lang="en-US" altLang="en-US" dirty="0"/>
+          </a:p>
+          <a:p>
+            <a:r>
+              <a:rPr lang="en-US" altLang="en-US" dirty="0"/>
+              <a:t>};</a:t>
+            </a:r>
+            <a:endParaRPr lang="en-US" altLang="en-US" dirty="0"/>
+          </a:p>
+          <a:p>
+            <a:endParaRPr lang="en-US" altLang="en-US" dirty="0"/>
+          </a:p>
+          <a:p>
+            <a:r>
+              <a:rPr lang="en-US" altLang="en-US" dirty="0"/>
+              <a:t>var www = http.createServer(handler);</a:t>
+            </a:r>
+            <a:endParaRPr lang="en-US" altLang="en-US" dirty="0"/>
+          </a:p>
+          <a:p>
+            <a:r>
+              <a:rPr lang="en-US" altLang="en-US" dirty="0"/>
+              <a:t>www.listen(8080);</a:t>
+            </a:r>
+            <a:endParaRPr lang="en-US" altLang="en-US" dirty="0"/>
           </a:p>
         </p:txBody>
       </p:sp>
@@ -3054,129 +3309,73 @@
             <p:ph type="body" sz="quarter" idx="13"/>
           </p:nvPr>
         </p:nvSpPr>
-        <p:spPr>
-          <a:xfrm>
-            <a:off x="1011555" y="558800"/>
-            <a:ext cx="7316470" cy="607060"/>
-          </a:xfrm>
-        </p:spPr>
+        <p:spPr/>
         <p:txBody>
           <a:bodyPr/>
           <a:lstStyle/>
           <a:p>
             <a:r>
               <a:rPr lang="de-CH" dirty="0" smtClean="0"/>
-              <a:t>Terminology - Image</a:t>
-            </a:r>
-            <a:endParaRPr lang="en-US" dirty="0"/>
-          </a:p>
-        </p:txBody>
-      </p:sp>
-      <p:sp>
-        <p:nvSpPr>
-          <p:cNvPr id="4" name="Text Placeholder 3"/>
-          <p:cNvSpPr>
-            <a:spLocks noGrp="1"/>
-          </p:cNvSpPr>
-          <p:nvPr>
-            <p:ph type="body" sz="quarter" idx="14"/>
-          </p:nvPr>
-        </p:nvSpPr>
-        <p:spPr>
-          <a:xfrm>
-            <a:off x="1011550" y="1579128"/>
-            <a:ext cx="7566965" cy="4043729"/>
-          </a:xfrm>
-        </p:spPr>
-        <p:txBody>
-          <a:bodyPr>
-            <a:normAutofit/>
+              <a:t>Hello World </a:t>
+            </a:r>
+            <a:r>
+              <a:rPr lang="en-US" altLang="de-CH" dirty="0" smtClean="0"/>
+              <a:t>(2/2)</a:t>
+            </a:r>
+            <a:endParaRPr lang="en-US" altLang="de-CH" dirty="0" smtClean="0"/>
+          </a:p>
+        </p:txBody>
+      </p:sp>
+      <p:pic>
+        <p:nvPicPr>
+          <p:cNvPr id="7" name="Picture 6" descr="Selection_007"/>
+          <p:cNvPicPr>
+            <a:picLocks noChangeAspect="1"/>
+          </p:cNvPicPr>
+          <p:nvPr/>
+        </p:nvPicPr>
+        <p:blipFill>
+          <a:blip r:embed="rId1"/>
+          <a:stretch>
+            <a:fillRect/>
+          </a:stretch>
+        </p:blipFill>
+        <p:spPr>
+          <a:xfrm>
+            <a:off x="158750" y="1847850"/>
+            <a:ext cx="8827135" cy="4185920"/>
+          </a:xfrm>
+          <a:prstGeom prst="rect">
+            <a:avLst/>
+          </a:prstGeom>
+        </p:spPr>
+      </p:pic>
+      <p:sp>
+        <p:nvSpPr>
+          <p:cNvPr id="8" name="Text Box 7"/>
+          <p:cNvSpPr txBox="1"/>
+          <p:nvPr/>
+        </p:nvSpPr>
+        <p:spPr>
+          <a:xfrm>
+            <a:off x="7215505" y="5197475"/>
+            <a:ext cx="1964690" cy="275590"/>
+          </a:xfrm>
+          <a:prstGeom prst="rect">
+            <a:avLst/>
+          </a:prstGeom>
+          <a:noFill/>
+        </p:spPr>
+        <p:txBody>
+          <a:bodyPr wrap="square" rtlCol="0" anchor="t">
+            <a:spAutoFit/>
           </a:bodyPr>
-          <a:lstStyle/>
-          <a:p>
-            <a:r>
-              <a:rPr lang="de-CH" dirty="0" smtClean="0"/>
-              <a:t>Persisted snapshot that can be run</a:t>
-            </a:r>
-            <a:endParaRPr lang="de-CH" dirty="0" smtClean="0"/>
-          </a:p>
-          <a:p>
-            <a:pPr lvl="1"/>
-            <a:r>
-              <a:rPr lang="de-CH" i="1" dirty="0" smtClean="0">
-                <a:latin typeface="Courier 10 Pitch" charset="0"/>
-                <a:cs typeface="Courier 10 Pitch" charset="0"/>
-              </a:rPr>
-              <a:t>images</a:t>
-            </a:r>
-            <a:r>
-              <a:rPr lang="de-CH" i="1" dirty="0" smtClean="0"/>
-              <a:t>: </a:t>
-            </a:r>
-            <a:r>
-              <a:rPr lang="de-CH" dirty="0" smtClean="0"/>
-              <a:t>List all local images</a:t>
-            </a:r>
-            <a:endParaRPr lang="de-CH" dirty="0" smtClean="0"/>
-          </a:p>
-          <a:p>
-            <a:pPr lvl="1"/>
-            <a:r>
-              <a:rPr lang="de-CH" i="1" dirty="0" smtClean="0">
-                <a:latin typeface="Courier 10 Pitch" charset="0"/>
-                <a:cs typeface="Courier 10 Pitch" charset="0"/>
-              </a:rPr>
-              <a:t>run</a:t>
-            </a:r>
-            <a:r>
-              <a:rPr lang="de-CH" dirty="0" smtClean="0"/>
-              <a:t>: Create a container from an image and execute a command in it</a:t>
-            </a:r>
-            <a:endParaRPr lang="de-CH" dirty="0" smtClean="0"/>
-          </a:p>
-          <a:p>
-            <a:pPr lvl="1"/>
-            <a:r>
-              <a:rPr lang="de-CH" i="1" dirty="0" smtClean="0"/>
-              <a:t>tag</a:t>
-            </a:r>
-            <a:r>
-              <a:rPr lang="de-CH" dirty="0" smtClean="0"/>
-              <a:t>: Tag an image</a:t>
-            </a:r>
-            <a:endParaRPr lang="de-CH" dirty="0" smtClean="0"/>
-          </a:p>
-          <a:p>
-            <a:pPr lvl="1"/>
-            <a:r>
-              <a:rPr lang="de-CH" i="1" dirty="0" smtClean="0"/>
-              <a:t>pull</a:t>
-            </a:r>
-            <a:r>
-              <a:rPr lang="de-CH" dirty="0" smtClean="0"/>
-              <a:t>: Download image from repository</a:t>
-            </a:r>
-            <a:endParaRPr lang="de-CH" dirty="0" smtClean="0"/>
-          </a:p>
-          <a:p>
-            <a:pPr lvl="1"/>
-            <a:r>
-              <a:rPr lang="de-CH" i="1" dirty="0" smtClean="0"/>
-              <a:t>rmi</a:t>
-            </a:r>
-            <a:r>
-              <a:rPr lang="de-CH" dirty="0" smtClean="0"/>
-              <a:t>: Delete a local image</a:t>
-            </a:r>
-            <a:endParaRPr lang="de-CH" dirty="0" smtClean="0"/>
-          </a:p>
-          <a:p>
-            <a:pPr lvl="2"/>
-            <a:r>
-              <a:rPr lang="de-CH" dirty="0" smtClean="0"/>
-              <a:t>This will also remove intermediate images if no longer used</a:t>
-            </a:r>
-            <a:endParaRPr lang="de-CH" dirty="0" smtClean="0"/>
+          <a:p>
+            <a:r>
+              <a:rPr lang="en-US" sz="1200"/>
+              <a:t>http://hub.docker.com</a:t>
+            </a:r>
+            <a:endParaRPr lang="en-US" sz="1200"/>
           </a:p>
         </p:txBody>
       </p:sp>
@@ -3239,8 +3438,8 @@
         </p:nvSpPr>
         <p:spPr>
           <a:xfrm>
-            <a:off x="486410" y="443865"/>
-            <a:ext cx="8493125" cy="607060"/>
+            <a:off x="1011555" y="558800"/>
+            <a:ext cx="7316470" cy="607060"/>
           </a:xfrm>
         </p:spPr>
         <p:txBody>
@@ -3249,9 +3448,9 @@
           <a:p>
             <a:r>
               <a:rPr lang="de-CH" dirty="0" smtClean="0"/>
-              <a:t>Terminology - Container</a:t>
-            </a:r>
-            <a:endParaRPr lang="de-CH" dirty="0" smtClean="0"/>
+              <a:t>Terminology - Image</a:t>
+            </a:r>
+            <a:endParaRPr lang="en-US" dirty="0"/>
           </a:p>
         </p:txBody>
       </p:sp>
@@ -3267,8 +3466,8 @@
         </p:nvSpPr>
         <p:spPr>
           <a:xfrm>
-            <a:off x="1011551" y="1264803"/>
-            <a:ext cx="7379176" cy="4055761"/>
+            <a:off x="1011550" y="1579128"/>
+            <a:ext cx="7566965" cy="4043729"/>
           </a:xfrm>
         </p:spPr>
         <p:txBody>
@@ -3279,132 +3478,87 @@
           <a:p>
             <a:r>
               <a:rPr lang="de-CH" dirty="0" smtClean="0"/>
-              <a:t>Runnable </a:t>
-            </a:r>
-            <a:r>
-              <a:rPr lang="de-CH" dirty="0"/>
-              <a:t>instance of an image</a:t>
-            </a:r>
-            <a:endParaRPr lang="de-CH" dirty="0"/>
+              <a:t>Persisted snapshot that can be run</a:t>
+            </a:r>
+            <a:endParaRPr lang="de-CH" dirty="0" smtClean="0"/>
           </a:p>
           <a:p>
             <a:pPr lvl="1"/>
             <a:r>
+              <a:rPr lang="de-CH" b="1" i="1" dirty="0" smtClean="0">
+                <a:latin typeface="Courier 10 Pitch" charset="0"/>
+                <a:cs typeface="Courier 10 Pitch" charset="0"/>
+              </a:rPr>
+              <a:t>images</a:t>
+            </a:r>
+            <a:r>
               <a:rPr lang="de-CH" i="1" dirty="0" smtClean="0"/>
-              <a:t>ps</a:t>
-            </a:r>
-            <a:r>
-              <a:rPr lang="de-CH" i="1" dirty="0"/>
-              <a:t>:</a:t>
-            </a:r>
-            <a:r>
-              <a:rPr lang="de-CH" dirty="0"/>
-              <a:t> List all running containers</a:t>
-            </a:r>
-            <a:endParaRPr lang="de-CH" dirty="0"/>
+              <a:t>: </a:t>
+            </a:r>
+            <a:r>
+              <a:rPr lang="de-CH" dirty="0" smtClean="0"/>
+              <a:t>List all local images</a:t>
+            </a:r>
+            <a:endParaRPr lang="de-CH" dirty="0" smtClean="0"/>
           </a:p>
           <a:p>
             <a:pPr lvl="1"/>
             <a:r>
-              <a:rPr lang="de-CH" i="1" dirty="0" smtClean="0"/>
-              <a:t>ps </a:t>
-            </a:r>
-            <a:r>
-              <a:rPr lang="de-CH" i="1" dirty="0"/>
-              <a:t>–a</a:t>
-            </a:r>
-            <a:r>
-              <a:rPr lang="de-CH" dirty="0"/>
-              <a:t>: List all containers (incl. stopped</a:t>
+              <a:rPr lang="de-CH" b="1" i="1" dirty="0" smtClean="0">
+                <a:latin typeface="Courier 10 Pitch" charset="0"/>
+                <a:cs typeface="Courier 10 Pitch" charset="0"/>
+              </a:rPr>
+              <a:t>run</a:t>
             </a:r>
             <a:r>
               <a:rPr lang="de-CH" dirty="0" smtClean="0"/>
-              <a:t>)</a:t>
+              <a:t>: Create a container from an image and execute a command in it</a:t>
             </a:r>
             <a:endParaRPr lang="de-CH" dirty="0" smtClean="0"/>
           </a:p>
           <a:p>
             <a:pPr lvl="1"/>
             <a:r>
-              <a:rPr lang="de-CH" i="1" dirty="0" smtClean="0"/>
-              <a:t>top</a:t>
+              <a:rPr lang="de-CH" b="1" i="1" dirty="0" smtClean="0"/>
+              <a:t>tag</a:t>
             </a:r>
             <a:r>
               <a:rPr lang="de-CH" dirty="0" smtClean="0"/>
-              <a:t>: Display processes of a container</a:t>
-            </a:r>
-            <a:endParaRPr lang="de-CH" dirty="0"/>
+              <a:t>: Tag an image</a:t>
+            </a:r>
+            <a:endParaRPr lang="de-CH" dirty="0" smtClean="0"/>
           </a:p>
           <a:p>
             <a:pPr lvl="1"/>
             <a:r>
-              <a:rPr lang="de-CH" i="1" dirty="0" smtClean="0"/>
-              <a:t>start</a:t>
-            </a:r>
-            <a:r>
-              <a:rPr lang="de-CH" dirty="0"/>
-              <a:t>: Start a stopped container</a:t>
-            </a:r>
-            <a:endParaRPr lang="de-CH" dirty="0"/>
+              <a:rPr lang="de-CH" b="1" i="1" dirty="0" smtClean="0"/>
+              <a:t>pull</a:t>
+            </a:r>
+            <a:r>
+              <a:rPr lang="de-CH" dirty="0" smtClean="0"/>
+              <a:t>: Download image from repository</a:t>
+            </a:r>
+            <a:endParaRPr lang="de-CH" dirty="0" smtClean="0"/>
           </a:p>
           <a:p>
             <a:pPr lvl="1"/>
             <a:r>
-              <a:rPr lang="de-CH" i="1" dirty="0" smtClean="0"/>
-              <a:t>stop</a:t>
-            </a:r>
-            <a:r>
-              <a:rPr lang="de-CH" dirty="0"/>
-              <a:t>: Stop a running container</a:t>
-            </a:r>
-            <a:endParaRPr lang="de-CH" dirty="0"/>
-          </a:p>
-          <a:p>
-            <a:pPr lvl="1"/>
-            <a:r>
-              <a:rPr lang="de-CH" i="1" dirty="0" smtClean="0"/>
-              <a:t>pause</a:t>
-            </a:r>
-            <a:r>
-              <a:rPr lang="de-CH" dirty="0"/>
-              <a:t>: Pause all processes within a </a:t>
+              <a:rPr lang="de-CH" b="1" i="1" dirty="0" smtClean="0"/>
+              <a:t>rmi</a:t>
             </a:r>
             <a:r>
               <a:rPr lang="de-CH" dirty="0" smtClean="0"/>
-              <a:t>container</a:t>
+              <a:t>: Delete a local image</a:t>
             </a:r>
             <a:endParaRPr lang="de-CH" dirty="0" smtClean="0"/>
           </a:p>
           <a:p>
-            <a:pPr lvl="1"/>
-            <a:r>
-              <a:rPr lang="de-CH" i="1" dirty="0" smtClean="0"/>
-              <a:t>rm</a:t>
-            </a:r>
+            <a:pPr lvl="2"/>
             <a:r>
               <a:rPr lang="de-CH" dirty="0" smtClean="0"/>
-              <a:t>: Delete a container</a:t>
+              <a:t>This will also remove intermediate images if no longer used</a:t>
             </a:r>
             <a:endParaRPr lang="de-CH" dirty="0" smtClean="0"/>
-          </a:p>
-          <a:p>
-            <a:pPr lvl="1"/>
-            <a:r>
-              <a:rPr lang="de-CH" i="1" dirty="0" smtClean="0"/>
-              <a:t>commit</a:t>
-            </a:r>
-            <a:r>
-              <a:rPr lang="de-CH" dirty="0" smtClean="0"/>
-              <a:t>: Create an image from a container</a:t>
-            </a:r>
-            <a:endParaRPr lang="de-CH" dirty="0" smtClean="0"/>
-          </a:p>
-          <a:p>
-            <a:pPr lvl="1"/>
-            <a:endParaRPr lang="en-US" dirty="0"/>
-          </a:p>
-          <a:p>
-            <a:endParaRPr lang="en-US" dirty="0"/>
           </a:p>
         </p:txBody>
       </p:sp>
@@ -3435,106 +3589,6 @@
       </p:grpSpPr>
       <p:sp>
         <p:nvSpPr>
-          <p:cNvPr id="32" name="Rounded Rectangle 31"/>
-          <p:cNvSpPr/>
-          <p:nvPr/>
-        </p:nvSpPr>
-        <p:spPr>
-          <a:xfrm>
-            <a:off x="5645498" y="5208679"/>
-            <a:ext cx="1718268" cy="713433"/>
-          </a:xfrm>
-          <a:prstGeom prst="roundRect">
-            <a:avLst/>
-          </a:prstGeom>
-        </p:spPr>
-        <p:style>
-          <a:lnRef idx="1">
-            <a:schemeClr val="accent6"/>
-          </a:lnRef>
-          <a:fillRef idx="3">
-            <a:schemeClr val="accent6"/>
-          </a:fillRef>
-          <a:effectRef idx="2">
-            <a:schemeClr val="accent6"/>
-          </a:effectRef>
-          <a:fontRef idx="minor">
-            <a:schemeClr val="lt1"/>
-          </a:fontRef>
-        </p:style>
-        <p:txBody>
-          <a:bodyPr rtlCol="0" anchor="ctr"/>
-          <a:lstStyle/>
-          <a:p>
-            <a:pPr algn="ctr"/>
-            <a:r>
-              <a:rPr lang="de-CH" dirty="0" smtClean="0"/>
-              <a:t>Container</a:t>
-            </a:r>
-            <a:endParaRPr lang="de-CH" dirty="0" smtClean="0"/>
-          </a:p>
-          <a:p>
-            <a:pPr algn="ctr"/>
-            <a:r>
-              <a:rPr lang="de-CH" dirty="0" smtClean="0"/>
-              <a:t>cid4</a:t>
-            </a:r>
-            <a:endParaRPr lang="en-US" dirty="0"/>
-          </a:p>
-        </p:txBody>
-      </p:sp>
-      <p:sp>
-        <p:nvSpPr>
-          <p:cNvPr id="31" name="Rounded Rectangle 30"/>
-          <p:cNvSpPr/>
-          <p:nvPr/>
-        </p:nvSpPr>
-        <p:spPr>
-          <a:xfrm>
-            <a:off x="5493098" y="4845261"/>
-            <a:ext cx="1718268" cy="713433"/>
-          </a:xfrm>
-          <a:prstGeom prst="roundRect">
-            <a:avLst/>
-          </a:prstGeom>
-        </p:spPr>
-        <p:style>
-          <a:lnRef idx="1">
-            <a:schemeClr val="accent6"/>
-          </a:lnRef>
-          <a:fillRef idx="3">
-            <a:schemeClr val="accent6"/>
-          </a:fillRef>
-          <a:effectRef idx="2">
-            <a:schemeClr val="accent6"/>
-          </a:effectRef>
-          <a:fontRef idx="minor">
-            <a:schemeClr val="lt1"/>
-          </a:fontRef>
-        </p:style>
-        <p:txBody>
-          <a:bodyPr rtlCol="0" anchor="ctr"/>
-          <a:lstStyle/>
-          <a:p>
-            <a:pPr algn="ctr"/>
-            <a:r>
-              <a:rPr lang="de-CH" dirty="0" smtClean="0"/>
-              <a:t>Container</a:t>
-            </a:r>
-            <a:endParaRPr lang="de-CH" dirty="0" smtClean="0"/>
-          </a:p>
-          <a:p>
-            <a:pPr algn="ctr"/>
-            <a:r>
-              <a:rPr lang="de-CH" dirty="0" smtClean="0"/>
-              <a:t>cid3</a:t>
-            </a:r>
-            <a:endParaRPr lang="en-US" dirty="0"/>
-          </a:p>
-        </p:txBody>
-      </p:sp>
-      <p:sp>
-        <p:nvSpPr>
           <p:cNvPr id="2" name="Slide Number Placeholder 1"/>
           <p:cNvSpPr>
             <a:spLocks noGrp="1"/>
@@ -3567,8 +3621,8 @@
         </p:nvSpPr>
         <p:spPr>
           <a:xfrm>
-            <a:off x="1011555" y="279400"/>
-            <a:ext cx="6743065" cy="1445260"/>
+            <a:off x="486410" y="443865"/>
+            <a:ext cx="8493125" cy="607060"/>
           </a:xfrm>
         </p:spPr>
         <p:txBody>
@@ -3577,605 +3631,153 @@
           <a:p>
             <a:r>
               <a:rPr lang="de-CH" dirty="0" smtClean="0"/>
-              <a:t>Image vs. </a:t>
-            </a:r>
-            <a:r>
-              <a:rPr lang="" altLang="de-CH" dirty="0" smtClean="0"/>
-              <a:t>				</a:t>
-            </a:r>
+              <a:t>Terminology - Container</a:t>
+            </a:r>
+            <a:endParaRPr lang="de-CH" dirty="0" smtClean="0"/>
+          </a:p>
+        </p:txBody>
+      </p:sp>
+      <p:sp>
+        <p:nvSpPr>
+          <p:cNvPr id="4" name="Text Placeholder 3"/>
+          <p:cNvSpPr>
+            <a:spLocks noGrp="1"/>
+          </p:cNvSpPr>
+          <p:nvPr>
+            <p:ph type="body" sz="quarter" idx="14"/>
+          </p:nvPr>
+        </p:nvSpPr>
+        <p:spPr>
+          <a:xfrm>
+            <a:off x="1011551" y="1417838"/>
+            <a:ext cx="7379176" cy="4055761"/>
+          </a:xfrm>
+        </p:spPr>
+        <p:txBody>
+          <a:bodyPr>
+            <a:normAutofit lnSpcReduction="20000"/>
+          </a:bodyPr>
+          <a:lstStyle/>
+          <a:p>
             <a:r>
               <a:rPr lang="de-CH" dirty="0" smtClean="0"/>
-              <a:t>Container</a:t>
-            </a:r>
-            <a:endParaRPr lang="en-US" dirty="0"/>
-          </a:p>
-        </p:txBody>
-      </p:sp>
-      <p:sp>
-        <p:nvSpPr>
-          <p:cNvPr id="5" name="Rectangle 4"/>
-          <p:cNvSpPr/>
-          <p:nvPr/>
-        </p:nvSpPr>
-        <p:spPr>
-          <a:xfrm>
-            <a:off x="1095270" y="2022217"/>
-            <a:ext cx="1718268" cy="713433"/>
-          </a:xfrm>
-          <a:prstGeom prst="rect">
-            <a:avLst/>
-          </a:prstGeom>
-        </p:spPr>
-        <p:style>
-          <a:lnRef idx="1">
-            <a:schemeClr val="accent1"/>
-          </a:lnRef>
-          <a:fillRef idx="3">
-            <a:schemeClr val="accent1"/>
-          </a:fillRef>
-          <a:effectRef idx="2">
-            <a:schemeClr val="accent1"/>
-          </a:effectRef>
-          <a:fontRef idx="minor">
-            <a:schemeClr val="lt1"/>
-          </a:fontRef>
-        </p:style>
-        <p:txBody>
-          <a:bodyPr rtlCol="0" anchor="ctr"/>
-          <a:lstStyle/>
-          <a:p>
-            <a:pPr algn="ctr"/>
+              <a:t>Runnable </a:t>
+            </a:r>
+            <a:r>
+              <a:rPr lang="de-CH" dirty="0"/>
+              <a:t>instance of an image</a:t>
+            </a:r>
+            <a:endParaRPr lang="de-CH" dirty="0"/>
+          </a:p>
+          <a:p>
+            <a:pPr lvl="1"/>
+            <a:r>
+              <a:rPr lang="de-CH" b="1" i="1" dirty="0" smtClean="0"/>
+              <a:t>ps</a:t>
+            </a:r>
+            <a:r>
+              <a:rPr lang="de-CH" i="1" dirty="0"/>
+              <a:t>:</a:t>
+            </a:r>
+            <a:r>
+              <a:rPr lang="de-CH" dirty="0"/>
+              <a:t> List all running containers</a:t>
+            </a:r>
+            <a:endParaRPr lang="de-CH" dirty="0"/>
+          </a:p>
+          <a:p>
+            <a:pPr lvl="1"/>
+            <a:r>
+              <a:rPr lang="de-CH" b="1" i="1" dirty="0" smtClean="0"/>
+              <a:t>ps </a:t>
+            </a:r>
+            <a:r>
+              <a:rPr lang="de-CH" b="1" i="1" dirty="0"/>
+              <a:t>–a</a:t>
+            </a:r>
+            <a:r>
+              <a:rPr lang="de-CH" dirty="0"/>
+              <a:t>: List all containers (incl. stopped</a:t>
+            </a:r>
             <a:r>
               <a:rPr lang="de-CH" dirty="0" smtClean="0"/>
-              <a:t>Base Image</a:t>
+              <a:t>)</a:t>
             </a:r>
             <a:endParaRPr lang="de-CH" dirty="0" smtClean="0"/>
           </a:p>
           <a:p>
-            <a:pPr algn="ctr"/>
-            <a:r>
-              <a:rPr lang="de-CH" i="1" dirty="0" smtClean="0"/>
-              <a:t>ubuntu:latest</a:t>
-            </a:r>
-            <a:endParaRPr lang="de-CH" i="1" dirty="0" smtClean="0"/>
-          </a:p>
-        </p:txBody>
-      </p:sp>
-      <p:sp>
-        <p:nvSpPr>
-          <p:cNvPr id="6" name="Rounded Rectangle 5"/>
-          <p:cNvSpPr/>
-          <p:nvPr/>
-        </p:nvSpPr>
-        <p:spPr>
-          <a:xfrm>
-            <a:off x="5285433" y="2022216"/>
-            <a:ext cx="1718268" cy="713433"/>
-          </a:xfrm>
-          <a:prstGeom prst="roundRect">
-            <a:avLst/>
-          </a:prstGeom>
-        </p:spPr>
-        <p:style>
-          <a:lnRef idx="1">
-            <a:schemeClr val="accent6"/>
-          </a:lnRef>
-          <a:fillRef idx="3">
-            <a:schemeClr val="accent6"/>
-          </a:fillRef>
-          <a:effectRef idx="2">
-            <a:schemeClr val="accent6"/>
-          </a:effectRef>
-          <a:fontRef idx="minor">
-            <a:schemeClr val="lt1"/>
-          </a:fontRef>
-        </p:style>
-        <p:txBody>
-          <a:bodyPr rtlCol="0" anchor="ctr"/>
-          <a:lstStyle/>
-          <a:p>
-            <a:pPr algn="ctr"/>
+            <a:pPr lvl="1"/>
+            <a:r>
+              <a:rPr lang="de-CH" b="1" i="1" dirty="0" smtClean="0"/>
+              <a:t>top</a:t>
+            </a:r>
             <a:r>
               <a:rPr lang="de-CH" dirty="0" smtClean="0"/>
-              <a:t>Container</a:t>
+              <a:t>: Display processes of a container</a:t>
+            </a:r>
+            <a:endParaRPr lang="de-CH" dirty="0"/>
+          </a:p>
+          <a:p>
+            <a:pPr lvl="1"/>
+            <a:r>
+              <a:rPr lang="de-CH" b="1" i="1" dirty="0" smtClean="0"/>
+              <a:t>start</a:t>
+            </a:r>
+            <a:r>
+              <a:rPr lang="de-CH" dirty="0"/>
+              <a:t>: Start a stopped container</a:t>
+            </a:r>
+            <a:endParaRPr lang="de-CH" dirty="0"/>
+          </a:p>
+          <a:p>
+            <a:pPr lvl="1"/>
+            <a:r>
+              <a:rPr lang="de-CH" b="1" i="1" dirty="0" smtClean="0"/>
+              <a:t>stop</a:t>
+            </a:r>
+            <a:r>
+              <a:rPr lang="de-CH" dirty="0"/>
+              <a:t>: Stop a running container</a:t>
+            </a:r>
+            <a:endParaRPr lang="de-CH" dirty="0"/>
+          </a:p>
+          <a:p>
+            <a:pPr lvl="1"/>
+            <a:r>
+              <a:rPr lang="de-CH" b="1" i="1" dirty="0" smtClean="0"/>
+              <a:t>pause</a:t>
+            </a:r>
+            <a:r>
+              <a:rPr lang="de-CH" dirty="0"/>
+              <a:t>: Pause all processes within a </a:t>
+            </a:r>
+            <a:r>
+              <a:rPr lang="de-CH" dirty="0" smtClean="0"/>
+              <a:t>container</a:t>
             </a:r>
             <a:endParaRPr lang="de-CH" dirty="0" smtClean="0"/>
           </a:p>
           <a:p>
-            <a:pPr algn="ctr"/>
+            <a:pPr lvl="1"/>
+            <a:r>
+              <a:rPr lang="de-CH" b="1" i="1" dirty="0" smtClean="0"/>
+              <a:t>rm</a:t>
+            </a:r>
             <a:r>
               <a:rPr lang="de-CH" dirty="0" smtClean="0"/>
-              <a:t>cid1</a:t>
-            </a:r>
-            <a:endParaRPr lang="en-US" dirty="0"/>
-          </a:p>
-        </p:txBody>
-      </p:sp>
-      <p:cxnSp>
-        <p:nvCxnSpPr>
-          <p:cNvPr id="8" name="Straight Arrow Connector 7"/>
-          <p:cNvCxnSpPr>
-            <a:stCxn id="5" idx="3"/>
-            <a:endCxn id="6" idx="1"/>
-          </p:cNvCxnSpPr>
-          <p:nvPr/>
-        </p:nvCxnSpPr>
-        <p:spPr>
-          <a:xfrm>
-            <a:off x="2813538" y="2379569"/>
-            <a:ext cx="2472055" cy="0"/>
-          </a:xfrm>
-          <a:prstGeom prst="straightConnector1">
-            <a:avLst/>
-          </a:prstGeom>
-          <a:ln>
-            <a:tailEnd type="triangle"/>
-          </a:ln>
-        </p:spPr>
-        <p:style>
-          <a:lnRef idx="2">
-            <a:schemeClr val="accent1"/>
-          </a:lnRef>
-          <a:fillRef idx="0">
-            <a:schemeClr val="accent1"/>
-          </a:fillRef>
-          <a:effectRef idx="1">
-            <a:schemeClr val="accent1"/>
-          </a:effectRef>
-          <a:fontRef idx="minor">
-            <a:schemeClr val="tx1"/>
-          </a:fontRef>
-        </p:style>
-      </p:cxnSp>
-      <p:sp>
-        <p:nvSpPr>
-          <p:cNvPr id="9" name="TextBox 8"/>
-          <p:cNvSpPr txBox="1"/>
-          <p:nvPr/>
-        </p:nvSpPr>
-        <p:spPr>
-          <a:xfrm>
-            <a:off x="3753660" y="2031595"/>
-            <a:ext cx="518091" cy="369332"/>
-          </a:xfrm>
-          <a:prstGeom prst="rect">
-            <a:avLst/>
-          </a:prstGeom>
-          <a:noFill/>
-        </p:spPr>
-        <p:txBody>
-          <a:bodyPr wrap="none" rtlCol="0">
-            <a:spAutoFit/>
-          </a:bodyPr>
-          <a:lstStyle/>
-          <a:p>
+              <a:t>: Delete a container</a:t>
+            </a:r>
+            <a:endParaRPr lang="de-CH" dirty="0" smtClean="0"/>
+          </a:p>
+          <a:p>
+            <a:pPr lvl="1"/>
+            <a:r>
+              <a:rPr lang="de-CH" b="1" i="1" dirty="0" smtClean="0"/>
+              <a:t>commit</a:t>
+            </a:r>
             <a:r>
               <a:rPr lang="de-CH" dirty="0" smtClean="0"/>
-              <a:t>run</a:t>
-            </a:r>
-            <a:endParaRPr lang="en-US" dirty="0"/>
-          </a:p>
-        </p:txBody>
-      </p:sp>
-      <p:sp>
-        <p:nvSpPr>
-          <p:cNvPr id="10" name="Rounded Rectangle 9"/>
-          <p:cNvSpPr/>
-          <p:nvPr/>
-        </p:nvSpPr>
-        <p:spPr>
-          <a:xfrm>
-            <a:off x="5285433" y="3435415"/>
-            <a:ext cx="1718268" cy="713433"/>
-          </a:xfrm>
-          <a:prstGeom prst="roundRect">
-            <a:avLst/>
-          </a:prstGeom>
-        </p:spPr>
-        <p:style>
-          <a:lnRef idx="1">
-            <a:schemeClr val="accent6"/>
-          </a:lnRef>
-          <a:fillRef idx="3">
-            <a:schemeClr val="accent6"/>
-          </a:fillRef>
-          <a:effectRef idx="2">
-            <a:schemeClr val="accent6"/>
-          </a:effectRef>
-          <a:fontRef idx="minor">
-            <a:schemeClr val="lt1"/>
-          </a:fontRef>
-        </p:style>
-        <p:txBody>
-          <a:bodyPr rtlCol="0" anchor="ctr"/>
-          <a:lstStyle/>
-          <a:p>
-            <a:pPr algn="ctr"/>
-            <a:r>
-              <a:rPr lang="de-CH" dirty="0" smtClean="0"/>
-              <a:t>Container</a:t>
-            </a:r>
-            <a:endParaRPr lang="de-CH" dirty="0" smtClean="0"/>
-          </a:p>
-          <a:p>
-            <a:pPr algn="ctr"/>
-            <a:r>
-              <a:rPr lang="de-CH" dirty="0" smtClean="0"/>
-              <a:t>cid1</a:t>
-            </a:r>
-            <a:endParaRPr lang="en-US" dirty="0"/>
-          </a:p>
-        </p:txBody>
-      </p:sp>
-      <p:cxnSp>
-        <p:nvCxnSpPr>
-          <p:cNvPr id="11" name="Straight Arrow Connector 10"/>
-          <p:cNvCxnSpPr>
-            <a:stCxn id="6" idx="2"/>
-            <a:endCxn id="10" idx="0"/>
-          </p:cNvCxnSpPr>
-          <p:nvPr/>
-        </p:nvCxnSpPr>
-        <p:spPr>
-          <a:xfrm>
-            <a:off x="6145202" y="2736284"/>
-            <a:ext cx="0" cy="699135"/>
-          </a:xfrm>
-          <a:prstGeom prst="straightConnector1">
-            <a:avLst/>
-          </a:prstGeom>
-          <a:ln>
-            <a:tailEnd type="triangle"/>
-          </a:ln>
-        </p:spPr>
-        <p:style>
-          <a:lnRef idx="2">
-            <a:schemeClr val="accent1"/>
-          </a:lnRef>
-          <a:fillRef idx="0">
-            <a:schemeClr val="accent1"/>
-          </a:fillRef>
-          <a:effectRef idx="1">
-            <a:schemeClr val="accent1"/>
-          </a:effectRef>
-          <a:fontRef idx="minor">
-            <a:schemeClr val="tx1"/>
-          </a:fontRef>
-        </p:style>
-      </p:cxnSp>
-      <p:sp>
-        <p:nvSpPr>
-          <p:cNvPr id="14" name="TextBox 13"/>
-          <p:cNvSpPr txBox="1"/>
-          <p:nvPr/>
-        </p:nvSpPr>
-        <p:spPr>
-          <a:xfrm>
-            <a:off x="6115623" y="2894033"/>
-            <a:ext cx="1962397" cy="369332"/>
-          </a:xfrm>
-          <a:prstGeom prst="rect">
-            <a:avLst/>
-          </a:prstGeom>
-          <a:noFill/>
-        </p:spPr>
-        <p:txBody>
-          <a:bodyPr wrap="none" rtlCol="0">
-            <a:spAutoFit/>
-          </a:bodyPr>
-          <a:lstStyle/>
-          <a:p>
-            <a:r>
-              <a:rPr lang="de-CH" dirty="0" smtClean="0"/>
-              <a:t>cmd </a:t>
-            </a:r>
-            <a:r>
-              <a:rPr lang="de-CH" dirty="0" smtClean="0">
-                <a:sym typeface="Wingdings" panose="05000000000000000000" pitchFamily="2" charset="2"/>
-              </a:rPr>
-              <a:t> </a:t>
-            </a:r>
-            <a:r>
-              <a:rPr lang="de-CH" dirty="0" smtClean="0"/>
-              <a:t>new state</a:t>
-            </a:r>
-            <a:endParaRPr lang="en-US" dirty="0"/>
-          </a:p>
-        </p:txBody>
-      </p:sp>
-      <p:cxnSp>
-        <p:nvCxnSpPr>
-          <p:cNvPr id="15" name="Straight Arrow Connector 14"/>
-          <p:cNvCxnSpPr>
-            <a:stCxn id="10" idx="1"/>
-            <a:endCxn id="18" idx="3"/>
-          </p:cNvCxnSpPr>
-          <p:nvPr/>
-        </p:nvCxnSpPr>
-        <p:spPr>
-          <a:xfrm flipH="1" flipV="1">
-            <a:off x="2829253" y="3789592"/>
-            <a:ext cx="2456180" cy="2540"/>
-          </a:xfrm>
-          <a:prstGeom prst="straightConnector1">
-            <a:avLst/>
-          </a:prstGeom>
-          <a:ln>
-            <a:tailEnd type="triangle"/>
-          </a:ln>
-        </p:spPr>
-        <p:style>
-          <a:lnRef idx="2">
-            <a:schemeClr val="accent1"/>
-          </a:lnRef>
-          <a:fillRef idx="0">
-            <a:schemeClr val="accent1"/>
-          </a:fillRef>
-          <a:effectRef idx="1">
-            <a:schemeClr val="accent1"/>
-          </a:effectRef>
-          <a:fontRef idx="minor">
-            <a:schemeClr val="tx1"/>
-          </a:fontRef>
-        </p:style>
-      </p:cxnSp>
-      <p:sp>
-        <p:nvSpPr>
-          <p:cNvPr id="18" name="Rectangle 17"/>
-          <p:cNvSpPr/>
-          <p:nvPr/>
-        </p:nvSpPr>
-        <p:spPr>
-          <a:xfrm>
-            <a:off x="1111544" y="3432958"/>
-            <a:ext cx="1718268" cy="713433"/>
-          </a:xfrm>
-          <a:prstGeom prst="rect">
-            <a:avLst/>
-          </a:prstGeom>
-        </p:spPr>
-        <p:style>
-          <a:lnRef idx="1">
-            <a:schemeClr val="accent1"/>
-          </a:lnRef>
-          <a:fillRef idx="3">
-            <a:schemeClr val="accent1"/>
-          </a:fillRef>
-          <a:effectRef idx="2">
-            <a:schemeClr val="accent1"/>
-          </a:effectRef>
-          <a:fontRef idx="minor">
-            <a:schemeClr val="lt1"/>
-          </a:fontRef>
-        </p:style>
-        <p:txBody>
-          <a:bodyPr rtlCol="0" anchor="ctr"/>
-          <a:lstStyle/>
-          <a:p>
-            <a:pPr algn="ctr"/>
-            <a:r>
-              <a:rPr lang="de-CH" dirty="0" smtClean="0"/>
-              <a:t>New Image</a:t>
-            </a:r>
-            <a:endParaRPr lang="de-CH" dirty="0" smtClean="0"/>
-          </a:p>
-          <a:p>
-            <a:pPr algn="ctr"/>
-            <a:r>
-              <a:rPr lang="de-CH" dirty="0" smtClean="0"/>
-              <a:t>iid1</a:t>
-            </a:r>
-            <a:endParaRPr lang="de-CH" dirty="0" smtClean="0"/>
-          </a:p>
-        </p:txBody>
-      </p:sp>
-      <p:sp>
-        <p:nvSpPr>
-          <p:cNvPr id="20" name="TextBox 19"/>
-          <p:cNvSpPr txBox="1"/>
-          <p:nvPr/>
-        </p:nvSpPr>
-        <p:spPr>
-          <a:xfrm>
-            <a:off x="3609666" y="3435415"/>
-            <a:ext cx="928459" cy="369332"/>
-          </a:xfrm>
-          <a:prstGeom prst="rect">
-            <a:avLst/>
-          </a:prstGeom>
-          <a:noFill/>
-        </p:spPr>
-        <p:txBody>
-          <a:bodyPr wrap="none" rtlCol="0">
-            <a:spAutoFit/>
-          </a:bodyPr>
-          <a:lstStyle/>
-          <a:p>
-            <a:r>
-              <a:rPr lang="de-CH" dirty="0" smtClean="0"/>
-              <a:t>commit</a:t>
-            </a:r>
-            <a:endParaRPr lang="en-US" dirty="0"/>
-          </a:p>
-        </p:txBody>
-      </p:sp>
-      <p:cxnSp>
-        <p:nvCxnSpPr>
-          <p:cNvPr id="21" name="Straight Arrow Connector 20"/>
-          <p:cNvCxnSpPr>
-            <a:stCxn id="18" idx="0"/>
-            <a:endCxn id="5" idx="2"/>
-          </p:cNvCxnSpPr>
-          <p:nvPr/>
-        </p:nvCxnSpPr>
-        <p:spPr>
-          <a:xfrm flipH="1" flipV="1">
-            <a:off x="1954803" y="2736363"/>
-            <a:ext cx="15875" cy="696595"/>
-          </a:xfrm>
-          <a:prstGeom prst="straightConnector1">
-            <a:avLst/>
-          </a:prstGeom>
-          <a:ln>
-            <a:tailEnd type="triangle"/>
-          </a:ln>
-        </p:spPr>
-        <p:style>
-          <a:lnRef idx="2">
-            <a:schemeClr val="accent1"/>
-          </a:lnRef>
-          <a:fillRef idx="0">
-            <a:schemeClr val="accent1"/>
-          </a:fillRef>
-          <a:effectRef idx="1">
-            <a:schemeClr val="accent1"/>
-          </a:effectRef>
-          <a:fontRef idx="minor">
-            <a:schemeClr val="tx1"/>
-          </a:fontRef>
-        </p:style>
-      </p:cxnSp>
-      <p:sp>
-        <p:nvSpPr>
-          <p:cNvPr id="24" name="TextBox 23"/>
-          <p:cNvSpPr txBox="1"/>
-          <p:nvPr/>
-        </p:nvSpPr>
-        <p:spPr>
-          <a:xfrm>
-            <a:off x="1931226" y="2914576"/>
-            <a:ext cx="1402948" cy="369332"/>
-          </a:xfrm>
-          <a:prstGeom prst="rect">
-            <a:avLst/>
-          </a:prstGeom>
-          <a:noFill/>
-        </p:spPr>
-        <p:txBody>
-          <a:bodyPr wrap="none" rtlCol="0">
-            <a:spAutoFit/>
-          </a:bodyPr>
-          <a:lstStyle/>
-          <a:p>
-            <a:r>
-              <a:rPr lang="de-CH" dirty="0" smtClean="0"/>
-              <a:t>base image</a:t>
-            </a:r>
-            <a:endParaRPr lang="en-US" dirty="0"/>
-          </a:p>
-        </p:txBody>
-      </p:sp>
-      <p:sp>
-        <p:nvSpPr>
-          <p:cNvPr id="25" name="Rounded Rectangle 24"/>
-          <p:cNvSpPr/>
-          <p:nvPr/>
-        </p:nvSpPr>
-        <p:spPr>
-          <a:xfrm>
-            <a:off x="5340698" y="4491897"/>
-            <a:ext cx="1718268" cy="713433"/>
-          </a:xfrm>
-          <a:prstGeom prst="roundRect">
-            <a:avLst/>
-          </a:prstGeom>
-        </p:spPr>
-        <p:style>
-          <a:lnRef idx="1">
-            <a:schemeClr val="accent6"/>
-          </a:lnRef>
-          <a:fillRef idx="3">
-            <a:schemeClr val="accent6"/>
-          </a:fillRef>
-          <a:effectRef idx="2">
-            <a:schemeClr val="accent6"/>
-          </a:effectRef>
-          <a:fontRef idx="minor">
-            <a:schemeClr val="lt1"/>
-          </a:fontRef>
-        </p:style>
-        <p:txBody>
-          <a:bodyPr rtlCol="0" anchor="ctr"/>
-          <a:lstStyle/>
-          <a:p>
-            <a:pPr algn="ctr"/>
-            <a:r>
-              <a:rPr lang="de-CH" dirty="0" smtClean="0"/>
-              <a:t>Container</a:t>
-            </a:r>
-            <a:endParaRPr lang="de-CH" dirty="0" smtClean="0"/>
-          </a:p>
-          <a:p>
-            <a:pPr algn="ctr"/>
-            <a:r>
-              <a:rPr lang="de-CH" dirty="0" smtClean="0"/>
-              <a:t>cid2</a:t>
-            </a:r>
-            <a:endParaRPr lang="en-US" dirty="0"/>
-          </a:p>
-        </p:txBody>
-      </p:sp>
-      <p:cxnSp>
-        <p:nvCxnSpPr>
-          <p:cNvPr id="26" name="Straight Arrow Connector 25"/>
-          <p:cNvCxnSpPr>
-            <a:stCxn id="18" idx="2"/>
-            <a:endCxn id="25" idx="1"/>
-          </p:cNvCxnSpPr>
-          <p:nvPr/>
-        </p:nvCxnSpPr>
-        <p:spPr>
-          <a:xfrm>
-            <a:off x="1970678" y="4146391"/>
-            <a:ext cx="3370580" cy="702310"/>
-          </a:xfrm>
-          <a:prstGeom prst="straightConnector1">
-            <a:avLst/>
-          </a:prstGeom>
-          <a:ln>
-            <a:tailEnd type="triangle"/>
-          </a:ln>
-        </p:spPr>
-        <p:style>
-          <a:lnRef idx="2">
-            <a:schemeClr val="accent1"/>
-          </a:lnRef>
-          <a:fillRef idx="0">
-            <a:schemeClr val="accent1"/>
-          </a:fillRef>
-          <a:effectRef idx="1">
-            <a:schemeClr val="accent1"/>
-          </a:effectRef>
-          <a:fontRef idx="minor">
-            <a:schemeClr val="tx1"/>
-          </a:fontRef>
-        </p:style>
-      </p:cxnSp>
-      <p:sp>
-        <p:nvSpPr>
-          <p:cNvPr id="30" name="TextBox 29"/>
-          <p:cNvSpPr txBox="1"/>
-          <p:nvPr/>
-        </p:nvSpPr>
-        <p:spPr>
-          <a:xfrm>
-            <a:off x="3814849" y="4159006"/>
-            <a:ext cx="518091" cy="369332"/>
-          </a:xfrm>
-          <a:prstGeom prst="rect">
-            <a:avLst/>
-          </a:prstGeom>
-          <a:noFill/>
-        </p:spPr>
-        <p:txBody>
-          <a:bodyPr wrap="none" rtlCol="0">
-            <a:spAutoFit/>
-          </a:bodyPr>
-          <a:lstStyle/>
-          <a:p>
-            <a:r>
-              <a:rPr lang="de-CH" dirty="0" smtClean="0"/>
-              <a:t>run</a:t>
+              <a:t>: Create an image from a container</a:t>
             </a:r>
             <a:endParaRPr lang="en-US" dirty="0"/>
           </a:p>
@@ -4208,6 +3810,106 @@
       </p:grpSpPr>
       <p:sp>
         <p:nvSpPr>
+          <p:cNvPr id="32" name="Rounded Rectangle 31"/>
+          <p:cNvSpPr/>
+          <p:nvPr/>
+        </p:nvSpPr>
+        <p:spPr>
+          <a:xfrm>
+            <a:off x="5645498" y="5208679"/>
+            <a:ext cx="1718268" cy="713433"/>
+          </a:xfrm>
+          <a:prstGeom prst="roundRect">
+            <a:avLst/>
+          </a:prstGeom>
+        </p:spPr>
+        <p:style>
+          <a:lnRef idx="1">
+            <a:schemeClr val="accent6"/>
+          </a:lnRef>
+          <a:fillRef idx="3">
+            <a:schemeClr val="accent6"/>
+          </a:fillRef>
+          <a:effectRef idx="2">
+            <a:schemeClr val="accent6"/>
+          </a:effectRef>
+          <a:fontRef idx="minor">
+            <a:schemeClr val="lt1"/>
+          </a:fontRef>
+        </p:style>
+        <p:txBody>
+          <a:bodyPr rtlCol="0" anchor="ctr"/>
+          <a:lstStyle/>
+          <a:p>
+            <a:pPr algn="ctr"/>
+            <a:r>
+              <a:rPr lang="de-CH" dirty="0" smtClean="0"/>
+              <a:t>Container</a:t>
+            </a:r>
+            <a:endParaRPr lang="de-CH" dirty="0" smtClean="0"/>
+          </a:p>
+          <a:p>
+            <a:pPr algn="ctr"/>
+            <a:r>
+              <a:rPr lang="de-CH" dirty="0" smtClean="0"/>
+              <a:t>cid4</a:t>
+            </a:r>
+            <a:endParaRPr lang="en-US" dirty="0"/>
+          </a:p>
+        </p:txBody>
+      </p:sp>
+      <p:sp>
+        <p:nvSpPr>
+          <p:cNvPr id="31" name="Rounded Rectangle 30"/>
+          <p:cNvSpPr/>
+          <p:nvPr/>
+        </p:nvSpPr>
+        <p:spPr>
+          <a:xfrm>
+            <a:off x="5493098" y="4845261"/>
+            <a:ext cx="1718268" cy="713433"/>
+          </a:xfrm>
+          <a:prstGeom prst="roundRect">
+            <a:avLst/>
+          </a:prstGeom>
+        </p:spPr>
+        <p:style>
+          <a:lnRef idx="1">
+            <a:schemeClr val="accent6"/>
+          </a:lnRef>
+          <a:fillRef idx="3">
+            <a:schemeClr val="accent6"/>
+          </a:fillRef>
+          <a:effectRef idx="2">
+            <a:schemeClr val="accent6"/>
+          </a:effectRef>
+          <a:fontRef idx="minor">
+            <a:schemeClr val="lt1"/>
+          </a:fontRef>
+        </p:style>
+        <p:txBody>
+          <a:bodyPr rtlCol="0" anchor="ctr"/>
+          <a:lstStyle/>
+          <a:p>
+            <a:pPr algn="ctr"/>
+            <a:r>
+              <a:rPr lang="de-CH" dirty="0" smtClean="0"/>
+              <a:t>Container</a:t>
+            </a:r>
+            <a:endParaRPr lang="de-CH" dirty="0" smtClean="0"/>
+          </a:p>
+          <a:p>
+            <a:pPr algn="ctr"/>
+            <a:r>
+              <a:rPr lang="de-CH" dirty="0" smtClean="0"/>
+              <a:t>cid3</a:t>
+            </a:r>
+            <a:endParaRPr lang="en-US" dirty="0"/>
+          </a:p>
+        </p:txBody>
+      </p:sp>
+      <p:sp>
+        <p:nvSpPr>
           <p:cNvPr id="2" name="Slide Number Placeholder 1"/>
           <p:cNvSpPr>
             <a:spLocks noGrp="1"/>
@@ -4238,14 +3940,27 @@
             <p:ph type="body" sz="quarter" idx="13"/>
           </p:nvPr>
         </p:nvSpPr>
-        <p:spPr/>
+        <p:spPr>
+          <a:xfrm>
+            <a:off x="1011555" y="279400"/>
+            <a:ext cx="6743065" cy="1445260"/>
+          </a:xfrm>
+        </p:spPr>
         <p:txBody>
           <a:bodyPr/>
           <a:lstStyle/>
           <a:p>
             <a:r>
               <a:rPr lang="de-CH" dirty="0" smtClean="0"/>
-              <a:t>Dockerfile</a:t>
+              <a:t>Image vs. </a:t>
+            </a:r>
+            <a:r>
+              <a:rPr lang="en-US" altLang="de-CH" dirty="0" smtClean="0"/>
+              <a:t>				</a:t>
+            </a:r>
+            <a:r>
+              <a:rPr lang="de-CH" dirty="0" smtClean="0"/>
+              <a:t>Container</a:t>
             </a:r>
             <a:endParaRPr lang="en-US" dirty="0"/>
           </a:p>
@@ -4253,240 +3968,591 @@
       </p:sp>
       <p:sp>
         <p:nvSpPr>
-          <p:cNvPr id="4" name="Text Placeholder 3"/>
-          <p:cNvSpPr>
-            <a:spLocks noGrp="1"/>
-          </p:cNvSpPr>
-          <p:nvPr>
-            <p:ph type="body" sz="quarter" idx="14"/>
-          </p:nvPr>
-        </p:nvSpPr>
-        <p:spPr>
-          <a:xfrm>
-            <a:off x="1011555" y="1924050"/>
-            <a:ext cx="7286625" cy="914400"/>
-          </a:xfrm>
-        </p:spPr>
-        <p:txBody>
-          <a:bodyPr/>
-          <a:lstStyle/>
-          <a:p>
+          <p:cNvPr id="5" name="Rectangle 4"/>
+          <p:cNvSpPr/>
+          <p:nvPr/>
+        </p:nvSpPr>
+        <p:spPr>
+          <a:xfrm>
+            <a:off x="1095270" y="2022217"/>
+            <a:ext cx="1718268" cy="713433"/>
+          </a:xfrm>
+          <a:prstGeom prst="rect">
+            <a:avLst/>
+          </a:prstGeom>
+        </p:spPr>
+        <p:style>
+          <a:lnRef idx="1">
+            <a:schemeClr val="accent1"/>
+          </a:lnRef>
+          <a:fillRef idx="3">
+            <a:schemeClr val="accent1"/>
+          </a:fillRef>
+          <a:effectRef idx="2">
+            <a:schemeClr val="accent1"/>
+          </a:effectRef>
+          <a:fontRef idx="minor">
+            <a:schemeClr val="lt1"/>
+          </a:fontRef>
+        </p:style>
+        <p:txBody>
+          <a:bodyPr rtlCol="0" anchor="ctr"/>
+          <a:lstStyle/>
+          <a:p>
+            <a:pPr algn="ctr"/>
             <a:r>
               <a:rPr lang="de-CH" dirty="0" smtClean="0"/>
-              <a:t>Create images automatically using a build script: </a:t>
+              <a:t>Base Image</a:t>
+            </a:r>
+            <a:endParaRPr lang="de-CH" dirty="0" smtClean="0"/>
+          </a:p>
+          <a:p>
+            <a:pPr algn="ctr"/>
+            <a:r>
+              <a:rPr lang="de-CH" i="1" dirty="0" smtClean="0"/>
+              <a:t>ubuntu:latest</a:t>
+            </a:r>
+            <a:endParaRPr lang="de-CH" i="1" dirty="0" smtClean="0"/>
+          </a:p>
+        </p:txBody>
+      </p:sp>
+      <p:sp>
+        <p:nvSpPr>
+          <p:cNvPr id="6" name="Rounded Rectangle 5"/>
+          <p:cNvSpPr/>
+          <p:nvPr/>
+        </p:nvSpPr>
+        <p:spPr>
+          <a:xfrm>
+            <a:off x="5285433" y="2022216"/>
+            <a:ext cx="1718268" cy="713433"/>
+          </a:xfrm>
+          <a:prstGeom prst="roundRect">
+            <a:avLst/>
+          </a:prstGeom>
+        </p:spPr>
+        <p:style>
+          <a:lnRef idx="1">
+            <a:schemeClr val="accent6"/>
+          </a:lnRef>
+          <a:fillRef idx="3">
+            <a:schemeClr val="accent6"/>
+          </a:fillRef>
+          <a:effectRef idx="2">
+            <a:schemeClr val="accent6"/>
+          </a:effectRef>
+          <a:fontRef idx="minor">
+            <a:schemeClr val="lt1"/>
+          </a:fontRef>
+        </p:style>
+        <p:txBody>
+          <a:bodyPr rtlCol="0" anchor="ctr"/>
+          <a:lstStyle/>
+          <a:p>
+            <a:pPr algn="ctr"/>
+            <a:r>
+              <a:rPr lang="de-CH" dirty="0" smtClean="0"/>
+              <a:t>Container</a:t>
+            </a:r>
+            <a:endParaRPr lang="de-CH" dirty="0" smtClean="0"/>
+          </a:p>
+          <a:p>
+            <a:pPr algn="ctr"/>
+            <a:r>
+              <a:rPr lang="de-CH" dirty="0" smtClean="0"/>
+              <a:t>cid1</a:t>
+            </a:r>
+            <a:endParaRPr lang="en-US" dirty="0"/>
+          </a:p>
+        </p:txBody>
+      </p:sp>
+      <p:cxnSp>
+        <p:nvCxnSpPr>
+          <p:cNvPr id="8" name="Straight Arrow Connector 7"/>
+          <p:cNvCxnSpPr>
+            <a:stCxn id="5" idx="3"/>
+            <a:endCxn id="6" idx="1"/>
+          </p:cNvCxnSpPr>
+          <p:nvPr/>
+        </p:nvCxnSpPr>
+        <p:spPr>
+          <a:xfrm>
+            <a:off x="2813538" y="2379569"/>
+            <a:ext cx="2472055" cy="0"/>
+          </a:xfrm>
+          <a:prstGeom prst="straightConnector1">
+            <a:avLst/>
+          </a:prstGeom>
+          <a:ln>
+            <a:tailEnd type="triangle"/>
+          </a:ln>
+        </p:spPr>
+        <p:style>
+          <a:lnRef idx="2">
+            <a:schemeClr val="accent1"/>
+          </a:lnRef>
+          <a:fillRef idx="0">
+            <a:schemeClr val="accent1"/>
+          </a:fillRef>
+          <a:effectRef idx="1">
+            <a:schemeClr val="accent1"/>
+          </a:effectRef>
+          <a:fontRef idx="minor">
+            <a:schemeClr val="tx1"/>
+          </a:fontRef>
+        </p:style>
+      </p:cxnSp>
+      <p:sp>
+        <p:nvSpPr>
+          <p:cNvPr id="9" name="TextBox 8"/>
+          <p:cNvSpPr txBox="1"/>
+          <p:nvPr/>
+        </p:nvSpPr>
+        <p:spPr>
+          <a:xfrm>
+            <a:off x="3753660" y="2031595"/>
+            <a:ext cx="518091" cy="369332"/>
+          </a:xfrm>
+          <a:prstGeom prst="rect">
+            <a:avLst/>
+          </a:prstGeom>
+          <a:noFill/>
+        </p:spPr>
+        <p:txBody>
+          <a:bodyPr wrap="none" rtlCol="0">
+            <a:spAutoFit/>
+          </a:bodyPr>
+          <a:lstStyle/>
+          <a:p>
+            <a:r>
+              <a:rPr lang="de-CH" dirty="0" smtClean="0"/>
+              <a:t>run</a:t>
+            </a:r>
+            <a:endParaRPr lang="en-US" dirty="0"/>
+          </a:p>
+        </p:txBody>
+      </p:sp>
+      <p:sp>
+        <p:nvSpPr>
+          <p:cNvPr id="10" name="Rounded Rectangle 9"/>
+          <p:cNvSpPr/>
+          <p:nvPr/>
+        </p:nvSpPr>
+        <p:spPr>
+          <a:xfrm>
+            <a:off x="5285433" y="3435415"/>
+            <a:ext cx="1718268" cy="713433"/>
+          </a:xfrm>
+          <a:prstGeom prst="roundRect">
+            <a:avLst/>
+          </a:prstGeom>
+        </p:spPr>
+        <p:style>
+          <a:lnRef idx="1">
+            <a:schemeClr val="accent6"/>
+          </a:lnRef>
+          <a:fillRef idx="3">
+            <a:schemeClr val="accent6"/>
+          </a:fillRef>
+          <a:effectRef idx="2">
+            <a:schemeClr val="accent6"/>
+          </a:effectRef>
+          <a:fontRef idx="minor">
+            <a:schemeClr val="lt1"/>
+          </a:fontRef>
+        </p:style>
+        <p:txBody>
+          <a:bodyPr rtlCol="0" anchor="ctr"/>
+          <a:lstStyle/>
+          <a:p>
+            <a:pPr algn="ctr"/>
+            <a:r>
+              <a:rPr lang="de-CH" dirty="0" smtClean="0"/>
+              <a:t>Container</a:t>
+            </a:r>
+            <a:endParaRPr lang="de-CH" dirty="0" smtClean="0"/>
+          </a:p>
+          <a:p>
+            <a:pPr algn="ctr"/>
+            <a:r>
+              <a:rPr lang="de-CH" dirty="0" smtClean="0"/>
+              <a:t>cid1</a:t>
+            </a:r>
+            <a:endParaRPr lang="en-US" dirty="0"/>
+          </a:p>
+        </p:txBody>
+      </p:sp>
+      <p:cxnSp>
+        <p:nvCxnSpPr>
+          <p:cNvPr id="11" name="Straight Arrow Connector 10"/>
+          <p:cNvCxnSpPr>
+            <a:stCxn id="6" idx="2"/>
+            <a:endCxn id="10" idx="0"/>
+          </p:cNvCxnSpPr>
+          <p:nvPr/>
+        </p:nvCxnSpPr>
+        <p:spPr>
+          <a:xfrm>
+            <a:off x="6145202" y="2736284"/>
+            <a:ext cx="0" cy="699135"/>
+          </a:xfrm>
+          <a:prstGeom prst="straightConnector1">
+            <a:avLst/>
+          </a:prstGeom>
+          <a:ln>
+            <a:tailEnd type="triangle"/>
+          </a:ln>
+        </p:spPr>
+        <p:style>
+          <a:lnRef idx="2">
+            <a:schemeClr val="accent1"/>
+          </a:lnRef>
+          <a:fillRef idx="0">
+            <a:schemeClr val="accent1"/>
+          </a:fillRef>
+          <a:effectRef idx="1">
+            <a:schemeClr val="accent1"/>
+          </a:effectRef>
+          <a:fontRef idx="minor">
+            <a:schemeClr val="tx1"/>
+          </a:fontRef>
+        </p:style>
+      </p:cxnSp>
+      <p:sp>
+        <p:nvSpPr>
+          <p:cNvPr id="14" name="TextBox 13"/>
+          <p:cNvSpPr txBox="1"/>
+          <p:nvPr/>
+        </p:nvSpPr>
+        <p:spPr>
+          <a:xfrm>
+            <a:off x="6115623" y="2894033"/>
+            <a:ext cx="1962397" cy="369332"/>
+          </a:xfrm>
+          <a:prstGeom prst="rect">
+            <a:avLst/>
+          </a:prstGeom>
+          <a:noFill/>
+        </p:spPr>
+        <p:txBody>
+          <a:bodyPr wrap="none" rtlCol="0">
+            <a:spAutoFit/>
+          </a:bodyPr>
+          <a:lstStyle/>
+          <a:p>
+            <a:r>
+              <a:rPr lang="de-CH" dirty="0" smtClean="0"/>
+              <a:t>cmd </a:t>
             </a:r>
             <a:r>
               <a:rPr lang="de-CH" dirty="0" smtClean="0">
-                <a:latin typeface="Courier 10 Pitch" charset="0"/>
-                <a:cs typeface="Courier 10 Pitch" charset="0"/>
+                <a:sym typeface="Wingdings" panose="05000000000000000000" pitchFamily="2" charset="2"/>
               </a:rPr>
-              <a:t>«Dockerfile»</a:t>
-            </a:r>
-            <a:endParaRPr lang="de-CH" dirty="0" smtClean="0">
-              <a:latin typeface="Courier 10 Pitch" charset="0"/>
-              <a:cs typeface="Courier 10 Pitch" charset="0"/>
-            </a:endParaRPr>
-          </a:p>
-          <a:p>
-            <a:pPr marL="914400" lvl="2" indent="0">
-              <a:buNone/>
-            </a:pPr>
-            <a:r>
-              <a:rPr lang="de-CH" sz="2400" dirty="0" smtClean="0">
-                <a:solidFill>
-                  <a:srgbClr val="00B050"/>
-                </a:solidFill>
-                <a:latin typeface="Courier New" panose="02070309020205020404" pitchFamily="49" charset="0"/>
-                <a:cs typeface="Courier New" panose="02070309020205020404" pitchFamily="49" charset="0"/>
-                <a:sym typeface="+mn-ea"/>
-              </a:rPr>
-              <a:t>FROM ubuntu</a:t>
-            </a:r>
-            <a:br>
-              <a:rPr lang="de-CH" sz="2400" dirty="0" smtClean="0">
-                <a:solidFill>
-                  <a:srgbClr val="00B050"/>
-                </a:solidFill>
-                <a:latin typeface="Courier New" panose="02070309020205020404" pitchFamily="49" charset="0"/>
-                <a:cs typeface="Courier New" panose="02070309020205020404" pitchFamily="49" charset="0"/>
-                <a:sym typeface="+mn-ea"/>
-              </a:rPr>
-            </a:br>
-            <a:r>
-              <a:rPr lang="en-US" sz="2400" dirty="0" smtClean="0">
-                <a:solidFill>
-                  <a:srgbClr val="00B050"/>
-                </a:solidFill>
-                <a:latin typeface="Courier New" panose="02070309020205020404" pitchFamily="49" charset="0"/>
-                <a:cs typeface="Courier New" panose="02070309020205020404" pitchFamily="49" charset="0"/>
-                <a:sym typeface="+mn-ea"/>
-              </a:rPr>
-              <a:t>ENV </a:t>
-            </a:r>
-            <a:r>
-              <a:rPr lang="en-US" sz="2400" dirty="0">
-                <a:solidFill>
-                  <a:srgbClr val="00B050"/>
-                </a:solidFill>
-                <a:latin typeface="Courier New" panose="02070309020205020404" pitchFamily="49" charset="0"/>
-                <a:cs typeface="Courier New" panose="02070309020205020404" pitchFamily="49" charset="0"/>
-                <a:sym typeface="+mn-ea"/>
-              </a:rPr>
-              <a:t>DOCK_MESSAGE </a:t>
-            </a:r>
-            <a:r>
-              <a:rPr lang="en-US" altLang="en-US" sz="2400" dirty="0">
-                <a:solidFill>
-                  <a:srgbClr val="00B050"/>
-                </a:solidFill>
-                <a:latin typeface="Courier New" panose="02070309020205020404" pitchFamily="49" charset="0"/>
-                <a:cs typeface="Courier New" panose="02070309020205020404" pitchFamily="49" charset="0"/>
-                <a:sym typeface="+mn-ea"/>
-              </a:rPr>
-              <a:t>“</a:t>
-            </a:r>
-            <a:r>
-              <a:rPr lang="en-US" sz="2400" dirty="0">
-                <a:solidFill>
-                  <a:srgbClr val="00B050"/>
-                </a:solidFill>
-                <a:latin typeface="Courier New" panose="02070309020205020404" pitchFamily="49" charset="0"/>
-                <a:cs typeface="Courier New" panose="02070309020205020404" pitchFamily="49" charset="0"/>
-                <a:sym typeface="+mn-ea"/>
-              </a:rPr>
-              <a:t>Hello My </a:t>
-            </a:r>
-            <a:r>
-              <a:rPr lang="en-US" sz="2400" dirty="0" smtClean="0">
-                <a:solidFill>
-                  <a:srgbClr val="00B050"/>
-                </a:solidFill>
-                <a:latin typeface="Courier New" panose="02070309020205020404" pitchFamily="49" charset="0"/>
-                <a:cs typeface="Courier New" panose="02070309020205020404" pitchFamily="49" charset="0"/>
-                <a:sym typeface="+mn-ea"/>
-              </a:rPr>
-              <a:t>World</a:t>
-            </a:r>
-            <a:r>
-              <a:rPr lang="en-US" altLang="en-US" sz="2400" dirty="0" smtClean="0">
-                <a:solidFill>
-                  <a:srgbClr val="00B050"/>
-                </a:solidFill>
-                <a:latin typeface="Courier New" panose="02070309020205020404" pitchFamily="49" charset="0"/>
-                <a:cs typeface="Courier New" panose="02070309020205020404" pitchFamily="49" charset="0"/>
-                <a:sym typeface="+mn-ea"/>
-              </a:rPr>
-              <a:t>”</a:t>
-            </a:r>
-            <a:br>
-              <a:rPr lang="en-US" sz="2400" dirty="0" smtClean="0">
-                <a:solidFill>
-                  <a:srgbClr val="00B050"/>
-                </a:solidFill>
-                <a:latin typeface="Courier New" panose="02070309020205020404" pitchFamily="49" charset="0"/>
-                <a:cs typeface="Courier New" panose="02070309020205020404" pitchFamily="49" charset="0"/>
-                <a:sym typeface="+mn-ea"/>
-              </a:rPr>
-            </a:br>
-            <a:r>
-              <a:rPr lang="en-US" sz="2400" dirty="0" smtClean="0">
-                <a:solidFill>
-                  <a:srgbClr val="00B050"/>
-                </a:solidFill>
-                <a:latin typeface="Courier New" panose="02070309020205020404" pitchFamily="49" charset="0"/>
-                <a:cs typeface="Courier New" panose="02070309020205020404" pitchFamily="49" charset="0"/>
-                <a:sym typeface="+mn-ea"/>
-              </a:rPr>
-              <a:t>ADD </a:t>
-            </a:r>
-            <a:r>
-              <a:rPr lang="en-US" sz="2400" dirty="0" err="1" smtClean="0">
-                <a:solidFill>
-                  <a:srgbClr val="00B050"/>
-                </a:solidFill>
-                <a:latin typeface="Courier New" panose="02070309020205020404" pitchFamily="49" charset="0"/>
-                <a:cs typeface="Courier New" panose="02070309020205020404" pitchFamily="49" charset="0"/>
-                <a:sym typeface="+mn-ea"/>
-              </a:rPr>
-              <a:t>dir</a:t>
-            </a:r>
-            <a:r>
-              <a:rPr lang="en-US" sz="2400" dirty="0" smtClean="0">
-                <a:solidFill>
-                  <a:srgbClr val="00B050"/>
-                </a:solidFill>
-                <a:latin typeface="Courier New" panose="02070309020205020404" pitchFamily="49" charset="0"/>
-                <a:cs typeface="Courier New" panose="02070309020205020404" pitchFamily="49" charset="0"/>
-                <a:sym typeface="+mn-ea"/>
-              </a:rPr>
-              <a:t> /files</a:t>
-            </a:r>
-            <a:br>
-              <a:rPr lang="en-US" sz="2400" dirty="0" smtClean="0">
-                <a:solidFill>
-                  <a:srgbClr val="00B050"/>
-                </a:solidFill>
-                <a:latin typeface="Courier New" panose="02070309020205020404" pitchFamily="49" charset="0"/>
-                <a:cs typeface="Courier New" panose="02070309020205020404" pitchFamily="49" charset="0"/>
-                <a:sym typeface="+mn-ea"/>
-              </a:rPr>
-            </a:br>
-            <a:r>
-              <a:rPr lang="en-US" sz="2400" dirty="0" smtClean="0">
-                <a:solidFill>
-                  <a:srgbClr val="00B050"/>
-                </a:solidFill>
-                <a:latin typeface="Courier New" panose="02070309020205020404" pitchFamily="49" charset="0"/>
-                <a:cs typeface="Courier New" panose="02070309020205020404" pitchFamily="49" charset="0"/>
-                <a:sym typeface="+mn-ea"/>
-              </a:rPr>
-              <a:t>CMD </a:t>
-            </a:r>
-            <a:r>
-              <a:rPr lang="en-US" sz="2400" dirty="0">
-                <a:solidFill>
-                  <a:srgbClr val="00B050"/>
-                </a:solidFill>
-                <a:latin typeface="Courier New" panose="02070309020205020404" pitchFamily="49" charset="0"/>
-                <a:cs typeface="Courier New" panose="02070309020205020404" pitchFamily="49" charset="0"/>
-                <a:sym typeface="+mn-ea"/>
-              </a:rPr>
-              <a:t>["bash", "</a:t>
-            </a:r>
-            <a:r>
-              <a:rPr lang="en-US" sz="2400" dirty="0" err="1" smtClean="0">
-                <a:solidFill>
-                  <a:srgbClr val="00B050"/>
-                </a:solidFill>
-                <a:latin typeface="Courier New" panose="02070309020205020404" pitchFamily="49" charset="0"/>
-                <a:cs typeface="Courier New" panose="02070309020205020404" pitchFamily="49" charset="0"/>
-                <a:sym typeface="+mn-ea"/>
-              </a:rPr>
-              <a:t>someScript</a:t>
-            </a:r>
-            <a:r>
-              <a:rPr lang="en-US" sz="2400" dirty="0" smtClean="0">
-                <a:solidFill>
-                  <a:srgbClr val="00B050"/>
-                </a:solidFill>
-                <a:latin typeface="Courier New" panose="02070309020205020404" pitchFamily="49" charset="0"/>
-                <a:cs typeface="Courier New" panose="02070309020205020404" pitchFamily="49" charset="0"/>
-                <a:sym typeface="+mn-ea"/>
-              </a:rPr>
-              <a:t>"]</a:t>
-            </a:r>
-            <a:endParaRPr lang="en-US" sz="2400">
-              <a:solidFill>
-                <a:srgbClr val="00B050"/>
-              </a:solidFill>
-            </a:endParaRPr>
-          </a:p>
-          <a:p>
-            <a:endParaRPr lang="en-US" sz="2400" dirty="0">
-              <a:solidFill>
-                <a:srgbClr val="00B050"/>
-              </a:solidFill>
-            </a:endParaRPr>
+              <a:t> </a:t>
+            </a:r>
+            <a:r>
+              <a:rPr lang="de-CH" dirty="0" smtClean="0"/>
+              <a:t>new state</a:t>
+            </a:r>
+            <a:endParaRPr lang="en-US" dirty="0"/>
+          </a:p>
+        </p:txBody>
+      </p:sp>
+      <p:cxnSp>
+        <p:nvCxnSpPr>
+          <p:cNvPr id="15" name="Straight Arrow Connector 14"/>
+          <p:cNvCxnSpPr>
+            <a:stCxn id="10" idx="1"/>
+            <a:endCxn id="18" idx="3"/>
+          </p:cNvCxnSpPr>
+          <p:nvPr/>
+        </p:nvCxnSpPr>
+        <p:spPr>
+          <a:xfrm flipH="1" flipV="1">
+            <a:off x="2829253" y="3789592"/>
+            <a:ext cx="2456180" cy="2540"/>
+          </a:xfrm>
+          <a:prstGeom prst="straightConnector1">
+            <a:avLst/>
+          </a:prstGeom>
+          <a:ln>
+            <a:tailEnd type="triangle"/>
+          </a:ln>
+        </p:spPr>
+        <p:style>
+          <a:lnRef idx="2">
+            <a:schemeClr val="accent1"/>
+          </a:lnRef>
+          <a:fillRef idx="0">
+            <a:schemeClr val="accent1"/>
+          </a:fillRef>
+          <a:effectRef idx="1">
+            <a:schemeClr val="accent1"/>
+          </a:effectRef>
+          <a:fontRef idx="minor">
+            <a:schemeClr val="tx1"/>
+          </a:fontRef>
+        </p:style>
+      </p:cxnSp>
+      <p:sp>
+        <p:nvSpPr>
+          <p:cNvPr id="18" name="Rectangle 17"/>
+          <p:cNvSpPr/>
+          <p:nvPr/>
+        </p:nvSpPr>
+        <p:spPr>
+          <a:xfrm>
+            <a:off x="1111544" y="3432958"/>
+            <a:ext cx="1718268" cy="713433"/>
+          </a:xfrm>
+          <a:prstGeom prst="rect">
+            <a:avLst/>
+          </a:prstGeom>
+        </p:spPr>
+        <p:style>
+          <a:lnRef idx="1">
+            <a:schemeClr val="accent1"/>
+          </a:lnRef>
+          <a:fillRef idx="3">
+            <a:schemeClr val="accent1"/>
+          </a:fillRef>
+          <a:effectRef idx="2">
+            <a:schemeClr val="accent1"/>
+          </a:effectRef>
+          <a:fontRef idx="minor">
+            <a:schemeClr val="lt1"/>
+          </a:fontRef>
+        </p:style>
+        <p:txBody>
+          <a:bodyPr rtlCol="0" anchor="ctr"/>
+          <a:lstStyle/>
+          <a:p>
+            <a:pPr algn="ctr"/>
+            <a:r>
+              <a:rPr lang="de-CH" dirty="0" smtClean="0"/>
+              <a:t>New Image</a:t>
+            </a:r>
+            <a:endParaRPr lang="de-CH" dirty="0" smtClean="0"/>
+          </a:p>
+          <a:p>
+            <a:pPr algn="ctr"/>
+            <a:r>
+              <a:rPr lang="de-CH" dirty="0" smtClean="0"/>
+              <a:t>iid1</a:t>
+            </a:r>
+            <a:endParaRPr lang="de-CH" dirty="0" smtClean="0"/>
+          </a:p>
+        </p:txBody>
+      </p:sp>
+      <p:sp>
+        <p:nvSpPr>
+          <p:cNvPr id="20" name="TextBox 19"/>
+          <p:cNvSpPr txBox="1"/>
+          <p:nvPr/>
+        </p:nvSpPr>
+        <p:spPr>
+          <a:xfrm>
+            <a:off x="3609666" y="3435415"/>
+            <a:ext cx="928459" cy="369332"/>
+          </a:xfrm>
+          <a:prstGeom prst="rect">
+            <a:avLst/>
+          </a:prstGeom>
+          <a:noFill/>
+        </p:spPr>
+        <p:txBody>
+          <a:bodyPr wrap="none" rtlCol="0">
+            <a:spAutoFit/>
+          </a:bodyPr>
+          <a:lstStyle/>
+          <a:p>
+            <a:r>
+              <a:rPr lang="de-CH" dirty="0" smtClean="0"/>
+              <a:t>commit</a:t>
+            </a:r>
+            <a:endParaRPr lang="en-US" dirty="0"/>
+          </a:p>
+        </p:txBody>
+      </p:sp>
+      <p:cxnSp>
+        <p:nvCxnSpPr>
+          <p:cNvPr id="21" name="Straight Arrow Connector 20"/>
+          <p:cNvCxnSpPr>
+            <a:stCxn id="18" idx="0"/>
+            <a:endCxn id="5" idx="2"/>
+          </p:cNvCxnSpPr>
+          <p:nvPr/>
+        </p:nvCxnSpPr>
+        <p:spPr>
+          <a:xfrm flipH="1" flipV="1">
+            <a:off x="1954803" y="2736363"/>
+            <a:ext cx="15875" cy="696595"/>
+          </a:xfrm>
+          <a:prstGeom prst="straightConnector1">
+            <a:avLst/>
+          </a:prstGeom>
+          <a:ln>
+            <a:tailEnd type="triangle"/>
+          </a:ln>
+        </p:spPr>
+        <p:style>
+          <a:lnRef idx="2">
+            <a:schemeClr val="accent1"/>
+          </a:lnRef>
+          <a:fillRef idx="0">
+            <a:schemeClr val="accent1"/>
+          </a:fillRef>
+          <a:effectRef idx="1">
+            <a:schemeClr val="accent1"/>
+          </a:effectRef>
+          <a:fontRef idx="minor">
+            <a:schemeClr val="tx1"/>
+          </a:fontRef>
+        </p:style>
+      </p:cxnSp>
+      <p:sp>
+        <p:nvSpPr>
+          <p:cNvPr id="24" name="TextBox 23"/>
+          <p:cNvSpPr txBox="1"/>
+          <p:nvPr/>
+        </p:nvSpPr>
+        <p:spPr>
+          <a:xfrm>
+            <a:off x="1931226" y="2914576"/>
+            <a:ext cx="1402948" cy="369332"/>
+          </a:xfrm>
+          <a:prstGeom prst="rect">
+            <a:avLst/>
+          </a:prstGeom>
+          <a:noFill/>
+        </p:spPr>
+        <p:txBody>
+          <a:bodyPr wrap="none" rtlCol="0">
+            <a:spAutoFit/>
+          </a:bodyPr>
+          <a:lstStyle/>
+          <a:p>
+            <a:r>
+              <a:rPr lang="de-CH" dirty="0" smtClean="0"/>
+              <a:t>base image</a:t>
+            </a:r>
+            <a:endParaRPr lang="en-US" dirty="0"/>
+          </a:p>
+        </p:txBody>
+      </p:sp>
+      <p:sp>
+        <p:nvSpPr>
+          <p:cNvPr id="25" name="Rounded Rectangle 24"/>
+          <p:cNvSpPr/>
+          <p:nvPr/>
+        </p:nvSpPr>
+        <p:spPr>
+          <a:xfrm>
+            <a:off x="5340698" y="4491897"/>
+            <a:ext cx="1718268" cy="713433"/>
+          </a:xfrm>
+          <a:prstGeom prst="roundRect">
+            <a:avLst/>
+          </a:prstGeom>
+        </p:spPr>
+        <p:style>
+          <a:lnRef idx="1">
+            <a:schemeClr val="accent6"/>
+          </a:lnRef>
+          <a:fillRef idx="3">
+            <a:schemeClr val="accent6"/>
+          </a:fillRef>
+          <a:effectRef idx="2">
+            <a:schemeClr val="accent6"/>
+          </a:effectRef>
+          <a:fontRef idx="minor">
+            <a:schemeClr val="lt1"/>
+          </a:fontRef>
+        </p:style>
+        <p:txBody>
+          <a:bodyPr rtlCol="0" anchor="ctr"/>
+          <a:lstStyle/>
+          <a:p>
+            <a:pPr algn="ctr"/>
+            <a:r>
+              <a:rPr lang="de-CH" dirty="0" smtClean="0"/>
+              <a:t>Container</a:t>
+            </a:r>
+            <a:endParaRPr lang="de-CH" dirty="0" smtClean="0"/>
+          </a:p>
+          <a:p>
+            <a:pPr algn="ctr"/>
+            <a:r>
+              <a:rPr lang="de-CH" dirty="0" smtClean="0"/>
+              <a:t>cid2</a:t>
+            </a:r>
+            <a:endParaRPr lang="en-US" dirty="0"/>
+          </a:p>
+        </p:txBody>
+      </p:sp>
+      <p:cxnSp>
+        <p:nvCxnSpPr>
+          <p:cNvPr id="26" name="Straight Arrow Connector 25"/>
+          <p:cNvCxnSpPr>
+            <a:stCxn id="18" idx="2"/>
+            <a:endCxn id="25" idx="1"/>
+          </p:cNvCxnSpPr>
+          <p:nvPr/>
+        </p:nvCxnSpPr>
+        <p:spPr>
+          <a:xfrm>
+            <a:off x="1970678" y="4146391"/>
+            <a:ext cx="3370580" cy="702310"/>
+          </a:xfrm>
+          <a:prstGeom prst="straightConnector1">
+            <a:avLst/>
+          </a:prstGeom>
+          <a:ln>
+            <a:tailEnd type="triangle"/>
+          </a:ln>
+        </p:spPr>
+        <p:style>
+          <a:lnRef idx="2">
+            <a:schemeClr val="accent1"/>
+          </a:lnRef>
+          <a:fillRef idx="0">
+            <a:schemeClr val="accent1"/>
+          </a:fillRef>
+          <a:effectRef idx="1">
+            <a:schemeClr val="accent1"/>
+          </a:effectRef>
+          <a:fontRef idx="minor">
+            <a:schemeClr val="tx1"/>
+          </a:fontRef>
+        </p:style>
+      </p:cxnSp>
+      <p:sp>
+        <p:nvSpPr>
+          <p:cNvPr id="30" name="TextBox 29"/>
+          <p:cNvSpPr txBox="1"/>
+          <p:nvPr/>
+        </p:nvSpPr>
+        <p:spPr>
+          <a:xfrm>
+            <a:off x="3814849" y="4159006"/>
+            <a:ext cx="518091" cy="369332"/>
+          </a:xfrm>
+          <a:prstGeom prst="rect">
+            <a:avLst/>
+          </a:prstGeom>
+          <a:noFill/>
+        </p:spPr>
+        <p:txBody>
+          <a:bodyPr wrap="none" rtlCol="0">
+            <a:spAutoFit/>
+          </a:bodyPr>
+          <a:lstStyle/>
+          <a:p>
+            <a:r>
+              <a:rPr lang="de-CH" dirty="0" smtClean="0"/>
+              <a:t>run</a:t>
+            </a:r>
+            <a:endParaRPr lang="en-US" dirty="0"/>
           </a:p>
         </p:txBody>
       </p:sp>
@@ -4549,7 +4615,7 @@
         </p:nvSpPr>
         <p:spPr>
           <a:xfrm>
-            <a:off x="795016" y="567949"/>
+            <a:off x="1011551" y="425709"/>
             <a:ext cx="6286589" cy="607027"/>
           </a:xfrm>
         </p:spPr>
@@ -4559,9 +4625,13 @@
           <a:p>
             <a:r>
               <a:rPr lang="de-CH" dirty="0" smtClean="0"/>
-              <a:t>Mount Volumes</a:t>
-            </a:r>
-            <a:endParaRPr lang="en-US" dirty="0"/>
+              <a:t>Dockerfile </a:t>
+            </a:r>
+            <a:r>
+              <a:rPr lang="en-US" altLang="de-CH" dirty="0" smtClean="0"/>
+              <a:t>(1/2)</a:t>
+            </a:r>
+            <a:endParaRPr lang="en-US" altLang="de-CH" dirty="0" smtClean="0"/>
           </a:p>
         </p:txBody>
       </p:sp>
@@ -4577,8 +4647,8 @@
         </p:nvSpPr>
         <p:spPr>
           <a:xfrm>
-            <a:off x="795020" y="1779905"/>
-            <a:ext cx="7926070" cy="3574415"/>
+            <a:off x="1011555" y="1924050"/>
+            <a:ext cx="7286625" cy="2299335"/>
           </a:xfrm>
         </p:spPr>
         <p:txBody>
@@ -4586,59 +4656,188 @@
           <a:lstStyle/>
           <a:p>
             <a:r>
+              <a:rPr lang="de-CH" dirty="0" smtClean="0"/>
+              <a:t>Create images automatically using a build script: </a:t>
+            </a:r>
+            <a:r>
               <a:rPr lang="de-CH" dirty="0" smtClean="0">
+                <a:latin typeface="Courier 10 Pitch" charset="0"/>
+                <a:cs typeface="Courier 10 Pitch" charset="0"/>
+              </a:rPr>
+              <a:t>«Dockerfile»</a:t>
+            </a:r>
+            <a:endParaRPr lang="de-CH" dirty="0" smtClean="0">
+              <a:latin typeface="Courier 10 Pitch" charset="0"/>
+              <a:cs typeface="Courier 10 Pitch" charset="0"/>
+            </a:endParaRPr>
+          </a:p>
+          <a:p>
+            <a:pPr marL="914400" lvl="2" indent="0">
+              <a:buNone/>
+            </a:pPr>
+            <a:r>
+              <a:rPr lang="de-CH" sz="2400" dirty="0" smtClean="0">
                 <a:solidFill>
                   <a:srgbClr val="00B050"/>
                 </a:solidFill>
                 <a:latin typeface="Courier New" panose="02070309020205020404" pitchFamily="49" charset="0"/>
                 <a:cs typeface="Courier New" panose="02070309020205020404" pitchFamily="49" charset="0"/>
+                <a:sym typeface="+mn-ea"/>
               </a:rPr>
-              <a:t>docker run –ti </a:t>
-            </a:r>
-            <a:r>
-              <a:rPr lang="de-CH" b="1" dirty="0" smtClean="0">
+              <a:t>FROM </a:t>
+            </a:r>
+            <a:r>
+              <a:rPr lang="en-US" altLang="de-CH" sz="2400" dirty="0" smtClean="0">
                 <a:solidFill>
                   <a:srgbClr val="00B050"/>
                 </a:solidFill>
                 <a:latin typeface="Courier New" panose="02070309020205020404" pitchFamily="49" charset="0"/>
                 <a:cs typeface="Courier New" panose="02070309020205020404" pitchFamily="49" charset="0"/>
+                <a:sym typeface="+mn-ea"/>
               </a:rPr>
-              <a:t>–v /hostLog:/log</a:t>
-            </a:r>
-            <a:r>
-              <a:rPr lang="de-CH" dirty="0" smtClean="0">
+              <a:t>node:7</a:t>
+            </a:r>
+            <a:br>
+              <a:rPr lang="en-US" sz="2400" dirty="0" smtClean="0">
                 <a:solidFill>
                   <a:srgbClr val="00B050"/>
                 </a:solidFill>
                 <a:latin typeface="Courier New" panose="02070309020205020404" pitchFamily="49" charset="0"/>
                 <a:cs typeface="Courier New" panose="02070309020205020404" pitchFamily="49" charset="0"/>
+                <a:sym typeface="+mn-ea"/>
               </a:rPr>
-              <a:t> ubuntu</a:t>
-            </a:r>
-            <a:endParaRPr lang="de-CH" dirty="0" smtClean="0">
-              <a:latin typeface="Courier New" panose="02070309020205020404" pitchFamily="49" charset="0"/>
-              <a:cs typeface="Courier New" panose="02070309020205020404" pitchFamily="49" charset="0"/>
-            </a:endParaRPr>
-          </a:p>
-          <a:p>
-            <a:r>
-              <a:rPr lang="de-CH" dirty="0" smtClean="0"/>
-              <a:t>Run second container: Volume can be shared</a:t>
-            </a:r>
-            <a:endParaRPr lang="de-CH" dirty="0" smtClean="0"/>
-          </a:p>
-          <a:p>
-            <a:pPr lvl="1"/>
-            <a:r>
-              <a:rPr lang="de-CH" dirty="0" smtClean="0">
+            </a:br>
+            <a:r>
+              <a:rPr lang="en-US" sz="2400" dirty="0" smtClean="0">
+                <a:solidFill>
+                  <a:srgbClr val="00B050"/>
+                </a:solidFill>
                 <a:latin typeface="Courier New" panose="02070309020205020404" pitchFamily="49" charset="0"/>
                 <a:cs typeface="Courier New" panose="02070309020205020404" pitchFamily="49" charset="0"/>
+                <a:sym typeface="+mn-ea"/>
               </a:rPr>
-              <a:t>docker run –ti --volumes-from firstContainerName ubuntu</a:t>
-            </a:r>
-            <a:endParaRPr lang="en-US" dirty="0">
-              <a:latin typeface="Courier New" panose="02070309020205020404" pitchFamily="49" charset="0"/>
-              <a:cs typeface="Courier New" panose="02070309020205020404" pitchFamily="49" charset="0"/>
+              <a:t>ADD </a:t>
+            </a:r>
+            <a:r>
+              <a:rPr lang="en-US" altLang="en-US" sz="2400" dirty="0" smtClean="0">
+                <a:solidFill>
+                  <a:srgbClr val="00B050"/>
+                </a:solidFill>
+                <a:latin typeface="Courier New" panose="02070309020205020404" pitchFamily="49" charset="0"/>
+                <a:cs typeface="Courier New" panose="02070309020205020404" pitchFamily="49" charset="0"/>
+                <a:sym typeface="+mn-ea"/>
+              </a:rPr>
+              <a:t>app.js</a:t>
+            </a:r>
+            <a:r>
+              <a:rPr lang="en-US" sz="2400" dirty="0" smtClean="0">
+                <a:solidFill>
+                  <a:srgbClr val="00B050"/>
+                </a:solidFill>
+                <a:latin typeface="Courier New" panose="02070309020205020404" pitchFamily="49" charset="0"/>
+                <a:cs typeface="Courier New" panose="02070309020205020404" pitchFamily="49" charset="0"/>
+                <a:sym typeface="+mn-ea"/>
+              </a:rPr>
+              <a:t> /</a:t>
+            </a:r>
+            <a:r>
+              <a:rPr lang="en-US" altLang="en-US" sz="2400" dirty="0" smtClean="0">
+                <a:solidFill>
+                  <a:srgbClr val="00B050"/>
+                </a:solidFill>
+                <a:latin typeface="Courier New" panose="02070309020205020404" pitchFamily="49" charset="0"/>
+                <a:cs typeface="Courier New" panose="02070309020205020404" pitchFamily="49" charset="0"/>
+                <a:sym typeface="+mn-ea"/>
+              </a:rPr>
+              <a:t>app.js</a:t>
+            </a:r>
+            <a:br>
+              <a:rPr lang="en-US" sz="2400" dirty="0" smtClean="0">
+                <a:solidFill>
+                  <a:srgbClr val="00B050"/>
+                </a:solidFill>
+                <a:latin typeface="Courier New" panose="02070309020205020404" pitchFamily="49" charset="0"/>
+                <a:cs typeface="Courier New" panose="02070309020205020404" pitchFamily="49" charset="0"/>
+                <a:sym typeface="+mn-ea"/>
+              </a:rPr>
+            </a:br>
+            <a:r>
+              <a:rPr lang="en-US" altLang="en-US" sz="2400" dirty="0" smtClean="0">
+                <a:solidFill>
+                  <a:srgbClr val="00B050"/>
+                </a:solidFill>
+                <a:latin typeface="Courier New" panose="02070309020205020404" pitchFamily="49" charset="0"/>
+                <a:cs typeface="Courier New" panose="02070309020205020404" pitchFamily="49" charset="0"/>
+                <a:sym typeface="+mn-ea"/>
+              </a:rPr>
+              <a:t>ENTRYPOINT </a:t>
+            </a:r>
+            <a:r>
+              <a:rPr lang="en-US" sz="2400" dirty="0">
+                <a:solidFill>
+                  <a:srgbClr val="00B050"/>
+                </a:solidFill>
+                <a:latin typeface="Courier New" panose="02070309020205020404" pitchFamily="49" charset="0"/>
+                <a:cs typeface="Courier New" panose="02070309020205020404" pitchFamily="49" charset="0"/>
+                <a:sym typeface="+mn-ea"/>
+              </a:rPr>
+              <a:t>["</a:t>
+            </a:r>
+            <a:r>
+              <a:rPr lang="en-US" altLang="en-US" sz="2400" dirty="0">
+                <a:solidFill>
+                  <a:srgbClr val="00B050"/>
+                </a:solidFill>
+                <a:latin typeface="Courier New" panose="02070309020205020404" pitchFamily="49" charset="0"/>
+                <a:cs typeface="Courier New" panose="02070309020205020404" pitchFamily="49" charset="0"/>
+                <a:sym typeface="+mn-ea"/>
+              </a:rPr>
+              <a:t>node</a:t>
+            </a:r>
+            <a:r>
+              <a:rPr lang="en-US" sz="2400" dirty="0">
+                <a:solidFill>
+                  <a:srgbClr val="00B050"/>
+                </a:solidFill>
+                <a:latin typeface="Courier New" panose="02070309020205020404" pitchFamily="49" charset="0"/>
+                <a:cs typeface="Courier New" panose="02070309020205020404" pitchFamily="49" charset="0"/>
+                <a:sym typeface="+mn-ea"/>
+              </a:rPr>
+              <a:t>", "</a:t>
+            </a:r>
+            <a:r>
+              <a:rPr lang="en-US" altLang="en-US" sz="2400" dirty="0" err="1" smtClean="0">
+                <a:solidFill>
+                  <a:srgbClr val="00B050"/>
+                </a:solidFill>
+                <a:latin typeface="Courier New" panose="02070309020205020404" pitchFamily="49" charset="0"/>
+                <a:cs typeface="Courier New" panose="02070309020205020404" pitchFamily="49" charset="0"/>
+                <a:sym typeface="+mn-ea"/>
+              </a:rPr>
+              <a:t>app.js</a:t>
+            </a:r>
+            <a:r>
+              <a:rPr lang="en-US" sz="2400" dirty="0" smtClean="0">
+                <a:solidFill>
+                  <a:srgbClr val="00B050"/>
+                </a:solidFill>
+                <a:latin typeface="Courier New" panose="02070309020205020404" pitchFamily="49" charset="0"/>
+                <a:cs typeface="Courier New" panose="02070309020205020404" pitchFamily="49" charset="0"/>
+                <a:sym typeface="+mn-ea"/>
+              </a:rPr>
+              <a:t>"]</a:t>
+            </a:r>
+            <a:endParaRPr lang="en-US" sz="2400">
+              <a:solidFill>
+                <a:srgbClr val="00B050"/>
+              </a:solidFill>
+            </a:endParaRPr>
+          </a:p>
+          <a:p>
+            <a:endParaRPr lang="en-US" sz="2400" dirty="0">
+              <a:solidFill>
+                <a:srgbClr val="00B050"/>
+              </a:solidFill>
             </a:endParaRPr>
           </a:p>
         </p:txBody>
@@ -4690,80 +4889,302 @@
           </a:p>
         </p:txBody>
       </p:sp>
-      <p:sp>
-        <p:nvSpPr>
-          <p:cNvPr id="3" name="Text Placeholder 2"/>
-          <p:cNvSpPr>
-            <a:spLocks noGrp="1"/>
-          </p:cNvSpPr>
-          <p:nvPr>
-            <p:ph type="body" sz="quarter" idx="13"/>
-          </p:nvPr>
-        </p:nvSpPr>
-        <p:spPr>
-          <a:xfrm>
-            <a:off x="1011551" y="629544"/>
+      <p:pic>
+        <p:nvPicPr>
+          <p:cNvPr id="6" name="Picture 5" descr="Selection_008"/>
+          <p:cNvPicPr>
+            <a:picLocks noChangeAspect="1"/>
+          </p:cNvPicPr>
+          <p:nvPr/>
+        </p:nvPicPr>
+        <p:blipFill>
+          <a:blip r:embed="rId1"/>
+          <a:stretch>
+            <a:fillRect/>
+          </a:stretch>
+        </p:blipFill>
+        <p:spPr>
+          <a:xfrm>
+            <a:off x="575310" y="1176655"/>
+            <a:ext cx="6497955" cy="4088765"/>
+          </a:xfrm>
+          <a:prstGeom prst="rect">
+            <a:avLst/>
+          </a:prstGeom>
+        </p:spPr>
+      </p:pic>
+      <p:sp>
+        <p:nvSpPr>
+          <p:cNvPr id="7" name="Text Box 6"/>
+          <p:cNvSpPr txBox="1"/>
+          <p:nvPr/>
+        </p:nvSpPr>
+        <p:spPr>
+          <a:xfrm>
+            <a:off x="5142865" y="1855470"/>
+            <a:ext cx="3471545" cy="368300"/>
+          </a:xfrm>
+          <a:prstGeom prst="rect">
+            <a:avLst/>
+          </a:prstGeom>
+          <a:noFill/>
+        </p:spPr>
+        <p:txBody>
+          <a:bodyPr wrap="square" rtlCol="0">
+            <a:spAutoFit/>
+          </a:bodyPr>
+          <a:p>
+            <a:r>
+              <a:rPr lang="en-US" altLang="en-US" i="1">
+                <a:latin typeface="Courier 10 Pitch" charset="0"/>
+                <a:cs typeface="Courier 10 Pitch" charset="0"/>
+              </a:rPr>
+              <a:t>docker build -t myImage </a:t>
+            </a:r>
+            <a:r>
+              <a:rPr lang="en-US" altLang="en-US" b="1" i="1">
+                <a:latin typeface="Courier 10 Pitch" charset="0"/>
+                <a:cs typeface="Courier 10 Pitch" charset="0"/>
+              </a:rPr>
+              <a:t>.</a:t>
+            </a:r>
+            <a:endParaRPr lang="en-US" altLang="en-US" b="1" i="1">
+              <a:latin typeface="Courier 10 Pitch" charset="0"/>
+              <a:cs typeface="Courier 10 Pitch" charset="0"/>
+            </a:endParaRPr>
+          </a:p>
+        </p:txBody>
+      </p:sp>
+      <p:sp>
+        <p:nvSpPr>
+          <p:cNvPr id="9" name="Text Placeholder 2"/>
+          <p:cNvSpPr>
+            <a:spLocks noGrp="1"/>
+          </p:cNvSpPr>
+          <p:nvPr/>
+        </p:nvSpPr>
+        <p:spPr>
+          <a:xfrm>
+            <a:off x="1011551" y="425709"/>
             <a:ext cx="6286589" cy="607027"/>
           </a:xfrm>
-        </p:spPr>
-        <p:txBody>
-          <a:bodyPr/>
-          <a:lstStyle/>
+          <a:prstGeom prst="rect">
+            <a:avLst/>
+          </a:prstGeom>
+        </p:spPr>
+        <p:txBody>
+          <a:bodyPr vert="horz" lIns="91440" tIns="45720" rIns="91440" bIns="45720" rtlCol="0">
+            <a:noAutofit/>
+          </a:bodyPr>
+          <a:lstStyle>
+            <a:lvl1pPr marL="0" indent="0" algn="l" defTabSz="457200" rtl="0" eaLnBrk="1" latinLnBrk="0" hangingPunct="1">
+              <a:spcBef>
+                <a:spcPct val="20000"/>
+              </a:spcBef>
+              <a:buFont typeface="Arial"/>
+              <a:buNone/>
+              <a:defRPr sz="4800" b="1" kern="1200" baseline="0">
+                <a:solidFill>
+                  <a:srgbClr val="3C3C3C"/>
+                </a:solidFill>
+                <a:latin typeface="+mn-lt"/>
+                <a:ea typeface="+mn-ea"/>
+                <a:cs typeface="+mn-cs"/>
+              </a:defRPr>
+            </a:lvl1pPr>
+            <a:lvl2pPr marL="742950" indent="-285750" algn="l" defTabSz="457200" rtl="0" eaLnBrk="1" latinLnBrk="0" hangingPunct="1">
+              <a:spcBef>
+                <a:spcPct val="20000"/>
+              </a:spcBef>
+              <a:buFont typeface="Arial"/>
+              <a:buChar char="–"/>
+              <a:defRPr sz="2800" kern="1200">
+                <a:solidFill>
+                  <a:schemeClr val="tx1"/>
+                </a:solidFill>
+                <a:latin typeface="+mn-lt"/>
+                <a:ea typeface="+mn-ea"/>
+                <a:cs typeface="+mn-cs"/>
+              </a:defRPr>
+            </a:lvl2pPr>
+            <a:lvl3pPr marL="1143000" indent="-228600" algn="l" defTabSz="457200" rtl="0" eaLnBrk="1" latinLnBrk="0" hangingPunct="1">
+              <a:spcBef>
+                <a:spcPct val="20000"/>
+              </a:spcBef>
+              <a:buFont typeface="Arial"/>
+              <a:buChar char="•"/>
+              <a:defRPr sz="2400" kern="1200">
+                <a:solidFill>
+                  <a:schemeClr val="tx1"/>
+                </a:solidFill>
+                <a:latin typeface="+mn-lt"/>
+                <a:ea typeface="+mn-ea"/>
+                <a:cs typeface="+mn-cs"/>
+              </a:defRPr>
+            </a:lvl3pPr>
+            <a:lvl4pPr marL="1600200" indent="-228600" algn="l" defTabSz="457200" rtl="0" eaLnBrk="1" latinLnBrk="0" hangingPunct="1">
+              <a:spcBef>
+                <a:spcPct val="20000"/>
+              </a:spcBef>
+              <a:buFont typeface="Arial"/>
+              <a:buChar char="–"/>
+              <a:defRPr sz="2000" kern="1200">
+                <a:solidFill>
+                  <a:schemeClr val="tx1"/>
+                </a:solidFill>
+                <a:latin typeface="+mn-lt"/>
+                <a:ea typeface="+mn-ea"/>
+                <a:cs typeface="+mn-cs"/>
+              </a:defRPr>
+            </a:lvl4pPr>
+            <a:lvl5pPr marL="2057400" indent="-228600" algn="l" defTabSz="457200" rtl="0" eaLnBrk="1" latinLnBrk="0" hangingPunct="1">
+              <a:spcBef>
+                <a:spcPct val="20000"/>
+              </a:spcBef>
+              <a:buFont typeface="Arial"/>
+              <a:buChar char="»"/>
+              <a:defRPr sz="2000" kern="1200">
+                <a:solidFill>
+                  <a:schemeClr val="tx1"/>
+                </a:solidFill>
+                <a:latin typeface="+mn-lt"/>
+                <a:ea typeface="+mn-ea"/>
+                <a:cs typeface="+mn-cs"/>
+              </a:defRPr>
+            </a:lvl5pPr>
+            <a:lvl6pPr marL="2514600" indent="-228600" algn="l" defTabSz="457200" rtl="0" eaLnBrk="1" latinLnBrk="0" hangingPunct="1">
+              <a:spcBef>
+                <a:spcPct val="20000"/>
+              </a:spcBef>
+              <a:buFont typeface="Arial"/>
+              <a:buChar char="•"/>
+              <a:defRPr sz="2000" kern="1200">
+                <a:solidFill>
+                  <a:schemeClr val="tx1"/>
+                </a:solidFill>
+                <a:latin typeface="+mn-lt"/>
+                <a:ea typeface="+mn-ea"/>
+                <a:cs typeface="+mn-cs"/>
+              </a:defRPr>
+            </a:lvl6pPr>
+            <a:lvl7pPr marL="2971800" indent="-228600" algn="l" defTabSz="457200" rtl="0" eaLnBrk="1" latinLnBrk="0" hangingPunct="1">
+              <a:spcBef>
+                <a:spcPct val="20000"/>
+              </a:spcBef>
+              <a:buFont typeface="Arial"/>
+              <a:buChar char="•"/>
+              <a:defRPr sz="2000" kern="1200">
+                <a:solidFill>
+                  <a:schemeClr val="tx1"/>
+                </a:solidFill>
+                <a:latin typeface="+mn-lt"/>
+                <a:ea typeface="+mn-ea"/>
+                <a:cs typeface="+mn-cs"/>
+              </a:defRPr>
+            </a:lvl7pPr>
+            <a:lvl8pPr marL="3429000" indent="-228600" algn="l" defTabSz="457200" rtl="0" eaLnBrk="1" latinLnBrk="0" hangingPunct="1">
+              <a:spcBef>
+                <a:spcPct val="20000"/>
+              </a:spcBef>
+              <a:buFont typeface="Arial"/>
+              <a:buChar char="•"/>
+              <a:defRPr sz="2000" kern="1200">
+                <a:solidFill>
+                  <a:schemeClr val="tx1"/>
+                </a:solidFill>
+                <a:latin typeface="+mn-lt"/>
+                <a:ea typeface="+mn-ea"/>
+                <a:cs typeface="+mn-cs"/>
+              </a:defRPr>
+            </a:lvl8pPr>
+            <a:lvl9pPr marL="3886200" indent="-228600" algn="l" defTabSz="457200" rtl="0" eaLnBrk="1" latinLnBrk="0" hangingPunct="1">
+              <a:spcBef>
+                <a:spcPct val="20000"/>
+              </a:spcBef>
+              <a:buFont typeface="Arial"/>
+              <a:buChar char="•"/>
+              <a:defRPr sz="2000" kern="1200">
+                <a:solidFill>
+                  <a:schemeClr val="tx1"/>
+                </a:solidFill>
+                <a:latin typeface="+mn-lt"/>
+                <a:ea typeface="+mn-ea"/>
+                <a:cs typeface="+mn-cs"/>
+              </a:defRPr>
+            </a:lvl9pPr>
+          </a:lstStyle>
           <a:p>
             <a:r>
               <a:rPr lang="de-CH" dirty="0" smtClean="0"/>
-              <a:t>Docker Use Cases</a:t>
-            </a:r>
-            <a:endParaRPr lang="en-US" dirty="0"/>
-          </a:p>
-        </p:txBody>
-      </p:sp>
-      <p:sp>
-        <p:nvSpPr>
-          <p:cNvPr id="4" name="Text Placeholder 3"/>
-          <p:cNvSpPr>
-            <a:spLocks noGrp="1"/>
-          </p:cNvSpPr>
-          <p:nvPr>
-            <p:ph type="body" sz="quarter" idx="14"/>
-          </p:nvPr>
-        </p:nvSpPr>
-        <p:spPr>
-          <a:xfrm>
-            <a:off x="1011555" y="1677035"/>
-            <a:ext cx="6680200" cy="4091940"/>
-          </a:xfrm>
-        </p:spPr>
-        <p:txBody>
-          <a:bodyPr/>
-          <a:lstStyle/>
-          <a:p>
-            <a:r>
-              <a:rPr lang="de-CH" dirty="0" smtClean="0"/>
-              <a:t>Development Environment</a:t>
-            </a:r>
-            <a:endParaRPr lang="de-CH" dirty="0" smtClean="0"/>
-          </a:p>
-          <a:p>
-            <a:r>
-              <a:rPr lang="de-CH" dirty="0" smtClean="0"/>
-              <a:t>Environments for Integration Tests</a:t>
-            </a:r>
-            <a:endParaRPr lang="de-CH" dirty="0" smtClean="0"/>
-          </a:p>
-          <a:p>
-            <a:r>
-              <a:rPr lang="de-CH" dirty="0" smtClean="0"/>
-              <a:t>Quick evaluation of software</a:t>
-            </a:r>
-            <a:endParaRPr lang="de-CH" dirty="0" smtClean="0"/>
-          </a:p>
-          <a:p>
-            <a:r>
-              <a:rPr lang="de-CH" dirty="0" smtClean="0"/>
-              <a:t>Microservices</a:t>
-            </a:r>
-            <a:endParaRPr lang="en-US" dirty="0"/>
+              <a:t>Dockerfile </a:t>
+            </a:r>
+            <a:r>
+              <a:rPr lang="en-US" altLang="de-CH" dirty="0" smtClean="0"/>
+              <a:t>(1/2)</a:t>
+            </a:r>
+            <a:endParaRPr lang="en-US" altLang="de-CH" dirty="0" smtClean="0"/>
+          </a:p>
+        </p:txBody>
+      </p:sp>
+      <p:sp>
+        <p:nvSpPr>
+          <p:cNvPr id="10" name="Text Box 9"/>
+          <p:cNvSpPr txBox="1"/>
+          <p:nvPr/>
+        </p:nvSpPr>
+        <p:spPr>
+          <a:xfrm>
+            <a:off x="329565" y="5313045"/>
+            <a:ext cx="7650480" cy="922020"/>
+          </a:xfrm>
+          <a:prstGeom prst="rect">
+            <a:avLst/>
+          </a:prstGeom>
+          <a:noFill/>
+        </p:spPr>
+        <p:txBody>
+          <a:bodyPr wrap="none" rtlCol="0" anchor="t">
+            <a:spAutoFit/>
+          </a:bodyPr>
+          <a:p>
+            <a:pPr algn="l"/>
+            <a:r>
+              <a:rPr lang="en-US" altLang="en-US" i="1" dirty="0">
+                <a:latin typeface="Courier 10 Pitch" charset="0"/>
+                <a:cs typeface="Courier 10 Pitch" charset="0"/>
+                <a:sym typeface="+mn-ea"/>
+              </a:rPr>
+              <a:t>docker run --name myImage-container -p 8080:8080 -d myImage</a:t>
+            </a:r>
+            <a:endParaRPr lang="en-US" altLang="en-US" i="1" dirty="0">
+              <a:latin typeface="Courier 10 Pitch" charset="0"/>
+              <a:cs typeface="Courier 10 Pitch" charset="0"/>
+              <a:sym typeface="+mn-ea"/>
+            </a:endParaRPr>
+          </a:p>
+          <a:p>
+            <a:pPr algn="l"/>
+            <a:endParaRPr lang="en-US" altLang="en-US" i="1" dirty="0">
+              <a:latin typeface="Courier 10 Pitch" charset="0"/>
+              <a:cs typeface="Courier 10 Pitch" charset="0"/>
+              <a:sym typeface="+mn-ea"/>
+            </a:endParaRPr>
+          </a:p>
+          <a:p>
+            <a:pPr algn="l"/>
+            <a:r>
+              <a:rPr lang="en-US" altLang="en-US" i="1" dirty="0">
+                <a:latin typeface="Courier 10 Pitch" charset="0"/>
+                <a:cs typeface="Courier 10 Pitch" charset="0"/>
+                <a:sym typeface="+mn-ea"/>
+              </a:rPr>
+              <a:t>curl localhost:8080</a:t>
+            </a:r>
+            <a:endParaRPr lang="en-US" altLang="en-US" i="1" dirty="0">
+              <a:latin typeface="Courier 10 Pitch" charset="0"/>
+              <a:cs typeface="Courier 10 Pitch" charset="0"/>
+              <a:sym typeface="+mn-ea"/>
+            </a:endParaRPr>
           </a:p>
         </p:txBody>
       </p:sp>
@@ -4776,6 +5197,283 @@
 </file>
 
 <file path=ppt/slides/slide16.xml><?xml version="1.0" encoding="utf-8"?>
+<p:sld xmlns:a="http://schemas.openxmlformats.org/drawingml/2006/main" xmlns:r="http://schemas.openxmlformats.org/officeDocument/2006/relationships" xmlns:p="http://schemas.openxmlformats.org/presentationml/2006/main">
+  <p:cSld>
+    <p:spTree>
+      <p:nvGrpSpPr>
+        <p:cNvPr id="1" name=""/>
+        <p:cNvGrpSpPr/>
+        <p:nvPr/>
+      </p:nvGrpSpPr>
+      <p:grpSpPr>
+        <a:xfrm>
+          <a:off x="0" y="0"/>
+          <a:ext cx="0" cy="0"/>
+          <a:chOff x="0" y="0"/>
+          <a:chExt cx="0" cy="0"/>
+        </a:xfrm>
+      </p:grpSpPr>
+      <p:sp>
+        <p:nvSpPr>
+          <p:cNvPr id="2" name="Slide Number Placeholder 1"/>
+          <p:cNvSpPr>
+            <a:spLocks noGrp="1"/>
+          </p:cNvSpPr>
+          <p:nvPr>
+            <p:ph type="sldNum" sz="quarter" idx="12"/>
+          </p:nvPr>
+        </p:nvSpPr>
+        <p:spPr/>
+        <p:txBody>
+          <a:bodyPr/>
+          <a:lstStyle/>
+          <a:p>
+            <a:fld id="{1BA865F8-D0B2-3245-A9F6-5F06F5A3A0C6}" type="slidenum">
+              <a:rPr lang="en-US" smtClean="0"/>
+            </a:fld>
+            <a:endParaRPr lang="en-US" dirty="0"/>
+          </a:p>
+        </p:txBody>
+      </p:sp>
+      <p:sp>
+        <p:nvSpPr>
+          <p:cNvPr id="3" name="Text Placeholder 2"/>
+          <p:cNvSpPr>
+            <a:spLocks noGrp="1"/>
+          </p:cNvSpPr>
+          <p:nvPr>
+            <p:ph type="body" sz="quarter" idx="13"/>
+          </p:nvPr>
+        </p:nvSpPr>
+        <p:spPr>
+          <a:xfrm>
+            <a:off x="795016" y="567949"/>
+            <a:ext cx="6286589" cy="607027"/>
+          </a:xfrm>
+        </p:spPr>
+        <p:txBody>
+          <a:bodyPr/>
+          <a:lstStyle/>
+          <a:p>
+            <a:r>
+              <a:rPr lang="de-CH" dirty="0" smtClean="0"/>
+              <a:t>Mount Volumes</a:t>
+            </a:r>
+            <a:endParaRPr lang="en-US" dirty="0"/>
+          </a:p>
+        </p:txBody>
+      </p:sp>
+      <p:sp>
+        <p:nvSpPr>
+          <p:cNvPr id="4" name="Text Placeholder 3"/>
+          <p:cNvSpPr>
+            <a:spLocks noGrp="1"/>
+          </p:cNvSpPr>
+          <p:nvPr>
+            <p:ph type="body" sz="quarter" idx="14"/>
+          </p:nvPr>
+        </p:nvSpPr>
+        <p:spPr>
+          <a:xfrm>
+            <a:off x="795020" y="1779905"/>
+            <a:ext cx="7926070" cy="3574415"/>
+          </a:xfrm>
+        </p:spPr>
+        <p:txBody>
+          <a:bodyPr/>
+          <a:lstStyle/>
+          <a:p>
+            <a:r>
+              <a:rPr lang="de-CH" i="1" dirty="0" smtClean="0">
+                <a:solidFill>
+                  <a:srgbClr val="00B050"/>
+                </a:solidFill>
+                <a:latin typeface="Courier New" panose="02070309020205020404" pitchFamily="49" charset="0"/>
+                <a:cs typeface="Courier New" panose="02070309020205020404" pitchFamily="49" charset="0"/>
+              </a:rPr>
+              <a:t>docker run –ti </a:t>
+            </a:r>
+            <a:r>
+              <a:rPr lang="de-CH" b="1" i="1" dirty="0" smtClean="0">
+                <a:solidFill>
+                  <a:srgbClr val="00B050"/>
+                </a:solidFill>
+                <a:latin typeface="Courier New" panose="02070309020205020404" pitchFamily="49" charset="0"/>
+                <a:cs typeface="Courier New" panose="02070309020205020404" pitchFamily="49" charset="0"/>
+              </a:rPr>
+              <a:t>–v /hostLog:/log</a:t>
+            </a:r>
+            <a:r>
+              <a:rPr lang="de-CH" i="1" dirty="0" smtClean="0">
+                <a:solidFill>
+                  <a:srgbClr val="00B050"/>
+                </a:solidFill>
+                <a:latin typeface="Courier New" panose="02070309020205020404" pitchFamily="49" charset="0"/>
+                <a:cs typeface="Courier New" panose="02070309020205020404" pitchFamily="49" charset="0"/>
+              </a:rPr>
+              <a:t> ubuntu</a:t>
+            </a:r>
+            <a:endParaRPr lang="de-CH" dirty="0" smtClean="0">
+              <a:latin typeface="Courier New" panose="02070309020205020404" pitchFamily="49" charset="0"/>
+              <a:cs typeface="Courier New" panose="02070309020205020404" pitchFamily="49" charset="0"/>
+            </a:endParaRPr>
+          </a:p>
+          <a:p>
+            <a:r>
+              <a:rPr lang="de-CH" dirty="0" smtClean="0"/>
+              <a:t>Run second container: Volume can be shared</a:t>
+            </a:r>
+            <a:endParaRPr lang="de-CH" dirty="0" smtClean="0"/>
+          </a:p>
+          <a:p>
+            <a:pPr lvl="1"/>
+            <a:r>
+              <a:rPr lang="de-CH" i="1" dirty="0" smtClean="0">
+                <a:latin typeface="Courier New" panose="02070309020205020404" pitchFamily="49" charset="0"/>
+                <a:cs typeface="Courier New" panose="02070309020205020404" pitchFamily="49" charset="0"/>
+              </a:rPr>
+              <a:t>docker run –ti --volumes-from firstContainerName ubuntu</a:t>
+            </a:r>
+            <a:endParaRPr lang="en-US" i="1" dirty="0">
+              <a:latin typeface="Courier New" panose="02070309020205020404" pitchFamily="49" charset="0"/>
+              <a:cs typeface="Courier New" panose="02070309020205020404" pitchFamily="49" charset="0"/>
+            </a:endParaRPr>
+          </a:p>
+        </p:txBody>
+      </p:sp>
+    </p:spTree>
+  </p:cSld>
+  <p:clrMapOvr>
+    <a:masterClrMapping/>
+  </p:clrMapOvr>
+</p:sld>
+</file>
+
+<file path=ppt/slides/slide17.xml><?xml version="1.0" encoding="utf-8"?>
+<p:sld xmlns:a="http://schemas.openxmlformats.org/drawingml/2006/main" xmlns:r="http://schemas.openxmlformats.org/officeDocument/2006/relationships" xmlns:p="http://schemas.openxmlformats.org/presentationml/2006/main">
+  <p:cSld>
+    <p:spTree>
+      <p:nvGrpSpPr>
+        <p:cNvPr id="1" name=""/>
+        <p:cNvGrpSpPr/>
+        <p:nvPr/>
+      </p:nvGrpSpPr>
+      <p:grpSpPr>
+        <a:xfrm>
+          <a:off x="0" y="0"/>
+          <a:ext cx="0" cy="0"/>
+          <a:chOff x="0" y="0"/>
+          <a:chExt cx="0" cy="0"/>
+        </a:xfrm>
+      </p:grpSpPr>
+      <p:sp>
+        <p:nvSpPr>
+          <p:cNvPr id="2" name="Slide Number Placeholder 1"/>
+          <p:cNvSpPr>
+            <a:spLocks noGrp="1"/>
+          </p:cNvSpPr>
+          <p:nvPr>
+            <p:ph type="sldNum" sz="quarter" idx="12"/>
+          </p:nvPr>
+        </p:nvSpPr>
+        <p:spPr/>
+        <p:txBody>
+          <a:bodyPr/>
+          <a:lstStyle/>
+          <a:p>
+            <a:fld id="{1BA865F8-D0B2-3245-A9F6-5F06F5A3A0C6}" type="slidenum">
+              <a:rPr lang="en-US" smtClean="0"/>
+            </a:fld>
+            <a:endParaRPr lang="en-US" dirty="0"/>
+          </a:p>
+        </p:txBody>
+      </p:sp>
+      <p:sp>
+        <p:nvSpPr>
+          <p:cNvPr id="3" name="Text Placeholder 2"/>
+          <p:cNvSpPr>
+            <a:spLocks noGrp="1"/>
+          </p:cNvSpPr>
+          <p:nvPr>
+            <p:ph type="body" sz="quarter" idx="13"/>
+          </p:nvPr>
+        </p:nvSpPr>
+        <p:spPr>
+          <a:xfrm>
+            <a:off x="1011551" y="629544"/>
+            <a:ext cx="6286589" cy="607027"/>
+          </a:xfrm>
+        </p:spPr>
+        <p:txBody>
+          <a:bodyPr/>
+          <a:lstStyle/>
+          <a:p>
+            <a:r>
+              <a:rPr lang="de-CH" dirty="0" smtClean="0"/>
+              <a:t>Docker Use Cases</a:t>
+            </a:r>
+            <a:endParaRPr lang="en-US" dirty="0"/>
+          </a:p>
+        </p:txBody>
+      </p:sp>
+      <p:sp>
+        <p:nvSpPr>
+          <p:cNvPr id="4" name="Text Placeholder 3"/>
+          <p:cNvSpPr>
+            <a:spLocks noGrp="1"/>
+          </p:cNvSpPr>
+          <p:nvPr>
+            <p:ph type="body" sz="quarter" idx="14"/>
+          </p:nvPr>
+        </p:nvSpPr>
+        <p:spPr>
+          <a:xfrm>
+            <a:off x="1011555" y="1677035"/>
+            <a:ext cx="6680200" cy="4091940"/>
+          </a:xfrm>
+        </p:spPr>
+        <p:txBody>
+          <a:bodyPr/>
+          <a:lstStyle/>
+          <a:p>
+            <a:r>
+              <a:rPr lang="de-CH" dirty="0" smtClean="0"/>
+              <a:t>Development Environment</a:t>
+            </a:r>
+            <a:endParaRPr lang="de-CH" dirty="0" smtClean="0"/>
+          </a:p>
+          <a:p>
+            <a:r>
+              <a:rPr lang="de-CH" dirty="0" smtClean="0"/>
+              <a:t>Environments for Integration Tests</a:t>
+            </a:r>
+            <a:endParaRPr lang="de-CH" dirty="0" smtClean="0"/>
+          </a:p>
+          <a:p>
+            <a:r>
+              <a:rPr lang="de-CH" dirty="0" smtClean="0"/>
+              <a:t>Quick evaluation of software</a:t>
+            </a:r>
+            <a:endParaRPr lang="de-CH" dirty="0" smtClean="0"/>
+          </a:p>
+          <a:p>
+            <a:r>
+              <a:rPr lang="de-CH" dirty="0" smtClean="0"/>
+              <a:t>Microservices</a:t>
+            </a:r>
+            <a:endParaRPr lang="en-US" dirty="0"/>
+          </a:p>
+        </p:txBody>
+      </p:sp>
+    </p:spTree>
+  </p:cSld>
+  <p:clrMapOvr>
+    <a:masterClrMapping/>
+  </p:clrMapOvr>
+</p:sld>
+</file>
+
+<file path=ppt/slides/slide18.xml><?xml version="1.0" encoding="utf-8"?>
 <p:sld xmlns:a="http://schemas.openxmlformats.org/drawingml/2006/main" xmlns:r="http://schemas.openxmlformats.org/officeDocument/2006/relationships" xmlns:p="http://schemas.openxmlformats.org/presentationml/2006/main">
   <p:cSld>
     <p:spTree>
@@ -6008,9 +6706,13 @@
           <a:p>
             <a:r>
               <a:rPr lang="de-CH" dirty="0" smtClean="0"/>
-              <a:t>Hello World</a:t>
-            </a:r>
-            <a:endParaRPr lang="de-CH" dirty="0" smtClean="0"/>
+              <a:t>Hello World </a:t>
+            </a:r>
+            <a:r>
+              <a:rPr lang="en-US" altLang="de-CH" dirty="0" smtClean="0"/>
+              <a:t>(1/2)</a:t>
+            </a:r>
+            <a:endParaRPr lang="en-US" altLang="de-CH" dirty="0" smtClean="0"/>
           </a:p>
         </p:txBody>
       </p:sp>
@@ -6059,7 +6761,7 @@
               <a:buNone/>
             </a:pPr>
             <a:r>
-              <a:rPr lang="" altLang="en-US" dirty="0" smtClean="0">
+              <a:rPr lang="en-US" altLang="en-US" dirty="0" smtClean="0">
                 <a:latin typeface="Courier 10 Pitch" charset="0"/>
                 <a:cs typeface="Courier 10 Pitch" charset="0"/>
               </a:rPr>
@@ -6073,13 +6775,13 @@
               <a:t>docker run hello-worl</a:t>
             </a:r>
             <a:r>
-              <a:rPr lang="" altLang="en-US" dirty="0" smtClean="0">
+              <a:rPr lang="en-US" altLang="en-US" dirty="0" smtClean="0">
                 <a:latin typeface="Courier 10 Pitch" charset="0"/>
                 <a:cs typeface="Courier 10 Pitch" charset="0"/>
               </a:rPr>
               <a:t>d</a:t>
             </a:r>
-            <a:endParaRPr lang="" altLang="en-US" dirty="0" smtClean="0">
+            <a:endParaRPr lang="en-US" altLang="en-US" dirty="0" smtClean="0">
               <a:latin typeface="Courier 10 Pitch" charset="0"/>
               <a:cs typeface="Courier 10 Pitch" charset="0"/>
             </a:endParaRPr>

--- a/docker_present.pptx
+++ b/docker_present.pptx
@@ -8,27 +8,34 @@
     <p:notesMasterId r:id="rId4"/>
   </p:notesMasterIdLst>
   <p:handoutMasterIdLst>
-    <p:handoutMasterId r:id="rId22"/>
+    <p:handoutMasterId r:id="rId29"/>
   </p:handoutMasterIdLst>
   <p:sldIdLst>
     <p:sldId id="256" r:id="rId3"/>
     <p:sldId id="257" r:id="rId5"/>
     <p:sldId id="259" r:id="rId6"/>
     <p:sldId id="272" r:id="rId7"/>
-    <p:sldId id="263" r:id="rId8"/>
-    <p:sldId id="262" r:id="rId9"/>
-    <p:sldId id="293" r:id="rId10"/>
-    <p:sldId id="294" r:id="rId11"/>
-    <p:sldId id="264" r:id="rId12"/>
-    <p:sldId id="303" r:id="rId13"/>
-    <p:sldId id="274" r:id="rId14"/>
-    <p:sldId id="277" r:id="rId15"/>
-    <p:sldId id="278" r:id="rId16"/>
-    <p:sldId id="268" r:id="rId17"/>
-    <p:sldId id="305" r:id="rId18"/>
-    <p:sldId id="266" r:id="rId19"/>
-    <p:sldId id="281" r:id="rId20"/>
-    <p:sldId id="276" r:id="rId21"/>
+    <p:sldId id="312" r:id="rId8"/>
+    <p:sldId id="263" r:id="rId9"/>
+    <p:sldId id="316" r:id="rId10"/>
+    <p:sldId id="317" r:id="rId11"/>
+    <p:sldId id="262" r:id="rId12"/>
+    <p:sldId id="293" r:id="rId13"/>
+    <p:sldId id="294" r:id="rId14"/>
+    <p:sldId id="264" r:id="rId15"/>
+    <p:sldId id="303" r:id="rId16"/>
+    <p:sldId id="274" r:id="rId17"/>
+    <p:sldId id="277" r:id="rId18"/>
+    <p:sldId id="278" r:id="rId19"/>
+    <p:sldId id="268" r:id="rId20"/>
+    <p:sldId id="305" r:id="rId21"/>
+    <p:sldId id="266" r:id="rId22"/>
+    <p:sldId id="333" r:id="rId23"/>
+    <p:sldId id="334" r:id="rId24"/>
+    <p:sldId id="314" r:id="rId25"/>
+    <p:sldId id="313" r:id="rId26"/>
+    <p:sldId id="281" r:id="rId27"/>
+    <p:sldId id="276" r:id="rId28"/>
   </p:sldIdLst>
   <p:sldSz cx="9144000" cy="6858000" type="screen4x3"/>
   <p:notesSz cx="6858000" cy="9144000"/>
@@ -766,7 +773,15 @@
           <a:bodyPr/>
           <a:lstStyle/>
           <a:p>
-            <a:endParaRPr lang="en-US" altLang="en-US" dirty="0"/>
+            <a:r>
+              <a:rPr lang="de-CH" dirty="0" smtClean="0"/>
+              <a:t>docker run</a:t>
+            </a:r>
+            <a:r>
+              <a:rPr lang="de-CH" baseline="0" dirty="0" smtClean="0"/>
+              <a:t> --rm to remove container after termination</a:t>
+            </a:r>
+            <a:endParaRPr lang="en-US" dirty="0"/>
           </a:p>
         </p:txBody>
       </p:sp>
@@ -844,6 +859,567 @@
           <a:bodyPr/>
           <a:lstStyle/>
           <a:p>
+            <a:r>
+              <a:rPr lang="en-US" altLang="en-US" dirty="0"/>
+              <a:t>~: cat app.js</a:t>
+            </a:r>
+            <a:endParaRPr lang="en-US" altLang="en-US" dirty="0"/>
+          </a:p>
+          <a:p>
+            <a:r>
+              <a:rPr lang="en-US" altLang="en-US" dirty="0"/>
+              <a:t># starts up an HTTP server on port 8080</a:t>
+            </a:r>
+            <a:endParaRPr lang="en-US" altLang="en-US" dirty="0"/>
+          </a:p>
+          <a:p>
+            <a:endParaRPr lang="en-US" altLang="en-US" dirty="0"/>
+          </a:p>
+          <a:p>
+            <a:r>
+              <a:rPr lang="en-US" altLang="en-US" dirty="0"/>
+              <a:t>const http = require('http');</a:t>
+            </a:r>
+            <a:endParaRPr lang="en-US" altLang="en-US" dirty="0"/>
+          </a:p>
+          <a:p>
+            <a:r>
+              <a:rPr lang="en-US" altLang="en-US" dirty="0"/>
+              <a:t>const os = require('os');</a:t>
+            </a:r>
+            <a:endParaRPr lang="en-US" altLang="en-US" dirty="0"/>
+          </a:p>
+          <a:p>
+            <a:endParaRPr lang="en-US" altLang="en-US" dirty="0"/>
+          </a:p>
+          <a:p>
+            <a:r>
+              <a:rPr lang="en-US" altLang="en-US" dirty="0"/>
+              <a:t>console.log("Kubia server starting...");</a:t>
+            </a:r>
+            <a:endParaRPr lang="en-US" altLang="en-US" dirty="0"/>
+          </a:p>
+          <a:p>
+            <a:endParaRPr lang="en-US" altLang="en-US" dirty="0"/>
+          </a:p>
+          <a:p>
+            <a:r>
+              <a:rPr lang="en-US" altLang="en-US" dirty="0"/>
+              <a:t>var handler = function(request, response) {</a:t>
+            </a:r>
+            <a:endParaRPr lang="en-US" altLang="en-US" dirty="0"/>
+          </a:p>
+          <a:p>
+            <a:r>
+              <a:rPr lang="en-US" altLang="en-US" dirty="0"/>
+              <a:t>	console.log("Received request from " + request.connection.remoteAddress);</a:t>
+            </a:r>
+            <a:endParaRPr lang="en-US" altLang="en-US" dirty="0"/>
+          </a:p>
+          <a:p>
+            <a:r>
+              <a:rPr lang="en-US" altLang="en-US" dirty="0"/>
+              <a:t>	response.writeHead(200);</a:t>
+            </a:r>
+            <a:endParaRPr lang="en-US" altLang="en-US" dirty="0"/>
+          </a:p>
+          <a:p>
+            <a:r>
+              <a:rPr lang="en-US" altLang="en-US" dirty="0"/>
+              <a:t>	response.end("You've hit " + os.hostname() + "\n");</a:t>
+            </a:r>
+            <a:endParaRPr lang="en-US" altLang="en-US" dirty="0"/>
+          </a:p>
+          <a:p>
+            <a:r>
+              <a:rPr lang="en-US" altLang="en-US" dirty="0"/>
+              <a:t>};</a:t>
+            </a:r>
+            <a:endParaRPr lang="en-US" altLang="en-US" dirty="0"/>
+          </a:p>
+          <a:p>
+            <a:endParaRPr lang="en-US" altLang="en-US" dirty="0"/>
+          </a:p>
+          <a:p>
+            <a:r>
+              <a:rPr lang="en-US" altLang="en-US" dirty="0"/>
+              <a:t>var www = http.createServer(handler);</a:t>
+            </a:r>
+            <a:endParaRPr lang="en-US" altLang="en-US" dirty="0"/>
+          </a:p>
+          <a:p>
+            <a:r>
+              <a:rPr lang="en-US" altLang="en-US" dirty="0"/>
+              <a:t>www.listen(8080);</a:t>
+            </a:r>
+            <a:endParaRPr lang="en-US" altLang="en-US" dirty="0"/>
+          </a:p>
+        </p:txBody>
+      </p:sp>
+      <p:sp>
+        <p:nvSpPr>
+          <p:cNvPr id="4" name="Slide Number Placeholder 3"/>
+          <p:cNvSpPr>
+            <a:spLocks noGrp="1"/>
+          </p:cNvSpPr>
+          <p:nvPr>
+            <p:ph type="sldNum" sz="quarter" idx="10"/>
+          </p:nvPr>
+        </p:nvSpPr>
+        <p:spPr/>
+        <p:txBody>
+          <a:bodyPr/>
+          <a:lstStyle/>
+          <a:p>
+            <a:fld id="{52E27252-EF20-D744-8857-623D53E3D728}" type="slidenum">
+              <a:rPr lang="en-US" smtClean="0"/>
+            </a:fld>
+            <a:endParaRPr lang="en-US"/>
+          </a:p>
+        </p:txBody>
+      </p:sp>
+    </p:spTree>
+  </p:cSld>
+  <p:clrMapOvr>
+    <a:masterClrMapping/>
+  </p:clrMapOvr>
+</p:notes>
+</file>
+
+<file path=ppt/notesSlides/notesSlide12.xml><?xml version="1.0" encoding="utf-8"?>
+<p:notes xmlns:a="http://schemas.openxmlformats.org/drawingml/2006/main" xmlns:r="http://schemas.openxmlformats.org/officeDocument/2006/relationships" xmlns:p="http://schemas.openxmlformats.org/presentationml/2006/main">
+  <p:cSld>
+    <p:spTree>
+      <p:nvGrpSpPr>
+        <p:cNvPr id="1" name=""/>
+        <p:cNvGrpSpPr/>
+        <p:nvPr/>
+      </p:nvGrpSpPr>
+      <p:grpSpPr>
+        <a:xfrm>
+          <a:off x="0" y="0"/>
+          <a:ext cx="0" cy="0"/>
+          <a:chOff x="0" y="0"/>
+          <a:chExt cx="0" cy="0"/>
+        </a:xfrm>
+      </p:grpSpPr>
+      <p:sp>
+        <p:nvSpPr>
+          <p:cNvPr id="2" name="Slide Image Placeholder 1"/>
+          <p:cNvSpPr>
+            <a:spLocks noGrp="1" noRot="1" noChangeAspect="1"/>
+          </p:cNvSpPr>
+          <p:nvPr>
+            <p:ph type="sldImg"/>
+          </p:nvPr>
+        </p:nvSpPr>
+        <p:spPr/>
+      </p:sp>
+      <p:sp>
+        <p:nvSpPr>
+          <p:cNvPr id="3" name="Notes Placeholder 2"/>
+          <p:cNvSpPr>
+            <a:spLocks noGrp="1"/>
+          </p:cNvSpPr>
+          <p:nvPr>
+            <p:ph type="body" idx="1"/>
+          </p:nvPr>
+        </p:nvSpPr>
+        <p:spPr/>
+        <p:txBody>
+          <a:bodyPr/>
+          <a:lstStyle/>
+          <a:p>
+            <a:endParaRPr lang="en-US" altLang="en-US" dirty="0"/>
+          </a:p>
+        </p:txBody>
+      </p:sp>
+      <p:sp>
+        <p:nvSpPr>
+          <p:cNvPr id="4" name="Slide Number Placeholder 3"/>
+          <p:cNvSpPr>
+            <a:spLocks noGrp="1"/>
+          </p:cNvSpPr>
+          <p:nvPr>
+            <p:ph type="sldNum" sz="quarter" idx="10"/>
+          </p:nvPr>
+        </p:nvSpPr>
+        <p:spPr/>
+        <p:txBody>
+          <a:bodyPr/>
+          <a:lstStyle/>
+          <a:p>
+            <a:fld id="{52E27252-EF20-D744-8857-623D53E3D728}" type="slidenum">
+              <a:rPr lang="en-US" smtClean="0"/>
+            </a:fld>
+            <a:endParaRPr lang="en-US"/>
+          </a:p>
+        </p:txBody>
+      </p:sp>
+    </p:spTree>
+  </p:cSld>
+  <p:clrMapOvr>
+    <a:masterClrMapping/>
+  </p:clrMapOvr>
+</p:notes>
+</file>
+
+<file path=ppt/notesSlides/notesSlide13.xml><?xml version="1.0" encoding="utf-8"?>
+<p:notes xmlns:a="http://schemas.openxmlformats.org/drawingml/2006/main" xmlns:r="http://schemas.openxmlformats.org/officeDocument/2006/relationships" xmlns:p="http://schemas.openxmlformats.org/presentationml/2006/main">
+  <p:cSld>
+    <p:spTree>
+      <p:nvGrpSpPr>
+        <p:cNvPr id="1" name=""/>
+        <p:cNvGrpSpPr/>
+        <p:nvPr/>
+      </p:nvGrpSpPr>
+      <p:grpSpPr>
+        <a:xfrm>
+          <a:off x="0" y="0"/>
+          <a:ext cx="0" cy="0"/>
+          <a:chOff x="0" y="0"/>
+          <a:chExt cx="0" cy="0"/>
+        </a:xfrm>
+      </p:grpSpPr>
+      <p:sp>
+        <p:nvSpPr>
+          <p:cNvPr id="2" name="Slide Image Placeholder 1"/>
+          <p:cNvSpPr>
+            <a:spLocks noGrp="1" noRot="1" noChangeAspect="1"/>
+          </p:cNvSpPr>
+          <p:nvPr>
+            <p:ph type="sldImg"/>
+          </p:nvPr>
+        </p:nvSpPr>
+        <p:spPr/>
+      </p:sp>
+      <p:sp>
+        <p:nvSpPr>
+          <p:cNvPr id="3" name="Notes Placeholder 2"/>
+          <p:cNvSpPr>
+            <a:spLocks noGrp="1"/>
+          </p:cNvSpPr>
+          <p:nvPr>
+            <p:ph type="body" idx="1"/>
+          </p:nvPr>
+        </p:nvSpPr>
+        <p:spPr/>
+        <p:txBody>
+          <a:bodyPr/>
+          <a:lstStyle/>
+          <a:p>
+            <a:endParaRPr lang="en-US" dirty="0"/>
+          </a:p>
+        </p:txBody>
+      </p:sp>
+      <p:sp>
+        <p:nvSpPr>
+          <p:cNvPr id="4" name="Slide Number Placeholder 3"/>
+          <p:cNvSpPr>
+            <a:spLocks noGrp="1"/>
+          </p:cNvSpPr>
+          <p:nvPr>
+            <p:ph type="sldNum" sz="quarter" idx="10"/>
+          </p:nvPr>
+        </p:nvSpPr>
+        <p:spPr/>
+        <p:txBody>
+          <a:bodyPr/>
+          <a:lstStyle/>
+          <a:p>
+            <a:fld id="{52E27252-EF20-D744-8857-623D53E3D728}" type="slidenum">
+              <a:rPr lang="en-US" smtClean="0"/>
+            </a:fld>
+            <a:endParaRPr lang="en-US"/>
+          </a:p>
+        </p:txBody>
+      </p:sp>
+    </p:spTree>
+  </p:cSld>
+  <p:clrMapOvr>
+    <a:masterClrMapping/>
+  </p:clrMapOvr>
+</p:notes>
+</file>
+
+<file path=ppt/notesSlides/notesSlide14.xml><?xml version="1.0" encoding="utf-8"?>
+<p:notes xmlns:a="http://schemas.openxmlformats.org/drawingml/2006/main" xmlns:r="http://schemas.openxmlformats.org/officeDocument/2006/relationships" xmlns:p="http://schemas.openxmlformats.org/presentationml/2006/main">
+  <p:cSld>
+    <p:spTree>
+      <p:nvGrpSpPr>
+        <p:cNvPr id="1" name=""/>
+        <p:cNvGrpSpPr/>
+        <p:nvPr/>
+      </p:nvGrpSpPr>
+      <p:grpSpPr>
+        <a:xfrm>
+          <a:off x="0" y="0"/>
+          <a:ext cx="0" cy="0"/>
+          <a:chOff x="0" y="0"/>
+          <a:chExt cx="0" cy="0"/>
+        </a:xfrm>
+      </p:grpSpPr>
+      <p:sp>
+        <p:nvSpPr>
+          <p:cNvPr id="2" name="Slide Image Placeholder 1"/>
+          <p:cNvSpPr>
+            <a:spLocks noGrp="1" noRot="1" noChangeAspect="1"/>
+          </p:cNvSpPr>
+          <p:nvPr>
+            <p:ph type="sldImg"/>
+          </p:nvPr>
+        </p:nvSpPr>
+        <p:spPr/>
+      </p:sp>
+      <p:sp>
+        <p:nvSpPr>
+          <p:cNvPr id="3" name="Notes Placeholder 2"/>
+          <p:cNvSpPr>
+            <a:spLocks noGrp="1"/>
+          </p:cNvSpPr>
+          <p:nvPr>
+            <p:ph type="body" idx="1"/>
+          </p:nvPr>
+        </p:nvSpPr>
+        <p:spPr/>
+        <p:txBody>
+          <a:bodyPr/>
+          <a:lstStyle/>
+          <a:p>
+            <a:endParaRPr lang="en-US" dirty="0"/>
+          </a:p>
+        </p:txBody>
+      </p:sp>
+      <p:sp>
+        <p:nvSpPr>
+          <p:cNvPr id="4" name="Slide Number Placeholder 3"/>
+          <p:cNvSpPr>
+            <a:spLocks noGrp="1"/>
+          </p:cNvSpPr>
+          <p:nvPr>
+            <p:ph type="sldNum" sz="quarter" idx="10"/>
+          </p:nvPr>
+        </p:nvSpPr>
+        <p:spPr/>
+        <p:txBody>
+          <a:bodyPr/>
+          <a:lstStyle/>
+          <a:p>
+            <a:fld id="{52E27252-EF20-D744-8857-623D53E3D728}" type="slidenum">
+              <a:rPr lang="en-US" smtClean="0"/>
+            </a:fld>
+            <a:endParaRPr lang="en-US"/>
+          </a:p>
+        </p:txBody>
+      </p:sp>
+    </p:spTree>
+  </p:cSld>
+  <p:clrMapOvr>
+    <a:masterClrMapping/>
+  </p:clrMapOvr>
+</p:notes>
+</file>
+
+<file path=ppt/notesSlides/notesSlide15.xml><?xml version="1.0" encoding="utf-8"?>
+<p:notes xmlns:a="http://schemas.openxmlformats.org/drawingml/2006/main" xmlns:r="http://schemas.openxmlformats.org/officeDocument/2006/relationships" xmlns:p="http://schemas.openxmlformats.org/presentationml/2006/main">
+  <p:cSld>
+    <p:spTree>
+      <p:nvGrpSpPr>
+        <p:cNvPr id="1" name=""/>
+        <p:cNvGrpSpPr/>
+        <p:nvPr/>
+      </p:nvGrpSpPr>
+      <p:grpSpPr>
+        <a:xfrm>
+          <a:off x="0" y="0"/>
+          <a:ext cx="0" cy="0"/>
+          <a:chOff x="0" y="0"/>
+          <a:chExt cx="0" cy="0"/>
+        </a:xfrm>
+      </p:grpSpPr>
+      <p:sp>
+        <p:nvSpPr>
+          <p:cNvPr id="2" name="Slide Image Placeholder 1"/>
+          <p:cNvSpPr>
+            <a:spLocks noGrp="1" noRot="1" noChangeAspect="1"/>
+          </p:cNvSpPr>
+          <p:nvPr>
+            <p:ph type="sldImg"/>
+          </p:nvPr>
+        </p:nvSpPr>
+        <p:spPr/>
+      </p:sp>
+      <p:sp>
+        <p:nvSpPr>
+          <p:cNvPr id="3" name="Notes Placeholder 2"/>
+          <p:cNvSpPr>
+            <a:spLocks noGrp="1"/>
+          </p:cNvSpPr>
+          <p:nvPr>
+            <p:ph type="body" idx="1"/>
+          </p:nvPr>
+        </p:nvSpPr>
+        <p:spPr/>
+        <p:txBody>
+          <a:bodyPr/>
+          <a:lstStyle/>
+          <a:p>
+            <a:endParaRPr lang="en-US" dirty="0"/>
+          </a:p>
+        </p:txBody>
+      </p:sp>
+      <p:sp>
+        <p:nvSpPr>
+          <p:cNvPr id="4" name="Slide Number Placeholder 3"/>
+          <p:cNvSpPr>
+            <a:spLocks noGrp="1"/>
+          </p:cNvSpPr>
+          <p:nvPr>
+            <p:ph type="sldNum" sz="quarter" idx="10"/>
+          </p:nvPr>
+        </p:nvSpPr>
+        <p:spPr/>
+        <p:txBody>
+          <a:bodyPr/>
+          <a:lstStyle/>
+          <a:p>
+            <a:fld id="{52E27252-EF20-D744-8857-623D53E3D728}" type="slidenum">
+              <a:rPr lang="en-US" smtClean="0"/>
+            </a:fld>
+            <a:endParaRPr lang="en-US"/>
+          </a:p>
+        </p:txBody>
+      </p:sp>
+    </p:spTree>
+  </p:cSld>
+  <p:clrMapOvr>
+    <a:masterClrMapping/>
+  </p:clrMapOvr>
+</p:notes>
+</file>
+
+<file path=ppt/notesSlides/notesSlide16.xml><?xml version="1.0" encoding="utf-8"?>
+<p:notes xmlns:a="http://schemas.openxmlformats.org/drawingml/2006/main" xmlns:r="http://schemas.openxmlformats.org/officeDocument/2006/relationships" xmlns:p="http://schemas.openxmlformats.org/presentationml/2006/main">
+  <p:cSld>
+    <p:spTree>
+      <p:nvGrpSpPr>
+        <p:cNvPr id="1" name=""/>
+        <p:cNvGrpSpPr/>
+        <p:nvPr/>
+      </p:nvGrpSpPr>
+      <p:grpSpPr>
+        <a:xfrm>
+          <a:off x="0" y="0"/>
+          <a:ext cx="0" cy="0"/>
+          <a:chOff x="0" y="0"/>
+          <a:chExt cx="0" cy="0"/>
+        </a:xfrm>
+      </p:grpSpPr>
+      <p:sp>
+        <p:nvSpPr>
+          <p:cNvPr id="2" name="Slide Image Placeholder 1"/>
+          <p:cNvSpPr>
+            <a:spLocks noGrp="1" noRot="1" noChangeAspect="1"/>
+          </p:cNvSpPr>
+          <p:nvPr>
+            <p:ph type="sldImg"/>
+          </p:nvPr>
+        </p:nvSpPr>
+        <p:spPr/>
+      </p:sp>
+      <p:sp>
+        <p:nvSpPr>
+          <p:cNvPr id="3" name="Notes Placeholder 2"/>
+          <p:cNvSpPr>
+            <a:spLocks noGrp="1"/>
+          </p:cNvSpPr>
+          <p:nvPr>
+            <p:ph type="body" idx="1"/>
+          </p:nvPr>
+        </p:nvSpPr>
+        <p:spPr/>
+        <p:txBody>
+          <a:bodyPr/>
+          <a:lstStyle/>
+          <a:p>
+            <a:endParaRPr lang="en-US" dirty="0"/>
+          </a:p>
+        </p:txBody>
+      </p:sp>
+      <p:sp>
+        <p:nvSpPr>
+          <p:cNvPr id="4" name="Slide Number Placeholder 3"/>
+          <p:cNvSpPr>
+            <a:spLocks noGrp="1"/>
+          </p:cNvSpPr>
+          <p:nvPr>
+            <p:ph type="sldNum" sz="quarter" idx="10"/>
+          </p:nvPr>
+        </p:nvSpPr>
+        <p:spPr/>
+        <p:txBody>
+          <a:bodyPr/>
+          <a:lstStyle/>
+          <a:p>
+            <a:fld id="{52E27252-EF20-D744-8857-623D53E3D728}" type="slidenum">
+              <a:rPr lang="en-US" smtClean="0"/>
+            </a:fld>
+            <a:endParaRPr lang="en-US"/>
+          </a:p>
+        </p:txBody>
+      </p:sp>
+    </p:spTree>
+  </p:cSld>
+  <p:clrMapOvr>
+    <a:masterClrMapping/>
+  </p:clrMapOvr>
+</p:notes>
+</file>
+
+<file path=ppt/notesSlides/notesSlide17.xml><?xml version="1.0" encoding="utf-8"?>
+<p:notes xmlns:a="http://schemas.openxmlformats.org/drawingml/2006/main" xmlns:r="http://schemas.openxmlformats.org/officeDocument/2006/relationships" xmlns:p="http://schemas.openxmlformats.org/presentationml/2006/main">
+  <p:cSld>
+    <p:spTree>
+      <p:nvGrpSpPr>
+        <p:cNvPr id="1" name=""/>
+        <p:cNvGrpSpPr/>
+        <p:nvPr/>
+      </p:nvGrpSpPr>
+      <p:grpSpPr>
+        <a:xfrm>
+          <a:off x="0" y="0"/>
+          <a:ext cx="0" cy="0"/>
+          <a:chOff x="0" y="0"/>
+          <a:chExt cx="0" cy="0"/>
+        </a:xfrm>
+      </p:grpSpPr>
+      <p:sp>
+        <p:nvSpPr>
+          <p:cNvPr id="2" name="Slide Image Placeholder 1"/>
+          <p:cNvSpPr>
+            <a:spLocks noGrp="1" noRot="1" noChangeAspect="1"/>
+          </p:cNvSpPr>
+          <p:nvPr>
+            <p:ph type="sldImg"/>
+          </p:nvPr>
+        </p:nvSpPr>
+        <p:spPr/>
+      </p:sp>
+      <p:sp>
+        <p:nvSpPr>
+          <p:cNvPr id="3" name="Notes Placeholder 2"/>
+          <p:cNvSpPr>
+            <a:spLocks noGrp="1"/>
+          </p:cNvSpPr>
+          <p:nvPr>
+            <p:ph type="body" idx="1"/>
+          </p:nvPr>
+        </p:nvSpPr>
+        <p:spPr/>
+        <p:txBody>
+          <a:bodyPr/>
+          <a:lstStyle/>
+          <a:p>
             <a:endParaRPr lang="en-US" dirty="0"/>
           </a:p>
         </p:txBody>
@@ -1155,16 +1731,6 @@
           <a:lstStyle/>
           <a:p>
             <a:r>
-              <a:rPr lang="de-CH" dirty="0" smtClean="0"/>
-              <a:t>Windows: http://www.zdnet.com/docker-cto-why-microsofts-docker-plans-for-windows-will-matter-to-you-7000035150/</a:t>
-            </a:r>
-            <a:endParaRPr lang="de-CH" dirty="0" smtClean="0"/>
-          </a:p>
-          <a:p>
-            <a:endParaRPr lang="de-CH" dirty="0" smtClean="0"/>
-          </a:p>
-          <a:p>
-            <a:r>
               <a:rPr lang="en-US" sz="1200" b="0" i="0" kern="1200" dirty="0" smtClean="0">
                 <a:solidFill>
                   <a:schemeClr val="tx1"/>
@@ -1174,7 +1740,149 @@
                 <a:ea typeface="+mn-ea"/>
                 <a:cs typeface="+mn-cs"/>
               </a:rPr>
-              <a:t>"That's why the result of the Microsoft announcement will not allow a container that runs on Linux to run seamlessly on Windows or vice versa. But that's OK because in the context of distributed applications that's not what developers are asking for."</a:t>
+              <a:t>Virtual Machines</a:t>
+            </a:r>
+            <a:endParaRPr lang="en-US" sz="1200" b="0" i="0" kern="1200" dirty="0" smtClean="0">
+              <a:solidFill>
+                <a:schemeClr val="tx1"/>
+              </a:solidFill>
+              <a:effectLst/>
+              <a:latin typeface="+mn-lt"/>
+              <a:ea typeface="+mn-ea"/>
+              <a:cs typeface="+mn-cs"/>
+            </a:endParaRPr>
+          </a:p>
+          <a:p>
+            <a:r>
+              <a:rPr lang="en-US" sz="1200" b="0" i="0" kern="1200" dirty="0" smtClean="0">
+                <a:solidFill>
+                  <a:schemeClr val="tx1"/>
+                </a:solidFill>
+                <a:effectLst/>
+                <a:latin typeface="+mn-lt"/>
+                <a:ea typeface="+mn-ea"/>
+                <a:cs typeface="+mn-cs"/>
+              </a:rPr>
+              <a:t>Each virtualized application includes not only the application - which may be only 10s of MB - and the necessary binaries and libraries, but also an entire guest operating system - which may weigh 10s of GB.</a:t>
+            </a:r>
+            <a:endParaRPr lang="en-US" sz="1200" b="0" i="0" kern="1200" dirty="0" smtClean="0">
+              <a:solidFill>
+                <a:schemeClr val="tx1"/>
+              </a:solidFill>
+              <a:effectLst/>
+              <a:latin typeface="+mn-lt"/>
+              <a:ea typeface="+mn-ea"/>
+              <a:cs typeface="+mn-cs"/>
+            </a:endParaRPr>
+          </a:p>
+          <a:p>
+            <a:endParaRPr lang="de-CH" dirty="0" smtClean="0"/>
+          </a:p>
+          <a:p>
+            <a:r>
+              <a:rPr lang="en-US" sz="1200" b="0" i="0" kern="1200" dirty="0" err="1" smtClean="0">
+                <a:solidFill>
+                  <a:schemeClr val="tx1"/>
+                </a:solidFill>
+                <a:effectLst/>
+                <a:latin typeface="+mn-lt"/>
+                <a:ea typeface="+mn-ea"/>
+                <a:cs typeface="+mn-cs"/>
+              </a:rPr>
+              <a:t>Docker</a:t>
+            </a:r>
+            <a:endParaRPr lang="en-US" sz="1200" b="0" i="0" kern="1200" dirty="0" smtClean="0">
+              <a:solidFill>
+                <a:schemeClr val="tx1"/>
+              </a:solidFill>
+              <a:effectLst/>
+              <a:latin typeface="+mn-lt"/>
+              <a:ea typeface="+mn-ea"/>
+              <a:cs typeface="+mn-cs"/>
+            </a:endParaRPr>
+          </a:p>
+          <a:p>
+            <a:r>
+              <a:rPr lang="en-US" sz="1200" b="0" i="0" kern="1200" dirty="0" smtClean="0">
+                <a:solidFill>
+                  <a:schemeClr val="tx1"/>
+                </a:solidFill>
+                <a:effectLst/>
+                <a:latin typeface="+mn-lt"/>
+                <a:ea typeface="+mn-ea"/>
+                <a:cs typeface="+mn-cs"/>
+              </a:rPr>
+              <a:t>The </a:t>
+            </a:r>
+            <a:r>
+              <a:rPr lang="en-US" sz="1200" b="0" i="0" kern="1200" dirty="0" err="1" smtClean="0">
+                <a:solidFill>
+                  <a:schemeClr val="tx1"/>
+                </a:solidFill>
+                <a:effectLst/>
+                <a:latin typeface="+mn-lt"/>
+                <a:ea typeface="+mn-ea"/>
+                <a:cs typeface="+mn-cs"/>
+              </a:rPr>
+              <a:t>Docker</a:t>
+            </a:r>
+            <a:r>
+              <a:rPr lang="en-US" sz="1200" b="0" i="0" kern="1200" dirty="0" smtClean="0">
+                <a:solidFill>
+                  <a:schemeClr val="tx1"/>
+                </a:solidFill>
+                <a:effectLst/>
+                <a:latin typeface="+mn-lt"/>
+                <a:ea typeface="+mn-ea"/>
+                <a:cs typeface="+mn-cs"/>
+              </a:rPr>
+              <a:t> Engine container comprises just the application and its dependencies. It runs as an isolated process in </a:t>
+            </a:r>
+            <a:r>
+              <a:rPr lang="en-US" sz="1200" b="0" i="0" kern="1200" dirty="0" err="1" smtClean="0">
+                <a:solidFill>
+                  <a:schemeClr val="tx1"/>
+                </a:solidFill>
+                <a:effectLst/>
+                <a:latin typeface="+mn-lt"/>
+                <a:ea typeface="+mn-ea"/>
+                <a:cs typeface="+mn-cs"/>
+              </a:rPr>
+              <a:t>userspace</a:t>
+            </a:r>
+            <a:r>
+              <a:rPr lang="en-US" sz="1200" b="0" i="0" kern="1200" dirty="0" smtClean="0">
+                <a:solidFill>
+                  <a:schemeClr val="tx1"/>
+                </a:solidFill>
+                <a:effectLst/>
+                <a:latin typeface="+mn-lt"/>
+                <a:ea typeface="+mn-ea"/>
+                <a:cs typeface="+mn-cs"/>
+              </a:rPr>
+              <a:t> on the host operating system, sharing the kernel with other containers. Thus, it enjoys the resource isolation and allocation benefits of VMs but is much more portable and efficient.</a:t>
+            </a:r>
+            <a:endParaRPr lang="en-US" sz="1200" b="0" i="0" kern="1200" dirty="0" smtClean="0">
+              <a:solidFill>
+                <a:schemeClr val="tx1"/>
+              </a:solidFill>
+              <a:effectLst/>
+              <a:latin typeface="+mn-lt"/>
+              <a:ea typeface="+mn-ea"/>
+              <a:cs typeface="+mn-cs"/>
+            </a:endParaRPr>
+          </a:p>
+          <a:p>
+            <a:endParaRPr lang="de-CH" dirty="0" smtClean="0"/>
+          </a:p>
+          <a:p>
+            <a:r>
+              <a:rPr lang="de-CH" dirty="0" smtClean="0"/>
+              <a:t>Docker provides base</a:t>
+            </a:r>
+            <a:r>
+              <a:rPr lang="de-CH" baseline="0" dirty="0" smtClean="0"/>
+              <a:t> images that contain OS installations we can start from: The OS is not more than an application running on the Kernel...</a:t>
             </a:r>
             <a:endParaRPr lang="en-US" dirty="0"/>
           </a:p>
@@ -1255,10 +1963,160 @@
           <a:lstStyle/>
           <a:p>
             <a:r>
+              <a:rPr lang="en-US" sz="1200" b="0" i="0" kern="1200" dirty="0" smtClean="0">
+                <a:solidFill>
+                  <a:schemeClr val="tx1"/>
+                </a:solidFill>
+                <a:effectLst/>
+                <a:latin typeface="+mn-lt"/>
+                <a:ea typeface="+mn-ea"/>
+                <a:cs typeface="+mn-cs"/>
+              </a:rPr>
+              <a:t>Virtual Machines</a:t>
+            </a:r>
+            <a:endParaRPr lang="en-US" sz="1200" b="0" i="0" kern="1200" dirty="0" smtClean="0">
+              <a:solidFill>
+                <a:schemeClr val="tx1"/>
+              </a:solidFill>
+              <a:effectLst/>
+              <a:latin typeface="+mn-lt"/>
+              <a:ea typeface="+mn-ea"/>
+              <a:cs typeface="+mn-cs"/>
+            </a:endParaRPr>
+          </a:p>
+          <a:p>
+            <a:r>
+              <a:rPr lang="en-US" sz="1200" b="0" i="0" kern="1200" dirty="0" smtClean="0">
+                <a:solidFill>
+                  <a:schemeClr val="tx1"/>
+                </a:solidFill>
+                <a:effectLst/>
+                <a:latin typeface="+mn-lt"/>
+                <a:ea typeface="+mn-ea"/>
+                <a:cs typeface="+mn-cs"/>
+              </a:rPr>
+              <a:t>Each virtualized application includes not only the application - which may be only 10s of MB - and the necessary binaries and libraries, but also an entire guest operating system - which may weigh 10s of GB.</a:t>
+            </a:r>
+            <a:endParaRPr lang="en-US" sz="1200" b="0" i="0" kern="1200" dirty="0" smtClean="0">
+              <a:solidFill>
+                <a:schemeClr val="tx1"/>
+              </a:solidFill>
+              <a:effectLst/>
+              <a:latin typeface="+mn-lt"/>
+              <a:ea typeface="+mn-ea"/>
+              <a:cs typeface="+mn-cs"/>
+            </a:endParaRPr>
+          </a:p>
+          <a:p>
+            <a:endParaRPr lang="de-CH" dirty="0" smtClean="0"/>
+          </a:p>
+          <a:p>
+            <a:r>
+              <a:rPr lang="en-US" sz="1200" b="0" i="0" kern="1200" dirty="0" err="1" smtClean="0">
+                <a:solidFill>
+                  <a:schemeClr val="tx1"/>
+                </a:solidFill>
+                <a:effectLst/>
+                <a:latin typeface="+mn-lt"/>
+                <a:ea typeface="+mn-ea"/>
+                <a:cs typeface="+mn-cs"/>
+              </a:rPr>
+              <a:t>Docker</a:t>
+            </a:r>
+            <a:endParaRPr lang="en-US" sz="1200" b="0" i="0" kern="1200" dirty="0" smtClean="0">
+              <a:solidFill>
+                <a:schemeClr val="tx1"/>
+              </a:solidFill>
+              <a:effectLst/>
+              <a:latin typeface="+mn-lt"/>
+              <a:ea typeface="+mn-ea"/>
+              <a:cs typeface="+mn-cs"/>
+            </a:endParaRPr>
+          </a:p>
+          <a:p>
+            <a:r>
+              <a:rPr lang="en-US" sz="1200" b="0" i="0" kern="1200" dirty="0" smtClean="0">
+                <a:solidFill>
+                  <a:schemeClr val="tx1"/>
+                </a:solidFill>
+                <a:effectLst/>
+                <a:latin typeface="+mn-lt"/>
+                <a:ea typeface="+mn-ea"/>
+                <a:cs typeface="+mn-cs"/>
+              </a:rPr>
+              <a:t>The </a:t>
+            </a:r>
+            <a:r>
+              <a:rPr lang="en-US" sz="1200" b="0" i="0" kern="1200" dirty="0" err="1" smtClean="0">
+                <a:solidFill>
+                  <a:schemeClr val="tx1"/>
+                </a:solidFill>
+                <a:effectLst/>
+                <a:latin typeface="+mn-lt"/>
+                <a:ea typeface="+mn-ea"/>
+                <a:cs typeface="+mn-cs"/>
+              </a:rPr>
+              <a:t>Docker</a:t>
+            </a:r>
+            <a:r>
+              <a:rPr lang="en-US" sz="1200" b="0" i="0" kern="1200" dirty="0" smtClean="0">
+                <a:solidFill>
+                  <a:schemeClr val="tx1"/>
+                </a:solidFill>
+                <a:effectLst/>
+                <a:latin typeface="+mn-lt"/>
+                <a:ea typeface="+mn-ea"/>
+                <a:cs typeface="+mn-cs"/>
+              </a:rPr>
+              <a:t> Engine container comprises just the application and its dependencies. It runs as an isolated process in </a:t>
+            </a:r>
+            <a:r>
+              <a:rPr lang="en-US" sz="1200" b="0" i="0" kern="1200" dirty="0" err="1" smtClean="0">
+                <a:solidFill>
+                  <a:schemeClr val="tx1"/>
+                </a:solidFill>
+                <a:effectLst/>
+                <a:latin typeface="+mn-lt"/>
+                <a:ea typeface="+mn-ea"/>
+                <a:cs typeface="+mn-cs"/>
+              </a:rPr>
+              <a:t>userspace</a:t>
+            </a:r>
+            <a:r>
+              <a:rPr lang="en-US" sz="1200" b="0" i="0" kern="1200" dirty="0" smtClean="0">
+                <a:solidFill>
+                  <a:schemeClr val="tx1"/>
+                </a:solidFill>
+                <a:effectLst/>
+                <a:latin typeface="+mn-lt"/>
+                <a:ea typeface="+mn-ea"/>
+                <a:cs typeface="+mn-cs"/>
+              </a:rPr>
+              <a:t> on the host operating system, sharing the kernel with other containers. Thus, it enjoys the resource isolation and allocation benefits of VMs but is much more portable and efficient.</a:t>
+            </a:r>
+            <a:endParaRPr lang="en-US" sz="1200" b="0" i="0" kern="1200" dirty="0" smtClean="0">
+              <a:solidFill>
+                <a:schemeClr val="tx1"/>
+              </a:solidFill>
+              <a:effectLst/>
+              <a:latin typeface="+mn-lt"/>
+              <a:ea typeface="+mn-ea"/>
+              <a:cs typeface="+mn-cs"/>
+            </a:endParaRPr>
+          </a:p>
+          <a:p>
+            <a:endParaRPr lang="de-CH" dirty="0" smtClean="0"/>
+          </a:p>
+          <a:p>
+            <a:r>
               <a:rPr lang="de-CH" dirty="0" smtClean="0"/>
-              <a:t>Docker Engine enables containerized applications to run anywhere consistently on any infrastructure, solving “dependency hell” for developers and operations teams, and eliminating the “it works on my laptop!” problem.</a:t>
-            </a:r>
-            <a:endParaRPr lang="de-CH" dirty="0" smtClean="0"/>
+              <a:t>Docker provides base</a:t>
+            </a:r>
+            <a:r>
+              <a:rPr lang="de-CH" baseline="0" dirty="0" smtClean="0"/>
+              <a:t> images that contain OS installations we can start from: The OS is not more than an application running on the Kernel...</a:t>
+            </a:r>
+            <a:endParaRPr lang="en-US" dirty="0"/>
           </a:p>
         </p:txBody>
       </p:sp>
@@ -1338,9 +2196,27 @@
           <a:p>
             <a:r>
               <a:rPr lang="de-CH" dirty="0" smtClean="0"/>
-              <a:t>https://docs.docker.com/engine/docker-overview/</a:t>
+              <a:t>Windows: http://www.zdnet.com/docker-cto-why-microsofts-docker-plans-for-windows-will-matter-to-you-7000035150/</a:t>
             </a:r>
             <a:endParaRPr lang="de-CH" dirty="0" smtClean="0"/>
+          </a:p>
+          <a:p>
+            <a:endParaRPr lang="de-CH" dirty="0" smtClean="0"/>
+          </a:p>
+          <a:p>
+            <a:r>
+              <a:rPr lang="en-US" sz="1200" b="0" i="0" kern="1200" dirty="0" smtClean="0">
+                <a:solidFill>
+                  <a:schemeClr val="tx1"/>
+                </a:solidFill>
+                <a:effectLst/>
+                <a:latin typeface="+mn-lt"/>
+                <a:ea typeface="+mn-ea"/>
+                <a:cs typeface="+mn-cs"/>
+              </a:rPr>
+              <a:t>"That's why the result of the Microsoft announcement will not allow a container that runs on Linux to run seamlessly on Windows or vice versa. But that's OK because in the context of distributed applications that's not what developers are asking for."</a:t>
+            </a:r>
+            <a:endParaRPr lang="en-US" dirty="0"/>
           </a:p>
         </p:txBody>
       </p:sp>
@@ -1418,85 +2294,11 @@
           <a:bodyPr/>
           <a:lstStyle/>
           <a:p>
-            <a:pPr marL="171450" indent="-171450">
-              <a:buFont typeface="Arial" panose="02080604020202020204" pitchFamily="34" charset="0"/>
-              <a:buChar char="•"/>
-            </a:pPr>
             <a:r>
               <a:rPr lang="de-CH" dirty="0" smtClean="0"/>
-              <a:t>Immediately</a:t>
-            </a:r>
-            <a:r>
-              <a:rPr lang="de-CH" baseline="0" dirty="0" smtClean="0"/>
-              <a:t> exits</a:t>
-            </a:r>
-            <a:endParaRPr lang="de-CH" baseline="0" dirty="0" smtClean="0"/>
-          </a:p>
-          <a:p>
-            <a:pPr marL="628650" lvl="1" indent="-171450">
-              <a:buFont typeface="Arial" panose="02080604020202020204" pitchFamily="34" charset="0"/>
-              <a:buChar char="•"/>
-            </a:pPr>
-            <a:r>
-              <a:rPr lang="de-CH" baseline="0" dirty="0" smtClean="0"/>
-              <a:t>docker ps</a:t>
-            </a:r>
-            <a:endParaRPr lang="de-CH" baseline="0" dirty="0" smtClean="0"/>
-          </a:p>
-          <a:p>
-            <a:pPr marL="628650" lvl="1" indent="-171450">
-              <a:buFont typeface="Arial" panose="02080604020202020204" pitchFamily="34" charset="0"/>
-              <a:buChar char="•"/>
-            </a:pPr>
-            <a:r>
-              <a:rPr lang="de-CH" baseline="0" dirty="0" smtClean="0"/>
-              <a:t>docker ps –a</a:t>
-            </a:r>
-            <a:endParaRPr lang="de-CH" baseline="0" dirty="0" smtClean="0"/>
-          </a:p>
-          <a:p>
-            <a:pPr marL="1085850" lvl="2" indent="-171450">
-              <a:buFont typeface="Arial" panose="02080604020202020204" pitchFamily="34" charset="0"/>
-              <a:buChar char="•"/>
-            </a:pPr>
-            <a:r>
-              <a:rPr lang="de-CH" baseline="0" dirty="0" smtClean="0"/>
-              <a:t>Re-attach: docker start –i stoic_wozniak</a:t>
-            </a:r>
-            <a:endParaRPr lang="de-CH" baseline="0" dirty="0" smtClean="0"/>
-          </a:p>
-          <a:p>
-            <a:pPr marL="628650" lvl="1" indent="-171450">
-              <a:buFont typeface="Arial" panose="02080604020202020204" pitchFamily="34" charset="0"/>
-              <a:buChar char="•"/>
-            </a:pPr>
-            <a:r>
-              <a:rPr lang="de-CH" baseline="0" dirty="0" smtClean="0"/>
-              <a:t>docker commit –m «message» containerId imageName(e.g. mytest/test1:1.0)</a:t>
-            </a:r>
-            <a:endParaRPr lang="de-CH" baseline="0" dirty="0" smtClean="0"/>
-          </a:p>
-          <a:p>
-            <a:pPr marL="1085850" lvl="2" indent="-171450">
-              <a:buFont typeface="Arial" panose="02080604020202020204" pitchFamily="34" charset="0"/>
-              <a:buChar char="•"/>
-            </a:pPr>
-            <a:r>
-              <a:rPr lang="de-CH" baseline="0" dirty="0" smtClean="0"/>
-              <a:t>New Image</a:t>
-            </a:r>
-            <a:endParaRPr lang="de-CH" baseline="0" dirty="0" smtClean="0"/>
-          </a:p>
-          <a:p>
-            <a:pPr marL="628650" lvl="1" indent="-171450">
-              <a:buFont typeface="Arial" panose="02080604020202020204" pitchFamily="34" charset="0"/>
-              <a:buChar char="•"/>
-            </a:pPr>
-            <a:r>
-              <a:rPr lang="de-CH" baseline="0" dirty="0" smtClean="0"/>
-              <a:t>docker images</a:t>
-            </a:r>
-            <a:endParaRPr lang="en-US" dirty="0"/>
+              <a:t>Docker Engine enables containerized applications to run anywhere consistently on any infrastructure, solving “dependency hell” for developers and operations teams, and eliminating the “it works on my laptop!” problem.</a:t>
+            </a:r>
+            <a:endParaRPr lang="de-CH" dirty="0" smtClean="0"/>
           </a:p>
         </p:txBody>
       </p:sp>
@@ -1574,11 +2376,11 @@
           <a:bodyPr/>
           <a:lstStyle/>
           <a:p>
-            <a:pPr indent="0">
-              <a:buFont typeface="Arial" panose="02080604020202020204" pitchFamily="34" charset="0"/>
-              <a:buNone/>
-            </a:pPr>
-            <a:endParaRPr lang="en-US" dirty="0"/>
+            <a:r>
+              <a:rPr lang="de-CH" dirty="0" smtClean="0"/>
+              <a:t>https://docs.docker.com/engine/docker-overview/</a:t>
+            </a:r>
+            <a:endParaRPr lang="de-CH" dirty="0" smtClean="0"/>
           </a:p>
         </p:txBody>
       </p:sp>
@@ -1656,13 +2458,83 @@
           <a:bodyPr/>
           <a:lstStyle/>
           <a:p>
+            <a:pPr marL="171450" indent="-171450">
+              <a:buFont typeface="Arial" panose="02080604020202020204" pitchFamily="34" charset="0"/>
+              <a:buChar char="•"/>
+            </a:pPr>
             <a:r>
               <a:rPr lang="de-CH" dirty="0" smtClean="0"/>
-              <a:t>docker run</a:t>
+              <a:t>Immediately</a:t>
             </a:r>
             <a:r>
               <a:rPr lang="de-CH" baseline="0" dirty="0" smtClean="0"/>
-              <a:t> --rm to remove container after termination</a:t>
+              <a:t> exits</a:t>
+            </a:r>
+            <a:endParaRPr lang="de-CH" baseline="0" dirty="0" smtClean="0"/>
+          </a:p>
+          <a:p>
+            <a:pPr marL="628650" lvl="1" indent="-171450">
+              <a:buFont typeface="Arial" panose="02080604020202020204" pitchFamily="34" charset="0"/>
+              <a:buChar char="•"/>
+            </a:pPr>
+            <a:r>
+              <a:rPr lang="de-CH" baseline="0" dirty="0" smtClean="0"/>
+              <a:t>docker ps</a:t>
+            </a:r>
+            <a:endParaRPr lang="de-CH" baseline="0" dirty="0" smtClean="0"/>
+          </a:p>
+          <a:p>
+            <a:pPr marL="628650" lvl="1" indent="-171450">
+              <a:buFont typeface="Arial" panose="02080604020202020204" pitchFamily="34" charset="0"/>
+              <a:buChar char="•"/>
+            </a:pPr>
+            <a:r>
+              <a:rPr lang="de-CH" baseline="0" dirty="0" smtClean="0"/>
+              <a:t>docker ps –a</a:t>
+            </a:r>
+            <a:endParaRPr lang="de-CH" baseline="0" dirty="0" smtClean="0"/>
+          </a:p>
+          <a:p>
+            <a:pPr marL="1085850" lvl="2" indent="-171450">
+              <a:buFont typeface="Arial" panose="02080604020202020204" pitchFamily="34" charset="0"/>
+              <a:buChar char="•"/>
+            </a:pPr>
+            <a:r>
+              <a:rPr lang="de-CH" baseline="0" dirty="0" smtClean="0"/>
+              <a:t>Re-attach: docker start –i stoic_wozniak</a:t>
+            </a:r>
+            <a:endParaRPr lang="de-CH" baseline="0" dirty="0" smtClean="0"/>
+          </a:p>
+          <a:p>
+            <a:pPr marL="628650" lvl="1" indent="-171450">
+              <a:buFont typeface="Arial" panose="02080604020202020204" pitchFamily="34" charset="0"/>
+              <a:buChar char="•"/>
+            </a:pPr>
+            <a:r>
+              <a:rPr lang="de-CH" baseline="0" dirty="0" smtClean="0"/>
+              <a:t>docker commit –m «message» containerId imageName(e.g. mytest/test1:1.0)</a:t>
+            </a:r>
+            <a:endParaRPr lang="de-CH" baseline="0" dirty="0" smtClean="0"/>
+          </a:p>
+          <a:p>
+            <a:pPr marL="1085850" lvl="2" indent="-171450">
+              <a:buFont typeface="Arial" panose="02080604020202020204" pitchFamily="34" charset="0"/>
+              <a:buChar char="•"/>
+            </a:pPr>
+            <a:r>
+              <a:rPr lang="de-CH" baseline="0" dirty="0" smtClean="0"/>
+              <a:t>New Image</a:t>
+            </a:r>
+            <a:endParaRPr lang="de-CH" baseline="0" dirty="0" smtClean="0"/>
+          </a:p>
+          <a:p>
+            <a:pPr marL="628650" lvl="1" indent="-171450">
+              <a:buFont typeface="Arial" panose="02080604020202020204" pitchFamily="34" charset="0"/>
+              <a:buChar char="•"/>
+            </a:pPr>
+            <a:r>
+              <a:rPr lang="de-CH" baseline="0" dirty="0" smtClean="0"/>
+              <a:t>docker images</a:t>
             </a:r>
             <a:endParaRPr lang="en-US" dirty="0"/>
           </a:p>
@@ -1742,100 +2614,11 @@
           <a:bodyPr/>
           <a:lstStyle/>
           <a:p>
-            <a:r>
-              <a:rPr lang="en-US" altLang="en-US" dirty="0"/>
-              <a:t>~: cat app.js</a:t>
-            </a:r>
-            <a:endParaRPr lang="en-US" altLang="en-US" dirty="0"/>
-          </a:p>
-          <a:p>
-            <a:r>
-              <a:rPr lang="en-US" altLang="en-US" dirty="0"/>
-              <a:t># starts up an HTTP server on port 8080</a:t>
-            </a:r>
-            <a:endParaRPr lang="en-US" altLang="en-US" dirty="0"/>
-          </a:p>
-          <a:p>
-            <a:endParaRPr lang="en-US" altLang="en-US" dirty="0"/>
-          </a:p>
-          <a:p>
-            <a:r>
-              <a:rPr lang="en-US" altLang="en-US" dirty="0"/>
-              <a:t>const http = require('http');</a:t>
-            </a:r>
-            <a:endParaRPr lang="en-US" altLang="en-US" dirty="0"/>
-          </a:p>
-          <a:p>
-            <a:r>
-              <a:rPr lang="en-US" altLang="en-US" dirty="0"/>
-              <a:t>const os = require('os');</a:t>
-            </a:r>
-            <a:endParaRPr lang="en-US" altLang="en-US" dirty="0"/>
-          </a:p>
-          <a:p>
-            <a:endParaRPr lang="en-US" altLang="en-US" dirty="0"/>
-          </a:p>
-          <a:p>
-            <a:r>
-              <a:rPr lang="en-US" altLang="en-US" dirty="0"/>
-              <a:t>console.log("Kubia server starting...");</a:t>
-            </a:r>
-            <a:endParaRPr lang="en-US" altLang="en-US" dirty="0"/>
-          </a:p>
-          <a:p>
-            <a:endParaRPr lang="en-US" altLang="en-US" dirty="0"/>
-          </a:p>
-          <a:p>
-            <a:r>
-              <a:rPr lang="en-US" altLang="en-US" dirty="0"/>
-              <a:t>var handler = function(request, response) {</a:t>
-            </a:r>
-            <a:endParaRPr lang="en-US" altLang="en-US" dirty="0"/>
-          </a:p>
-          <a:p>
-            <a:r>
-              <a:rPr lang="en-US" altLang="en-US" dirty="0"/>
-              <a:t>	console.log("Received request from " + request.connection.remoteAddress);</a:t>
-            </a:r>
-            <a:endParaRPr lang="en-US" altLang="en-US" dirty="0"/>
-          </a:p>
-          <a:p>
-            <a:r>
-              <a:rPr lang="en-US" altLang="en-US" dirty="0"/>
-              <a:t>	response.writeHead(200);</a:t>
-            </a:r>
-            <a:endParaRPr lang="en-US" altLang="en-US" dirty="0"/>
-          </a:p>
-          <a:p>
-            <a:r>
-              <a:rPr lang="en-US" altLang="en-US" dirty="0"/>
-              <a:t>	response.end("You've hit " + os.hostname() + "\n");</a:t>
-            </a:r>
-            <a:endParaRPr lang="en-US" altLang="en-US" dirty="0"/>
-          </a:p>
-          <a:p>
-            <a:r>
-              <a:rPr lang="en-US" altLang="en-US" dirty="0"/>
-              <a:t>};</a:t>
-            </a:r>
-            <a:endParaRPr lang="en-US" altLang="en-US" dirty="0"/>
-          </a:p>
-          <a:p>
-            <a:endParaRPr lang="en-US" altLang="en-US" dirty="0"/>
-          </a:p>
-          <a:p>
-            <a:r>
-              <a:rPr lang="en-US" altLang="en-US" dirty="0"/>
-              <a:t>var www = http.createServer(handler);</a:t>
-            </a:r>
-            <a:endParaRPr lang="en-US" altLang="en-US" dirty="0"/>
-          </a:p>
-          <a:p>
-            <a:r>
-              <a:rPr lang="en-US" altLang="en-US" dirty="0"/>
-              <a:t>www.listen(8080);</a:t>
-            </a:r>
-            <a:endParaRPr lang="en-US" altLang="en-US" dirty="0"/>
+            <a:pPr indent="0">
+              <a:buFont typeface="Arial" panose="02080604020202020204" pitchFamily="34" charset="0"/>
+              <a:buNone/>
+            </a:pPr>
+            <a:endParaRPr lang="en-US" dirty="0"/>
           </a:p>
         </p:txBody>
       </p:sp>
@@ -3309,26 +4092,27 @@
             <p:ph type="body" sz="quarter" idx="13"/>
           </p:nvPr>
         </p:nvSpPr>
-        <p:spPr/>
+        <p:spPr>
+          <a:xfrm>
+            <a:off x="957576" y="439044"/>
+            <a:ext cx="6286589" cy="607027"/>
+          </a:xfrm>
+        </p:spPr>
         <p:txBody>
           <a:bodyPr/>
           <a:lstStyle/>
           <a:p>
             <a:r>
-              <a:rPr lang="de-CH" dirty="0" smtClean="0"/>
-              <a:t>Hello World </a:t>
-            </a:r>
-            <a:r>
-              <a:rPr lang="en-US" altLang="de-CH" dirty="0" smtClean="0"/>
-              <a:t>(2/2)</a:t>
-            </a:r>
-            <a:endParaRPr lang="en-US" altLang="de-CH" dirty="0" smtClean="0"/>
+              <a:rPr lang="en-US" dirty="0" smtClean="0"/>
+              <a:t>Docker Engine</a:t>
+            </a:r>
+            <a:endParaRPr lang="en-US" dirty="0"/>
           </a:p>
         </p:txBody>
       </p:sp>
       <p:pic>
         <p:nvPicPr>
-          <p:cNvPr id="7" name="Picture 6" descr="Selection_007"/>
+          <p:cNvPr id="6" name="Picture 5"/>
           <p:cNvPicPr>
             <a:picLocks noChangeAspect="1"/>
           </p:cNvPicPr>
@@ -3336,49 +4120,21 @@
         </p:nvPicPr>
         <p:blipFill>
           <a:blip r:embed="rId1"/>
+          <a:srcRect t="16620" b="14445"/>
           <a:stretch>
             <a:fillRect/>
           </a:stretch>
         </p:blipFill>
         <p:spPr>
           <a:xfrm>
-            <a:off x="158750" y="1847850"/>
-            <a:ext cx="8827135" cy="4185920"/>
+            <a:off x="1011555" y="1555115"/>
+            <a:ext cx="7654925" cy="4366895"/>
           </a:xfrm>
           <a:prstGeom prst="rect">
             <a:avLst/>
           </a:prstGeom>
         </p:spPr>
       </p:pic>
-      <p:sp>
-        <p:nvSpPr>
-          <p:cNvPr id="8" name="Text Box 7"/>
-          <p:cNvSpPr txBox="1"/>
-          <p:nvPr/>
-        </p:nvSpPr>
-        <p:spPr>
-          <a:xfrm>
-            <a:off x="7215505" y="5197475"/>
-            <a:ext cx="1964690" cy="275590"/>
-          </a:xfrm>
-          <a:prstGeom prst="rect">
-            <a:avLst/>
-          </a:prstGeom>
-          <a:noFill/>
-        </p:spPr>
-        <p:txBody>
-          <a:bodyPr wrap="square" rtlCol="0" anchor="t">
-            <a:spAutoFit/>
-          </a:bodyPr>
-          <a:p>
-            <a:r>
-              <a:rPr lang="en-US" sz="1200"/>
-              <a:t>http://hub.docker.com</a:t>
-            </a:r>
-            <a:endParaRPr lang="en-US" sz="1200"/>
-          </a:p>
-        </p:txBody>
-      </p:sp>
     </p:spTree>
   </p:cSld>
   <p:clrMapOvr>
@@ -3438,8 +4194,8 @@
         </p:nvSpPr>
         <p:spPr>
           <a:xfrm>
-            <a:off x="1011555" y="558800"/>
-            <a:ext cx="7316470" cy="607060"/>
+            <a:off x="334641" y="250449"/>
+            <a:ext cx="6286589" cy="607027"/>
           </a:xfrm>
         </p:spPr>
         <p:txBody>
@@ -3447,118 +4203,136 @@
           <a:lstStyle/>
           <a:p>
             <a:r>
-              <a:rPr lang="de-CH" dirty="0" smtClean="0"/>
-              <a:t>Terminology - Image</a:t>
+              <a:rPr lang="en-US" dirty="0" smtClean="0"/>
+              <a:t>Docker Engine</a:t>
             </a:r>
             <a:endParaRPr lang="en-US" dirty="0"/>
           </a:p>
         </p:txBody>
       </p:sp>
-      <p:sp>
-        <p:nvSpPr>
-          <p:cNvPr id="4" name="Text Placeholder 3"/>
-          <p:cNvSpPr>
-            <a:spLocks noGrp="1"/>
-          </p:cNvSpPr>
-          <p:nvPr>
-            <p:ph type="body" sz="quarter" idx="14"/>
-          </p:nvPr>
-        </p:nvSpPr>
-        <p:spPr>
-          <a:xfrm>
-            <a:off x="1011550" y="1579128"/>
-            <a:ext cx="7566965" cy="4043729"/>
-          </a:xfrm>
-        </p:spPr>
-        <p:txBody>
-          <a:bodyPr>
-            <a:normAutofit/>
+      <p:pic>
+        <p:nvPicPr>
+          <p:cNvPr id="4" name="Picture 3"/>
+          <p:cNvPicPr>
+            <a:picLocks noChangeAspect="1"/>
+          </p:cNvPicPr>
+          <p:nvPr/>
+        </p:nvPicPr>
+        <p:blipFill>
+          <a:blip r:embed="rId1"/>
+          <a:stretch>
+            <a:fillRect/>
+          </a:stretch>
+        </p:blipFill>
+        <p:spPr>
+          <a:xfrm>
+            <a:off x="3822700" y="1877695"/>
+            <a:ext cx="5261610" cy="4117340"/>
+          </a:xfrm>
+          <a:prstGeom prst="rect">
+            <a:avLst/>
+          </a:prstGeom>
+        </p:spPr>
+      </p:pic>
+      <p:sp>
+        <p:nvSpPr>
+          <p:cNvPr id="5" name="Text Box 4"/>
+          <p:cNvSpPr txBox="1"/>
+          <p:nvPr/>
+        </p:nvSpPr>
+        <p:spPr>
+          <a:xfrm>
+            <a:off x="334645" y="1134110"/>
+            <a:ext cx="9203055" cy="368300"/>
+          </a:xfrm>
+          <a:prstGeom prst="rect">
+            <a:avLst/>
+          </a:prstGeom>
+          <a:noFill/>
+        </p:spPr>
+        <p:txBody>
+          <a:bodyPr wrap="square" rtlCol="0" anchor="t">
+            <a:spAutoFit/>
           </a:bodyPr>
-          <a:lstStyle/>
-          <a:p>
-            <a:r>
-              <a:rPr lang="de-CH" dirty="0" smtClean="0"/>
-              <a:t>Persisted snapshot that can be run</a:t>
-            </a:r>
-            <a:endParaRPr lang="de-CH" dirty="0" smtClean="0"/>
-          </a:p>
-          <a:p>
-            <a:pPr lvl="1"/>
-            <a:r>
-              <a:rPr lang="de-CH" b="1" i="1" dirty="0" smtClean="0">
-                <a:latin typeface="Courier 10 Pitch" charset="0"/>
-                <a:cs typeface="Courier 10 Pitch" charset="0"/>
-              </a:rPr>
-              <a:t>images</a:t>
-            </a:r>
-            <a:r>
-              <a:rPr lang="de-CH" i="1" dirty="0" smtClean="0"/>
-              <a:t>: </a:t>
-            </a:r>
-            <a:r>
-              <a:rPr lang="de-CH" dirty="0" smtClean="0"/>
-              <a:t>List all local images</a:t>
-            </a:r>
-            <a:endParaRPr lang="de-CH" dirty="0" smtClean="0"/>
-          </a:p>
-          <a:p>
-            <a:pPr lvl="1"/>
-            <a:r>
-              <a:rPr lang="de-CH" b="1" i="1" dirty="0" smtClean="0">
-                <a:latin typeface="Courier 10 Pitch" charset="0"/>
-                <a:cs typeface="Courier 10 Pitch" charset="0"/>
-              </a:rPr>
-              <a:t>run</a:t>
-            </a:r>
-            <a:r>
-              <a:rPr lang="de-CH" dirty="0" smtClean="0"/>
-              <a:t>: Create a container from an image and execute a command in it</a:t>
-            </a:r>
-            <a:endParaRPr lang="de-CH" dirty="0" smtClean="0"/>
-          </a:p>
-          <a:p>
-            <a:pPr lvl="1"/>
-            <a:r>
-              <a:rPr lang="de-CH" b="1" i="1" dirty="0" smtClean="0"/>
-              <a:t>tag</a:t>
-            </a:r>
-            <a:r>
-              <a:rPr lang="de-CH" dirty="0" smtClean="0"/>
-              <a:t>: Tag an image</a:t>
-            </a:r>
-            <a:endParaRPr lang="de-CH" dirty="0" smtClean="0"/>
-          </a:p>
-          <a:p>
-            <a:pPr lvl="1"/>
-            <a:r>
-              <a:rPr lang="de-CH" b="1" i="1" dirty="0" smtClean="0"/>
-              <a:t>pull</a:t>
-            </a:r>
-            <a:r>
-              <a:rPr lang="de-CH" dirty="0" smtClean="0"/>
-              <a:t>: Download image from repository</a:t>
-            </a:r>
-            <a:endParaRPr lang="de-CH" dirty="0" smtClean="0"/>
-          </a:p>
-          <a:p>
-            <a:pPr lvl="1"/>
-            <a:r>
-              <a:rPr lang="de-CH" b="1" i="1" dirty="0" smtClean="0"/>
-              <a:t>rmi</a:t>
-            </a:r>
-            <a:r>
-              <a:rPr lang="de-CH" dirty="0" smtClean="0"/>
-              <a:t>: Delete a local image</a:t>
-            </a:r>
-            <a:endParaRPr lang="de-CH" dirty="0" smtClean="0"/>
-          </a:p>
-          <a:p>
-            <a:pPr lvl="2"/>
-            <a:r>
-              <a:rPr lang="de-CH" dirty="0" smtClean="0"/>
-              <a:t>This will also remove intermediate images if no longer used</a:t>
-            </a:r>
-            <a:endParaRPr lang="de-CH" dirty="0" smtClean="0"/>
+          <a:p>
+            <a:r>
+              <a:rPr lang="en-US" altLang="en-US"/>
+              <a:t>Docker Engine is a</a:t>
+            </a:r>
+            <a:r>
+              <a:rPr lang="en-US"/>
+              <a:t> client-server application with these major components:</a:t>
+            </a:r>
+            <a:endParaRPr lang="en-US"/>
+          </a:p>
+        </p:txBody>
+      </p:sp>
+      <p:sp>
+        <p:nvSpPr>
+          <p:cNvPr id="7" name="Text Box 6"/>
+          <p:cNvSpPr txBox="1"/>
+          <p:nvPr/>
+        </p:nvSpPr>
+        <p:spPr>
+          <a:xfrm>
+            <a:off x="334645" y="1788160"/>
+            <a:ext cx="3488055" cy="3969385"/>
+          </a:xfrm>
+          <a:prstGeom prst="rect">
+            <a:avLst/>
+          </a:prstGeom>
+          <a:noFill/>
+        </p:spPr>
+        <p:txBody>
+          <a:bodyPr wrap="square" rtlCol="0" anchor="t">
+            <a:spAutoFit/>
+          </a:bodyPr>
+          <a:p>
+            <a:pPr marL="285750" indent="-285750">
+              <a:buFont typeface="Arial" panose="02080604020202020204" pitchFamily="34" charset="0"/>
+              <a:buChar char="•"/>
+            </a:pPr>
+            <a:r>
+              <a:rPr lang="en-US"/>
+              <a:t>A server which is a type of long-running program called a daemon process (the dockerd command).</a:t>
+            </a:r>
+            <a:endParaRPr lang="en-US"/>
+          </a:p>
+          <a:p>
+            <a:pPr marL="285750" indent="-285750">
+              <a:buFont typeface="Arial" panose="02080604020202020204" pitchFamily="34" charset="0"/>
+              <a:buChar char="•"/>
+            </a:pPr>
+            <a:endParaRPr lang="en-US"/>
+          </a:p>
+          <a:p>
+            <a:pPr marL="285750" indent="-285750">
+              <a:buFont typeface="Arial" panose="02080604020202020204" pitchFamily="34" charset="0"/>
+              <a:buChar char="•"/>
+            </a:pPr>
+            <a:r>
+              <a:rPr lang="en-US"/>
+              <a:t>A REST API which specifies interfaces that programs can use to talk to the daemon and instruct it what to do.</a:t>
+            </a:r>
+            <a:endParaRPr lang="en-US"/>
+          </a:p>
+          <a:p>
+            <a:pPr marL="285750" indent="-285750">
+              <a:buFont typeface="Arial" panose="02080604020202020204" pitchFamily="34" charset="0"/>
+              <a:buChar char="•"/>
+            </a:pPr>
+            <a:endParaRPr lang="en-US"/>
+          </a:p>
+          <a:p>
+            <a:pPr marL="285750" indent="-285750">
+              <a:buFont typeface="Arial" panose="02080604020202020204" pitchFamily="34" charset="0"/>
+              <a:buChar char="•"/>
+            </a:pPr>
+            <a:r>
+              <a:rPr lang="en-US"/>
+              <a:t>A command line interface (CLI) client (the docker command).</a:t>
+            </a:r>
+            <a:endParaRPr lang="en-US"/>
           </a:p>
         </p:txBody>
       </p:sp>
@@ -3619,21 +4393,20 @@
             <p:ph type="body" sz="quarter" idx="13"/>
           </p:nvPr>
         </p:nvSpPr>
-        <p:spPr>
-          <a:xfrm>
-            <a:off x="486410" y="443865"/>
-            <a:ext cx="8493125" cy="607060"/>
-          </a:xfrm>
-        </p:spPr>
+        <p:spPr/>
         <p:txBody>
           <a:bodyPr/>
           <a:lstStyle/>
           <a:p>
             <a:r>
               <a:rPr lang="de-CH" dirty="0" smtClean="0"/>
-              <a:t>Terminology - Container</a:t>
-            </a:r>
-            <a:endParaRPr lang="de-CH" dirty="0" smtClean="0"/>
+              <a:t>Hello World </a:t>
+            </a:r>
+            <a:r>
+              <a:rPr lang="en-US" altLang="de-CH" dirty="0" smtClean="0"/>
+              <a:t>(1/2)</a:t>
+            </a:r>
+            <a:endParaRPr lang="en-US" altLang="de-CH" dirty="0" smtClean="0"/>
           </a:p>
         </p:txBody>
       </p:sp>
@@ -3649,137 +4422,63 @@
         </p:nvSpPr>
         <p:spPr>
           <a:xfrm>
-            <a:off x="1011551" y="1417838"/>
-            <a:ext cx="7379176" cy="4055761"/>
+            <a:off x="1011551" y="1923933"/>
+            <a:ext cx="6113626" cy="4087983"/>
           </a:xfrm>
         </p:spPr>
         <p:txBody>
           <a:bodyPr>
-            <a:normAutofit lnSpcReduction="20000"/>
+            <a:normAutofit/>
           </a:bodyPr>
           <a:lstStyle/>
           <a:p>
-            <a:r>
-              <a:rPr lang="de-CH" dirty="0" smtClean="0"/>
-              <a:t>Runnable </a:t>
-            </a:r>
-            <a:r>
-              <a:rPr lang="de-CH" dirty="0"/>
-              <a:t>instance of an image</a:t>
-            </a:r>
-            <a:endParaRPr lang="de-CH" dirty="0"/>
-          </a:p>
-          <a:p>
-            <a:pPr lvl="1"/>
-            <a:r>
-              <a:rPr lang="de-CH" b="1" i="1" dirty="0" smtClean="0"/>
-              <a:t>ps</a:t>
-            </a:r>
-            <a:r>
-              <a:rPr lang="de-CH" i="1" dirty="0"/>
-              <a:t>:</a:t>
-            </a:r>
-            <a:r>
-              <a:rPr lang="de-CH" dirty="0"/>
-              <a:t> List all running containers</a:t>
-            </a:r>
-            <a:endParaRPr lang="de-CH" dirty="0"/>
-          </a:p>
-          <a:p>
-            <a:pPr lvl="1"/>
-            <a:r>
-              <a:rPr lang="de-CH" b="1" i="1" dirty="0" smtClean="0"/>
-              <a:t>ps </a:t>
-            </a:r>
-            <a:r>
-              <a:rPr lang="de-CH" b="1" i="1" dirty="0"/>
-              <a:t>–a</a:t>
-            </a:r>
-            <a:r>
-              <a:rPr lang="de-CH" dirty="0"/>
-              <a:t>: List all containers (incl. stopped</a:t>
-            </a:r>
-            <a:r>
-              <a:rPr lang="de-CH" dirty="0" smtClean="0"/>
-              <a:t>)</a:t>
-            </a:r>
-            <a:endParaRPr lang="de-CH" dirty="0" smtClean="0"/>
-          </a:p>
-          <a:p>
-            <a:pPr lvl="1"/>
-            <a:r>
-              <a:rPr lang="de-CH" b="1" i="1" dirty="0" smtClean="0"/>
-              <a:t>top</a:t>
-            </a:r>
-            <a:r>
-              <a:rPr lang="de-CH" dirty="0" smtClean="0"/>
-              <a:t>: Display processes of a container</a:t>
-            </a:r>
-            <a:endParaRPr lang="de-CH" dirty="0"/>
-          </a:p>
-          <a:p>
-            <a:pPr lvl="1"/>
-            <a:r>
-              <a:rPr lang="de-CH" b="1" i="1" dirty="0" smtClean="0"/>
-              <a:t>start</a:t>
-            </a:r>
-            <a:r>
-              <a:rPr lang="de-CH" dirty="0"/>
-              <a:t>: Start a stopped container</a:t>
-            </a:r>
-            <a:endParaRPr lang="de-CH" dirty="0"/>
-          </a:p>
-          <a:p>
-            <a:pPr lvl="1"/>
-            <a:r>
-              <a:rPr lang="de-CH" b="1" i="1" dirty="0" smtClean="0"/>
-              <a:t>stop</a:t>
-            </a:r>
-            <a:r>
-              <a:rPr lang="de-CH" dirty="0"/>
-              <a:t>: Stop a running container</a:t>
-            </a:r>
-            <a:endParaRPr lang="de-CH" dirty="0"/>
-          </a:p>
-          <a:p>
-            <a:pPr lvl="1"/>
-            <a:r>
-              <a:rPr lang="de-CH" b="1" i="1" dirty="0" smtClean="0"/>
-              <a:t>pause</a:t>
-            </a:r>
-            <a:r>
-              <a:rPr lang="de-CH" dirty="0"/>
-              <a:t>: Pause all processes within a </a:t>
-            </a:r>
-            <a:r>
-              <a:rPr lang="de-CH" dirty="0" smtClean="0"/>
-              <a:t>container</a:t>
-            </a:r>
-            <a:endParaRPr lang="de-CH" dirty="0" smtClean="0"/>
-          </a:p>
-          <a:p>
-            <a:pPr lvl="1"/>
-            <a:r>
-              <a:rPr lang="de-CH" b="1" i="1" dirty="0" smtClean="0"/>
-              <a:t>rm</a:t>
-            </a:r>
-            <a:r>
-              <a:rPr lang="de-CH" dirty="0" smtClean="0"/>
-              <a:t>: Delete a container</a:t>
-            </a:r>
-            <a:endParaRPr lang="de-CH" dirty="0" smtClean="0"/>
-          </a:p>
-          <a:p>
-            <a:pPr lvl="1"/>
-            <a:r>
-              <a:rPr lang="de-CH" b="1" i="1" dirty="0" smtClean="0"/>
-              <a:t>commit</a:t>
-            </a:r>
-            <a:r>
-              <a:rPr lang="de-CH" dirty="0" smtClean="0"/>
-              <a:t>: Create an image from a container</a:t>
-            </a:r>
-            <a:endParaRPr lang="en-US" dirty="0"/>
+            <a:pPr marL="0" indent="0">
+              <a:buNone/>
+            </a:pPr>
+            <a:r>
+              <a:rPr lang="de-CH" b="1" dirty="0" smtClean="0"/>
+              <a:t>Simple Command - Ad-Hoc Container</a:t>
+            </a:r>
+            <a:endParaRPr lang="de-CH" b="1" dirty="0" smtClean="0"/>
+          </a:p>
+          <a:p>
+            <a:pPr marL="0" indent="0">
+              <a:buNone/>
+            </a:pPr>
+            <a:endParaRPr lang="en-US" altLang="de-CH" dirty="0" smtClean="0">
+              <a:latin typeface="Courier 10 Pitch" charset="0"/>
+              <a:cs typeface="Courier 10 Pitch" charset="0"/>
+            </a:endParaRPr>
+          </a:p>
+          <a:p>
+            <a:pPr marL="0" indent="0">
+              <a:buNone/>
+            </a:pPr>
+            <a:r>
+              <a:rPr lang="en-US" altLang="en-US" dirty="0" smtClean="0">
+                <a:latin typeface="Courier 10 Pitch" charset="0"/>
+                <a:cs typeface="Courier 10 Pitch" charset="0"/>
+              </a:rPr>
+              <a:t>	</a:t>
+            </a:r>
+            <a:r>
+              <a:rPr lang="en-US" altLang="de-CH" i="1" dirty="0" smtClean="0">
+                <a:latin typeface="Courier 10 Pitch" charset="0"/>
+                <a:cs typeface="Courier 10 Pitch" charset="0"/>
+              </a:rPr>
+              <a:t>docker run hello-worl</a:t>
+            </a:r>
+            <a:r>
+              <a:rPr lang="en-US" altLang="en-US" i="1" dirty="0" smtClean="0">
+                <a:latin typeface="Courier 10 Pitch" charset="0"/>
+                <a:cs typeface="Courier 10 Pitch" charset="0"/>
+              </a:rPr>
+              <a:t>d</a:t>
+            </a:r>
+            <a:endParaRPr lang="en-US" altLang="en-US" i="1" dirty="0" smtClean="0">
+              <a:latin typeface="Courier 10 Pitch" charset="0"/>
+              <a:cs typeface="Courier 10 Pitch" charset="0"/>
+            </a:endParaRPr>
           </a:p>
         </p:txBody>
       </p:sp>
@@ -3810,106 +4509,6 @@
       </p:grpSpPr>
       <p:sp>
         <p:nvSpPr>
-          <p:cNvPr id="32" name="Rounded Rectangle 31"/>
-          <p:cNvSpPr/>
-          <p:nvPr/>
-        </p:nvSpPr>
-        <p:spPr>
-          <a:xfrm>
-            <a:off x="5645498" y="5208679"/>
-            <a:ext cx="1718268" cy="713433"/>
-          </a:xfrm>
-          <a:prstGeom prst="roundRect">
-            <a:avLst/>
-          </a:prstGeom>
-        </p:spPr>
-        <p:style>
-          <a:lnRef idx="1">
-            <a:schemeClr val="accent6"/>
-          </a:lnRef>
-          <a:fillRef idx="3">
-            <a:schemeClr val="accent6"/>
-          </a:fillRef>
-          <a:effectRef idx="2">
-            <a:schemeClr val="accent6"/>
-          </a:effectRef>
-          <a:fontRef idx="minor">
-            <a:schemeClr val="lt1"/>
-          </a:fontRef>
-        </p:style>
-        <p:txBody>
-          <a:bodyPr rtlCol="0" anchor="ctr"/>
-          <a:lstStyle/>
-          <a:p>
-            <a:pPr algn="ctr"/>
-            <a:r>
-              <a:rPr lang="de-CH" dirty="0" smtClean="0"/>
-              <a:t>Container</a:t>
-            </a:r>
-            <a:endParaRPr lang="de-CH" dirty="0" smtClean="0"/>
-          </a:p>
-          <a:p>
-            <a:pPr algn="ctr"/>
-            <a:r>
-              <a:rPr lang="de-CH" dirty="0" smtClean="0"/>
-              <a:t>cid4</a:t>
-            </a:r>
-            <a:endParaRPr lang="en-US" dirty="0"/>
-          </a:p>
-        </p:txBody>
-      </p:sp>
-      <p:sp>
-        <p:nvSpPr>
-          <p:cNvPr id="31" name="Rounded Rectangle 30"/>
-          <p:cNvSpPr/>
-          <p:nvPr/>
-        </p:nvSpPr>
-        <p:spPr>
-          <a:xfrm>
-            <a:off x="5493098" y="4845261"/>
-            <a:ext cx="1718268" cy="713433"/>
-          </a:xfrm>
-          <a:prstGeom prst="roundRect">
-            <a:avLst/>
-          </a:prstGeom>
-        </p:spPr>
-        <p:style>
-          <a:lnRef idx="1">
-            <a:schemeClr val="accent6"/>
-          </a:lnRef>
-          <a:fillRef idx="3">
-            <a:schemeClr val="accent6"/>
-          </a:fillRef>
-          <a:effectRef idx="2">
-            <a:schemeClr val="accent6"/>
-          </a:effectRef>
-          <a:fontRef idx="minor">
-            <a:schemeClr val="lt1"/>
-          </a:fontRef>
-        </p:style>
-        <p:txBody>
-          <a:bodyPr rtlCol="0" anchor="ctr"/>
-          <a:lstStyle/>
-          <a:p>
-            <a:pPr algn="ctr"/>
-            <a:r>
-              <a:rPr lang="de-CH" dirty="0" smtClean="0"/>
-              <a:t>Container</a:t>
-            </a:r>
-            <a:endParaRPr lang="de-CH" dirty="0" smtClean="0"/>
-          </a:p>
-          <a:p>
-            <a:pPr algn="ctr"/>
-            <a:r>
-              <a:rPr lang="de-CH" dirty="0" smtClean="0"/>
-              <a:t>cid3</a:t>
-            </a:r>
-            <a:endParaRPr lang="en-US" dirty="0"/>
-          </a:p>
-        </p:txBody>
-      </p:sp>
-      <p:sp>
-        <p:nvSpPr>
           <p:cNvPr id="2" name="Slide Number Placeholder 1"/>
           <p:cNvSpPr>
             <a:spLocks noGrp="1"/>
@@ -3940,178 +4539,57 @@
             <p:ph type="body" sz="quarter" idx="13"/>
           </p:nvPr>
         </p:nvSpPr>
-        <p:spPr>
-          <a:xfrm>
-            <a:off x="1011555" y="279400"/>
-            <a:ext cx="6743065" cy="1445260"/>
-          </a:xfrm>
-        </p:spPr>
+        <p:spPr/>
         <p:txBody>
           <a:bodyPr/>
           <a:lstStyle/>
           <a:p>
             <a:r>
               <a:rPr lang="de-CH" dirty="0" smtClean="0"/>
-              <a:t>Image vs. </a:t>
+              <a:t>Hello World </a:t>
             </a:r>
             <a:r>
               <a:rPr lang="en-US" altLang="de-CH" dirty="0" smtClean="0"/>
-              <a:t>				</a:t>
-            </a:r>
-            <a:r>
-              <a:rPr lang="de-CH" dirty="0" smtClean="0"/>
-              <a:t>Container</a:t>
-            </a:r>
-            <a:endParaRPr lang="en-US" dirty="0"/>
-          </a:p>
-        </p:txBody>
-      </p:sp>
-      <p:sp>
-        <p:nvSpPr>
-          <p:cNvPr id="5" name="Rectangle 4"/>
-          <p:cNvSpPr/>
+              <a:t>(2/2)</a:t>
+            </a:r>
+            <a:endParaRPr lang="en-US" altLang="de-CH" dirty="0" smtClean="0"/>
+          </a:p>
+        </p:txBody>
+      </p:sp>
+      <p:pic>
+        <p:nvPicPr>
+          <p:cNvPr id="7" name="Picture 6" descr="Selection_007"/>
+          <p:cNvPicPr>
+            <a:picLocks noChangeAspect="1"/>
+          </p:cNvPicPr>
           <p:nvPr/>
-        </p:nvSpPr>
-        <p:spPr>
-          <a:xfrm>
-            <a:off x="1095270" y="2022217"/>
-            <a:ext cx="1718268" cy="713433"/>
+        </p:nvPicPr>
+        <p:blipFill>
+          <a:blip r:embed="rId1"/>
+          <a:stretch>
+            <a:fillRect/>
+          </a:stretch>
+        </p:blipFill>
+        <p:spPr>
+          <a:xfrm>
+            <a:off x="158750" y="1847850"/>
+            <a:ext cx="8827135" cy="4185920"/>
           </a:xfrm>
           <a:prstGeom prst="rect">
             <a:avLst/>
           </a:prstGeom>
         </p:spPr>
-        <p:style>
-          <a:lnRef idx="1">
-            <a:schemeClr val="accent1"/>
-          </a:lnRef>
-          <a:fillRef idx="3">
-            <a:schemeClr val="accent1"/>
-          </a:fillRef>
-          <a:effectRef idx="2">
-            <a:schemeClr val="accent1"/>
-          </a:effectRef>
-          <a:fontRef idx="minor">
-            <a:schemeClr val="lt1"/>
-          </a:fontRef>
-        </p:style>
-        <p:txBody>
-          <a:bodyPr rtlCol="0" anchor="ctr"/>
-          <a:lstStyle/>
-          <a:p>
-            <a:pPr algn="ctr"/>
-            <a:r>
-              <a:rPr lang="de-CH" dirty="0" smtClean="0"/>
-              <a:t>Base Image</a:t>
-            </a:r>
-            <a:endParaRPr lang="de-CH" dirty="0" smtClean="0"/>
-          </a:p>
-          <a:p>
-            <a:pPr algn="ctr"/>
-            <a:r>
-              <a:rPr lang="de-CH" i="1" dirty="0" smtClean="0"/>
-              <a:t>ubuntu:latest</a:t>
-            </a:r>
-            <a:endParaRPr lang="de-CH" i="1" dirty="0" smtClean="0"/>
-          </a:p>
-        </p:txBody>
-      </p:sp>
-      <p:sp>
-        <p:nvSpPr>
-          <p:cNvPr id="6" name="Rounded Rectangle 5"/>
-          <p:cNvSpPr/>
-          <p:nvPr/>
-        </p:nvSpPr>
-        <p:spPr>
-          <a:xfrm>
-            <a:off x="5285433" y="2022216"/>
-            <a:ext cx="1718268" cy="713433"/>
-          </a:xfrm>
-          <a:prstGeom prst="roundRect">
-            <a:avLst/>
-          </a:prstGeom>
-        </p:spPr>
-        <p:style>
-          <a:lnRef idx="1">
-            <a:schemeClr val="accent6"/>
-          </a:lnRef>
-          <a:fillRef idx="3">
-            <a:schemeClr val="accent6"/>
-          </a:fillRef>
-          <a:effectRef idx="2">
-            <a:schemeClr val="accent6"/>
-          </a:effectRef>
-          <a:fontRef idx="minor">
-            <a:schemeClr val="lt1"/>
-          </a:fontRef>
-        </p:style>
-        <p:txBody>
-          <a:bodyPr rtlCol="0" anchor="ctr"/>
-          <a:lstStyle/>
-          <a:p>
-            <a:pPr algn="ctr"/>
-            <a:r>
-              <a:rPr lang="de-CH" dirty="0" smtClean="0"/>
-              <a:t>Container</a:t>
-            </a:r>
-            <a:endParaRPr lang="de-CH" dirty="0" smtClean="0"/>
-          </a:p>
-          <a:p>
-            <a:pPr algn="ctr"/>
-            <a:r>
-              <a:rPr lang="de-CH" dirty="0" smtClean="0"/>
-              <a:t>cid1</a:t>
-            </a:r>
-            <a:endParaRPr lang="en-US" dirty="0"/>
-          </a:p>
-        </p:txBody>
-      </p:sp>
-      <p:cxnSp>
-        <p:nvCxnSpPr>
-          <p:cNvPr id="8" name="Straight Arrow Connector 7"/>
-          <p:cNvCxnSpPr>
-            <a:stCxn id="5" idx="3"/>
-            <a:endCxn id="6" idx="1"/>
-          </p:cNvCxnSpPr>
-          <p:nvPr/>
-        </p:nvCxnSpPr>
-        <p:spPr>
-          <a:xfrm>
-            <a:off x="2813538" y="2379569"/>
-            <a:ext cx="2472055" cy="0"/>
-          </a:xfrm>
-          <a:prstGeom prst="straightConnector1">
-            <a:avLst/>
-          </a:prstGeom>
-          <a:ln>
-            <a:tailEnd type="triangle"/>
-          </a:ln>
-        </p:spPr>
-        <p:style>
-          <a:lnRef idx="2">
-            <a:schemeClr val="accent1"/>
-          </a:lnRef>
-          <a:fillRef idx="0">
-            <a:schemeClr val="accent1"/>
-          </a:fillRef>
-          <a:effectRef idx="1">
-            <a:schemeClr val="accent1"/>
-          </a:effectRef>
-          <a:fontRef idx="minor">
-            <a:schemeClr val="tx1"/>
-          </a:fontRef>
-        </p:style>
-      </p:cxnSp>
-      <p:sp>
-        <p:nvSpPr>
-          <p:cNvPr id="9" name="TextBox 8"/>
+      </p:pic>
+      <p:sp>
+        <p:nvSpPr>
+          <p:cNvPr id="8" name="Text Box 7"/>
           <p:cNvSpPr txBox="1"/>
           <p:nvPr/>
         </p:nvSpPr>
         <p:spPr>
           <a:xfrm>
-            <a:off x="3753660" y="2031595"/>
-            <a:ext cx="518091" cy="369332"/>
+            <a:off x="7215505" y="5197475"/>
+            <a:ext cx="1964690" cy="275590"/>
           </a:xfrm>
           <a:prstGeom prst="rect">
             <a:avLst/>
@@ -4119,440 +4597,15 @@
           <a:noFill/>
         </p:spPr>
         <p:txBody>
-          <a:bodyPr wrap="none" rtlCol="0">
+          <a:bodyPr wrap="square" rtlCol="0" anchor="t">
             <a:spAutoFit/>
           </a:bodyPr>
-          <a:lstStyle/>
-          <a:p>
-            <a:r>
-              <a:rPr lang="de-CH" dirty="0" smtClean="0"/>
-              <a:t>run</a:t>
-            </a:r>
-            <a:endParaRPr lang="en-US" dirty="0"/>
-          </a:p>
-        </p:txBody>
-      </p:sp>
-      <p:sp>
-        <p:nvSpPr>
-          <p:cNvPr id="10" name="Rounded Rectangle 9"/>
-          <p:cNvSpPr/>
-          <p:nvPr/>
-        </p:nvSpPr>
-        <p:spPr>
-          <a:xfrm>
-            <a:off x="5285433" y="3435415"/>
-            <a:ext cx="1718268" cy="713433"/>
-          </a:xfrm>
-          <a:prstGeom prst="roundRect">
-            <a:avLst/>
-          </a:prstGeom>
-        </p:spPr>
-        <p:style>
-          <a:lnRef idx="1">
-            <a:schemeClr val="accent6"/>
-          </a:lnRef>
-          <a:fillRef idx="3">
-            <a:schemeClr val="accent6"/>
-          </a:fillRef>
-          <a:effectRef idx="2">
-            <a:schemeClr val="accent6"/>
-          </a:effectRef>
-          <a:fontRef idx="minor">
-            <a:schemeClr val="lt1"/>
-          </a:fontRef>
-        </p:style>
-        <p:txBody>
-          <a:bodyPr rtlCol="0" anchor="ctr"/>
-          <a:lstStyle/>
-          <a:p>
-            <a:pPr algn="ctr"/>
-            <a:r>
-              <a:rPr lang="de-CH" dirty="0" smtClean="0"/>
-              <a:t>Container</a:t>
-            </a:r>
-            <a:endParaRPr lang="de-CH" dirty="0" smtClean="0"/>
-          </a:p>
-          <a:p>
-            <a:pPr algn="ctr"/>
-            <a:r>
-              <a:rPr lang="de-CH" dirty="0" smtClean="0"/>
-              <a:t>cid1</a:t>
-            </a:r>
-            <a:endParaRPr lang="en-US" dirty="0"/>
-          </a:p>
-        </p:txBody>
-      </p:sp>
-      <p:cxnSp>
-        <p:nvCxnSpPr>
-          <p:cNvPr id="11" name="Straight Arrow Connector 10"/>
-          <p:cNvCxnSpPr>
-            <a:stCxn id="6" idx="2"/>
-            <a:endCxn id="10" idx="0"/>
-          </p:cNvCxnSpPr>
-          <p:nvPr/>
-        </p:nvCxnSpPr>
-        <p:spPr>
-          <a:xfrm>
-            <a:off x="6145202" y="2736284"/>
-            <a:ext cx="0" cy="699135"/>
-          </a:xfrm>
-          <a:prstGeom prst="straightConnector1">
-            <a:avLst/>
-          </a:prstGeom>
-          <a:ln>
-            <a:tailEnd type="triangle"/>
-          </a:ln>
-        </p:spPr>
-        <p:style>
-          <a:lnRef idx="2">
-            <a:schemeClr val="accent1"/>
-          </a:lnRef>
-          <a:fillRef idx="0">
-            <a:schemeClr val="accent1"/>
-          </a:fillRef>
-          <a:effectRef idx="1">
-            <a:schemeClr val="accent1"/>
-          </a:effectRef>
-          <a:fontRef idx="minor">
-            <a:schemeClr val="tx1"/>
-          </a:fontRef>
-        </p:style>
-      </p:cxnSp>
-      <p:sp>
-        <p:nvSpPr>
-          <p:cNvPr id="14" name="TextBox 13"/>
-          <p:cNvSpPr txBox="1"/>
-          <p:nvPr/>
-        </p:nvSpPr>
-        <p:spPr>
-          <a:xfrm>
-            <a:off x="6115623" y="2894033"/>
-            <a:ext cx="1962397" cy="369332"/>
-          </a:xfrm>
-          <a:prstGeom prst="rect">
-            <a:avLst/>
-          </a:prstGeom>
-          <a:noFill/>
-        </p:spPr>
-        <p:txBody>
-          <a:bodyPr wrap="none" rtlCol="0">
-            <a:spAutoFit/>
-          </a:bodyPr>
-          <a:lstStyle/>
-          <a:p>
-            <a:r>
-              <a:rPr lang="de-CH" dirty="0" smtClean="0"/>
-              <a:t>cmd </a:t>
-            </a:r>
-            <a:r>
-              <a:rPr lang="de-CH" dirty="0" smtClean="0">
-                <a:sym typeface="Wingdings" panose="05000000000000000000" pitchFamily="2" charset="2"/>
-              </a:rPr>
-              <a:t> </a:t>
-            </a:r>
-            <a:r>
-              <a:rPr lang="de-CH" dirty="0" smtClean="0"/>
-              <a:t>new state</a:t>
-            </a:r>
-            <a:endParaRPr lang="en-US" dirty="0"/>
-          </a:p>
-        </p:txBody>
-      </p:sp>
-      <p:cxnSp>
-        <p:nvCxnSpPr>
-          <p:cNvPr id="15" name="Straight Arrow Connector 14"/>
-          <p:cNvCxnSpPr>
-            <a:stCxn id="10" idx="1"/>
-            <a:endCxn id="18" idx="3"/>
-          </p:cNvCxnSpPr>
-          <p:nvPr/>
-        </p:nvCxnSpPr>
-        <p:spPr>
-          <a:xfrm flipH="1" flipV="1">
-            <a:off x="2829253" y="3789592"/>
-            <a:ext cx="2456180" cy="2540"/>
-          </a:xfrm>
-          <a:prstGeom prst="straightConnector1">
-            <a:avLst/>
-          </a:prstGeom>
-          <a:ln>
-            <a:tailEnd type="triangle"/>
-          </a:ln>
-        </p:spPr>
-        <p:style>
-          <a:lnRef idx="2">
-            <a:schemeClr val="accent1"/>
-          </a:lnRef>
-          <a:fillRef idx="0">
-            <a:schemeClr val="accent1"/>
-          </a:fillRef>
-          <a:effectRef idx="1">
-            <a:schemeClr val="accent1"/>
-          </a:effectRef>
-          <a:fontRef idx="minor">
-            <a:schemeClr val="tx1"/>
-          </a:fontRef>
-        </p:style>
-      </p:cxnSp>
-      <p:sp>
-        <p:nvSpPr>
-          <p:cNvPr id="18" name="Rectangle 17"/>
-          <p:cNvSpPr/>
-          <p:nvPr/>
-        </p:nvSpPr>
-        <p:spPr>
-          <a:xfrm>
-            <a:off x="1111544" y="3432958"/>
-            <a:ext cx="1718268" cy="713433"/>
-          </a:xfrm>
-          <a:prstGeom prst="rect">
-            <a:avLst/>
-          </a:prstGeom>
-        </p:spPr>
-        <p:style>
-          <a:lnRef idx="1">
-            <a:schemeClr val="accent1"/>
-          </a:lnRef>
-          <a:fillRef idx="3">
-            <a:schemeClr val="accent1"/>
-          </a:fillRef>
-          <a:effectRef idx="2">
-            <a:schemeClr val="accent1"/>
-          </a:effectRef>
-          <a:fontRef idx="minor">
-            <a:schemeClr val="lt1"/>
-          </a:fontRef>
-        </p:style>
-        <p:txBody>
-          <a:bodyPr rtlCol="0" anchor="ctr"/>
-          <a:lstStyle/>
-          <a:p>
-            <a:pPr algn="ctr"/>
-            <a:r>
-              <a:rPr lang="de-CH" dirty="0" smtClean="0"/>
-              <a:t>New Image</a:t>
-            </a:r>
-            <a:endParaRPr lang="de-CH" dirty="0" smtClean="0"/>
-          </a:p>
-          <a:p>
-            <a:pPr algn="ctr"/>
-            <a:r>
-              <a:rPr lang="de-CH" dirty="0" smtClean="0"/>
-              <a:t>iid1</a:t>
-            </a:r>
-            <a:endParaRPr lang="de-CH" dirty="0" smtClean="0"/>
-          </a:p>
-        </p:txBody>
-      </p:sp>
-      <p:sp>
-        <p:nvSpPr>
-          <p:cNvPr id="20" name="TextBox 19"/>
-          <p:cNvSpPr txBox="1"/>
-          <p:nvPr/>
-        </p:nvSpPr>
-        <p:spPr>
-          <a:xfrm>
-            <a:off x="3609666" y="3435415"/>
-            <a:ext cx="928459" cy="369332"/>
-          </a:xfrm>
-          <a:prstGeom prst="rect">
-            <a:avLst/>
-          </a:prstGeom>
-          <a:noFill/>
-        </p:spPr>
-        <p:txBody>
-          <a:bodyPr wrap="none" rtlCol="0">
-            <a:spAutoFit/>
-          </a:bodyPr>
-          <a:lstStyle/>
-          <a:p>
-            <a:r>
-              <a:rPr lang="de-CH" dirty="0" smtClean="0"/>
-              <a:t>commit</a:t>
-            </a:r>
-            <a:endParaRPr lang="en-US" dirty="0"/>
-          </a:p>
-        </p:txBody>
-      </p:sp>
-      <p:cxnSp>
-        <p:nvCxnSpPr>
-          <p:cNvPr id="21" name="Straight Arrow Connector 20"/>
-          <p:cNvCxnSpPr>
-            <a:stCxn id="18" idx="0"/>
-            <a:endCxn id="5" idx="2"/>
-          </p:cNvCxnSpPr>
-          <p:nvPr/>
-        </p:nvCxnSpPr>
-        <p:spPr>
-          <a:xfrm flipH="1" flipV="1">
-            <a:off x="1954803" y="2736363"/>
-            <a:ext cx="15875" cy="696595"/>
-          </a:xfrm>
-          <a:prstGeom prst="straightConnector1">
-            <a:avLst/>
-          </a:prstGeom>
-          <a:ln>
-            <a:tailEnd type="triangle"/>
-          </a:ln>
-        </p:spPr>
-        <p:style>
-          <a:lnRef idx="2">
-            <a:schemeClr val="accent1"/>
-          </a:lnRef>
-          <a:fillRef idx="0">
-            <a:schemeClr val="accent1"/>
-          </a:fillRef>
-          <a:effectRef idx="1">
-            <a:schemeClr val="accent1"/>
-          </a:effectRef>
-          <a:fontRef idx="minor">
-            <a:schemeClr val="tx1"/>
-          </a:fontRef>
-        </p:style>
-      </p:cxnSp>
-      <p:sp>
-        <p:nvSpPr>
-          <p:cNvPr id="24" name="TextBox 23"/>
-          <p:cNvSpPr txBox="1"/>
-          <p:nvPr/>
-        </p:nvSpPr>
-        <p:spPr>
-          <a:xfrm>
-            <a:off x="1931226" y="2914576"/>
-            <a:ext cx="1402948" cy="369332"/>
-          </a:xfrm>
-          <a:prstGeom prst="rect">
-            <a:avLst/>
-          </a:prstGeom>
-          <a:noFill/>
-        </p:spPr>
-        <p:txBody>
-          <a:bodyPr wrap="none" rtlCol="0">
-            <a:spAutoFit/>
-          </a:bodyPr>
-          <a:lstStyle/>
-          <a:p>
-            <a:r>
-              <a:rPr lang="de-CH" dirty="0" smtClean="0"/>
-              <a:t>base image</a:t>
-            </a:r>
-            <a:endParaRPr lang="en-US" dirty="0"/>
-          </a:p>
-        </p:txBody>
-      </p:sp>
-      <p:sp>
-        <p:nvSpPr>
-          <p:cNvPr id="25" name="Rounded Rectangle 24"/>
-          <p:cNvSpPr/>
-          <p:nvPr/>
-        </p:nvSpPr>
-        <p:spPr>
-          <a:xfrm>
-            <a:off x="5340698" y="4491897"/>
-            <a:ext cx="1718268" cy="713433"/>
-          </a:xfrm>
-          <a:prstGeom prst="roundRect">
-            <a:avLst/>
-          </a:prstGeom>
-        </p:spPr>
-        <p:style>
-          <a:lnRef idx="1">
-            <a:schemeClr val="accent6"/>
-          </a:lnRef>
-          <a:fillRef idx="3">
-            <a:schemeClr val="accent6"/>
-          </a:fillRef>
-          <a:effectRef idx="2">
-            <a:schemeClr val="accent6"/>
-          </a:effectRef>
-          <a:fontRef idx="minor">
-            <a:schemeClr val="lt1"/>
-          </a:fontRef>
-        </p:style>
-        <p:txBody>
-          <a:bodyPr rtlCol="0" anchor="ctr"/>
-          <a:lstStyle/>
-          <a:p>
-            <a:pPr algn="ctr"/>
-            <a:r>
-              <a:rPr lang="de-CH" dirty="0" smtClean="0"/>
-              <a:t>Container</a:t>
-            </a:r>
-            <a:endParaRPr lang="de-CH" dirty="0" smtClean="0"/>
-          </a:p>
-          <a:p>
-            <a:pPr algn="ctr"/>
-            <a:r>
-              <a:rPr lang="de-CH" dirty="0" smtClean="0"/>
-              <a:t>cid2</a:t>
-            </a:r>
-            <a:endParaRPr lang="en-US" dirty="0"/>
-          </a:p>
-        </p:txBody>
-      </p:sp>
-      <p:cxnSp>
-        <p:nvCxnSpPr>
-          <p:cNvPr id="26" name="Straight Arrow Connector 25"/>
-          <p:cNvCxnSpPr>
-            <a:stCxn id="18" idx="2"/>
-            <a:endCxn id="25" idx="1"/>
-          </p:cNvCxnSpPr>
-          <p:nvPr/>
-        </p:nvCxnSpPr>
-        <p:spPr>
-          <a:xfrm>
-            <a:off x="1970678" y="4146391"/>
-            <a:ext cx="3370580" cy="702310"/>
-          </a:xfrm>
-          <a:prstGeom prst="straightConnector1">
-            <a:avLst/>
-          </a:prstGeom>
-          <a:ln>
-            <a:tailEnd type="triangle"/>
-          </a:ln>
-        </p:spPr>
-        <p:style>
-          <a:lnRef idx="2">
-            <a:schemeClr val="accent1"/>
-          </a:lnRef>
-          <a:fillRef idx="0">
-            <a:schemeClr val="accent1"/>
-          </a:fillRef>
-          <a:effectRef idx="1">
-            <a:schemeClr val="accent1"/>
-          </a:effectRef>
-          <a:fontRef idx="minor">
-            <a:schemeClr val="tx1"/>
-          </a:fontRef>
-        </p:style>
-      </p:cxnSp>
-      <p:sp>
-        <p:nvSpPr>
-          <p:cNvPr id="30" name="TextBox 29"/>
-          <p:cNvSpPr txBox="1"/>
-          <p:nvPr/>
-        </p:nvSpPr>
-        <p:spPr>
-          <a:xfrm>
-            <a:off x="3814849" y="4159006"/>
-            <a:ext cx="518091" cy="369332"/>
-          </a:xfrm>
-          <a:prstGeom prst="rect">
-            <a:avLst/>
-          </a:prstGeom>
-          <a:noFill/>
-        </p:spPr>
-        <p:txBody>
-          <a:bodyPr wrap="none" rtlCol="0">
-            <a:spAutoFit/>
-          </a:bodyPr>
-          <a:lstStyle/>
-          <a:p>
-            <a:r>
-              <a:rPr lang="de-CH" dirty="0" smtClean="0"/>
-              <a:t>run</a:t>
-            </a:r>
-            <a:endParaRPr lang="en-US" dirty="0"/>
+          <a:p>
+            <a:r>
+              <a:rPr lang="en-US" sz="1200"/>
+              <a:t>http://hub.docker.com</a:t>
+            </a:r>
+            <a:endParaRPr lang="en-US" sz="1200"/>
           </a:p>
         </p:txBody>
       </p:sp>
@@ -4615,6 +4668,1199 @@
         </p:nvSpPr>
         <p:spPr>
           <a:xfrm>
+            <a:off x="1011555" y="558800"/>
+            <a:ext cx="7316470" cy="607060"/>
+          </a:xfrm>
+        </p:spPr>
+        <p:txBody>
+          <a:bodyPr/>
+          <a:lstStyle/>
+          <a:p>
+            <a:r>
+              <a:rPr lang="de-CH" dirty="0" smtClean="0"/>
+              <a:t>Terminology - Image</a:t>
+            </a:r>
+            <a:endParaRPr lang="en-US" dirty="0"/>
+          </a:p>
+        </p:txBody>
+      </p:sp>
+      <p:sp>
+        <p:nvSpPr>
+          <p:cNvPr id="4" name="Text Placeholder 3"/>
+          <p:cNvSpPr>
+            <a:spLocks noGrp="1"/>
+          </p:cNvSpPr>
+          <p:nvPr>
+            <p:ph type="body" sz="quarter" idx="14"/>
+          </p:nvPr>
+        </p:nvSpPr>
+        <p:spPr>
+          <a:xfrm>
+            <a:off x="1011555" y="1579245"/>
+            <a:ext cx="7566660" cy="4324350"/>
+          </a:xfrm>
+        </p:spPr>
+        <p:txBody>
+          <a:bodyPr>
+            <a:normAutofit lnSpcReduction="20000"/>
+          </a:bodyPr>
+          <a:lstStyle/>
+          <a:p>
+            <a:r>
+              <a:rPr lang="de-CH" dirty="0" smtClean="0"/>
+              <a:t>Persisted snapshot that can be run</a:t>
+            </a:r>
+            <a:endParaRPr lang="de-CH" dirty="0" smtClean="0"/>
+          </a:p>
+          <a:p>
+            <a:pPr lvl="1"/>
+            <a:r>
+              <a:rPr lang="de-CH" b="1" i="1" dirty="0" smtClean="0">
+                <a:latin typeface="Courier 10 Pitch" charset="0"/>
+                <a:cs typeface="Courier 10 Pitch" charset="0"/>
+              </a:rPr>
+              <a:t>images</a:t>
+            </a:r>
+            <a:r>
+              <a:rPr lang="de-CH" i="1" dirty="0" smtClean="0"/>
+              <a:t>: </a:t>
+            </a:r>
+            <a:r>
+              <a:rPr lang="de-CH" dirty="0" smtClean="0"/>
+              <a:t>List all local images</a:t>
+            </a:r>
+            <a:endParaRPr lang="de-CH" dirty="0" smtClean="0"/>
+          </a:p>
+          <a:p>
+            <a:pPr lvl="1"/>
+            <a:r>
+              <a:rPr lang="de-CH" b="1" dirty="0" smtClean="0"/>
+              <a:t>history &lt;image&gt;</a:t>
+            </a:r>
+            <a:r>
+              <a:rPr lang="en-US" altLang="de-CH" b="1" dirty="0" smtClean="0"/>
+              <a:t>: </a:t>
+            </a:r>
+            <a:r>
+              <a:rPr lang="en-US" altLang="de-CH" dirty="0" smtClean="0"/>
+              <a:t>view all the layers that make up the image </a:t>
+            </a:r>
+            <a:endParaRPr lang="en-US" altLang="de-CH" b="1" dirty="0" smtClean="0"/>
+          </a:p>
+          <a:p>
+            <a:pPr lvl="1"/>
+            <a:r>
+              <a:rPr lang="de-CH" b="1" i="1" dirty="0" smtClean="0">
+                <a:latin typeface="Courier 10 Pitch" charset="0"/>
+                <a:cs typeface="Courier 10 Pitch" charset="0"/>
+              </a:rPr>
+              <a:t>run</a:t>
+            </a:r>
+            <a:r>
+              <a:rPr lang="de-CH" dirty="0" smtClean="0"/>
+              <a:t>: Create a container from an image and execute a command in it</a:t>
+            </a:r>
+            <a:endParaRPr lang="de-CH" dirty="0" smtClean="0"/>
+          </a:p>
+          <a:p>
+            <a:pPr lvl="1"/>
+            <a:r>
+              <a:rPr lang="de-CH" b="1" i="1" dirty="0" smtClean="0"/>
+              <a:t>tag</a:t>
+            </a:r>
+            <a:r>
+              <a:rPr lang="de-CH" dirty="0" smtClean="0"/>
+              <a:t>: Tag an image</a:t>
+            </a:r>
+            <a:endParaRPr lang="de-CH" dirty="0" smtClean="0"/>
+          </a:p>
+          <a:p>
+            <a:pPr lvl="1"/>
+            <a:r>
+              <a:rPr lang="de-CH" b="1" i="1" dirty="0" smtClean="0"/>
+              <a:t>pull</a:t>
+            </a:r>
+            <a:r>
+              <a:rPr lang="de-CH" dirty="0" smtClean="0"/>
+              <a:t>: Download image from repository</a:t>
+            </a:r>
+            <a:endParaRPr lang="de-CH" dirty="0" smtClean="0"/>
+          </a:p>
+          <a:p>
+            <a:pPr lvl="1"/>
+            <a:r>
+              <a:rPr lang="de-CH" b="1" i="1" dirty="0" smtClean="0"/>
+              <a:t>rmi</a:t>
+            </a:r>
+            <a:r>
+              <a:rPr lang="de-CH" dirty="0" smtClean="0"/>
+              <a:t>: Delete a local image</a:t>
+            </a:r>
+            <a:endParaRPr lang="de-CH" dirty="0" smtClean="0"/>
+          </a:p>
+          <a:p>
+            <a:pPr lvl="2"/>
+            <a:r>
+              <a:rPr lang="de-CH" dirty="0" smtClean="0"/>
+              <a:t>This will also remove intermediate images if no longer used</a:t>
+            </a:r>
+            <a:endParaRPr lang="de-CH" dirty="0" smtClean="0"/>
+          </a:p>
+        </p:txBody>
+      </p:sp>
+    </p:spTree>
+  </p:cSld>
+  <p:clrMapOvr>
+    <a:masterClrMapping/>
+  </p:clrMapOvr>
+</p:sld>
+</file>
+
+<file path=ppt/slides/slide15.xml><?xml version="1.0" encoding="utf-8"?>
+<p:sld xmlns:a="http://schemas.openxmlformats.org/drawingml/2006/main" xmlns:r="http://schemas.openxmlformats.org/officeDocument/2006/relationships" xmlns:p="http://schemas.openxmlformats.org/presentationml/2006/main">
+  <p:cSld>
+    <p:spTree>
+      <p:nvGrpSpPr>
+        <p:cNvPr id="1" name=""/>
+        <p:cNvGrpSpPr/>
+        <p:nvPr/>
+      </p:nvGrpSpPr>
+      <p:grpSpPr>
+        <a:xfrm>
+          <a:off x="0" y="0"/>
+          <a:ext cx="0" cy="0"/>
+          <a:chOff x="0" y="0"/>
+          <a:chExt cx="0" cy="0"/>
+        </a:xfrm>
+      </p:grpSpPr>
+      <p:sp>
+        <p:nvSpPr>
+          <p:cNvPr id="2" name="Slide Number Placeholder 1"/>
+          <p:cNvSpPr>
+            <a:spLocks noGrp="1"/>
+          </p:cNvSpPr>
+          <p:nvPr>
+            <p:ph type="sldNum" sz="quarter" idx="12"/>
+          </p:nvPr>
+        </p:nvSpPr>
+        <p:spPr/>
+        <p:txBody>
+          <a:bodyPr/>
+          <a:lstStyle/>
+          <a:p>
+            <a:fld id="{1BA865F8-D0B2-3245-A9F6-5F06F5A3A0C6}" type="slidenum">
+              <a:rPr lang="en-US" smtClean="0"/>
+            </a:fld>
+            <a:endParaRPr lang="en-US" dirty="0"/>
+          </a:p>
+        </p:txBody>
+      </p:sp>
+      <p:sp>
+        <p:nvSpPr>
+          <p:cNvPr id="3" name="Text Placeholder 2"/>
+          <p:cNvSpPr>
+            <a:spLocks noGrp="1"/>
+          </p:cNvSpPr>
+          <p:nvPr>
+            <p:ph type="body" sz="quarter" idx="13"/>
+          </p:nvPr>
+        </p:nvSpPr>
+        <p:spPr>
+          <a:xfrm>
+            <a:off x="486410" y="443865"/>
+            <a:ext cx="8493125" cy="607060"/>
+          </a:xfrm>
+        </p:spPr>
+        <p:txBody>
+          <a:bodyPr/>
+          <a:lstStyle/>
+          <a:p>
+            <a:r>
+              <a:rPr lang="de-CH" dirty="0" smtClean="0"/>
+              <a:t>Terminology - Container</a:t>
+            </a:r>
+            <a:endParaRPr lang="de-CH" dirty="0" smtClean="0"/>
+          </a:p>
+        </p:txBody>
+      </p:sp>
+      <p:sp>
+        <p:nvSpPr>
+          <p:cNvPr id="4" name="Text Placeholder 3"/>
+          <p:cNvSpPr>
+            <a:spLocks noGrp="1"/>
+          </p:cNvSpPr>
+          <p:nvPr>
+            <p:ph type="body" sz="quarter" idx="14"/>
+          </p:nvPr>
+        </p:nvSpPr>
+        <p:spPr>
+          <a:xfrm>
+            <a:off x="1011551" y="1417838"/>
+            <a:ext cx="7379176" cy="4055761"/>
+          </a:xfrm>
+        </p:spPr>
+        <p:txBody>
+          <a:bodyPr>
+            <a:normAutofit lnSpcReduction="20000"/>
+          </a:bodyPr>
+          <a:lstStyle/>
+          <a:p>
+            <a:r>
+              <a:rPr lang="de-CH" dirty="0" smtClean="0"/>
+              <a:t>Runnable </a:t>
+            </a:r>
+            <a:r>
+              <a:rPr lang="de-CH" dirty="0"/>
+              <a:t>instance of an image</a:t>
+            </a:r>
+            <a:endParaRPr lang="de-CH" dirty="0"/>
+          </a:p>
+          <a:p>
+            <a:pPr lvl="1"/>
+            <a:r>
+              <a:rPr lang="de-CH" b="1" i="1" dirty="0" smtClean="0"/>
+              <a:t>ps</a:t>
+            </a:r>
+            <a:r>
+              <a:rPr lang="de-CH" i="1" dirty="0"/>
+              <a:t>:</a:t>
+            </a:r>
+            <a:r>
+              <a:rPr lang="de-CH" dirty="0"/>
+              <a:t> List all running containers</a:t>
+            </a:r>
+            <a:endParaRPr lang="de-CH" dirty="0"/>
+          </a:p>
+          <a:p>
+            <a:pPr lvl="1"/>
+            <a:r>
+              <a:rPr lang="de-CH" b="1" i="1" dirty="0" smtClean="0"/>
+              <a:t>ps </a:t>
+            </a:r>
+            <a:r>
+              <a:rPr lang="de-CH" b="1" i="1" dirty="0"/>
+              <a:t>–a</a:t>
+            </a:r>
+            <a:r>
+              <a:rPr lang="de-CH" dirty="0"/>
+              <a:t>: List all containers (incl. stopped</a:t>
+            </a:r>
+            <a:r>
+              <a:rPr lang="de-CH" dirty="0" smtClean="0"/>
+              <a:t>)</a:t>
+            </a:r>
+            <a:endParaRPr lang="de-CH" dirty="0" smtClean="0"/>
+          </a:p>
+          <a:p>
+            <a:pPr lvl="1"/>
+            <a:r>
+              <a:rPr lang="de-CH" b="1" i="1" dirty="0" smtClean="0"/>
+              <a:t>top</a:t>
+            </a:r>
+            <a:r>
+              <a:rPr lang="de-CH" dirty="0" smtClean="0"/>
+              <a:t>: Display processes of a container</a:t>
+            </a:r>
+            <a:endParaRPr lang="de-CH" dirty="0"/>
+          </a:p>
+          <a:p>
+            <a:pPr lvl="1"/>
+            <a:r>
+              <a:rPr lang="de-CH" b="1" i="1" dirty="0" smtClean="0"/>
+              <a:t>start</a:t>
+            </a:r>
+            <a:r>
+              <a:rPr lang="de-CH" dirty="0"/>
+              <a:t>: Start a stopped container</a:t>
+            </a:r>
+            <a:endParaRPr lang="de-CH" dirty="0"/>
+          </a:p>
+          <a:p>
+            <a:pPr lvl="1"/>
+            <a:r>
+              <a:rPr lang="de-CH" b="1" i="1" dirty="0" smtClean="0"/>
+              <a:t>stop</a:t>
+            </a:r>
+            <a:r>
+              <a:rPr lang="de-CH" dirty="0"/>
+              <a:t>: Stop a running container</a:t>
+            </a:r>
+            <a:endParaRPr lang="de-CH" dirty="0"/>
+          </a:p>
+          <a:p>
+            <a:pPr lvl="1"/>
+            <a:r>
+              <a:rPr lang="de-CH" b="1" i="1" dirty="0" smtClean="0"/>
+              <a:t>pause</a:t>
+            </a:r>
+            <a:r>
+              <a:rPr lang="de-CH" dirty="0"/>
+              <a:t>: Pause all processes within a </a:t>
+            </a:r>
+            <a:r>
+              <a:rPr lang="de-CH" dirty="0" smtClean="0"/>
+              <a:t>container</a:t>
+            </a:r>
+            <a:endParaRPr lang="de-CH" dirty="0" smtClean="0"/>
+          </a:p>
+          <a:p>
+            <a:pPr lvl="1"/>
+            <a:r>
+              <a:rPr lang="de-CH" b="1" i="1" dirty="0" smtClean="0"/>
+              <a:t>rm</a:t>
+            </a:r>
+            <a:r>
+              <a:rPr lang="de-CH" dirty="0" smtClean="0"/>
+              <a:t>: Delete a container</a:t>
+            </a:r>
+            <a:endParaRPr lang="de-CH" dirty="0" smtClean="0"/>
+          </a:p>
+          <a:p>
+            <a:pPr lvl="1"/>
+            <a:r>
+              <a:rPr lang="de-CH" b="1" i="1" dirty="0" smtClean="0"/>
+              <a:t>commit</a:t>
+            </a:r>
+            <a:r>
+              <a:rPr lang="de-CH" dirty="0" smtClean="0"/>
+              <a:t>: Create an image from a container</a:t>
+            </a:r>
+            <a:endParaRPr lang="en-US" dirty="0"/>
+          </a:p>
+        </p:txBody>
+      </p:sp>
+    </p:spTree>
+  </p:cSld>
+  <p:clrMapOvr>
+    <a:masterClrMapping/>
+  </p:clrMapOvr>
+</p:sld>
+</file>
+
+<file path=ppt/slides/slide16.xml><?xml version="1.0" encoding="utf-8"?>
+<p:sld xmlns:a="http://schemas.openxmlformats.org/drawingml/2006/main" xmlns:r="http://schemas.openxmlformats.org/officeDocument/2006/relationships" xmlns:p="http://schemas.openxmlformats.org/presentationml/2006/main">
+  <p:cSld>
+    <p:spTree>
+      <p:nvGrpSpPr>
+        <p:cNvPr id="1" name=""/>
+        <p:cNvGrpSpPr/>
+        <p:nvPr/>
+      </p:nvGrpSpPr>
+      <p:grpSpPr>
+        <a:xfrm>
+          <a:off x="0" y="0"/>
+          <a:ext cx="0" cy="0"/>
+          <a:chOff x="0" y="0"/>
+          <a:chExt cx="0" cy="0"/>
+        </a:xfrm>
+      </p:grpSpPr>
+      <p:sp>
+        <p:nvSpPr>
+          <p:cNvPr id="32" name="Rounded Rectangle 31"/>
+          <p:cNvSpPr/>
+          <p:nvPr/>
+        </p:nvSpPr>
+        <p:spPr>
+          <a:xfrm>
+            <a:off x="5645498" y="5208679"/>
+            <a:ext cx="1718268" cy="713433"/>
+          </a:xfrm>
+          <a:prstGeom prst="roundRect">
+            <a:avLst/>
+          </a:prstGeom>
+        </p:spPr>
+        <p:style>
+          <a:lnRef idx="1">
+            <a:schemeClr val="accent6"/>
+          </a:lnRef>
+          <a:fillRef idx="3">
+            <a:schemeClr val="accent6"/>
+          </a:fillRef>
+          <a:effectRef idx="2">
+            <a:schemeClr val="accent6"/>
+          </a:effectRef>
+          <a:fontRef idx="minor">
+            <a:schemeClr val="lt1"/>
+          </a:fontRef>
+        </p:style>
+        <p:txBody>
+          <a:bodyPr rtlCol="0" anchor="ctr"/>
+          <a:lstStyle/>
+          <a:p>
+            <a:pPr algn="ctr"/>
+            <a:r>
+              <a:rPr lang="de-CH" dirty="0" smtClean="0"/>
+              <a:t>Container</a:t>
+            </a:r>
+            <a:endParaRPr lang="de-CH" dirty="0" smtClean="0"/>
+          </a:p>
+          <a:p>
+            <a:pPr algn="ctr"/>
+            <a:r>
+              <a:rPr lang="de-CH" dirty="0" smtClean="0"/>
+              <a:t>cid4</a:t>
+            </a:r>
+            <a:endParaRPr lang="en-US" dirty="0"/>
+          </a:p>
+        </p:txBody>
+      </p:sp>
+      <p:sp>
+        <p:nvSpPr>
+          <p:cNvPr id="31" name="Rounded Rectangle 30"/>
+          <p:cNvSpPr/>
+          <p:nvPr/>
+        </p:nvSpPr>
+        <p:spPr>
+          <a:xfrm>
+            <a:off x="5493098" y="4845261"/>
+            <a:ext cx="1718268" cy="713433"/>
+          </a:xfrm>
+          <a:prstGeom prst="roundRect">
+            <a:avLst/>
+          </a:prstGeom>
+        </p:spPr>
+        <p:style>
+          <a:lnRef idx="1">
+            <a:schemeClr val="accent6"/>
+          </a:lnRef>
+          <a:fillRef idx="3">
+            <a:schemeClr val="accent6"/>
+          </a:fillRef>
+          <a:effectRef idx="2">
+            <a:schemeClr val="accent6"/>
+          </a:effectRef>
+          <a:fontRef idx="minor">
+            <a:schemeClr val="lt1"/>
+          </a:fontRef>
+        </p:style>
+        <p:txBody>
+          <a:bodyPr rtlCol="0" anchor="ctr"/>
+          <a:lstStyle/>
+          <a:p>
+            <a:pPr algn="ctr"/>
+            <a:r>
+              <a:rPr lang="de-CH" dirty="0" smtClean="0"/>
+              <a:t>Container</a:t>
+            </a:r>
+            <a:endParaRPr lang="de-CH" dirty="0" smtClean="0"/>
+          </a:p>
+          <a:p>
+            <a:pPr algn="ctr"/>
+            <a:r>
+              <a:rPr lang="de-CH" dirty="0" smtClean="0"/>
+              <a:t>cid3</a:t>
+            </a:r>
+            <a:endParaRPr lang="en-US" dirty="0"/>
+          </a:p>
+        </p:txBody>
+      </p:sp>
+      <p:sp>
+        <p:nvSpPr>
+          <p:cNvPr id="2" name="Slide Number Placeholder 1"/>
+          <p:cNvSpPr>
+            <a:spLocks noGrp="1"/>
+          </p:cNvSpPr>
+          <p:nvPr>
+            <p:ph type="sldNum" sz="quarter" idx="12"/>
+          </p:nvPr>
+        </p:nvSpPr>
+        <p:spPr/>
+        <p:txBody>
+          <a:bodyPr/>
+          <a:lstStyle/>
+          <a:p>
+            <a:fld id="{1BA865F8-D0B2-3245-A9F6-5F06F5A3A0C6}" type="slidenum">
+              <a:rPr lang="en-US" smtClean="0"/>
+            </a:fld>
+            <a:endParaRPr lang="en-US" dirty="0"/>
+          </a:p>
+        </p:txBody>
+      </p:sp>
+      <p:sp>
+        <p:nvSpPr>
+          <p:cNvPr id="3" name="Text Placeholder 2"/>
+          <p:cNvSpPr>
+            <a:spLocks noGrp="1"/>
+          </p:cNvSpPr>
+          <p:nvPr>
+            <p:ph type="body" sz="quarter" idx="13"/>
+          </p:nvPr>
+        </p:nvSpPr>
+        <p:spPr>
+          <a:xfrm>
+            <a:off x="1011555" y="279400"/>
+            <a:ext cx="6743065" cy="1445260"/>
+          </a:xfrm>
+        </p:spPr>
+        <p:txBody>
+          <a:bodyPr/>
+          <a:lstStyle/>
+          <a:p>
+            <a:r>
+              <a:rPr lang="de-CH" dirty="0" smtClean="0"/>
+              <a:t>Image vs. </a:t>
+            </a:r>
+            <a:r>
+              <a:rPr lang="en-US" altLang="de-CH" dirty="0" smtClean="0"/>
+              <a:t>				</a:t>
+            </a:r>
+            <a:r>
+              <a:rPr lang="de-CH" dirty="0" smtClean="0"/>
+              <a:t>Container</a:t>
+            </a:r>
+            <a:endParaRPr lang="en-US" dirty="0"/>
+          </a:p>
+        </p:txBody>
+      </p:sp>
+      <p:sp>
+        <p:nvSpPr>
+          <p:cNvPr id="5" name="Rectangle 4"/>
+          <p:cNvSpPr/>
+          <p:nvPr/>
+        </p:nvSpPr>
+        <p:spPr>
+          <a:xfrm>
+            <a:off x="1095270" y="2022217"/>
+            <a:ext cx="1718268" cy="713433"/>
+          </a:xfrm>
+          <a:prstGeom prst="rect">
+            <a:avLst/>
+          </a:prstGeom>
+        </p:spPr>
+        <p:style>
+          <a:lnRef idx="1">
+            <a:schemeClr val="accent1"/>
+          </a:lnRef>
+          <a:fillRef idx="3">
+            <a:schemeClr val="accent1"/>
+          </a:fillRef>
+          <a:effectRef idx="2">
+            <a:schemeClr val="accent1"/>
+          </a:effectRef>
+          <a:fontRef idx="minor">
+            <a:schemeClr val="lt1"/>
+          </a:fontRef>
+        </p:style>
+        <p:txBody>
+          <a:bodyPr rtlCol="0" anchor="ctr"/>
+          <a:lstStyle/>
+          <a:p>
+            <a:pPr algn="ctr"/>
+            <a:r>
+              <a:rPr lang="de-CH" dirty="0" smtClean="0"/>
+              <a:t>Base Image</a:t>
+            </a:r>
+            <a:endParaRPr lang="de-CH" dirty="0" smtClean="0"/>
+          </a:p>
+          <a:p>
+            <a:pPr algn="ctr"/>
+            <a:r>
+              <a:rPr lang="de-CH" i="1" dirty="0" smtClean="0"/>
+              <a:t>ubuntu:latest</a:t>
+            </a:r>
+            <a:endParaRPr lang="de-CH" i="1" dirty="0" smtClean="0"/>
+          </a:p>
+        </p:txBody>
+      </p:sp>
+      <p:sp>
+        <p:nvSpPr>
+          <p:cNvPr id="6" name="Rounded Rectangle 5"/>
+          <p:cNvSpPr/>
+          <p:nvPr/>
+        </p:nvSpPr>
+        <p:spPr>
+          <a:xfrm>
+            <a:off x="5285433" y="2022216"/>
+            <a:ext cx="1718268" cy="713433"/>
+          </a:xfrm>
+          <a:prstGeom prst="roundRect">
+            <a:avLst/>
+          </a:prstGeom>
+        </p:spPr>
+        <p:style>
+          <a:lnRef idx="1">
+            <a:schemeClr val="accent6"/>
+          </a:lnRef>
+          <a:fillRef idx="3">
+            <a:schemeClr val="accent6"/>
+          </a:fillRef>
+          <a:effectRef idx="2">
+            <a:schemeClr val="accent6"/>
+          </a:effectRef>
+          <a:fontRef idx="minor">
+            <a:schemeClr val="lt1"/>
+          </a:fontRef>
+        </p:style>
+        <p:txBody>
+          <a:bodyPr rtlCol="0" anchor="ctr"/>
+          <a:lstStyle/>
+          <a:p>
+            <a:pPr algn="ctr"/>
+            <a:r>
+              <a:rPr lang="de-CH" dirty="0" smtClean="0"/>
+              <a:t>Container</a:t>
+            </a:r>
+            <a:endParaRPr lang="de-CH" dirty="0" smtClean="0"/>
+          </a:p>
+          <a:p>
+            <a:pPr algn="ctr"/>
+            <a:r>
+              <a:rPr lang="de-CH" dirty="0" smtClean="0"/>
+              <a:t>cid1</a:t>
+            </a:r>
+            <a:endParaRPr lang="en-US" dirty="0"/>
+          </a:p>
+        </p:txBody>
+      </p:sp>
+      <p:cxnSp>
+        <p:nvCxnSpPr>
+          <p:cNvPr id="8" name="Straight Arrow Connector 7"/>
+          <p:cNvCxnSpPr>
+            <a:stCxn id="5" idx="3"/>
+            <a:endCxn id="6" idx="1"/>
+          </p:cNvCxnSpPr>
+          <p:nvPr/>
+        </p:nvCxnSpPr>
+        <p:spPr>
+          <a:xfrm>
+            <a:off x="2813538" y="2379569"/>
+            <a:ext cx="2472055" cy="0"/>
+          </a:xfrm>
+          <a:prstGeom prst="straightConnector1">
+            <a:avLst/>
+          </a:prstGeom>
+          <a:ln>
+            <a:tailEnd type="triangle"/>
+          </a:ln>
+        </p:spPr>
+        <p:style>
+          <a:lnRef idx="2">
+            <a:schemeClr val="accent1"/>
+          </a:lnRef>
+          <a:fillRef idx="0">
+            <a:schemeClr val="accent1"/>
+          </a:fillRef>
+          <a:effectRef idx="1">
+            <a:schemeClr val="accent1"/>
+          </a:effectRef>
+          <a:fontRef idx="minor">
+            <a:schemeClr val="tx1"/>
+          </a:fontRef>
+        </p:style>
+      </p:cxnSp>
+      <p:sp>
+        <p:nvSpPr>
+          <p:cNvPr id="9" name="TextBox 8"/>
+          <p:cNvSpPr txBox="1"/>
+          <p:nvPr/>
+        </p:nvSpPr>
+        <p:spPr>
+          <a:xfrm>
+            <a:off x="3753660" y="2031595"/>
+            <a:ext cx="518091" cy="369332"/>
+          </a:xfrm>
+          <a:prstGeom prst="rect">
+            <a:avLst/>
+          </a:prstGeom>
+          <a:noFill/>
+        </p:spPr>
+        <p:txBody>
+          <a:bodyPr wrap="none" rtlCol="0">
+            <a:spAutoFit/>
+          </a:bodyPr>
+          <a:lstStyle/>
+          <a:p>
+            <a:r>
+              <a:rPr lang="de-CH" dirty="0" smtClean="0"/>
+              <a:t>run</a:t>
+            </a:r>
+            <a:endParaRPr lang="en-US" dirty="0"/>
+          </a:p>
+        </p:txBody>
+      </p:sp>
+      <p:sp>
+        <p:nvSpPr>
+          <p:cNvPr id="10" name="Rounded Rectangle 9"/>
+          <p:cNvSpPr/>
+          <p:nvPr/>
+        </p:nvSpPr>
+        <p:spPr>
+          <a:xfrm>
+            <a:off x="5285433" y="3435415"/>
+            <a:ext cx="1718268" cy="713433"/>
+          </a:xfrm>
+          <a:prstGeom prst="roundRect">
+            <a:avLst/>
+          </a:prstGeom>
+        </p:spPr>
+        <p:style>
+          <a:lnRef idx="1">
+            <a:schemeClr val="accent6"/>
+          </a:lnRef>
+          <a:fillRef idx="3">
+            <a:schemeClr val="accent6"/>
+          </a:fillRef>
+          <a:effectRef idx="2">
+            <a:schemeClr val="accent6"/>
+          </a:effectRef>
+          <a:fontRef idx="minor">
+            <a:schemeClr val="lt1"/>
+          </a:fontRef>
+        </p:style>
+        <p:txBody>
+          <a:bodyPr rtlCol="0" anchor="ctr"/>
+          <a:lstStyle/>
+          <a:p>
+            <a:pPr algn="ctr"/>
+            <a:r>
+              <a:rPr lang="de-CH" dirty="0" smtClean="0"/>
+              <a:t>Container</a:t>
+            </a:r>
+            <a:endParaRPr lang="de-CH" dirty="0" smtClean="0"/>
+          </a:p>
+          <a:p>
+            <a:pPr algn="ctr"/>
+            <a:r>
+              <a:rPr lang="de-CH" dirty="0" smtClean="0"/>
+              <a:t>cid1</a:t>
+            </a:r>
+            <a:endParaRPr lang="en-US" dirty="0"/>
+          </a:p>
+        </p:txBody>
+      </p:sp>
+      <p:cxnSp>
+        <p:nvCxnSpPr>
+          <p:cNvPr id="11" name="Straight Arrow Connector 10"/>
+          <p:cNvCxnSpPr>
+            <a:stCxn id="6" idx="2"/>
+            <a:endCxn id="10" idx="0"/>
+          </p:cNvCxnSpPr>
+          <p:nvPr/>
+        </p:nvCxnSpPr>
+        <p:spPr>
+          <a:xfrm>
+            <a:off x="6145202" y="2736284"/>
+            <a:ext cx="0" cy="699135"/>
+          </a:xfrm>
+          <a:prstGeom prst="straightConnector1">
+            <a:avLst/>
+          </a:prstGeom>
+          <a:ln>
+            <a:tailEnd type="triangle"/>
+          </a:ln>
+        </p:spPr>
+        <p:style>
+          <a:lnRef idx="2">
+            <a:schemeClr val="accent1"/>
+          </a:lnRef>
+          <a:fillRef idx="0">
+            <a:schemeClr val="accent1"/>
+          </a:fillRef>
+          <a:effectRef idx="1">
+            <a:schemeClr val="accent1"/>
+          </a:effectRef>
+          <a:fontRef idx="minor">
+            <a:schemeClr val="tx1"/>
+          </a:fontRef>
+        </p:style>
+      </p:cxnSp>
+      <p:sp>
+        <p:nvSpPr>
+          <p:cNvPr id="14" name="TextBox 13"/>
+          <p:cNvSpPr txBox="1"/>
+          <p:nvPr/>
+        </p:nvSpPr>
+        <p:spPr>
+          <a:xfrm>
+            <a:off x="6115623" y="2894033"/>
+            <a:ext cx="1962397" cy="369332"/>
+          </a:xfrm>
+          <a:prstGeom prst="rect">
+            <a:avLst/>
+          </a:prstGeom>
+          <a:noFill/>
+        </p:spPr>
+        <p:txBody>
+          <a:bodyPr wrap="none" rtlCol="0">
+            <a:spAutoFit/>
+          </a:bodyPr>
+          <a:lstStyle/>
+          <a:p>
+            <a:r>
+              <a:rPr lang="de-CH" dirty="0" smtClean="0"/>
+              <a:t>cmd </a:t>
+            </a:r>
+            <a:r>
+              <a:rPr lang="de-CH" dirty="0" smtClean="0">
+                <a:sym typeface="Wingdings" panose="05000000000000000000" pitchFamily="2" charset="2"/>
+              </a:rPr>
+              <a:t> </a:t>
+            </a:r>
+            <a:r>
+              <a:rPr lang="de-CH" dirty="0" smtClean="0"/>
+              <a:t>new state</a:t>
+            </a:r>
+            <a:endParaRPr lang="en-US" dirty="0"/>
+          </a:p>
+        </p:txBody>
+      </p:sp>
+      <p:cxnSp>
+        <p:nvCxnSpPr>
+          <p:cNvPr id="15" name="Straight Arrow Connector 14"/>
+          <p:cNvCxnSpPr>
+            <a:stCxn id="10" idx="1"/>
+            <a:endCxn id="18" idx="3"/>
+          </p:cNvCxnSpPr>
+          <p:nvPr/>
+        </p:nvCxnSpPr>
+        <p:spPr>
+          <a:xfrm flipH="1" flipV="1">
+            <a:off x="2829253" y="3789592"/>
+            <a:ext cx="2456180" cy="2540"/>
+          </a:xfrm>
+          <a:prstGeom prst="straightConnector1">
+            <a:avLst/>
+          </a:prstGeom>
+          <a:ln>
+            <a:tailEnd type="triangle"/>
+          </a:ln>
+        </p:spPr>
+        <p:style>
+          <a:lnRef idx="2">
+            <a:schemeClr val="accent1"/>
+          </a:lnRef>
+          <a:fillRef idx="0">
+            <a:schemeClr val="accent1"/>
+          </a:fillRef>
+          <a:effectRef idx="1">
+            <a:schemeClr val="accent1"/>
+          </a:effectRef>
+          <a:fontRef idx="minor">
+            <a:schemeClr val="tx1"/>
+          </a:fontRef>
+        </p:style>
+      </p:cxnSp>
+      <p:sp>
+        <p:nvSpPr>
+          <p:cNvPr id="18" name="Rectangle 17"/>
+          <p:cNvSpPr/>
+          <p:nvPr/>
+        </p:nvSpPr>
+        <p:spPr>
+          <a:xfrm>
+            <a:off x="1111544" y="3432958"/>
+            <a:ext cx="1718268" cy="713433"/>
+          </a:xfrm>
+          <a:prstGeom prst="rect">
+            <a:avLst/>
+          </a:prstGeom>
+        </p:spPr>
+        <p:style>
+          <a:lnRef idx="1">
+            <a:schemeClr val="accent1"/>
+          </a:lnRef>
+          <a:fillRef idx="3">
+            <a:schemeClr val="accent1"/>
+          </a:fillRef>
+          <a:effectRef idx="2">
+            <a:schemeClr val="accent1"/>
+          </a:effectRef>
+          <a:fontRef idx="minor">
+            <a:schemeClr val="lt1"/>
+          </a:fontRef>
+        </p:style>
+        <p:txBody>
+          <a:bodyPr rtlCol="0" anchor="ctr"/>
+          <a:lstStyle/>
+          <a:p>
+            <a:pPr algn="ctr"/>
+            <a:r>
+              <a:rPr lang="de-CH" dirty="0" smtClean="0"/>
+              <a:t>New Image</a:t>
+            </a:r>
+            <a:endParaRPr lang="de-CH" dirty="0" smtClean="0"/>
+          </a:p>
+          <a:p>
+            <a:pPr algn="ctr"/>
+            <a:r>
+              <a:rPr lang="de-CH" dirty="0" smtClean="0"/>
+              <a:t>iid1</a:t>
+            </a:r>
+            <a:endParaRPr lang="de-CH" dirty="0" smtClean="0"/>
+          </a:p>
+        </p:txBody>
+      </p:sp>
+      <p:sp>
+        <p:nvSpPr>
+          <p:cNvPr id="20" name="TextBox 19"/>
+          <p:cNvSpPr txBox="1"/>
+          <p:nvPr/>
+        </p:nvSpPr>
+        <p:spPr>
+          <a:xfrm>
+            <a:off x="3609666" y="3435415"/>
+            <a:ext cx="928459" cy="369332"/>
+          </a:xfrm>
+          <a:prstGeom prst="rect">
+            <a:avLst/>
+          </a:prstGeom>
+          <a:noFill/>
+        </p:spPr>
+        <p:txBody>
+          <a:bodyPr wrap="none" rtlCol="0">
+            <a:spAutoFit/>
+          </a:bodyPr>
+          <a:lstStyle/>
+          <a:p>
+            <a:r>
+              <a:rPr lang="de-CH" dirty="0" smtClean="0"/>
+              <a:t>commit</a:t>
+            </a:r>
+            <a:endParaRPr lang="en-US" dirty="0"/>
+          </a:p>
+        </p:txBody>
+      </p:sp>
+      <p:cxnSp>
+        <p:nvCxnSpPr>
+          <p:cNvPr id="21" name="Straight Arrow Connector 20"/>
+          <p:cNvCxnSpPr>
+            <a:stCxn id="18" idx="0"/>
+            <a:endCxn id="5" idx="2"/>
+          </p:cNvCxnSpPr>
+          <p:nvPr/>
+        </p:nvCxnSpPr>
+        <p:spPr>
+          <a:xfrm flipH="1" flipV="1">
+            <a:off x="1954803" y="2736363"/>
+            <a:ext cx="15875" cy="696595"/>
+          </a:xfrm>
+          <a:prstGeom prst="straightConnector1">
+            <a:avLst/>
+          </a:prstGeom>
+          <a:ln>
+            <a:tailEnd type="triangle"/>
+          </a:ln>
+        </p:spPr>
+        <p:style>
+          <a:lnRef idx="2">
+            <a:schemeClr val="accent1"/>
+          </a:lnRef>
+          <a:fillRef idx="0">
+            <a:schemeClr val="accent1"/>
+          </a:fillRef>
+          <a:effectRef idx="1">
+            <a:schemeClr val="accent1"/>
+          </a:effectRef>
+          <a:fontRef idx="minor">
+            <a:schemeClr val="tx1"/>
+          </a:fontRef>
+        </p:style>
+      </p:cxnSp>
+      <p:sp>
+        <p:nvSpPr>
+          <p:cNvPr id="24" name="TextBox 23"/>
+          <p:cNvSpPr txBox="1"/>
+          <p:nvPr/>
+        </p:nvSpPr>
+        <p:spPr>
+          <a:xfrm>
+            <a:off x="1931226" y="2914576"/>
+            <a:ext cx="1402948" cy="369332"/>
+          </a:xfrm>
+          <a:prstGeom prst="rect">
+            <a:avLst/>
+          </a:prstGeom>
+          <a:noFill/>
+        </p:spPr>
+        <p:txBody>
+          <a:bodyPr wrap="none" rtlCol="0">
+            <a:spAutoFit/>
+          </a:bodyPr>
+          <a:lstStyle/>
+          <a:p>
+            <a:r>
+              <a:rPr lang="de-CH" dirty="0" smtClean="0"/>
+              <a:t>base image</a:t>
+            </a:r>
+            <a:endParaRPr lang="en-US" dirty="0"/>
+          </a:p>
+        </p:txBody>
+      </p:sp>
+      <p:sp>
+        <p:nvSpPr>
+          <p:cNvPr id="25" name="Rounded Rectangle 24"/>
+          <p:cNvSpPr/>
+          <p:nvPr/>
+        </p:nvSpPr>
+        <p:spPr>
+          <a:xfrm>
+            <a:off x="5340698" y="4491897"/>
+            <a:ext cx="1718268" cy="713433"/>
+          </a:xfrm>
+          <a:prstGeom prst="roundRect">
+            <a:avLst/>
+          </a:prstGeom>
+        </p:spPr>
+        <p:style>
+          <a:lnRef idx="1">
+            <a:schemeClr val="accent6"/>
+          </a:lnRef>
+          <a:fillRef idx="3">
+            <a:schemeClr val="accent6"/>
+          </a:fillRef>
+          <a:effectRef idx="2">
+            <a:schemeClr val="accent6"/>
+          </a:effectRef>
+          <a:fontRef idx="minor">
+            <a:schemeClr val="lt1"/>
+          </a:fontRef>
+        </p:style>
+        <p:txBody>
+          <a:bodyPr rtlCol="0" anchor="ctr"/>
+          <a:lstStyle/>
+          <a:p>
+            <a:pPr algn="ctr"/>
+            <a:r>
+              <a:rPr lang="de-CH" dirty="0" smtClean="0"/>
+              <a:t>Container</a:t>
+            </a:r>
+            <a:endParaRPr lang="de-CH" dirty="0" smtClean="0"/>
+          </a:p>
+          <a:p>
+            <a:pPr algn="ctr"/>
+            <a:r>
+              <a:rPr lang="de-CH" dirty="0" smtClean="0"/>
+              <a:t>cid2</a:t>
+            </a:r>
+            <a:endParaRPr lang="en-US" dirty="0"/>
+          </a:p>
+        </p:txBody>
+      </p:sp>
+      <p:cxnSp>
+        <p:nvCxnSpPr>
+          <p:cNvPr id="26" name="Straight Arrow Connector 25"/>
+          <p:cNvCxnSpPr>
+            <a:stCxn id="18" idx="2"/>
+            <a:endCxn id="25" idx="1"/>
+          </p:cNvCxnSpPr>
+          <p:nvPr/>
+        </p:nvCxnSpPr>
+        <p:spPr>
+          <a:xfrm>
+            <a:off x="1970678" y="4146391"/>
+            <a:ext cx="3370580" cy="702310"/>
+          </a:xfrm>
+          <a:prstGeom prst="straightConnector1">
+            <a:avLst/>
+          </a:prstGeom>
+          <a:ln>
+            <a:tailEnd type="triangle"/>
+          </a:ln>
+        </p:spPr>
+        <p:style>
+          <a:lnRef idx="2">
+            <a:schemeClr val="accent1"/>
+          </a:lnRef>
+          <a:fillRef idx="0">
+            <a:schemeClr val="accent1"/>
+          </a:fillRef>
+          <a:effectRef idx="1">
+            <a:schemeClr val="accent1"/>
+          </a:effectRef>
+          <a:fontRef idx="minor">
+            <a:schemeClr val="tx1"/>
+          </a:fontRef>
+        </p:style>
+      </p:cxnSp>
+      <p:sp>
+        <p:nvSpPr>
+          <p:cNvPr id="30" name="TextBox 29"/>
+          <p:cNvSpPr txBox="1"/>
+          <p:nvPr/>
+        </p:nvSpPr>
+        <p:spPr>
+          <a:xfrm>
+            <a:off x="3814849" y="4159006"/>
+            <a:ext cx="518091" cy="369332"/>
+          </a:xfrm>
+          <a:prstGeom prst="rect">
+            <a:avLst/>
+          </a:prstGeom>
+          <a:noFill/>
+        </p:spPr>
+        <p:txBody>
+          <a:bodyPr wrap="none" rtlCol="0">
+            <a:spAutoFit/>
+          </a:bodyPr>
+          <a:lstStyle/>
+          <a:p>
+            <a:r>
+              <a:rPr lang="de-CH" dirty="0" smtClean="0"/>
+              <a:t>run</a:t>
+            </a:r>
+            <a:endParaRPr lang="en-US" dirty="0"/>
+          </a:p>
+        </p:txBody>
+      </p:sp>
+    </p:spTree>
+  </p:cSld>
+  <p:clrMapOvr>
+    <a:masterClrMapping/>
+  </p:clrMapOvr>
+</p:sld>
+</file>
+
+<file path=ppt/slides/slide17.xml><?xml version="1.0" encoding="utf-8"?>
+<p:sld xmlns:a="http://schemas.openxmlformats.org/drawingml/2006/main" xmlns:r="http://schemas.openxmlformats.org/officeDocument/2006/relationships" xmlns:p="http://schemas.openxmlformats.org/presentationml/2006/main">
+  <p:cSld>
+    <p:spTree>
+      <p:nvGrpSpPr>
+        <p:cNvPr id="1" name=""/>
+        <p:cNvGrpSpPr/>
+        <p:nvPr/>
+      </p:nvGrpSpPr>
+      <p:grpSpPr>
+        <a:xfrm>
+          <a:off x="0" y="0"/>
+          <a:ext cx="0" cy="0"/>
+          <a:chOff x="0" y="0"/>
+          <a:chExt cx="0" cy="0"/>
+        </a:xfrm>
+      </p:grpSpPr>
+      <p:sp>
+        <p:nvSpPr>
+          <p:cNvPr id="2" name="Slide Number Placeholder 1"/>
+          <p:cNvSpPr>
+            <a:spLocks noGrp="1"/>
+          </p:cNvSpPr>
+          <p:nvPr>
+            <p:ph type="sldNum" sz="quarter" idx="12"/>
+          </p:nvPr>
+        </p:nvSpPr>
+        <p:spPr/>
+        <p:txBody>
+          <a:bodyPr/>
+          <a:lstStyle/>
+          <a:p>
+            <a:fld id="{1BA865F8-D0B2-3245-A9F6-5F06F5A3A0C6}" type="slidenum">
+              <a:rPr lang="en-US" smtClean="0"/>
+            </a:fld>
+            <a:endParaRPr lang="en-US" dirty="0"/>
+          </a:p>
+        </p:txBody>
+      </p:sp>
+      <p:sp>
+        <p:nvSpPr>
+          <p:cNvPr id="3" name="Text Placeholder 2"/>
+          <p:cNvSpPr>
+            <a:spLocks noGrp="1"/>
+          </p:cNvSpPr>
+          <p:nvPr>
+            <p:ph type="body" sz="quarter" idx="13"/>
+          </p:nvPr>
+        </p:nvSpPr>
+        <p:spPr>
+          <a:xfrm>
             <a:off x="1011551" y="425709"/>
             <a:ext cx="6286589" cy="607027"/>
           </a:xfrm>
@@ -4850,7 +6096,7 @@
 </p:sld>
 </file>
 
-<file path=ppt/slides/slide15.xml><?xml version="1.0" encoding="utf-8"?>
+<file path=ppt/slides/slide18.xml><?xml version="1.0" encoding="utf-8"?>
 <p:sld xmlns:a="http://schemas.openxmlformats.org/drawingml/2006/main" xmlns:r="http://schemas.openxmlformats.org/officeDocument/2006/relationships" xmlns:p="http://schemas.openxmlformats.org/presentationml/2006/main">
   <p:cSld>
     <p:spTree>
@@ -5196,7 +6442,7 @@
 </p:sld>
 </file>
 
-<file path=ppt/slides/slide16.xml><?xml version="1.0" encoding="utf-8"?>
+<file path=ppt/slides/slide19.xml><?xml version="1.0" encoding="utf-8"?>
 <p:sld xmlns:a="http://schemas.openxmlformats.org/drawingml/2006/main" xmlns:r="http://schemas.openxmlformats.org/officeDocument/2006/relationships" xmlns:p="http://schemas.openxmlformats.org/presentationml/2006/main">
   <p:cSld>
     <p:spTree>
@@ -5276,7 +6522,7 @@
         <p:spPr>
           <a:xfrm>
             <a:off x="795020" y="1779905"/>
-            <a:ext cx="7926070" cy="3574415"/>
+            <a:ext cx="7926070" cy="1464310"/>
           </a:xfrm>
         </p:spPr>
         <p:txBody>
@@ -5323,17 +6569,6 @@
               <a:rPr lang="de-CH" dirty="0" smtClean="0"/>
               <a:t>Run second container: Volume can be shared</a:t>
             </a:r>
-            <a:endParaRPr lang="de-CH" dirty="0" smtClean="0"/>
-          </a:p>
-          <a:p>
-            <a:pPr lvl="1"/>
-            <a:r>
-              <a:rPr lang="de-CH" i="1" dirty="0" smtClean="0">
-                <a:latin typeface="Courier New" panose="02070309020205020404" pitchFamily="49" charset="0"/>
-                <a:cs typeface="Courier New" panose="02070309020205020404" pitchFamily="49" charset="0"/>
-              </a:rPr>
-              <a:t>docker run –ti --volumes-from firstContainerName ubuntu</a:t>
-            </a:r>
             <a:endParaRPr lang="en-US" i="1" dirty="0">
               <a:latin typeface="Courier New" panose="02070309020205020404" pitchFamily="49" charset="0"/>
               <a:cs typeface="Courier New" panose="02070309020205020404" pitchFamily="49" charset="0"/>
@@ -5341,325 +6576,37 @@
           </a:p>
         </p:txBody>
       </p:sp>
-    </p:spTree>
-  </p:cSld>
-  <p:clrMapOvr>
-    <a:masterClrMapping/>
-  </p:clrMapOvr>
-</p:sld>
-</file>
-
-<file path=ppt/slides/slide17.xml><?xml version="1.0" encoding="utf-8"?>
-<p:sld xmlns:a="http://schemas.openxmlformats.org/drawingml/2006/main" xmlns:r="http://schemas.openxmlformats.org/officeDocument/2006/relationships" xmlns:p="http://schemas.openxmlformats.org/presentationml/2006/main">
-  <p:cSld>
-    <p:spTree>
-      <p:nvGrpSpPr>
-        <p:cNvPr id="1" name=""/>
-        <p:cNvGrpSpPr/>
-        <p:nvPr/>
-      </p:nvGrpSpPr>
-      <p:grpSpPr>
-        <a:xfrm>
-          <a:off x="0" y="0"/>
-          <a:ext cx="0" cy="0"/>
-          <a:chOff x="0" y="0"/>
-          <a:chExt cx="0" cy="0"/>
-        </a:xfrm>
-      </p:grpSpPr>
-      <p:sp>
-        <p:nvSpPr>
-          <p:cNvPr id="2" name="Slide Number Placeholder 1"/>
-          <p:cNvSpPr>
-            <a:spLocks noGrp="1"/>
-          </p:cNvSpPr>
-          <p:nvPr>
-            <p:ph type="sldNum" sz="quarter" idx="12"/>
-          </p:nvPr>
-        </p:nvSpPr>
-        <p:spPr/>
-        <p:txBody>
-          <a:bodyPr/>
-          <a:lstStyle/>
-          <a:p>
-            <a:fld id="{1BA865F8-D0B2-3245-A9F6-5F06F5A3A0C6}" type="slidenum">
-              <a:rPr lang="en-US" smtClean="0"/>
-            </a:fld>
-            <a:endParaRPr lang="en-US" dirty="0"/>
-          </a:p>
-        </p:txBody>
-      </p:sp>
-      <p:sp>
-        <p:nvSpPr>
-          <p:cNvPr id="3" name="Text Placeholder 2"/>
-          <p:cNvSpPr>
-            <a:spLocks noGrp="1"/>
-          </p:cNvSpPr>
-          <p:nvPr>
-            <p:ph type="body" sz="quarter" idx="13"/>
-          </p:nvPr>
-        </p:nvSpPr>
-        <p:spPr>
-          <a:xfrm>
-            <a:off x="1011551" y="629544"/>
-            <a:ext cx="6286589" cy="607027"/>
-          </a:xfrm>
-        </p:spPr>
-        <p:txBody>
-          <a:bodyPr/>
-          <a:lstStyle/>
-          <a:p>
-            <a:r>
-              <a:rPr lang="de-CH" dirty="0" smtClean="0"/>
-              <a:t>Docker Use Cases</a:t>
-            </a:r>
-            <a:endParaRPr lang="en-US" dirty="0"/>
-          </a:p>
-        </p:txBody>
-      </p:sp>
-      <p:sp>
-        <p:nvSpPr>
-          <p:cNvPr id="4" name="Text Placeholder 3"/>
-          <p:cNvSpPr>
-            <a:spLocks noGrp="1"/>
-          </p:cNvSpPr>
-          <p:nvPr>
-            <p:ph type="body" sz="quarter" idx="14"/>
-          </p:nvPr>
-        </p:nvSpPr>
-        <p:spPr>
-          <a:xfrm>
-            <a:off x="1011555" y="1677035"/>
-            <a:ext cx="6680200" cy="4091940"/>
-          </a:xfrm>
-        </p:spPr>
-        <p:txBody>
-          <a:bodyPr/>
-          <a:lstStyle/>
-          <a:p>
-            <a:r>
-              <a:rPr lang="de-CH" dirty="0" smtClean="0"/>
-              <a:t>Development Environment</a:t>
-            </a:r>
-            <a:endParaRPr lang="de-CH" dirty="0" smtClean="0"/>
-          </a:p>
-          <a:p>
-            <a:r>
-              <a:rPr lang="de-CH" dirty="0" smtClean="0"/>
-              <a:t>Environments for Integration Tests</a:t>
-            </a:r>
-            <a:endParaRPr lang="de-CH" dirty="0" smtClean="0"/>
-          </a:p>
-          <a:p>
-            <a:r>
-              <a:rPr lang="de-CH" dirty="0" smtClean="0"/>
-              <a:t>Quick evaluation of software</a:t>
-            </a:r>
-            <a:endParaRPr lang="de-CH" dirty="0" smtClean="0"/>
-          </a:p>
-          <a:p>
-            <a:r>
-              <a:rPr lang="de-CH" dirty="0" smtClean="0"/>
-              <a:t>Microservices</a:t>
-            </a:r>
-            <a:endParaRPr lang="en-US" dirty="0"/>
-          </a:p>
-        </p:txBody>
-      </p:sp>
-    </p:spTree>
-  </p:cSld>
-  <p:clrMapOvr>
-    <a:masterClrMapping/>
-  </p:clrMapOvr>
-</p:sld>
-</file>
-
-<file path=ppt/slides/slide18.xml><?xml version="1.0" encoding="utf-8"?>
-<p:sld xmlns:a="http://schemas.openxmlformats.org/drawingml/2006/main" xmlns:r="http://schemas.openxmlformats.org/officeDocument/2006/relationships" xmlns:p="http://schemas.openxmlformats.org/presentationml/2006/main">
-  <p:cSld>
-    <p:spTree>
-      <p:nvGrpSpPr>
-        <p:cNvPr id="1" name=""/>
-        <p:cNvGrpSpPr/>
-        <p:nvPr/>
-      </p:nvGrpSpPr>
-      <p:grpSpPr>
-        <a:xfrm>
-          <a:off x="0" y="0"/>
-          <a:ext cx="0" cy="0"/>
-          <a:chOff x="0" y="0"/>
-          <a:chExt cx="0" cy="0"/>
-        </a:xfrm>
-      </p:grpSpPr>
-      <p:sp>
-        <p:nvSpPr>
-          <p:cNvPr id="2" name="Slide Number Placeholder 1"/>
-          <p:cNvSpPr>
-            <a:spLocks noGrp="1"/>
-          </p:cNvSpPr>
-          <p:nvPr>
-            <p:ph type="sldNum" sz="quarter" idx="12"/>
-          </p:nvPr>
-        </p:nvSpPr>
-        <p:spPr/>
-        <p:txBody>
-          <a:bodyPr/>
-          <a:lstStyle/>
-          <a:p>
-            <a:fld id="{1BA865F8-D0B2-3245-A9F6-5F06F5A3A0C6}" type="slidenum">
-              <a:rPr lang="en-US" smtClean="0"/>
-            </a:fld>
-            <a:endParaRPr lang="en-US" dirty="0"/>
-          </a:p>
-        </p:txBody>
-      </p:sp>
-      <p:sp>
-        <p:nvSpPr>
-          <p:cNvPr id="3" name="Text Placeholder 2"/>
-          <p:cNvSpPr>
-            <a:spLocks noGrp="1"/>
-          </p:cNvSpPr>
-          <p:nvPr>
-            <p:ph type="body" sz="quarter" idx="13"/>
-          </p:nvPr>
-        </p:nvSpPr>
-        <p:spPr>
-          <a:xfrm>
-            <a:off x="1011551" y="505719"/>
-            <a:ext cx="6286589" cy="607027"/>
-          </a:xfrm>
-        </p:spPr>
-        <p:txBody>
-          <a:bodyPr/>
-          <a:lstStyle/>
-          <a:p>
-            <a:r>
-              <a:rPr lang="de-CH" dirty="0" smtClean="0"/>
-              <a:t>Documentation</a:t>
-            </a:r>
-            <a:endParaRPr lang="en-US" dirty="0"/>
-          </a:p>
-        </p:txBody>
-      </p:sp>
-      <p:sp>
-        <p:nvSpPr>
-          <p:cNvPr id="4" name="Text Placeholder 3"/>
-          <p:cNvSpPr>
-            <a:spLocks noGrp="1"/>
-          </p:cNvSpPr>
-          <p:nvPr>
-            <p:ph type="body" sz="quarter" idx="14"/>
-          </p:nvPr>
-        </p:nvSpPr>
-        <p:spPr>
-          <a:xfrm>
-            <a:off x="1011551" y="1430539"/>
-            <a:ext cx="7771502" cy="4127950"/>
-          </a:xfrm>
-        </p:spPr>
-        <p:txBody>
-          <a:bodyPr>
-            <a:normAutofit lnSpcReduction="10000"/>
+      <p:sp>
+        <p:nvSpPr>
+          <p:cNvPr id="5" name="Text Box 4"/>
+          <p:cNvSpPr txBox="1"/>
+          <p:nvPr/>
+        </p:nvSpPr>
+        <p:spPr>
+          <a:xfrm>
+            <a:off x="955675" y="3388995"/>
+            <a:ext cx="7232650" cy="368300"/>
+          </a:xfrm>
+          <a:prstGeom prst="rect">
+            <a:avLst/>
+          </a:prstGeom>
+          <a:noFill/>
+        </p:spPr>
+        <p:txBody>
+          <a:bodyPr wrap="none" rtlCol="0" anchor="t">
+            <a:spAutoFit/>
           </a:bodyPr>
-          <a:lstStyle/>
-          <a:p>
-            <a:r>
-              <a:rPr lang="de-CH" dirty="0"/>
-              <a:t>Docker homepage: </a:t>
-            </a:r>
-            <a:r>
-              <a:rPr lang="de-CH" dirty="0" smtClean="0">
-                <a:hlinkClick r:id="rId1"/>
+          <a:p>
+            <a:pPr lvl="1"/>
+            <a:r>
+              <a:rPr lang="de-CH" i="1" dirty="0" smtClean="0">
+                <a:latin typeface="Courier New" panose="02070309020205020404" pitchFamily="49" charset="0"/>
+                <a:cs typeface="Courier New" panose="02070309020205020404" pitchFamily="49" charset="0"/>
+                <a:sym typeface="+mn-ea"/>
               </a:rPr>
-              <a:t>https</a:t>
-            </a:r>
-            <a:r>
-              <a:rPr lang="de-CH" dirty="0">
-                <a:hlinkClick r:id="rId1"/>
-              </a:rPr>
-              <a:t>://www.docker.com</a:t>
-            </a:r>
-            <a:r>
-              <a:rPr lang="de-CH" dirty="0" smtClean="0">
-                <a:hlinkClick r:id="rId1"/>
-              </a:rPr>
-              <a:t>/</a:t>
-            </a:r>
-            <a:endParaRPr lang="de-CH" dirty="0" smtClean="0"/>
-          </a:p>
-          <a:p>
-            <a:pPr lvl="1"/>
-            <a:r>
-              <a:rPr lang="de-CH" dirty="0"/>
-              <a:t>Introduction: </a:t>
-            </a:r>
-            <a:r>
-              <a:rPr lang="de-CH" dirty="0">
-                <a:hlinkClick r:id="rId2"/>
-              </a:rPr>
-              <a:t>https://www.docker.com/whatisdocker</a:t>
-            </a:r>
-            <a:r>
-              <a:rPr lang="de-CH" dirty="0" smtClean="0">
-                <a:hlinkClick r:id="rId2"/>
-              </a:rPr>
-              <a:t>/</a:t>
-            </a:r>
-            <a:r>
-              <a:rPr lang="de-CH" dirty="0" smtClean="0"/>
-              <a:t> </a:t>
-            </a:r>
-            <a:endParaRPr lang="de-CH" dirty="0"/>
-          </a:p>
-          <a:p>
-            <a:pPr lvl="1"/>
-            <a:r>
-              <a:rPr lang="de-CH" dirty="0" smtClean="0"/>
-              <a:t>Online </a:t>
-            </a:r>
-            <a:r>
-              <a:rPr lang="de-CH" dirty="0"/>
-              <a:t>tutorial: </a:t>
-            </a:r>
-            <a:r>
-              <a:rPr lang="de-CH" dirty="0">
-                <a:hlinkClick r:id="rId3"/>
-              </a:rPr>
-              <a:t>https://www.docker.com/tryit</a:t>
-            </a:r>
-            <a:r>
-              <a:rPr lang="de-CH" dirty="0" smtClean="0">
-                <a:hlinkClick r:id="rId3"/>
-              </a:rPr>
-              <a:t>/</a:t>
-            </a:r>
-            <a:endParaRPr lang="de-CH" dirty="0" smtClean="0"/>
-          </a:p>
-          <a:p>
-            <a:pPr lvl="1"/>
-            <a:r>
-              <a:rPr lang="de-CH" dirty="0"/>
-              <a:t>Installation and user guide: </a:t>
-            </a:r>
-            <a:r>
-              <a:rPr lang="de-CH" dirty="0">
-                <a:hlinkClick r:id="rId4"/>
-              </a:rPr>
-              <a:t>https://docs.docker.com</a:t>
-            </a:r>
-            <a:r>
-              <a:rPr lang="de-CH" dirty="0" smtClean="0">
-                <a:hlinkClick r:id="rId4"/>
-              </a:rPr>
-              <a:t>/</a:t>
-            </a:r>
-            <a:endParaRPr lang="de-CH" dirty="0" smtClean="0"/>
-          </a:p>
-          <a:p>
-            <a:endParaRPr lang="de-CH" dirty="0" smtClean="0"/>
-          </a:p>
-          <a:p>
-            <a:pPr lvl="1"/>
-            <a:endParaRPr lang="en-US" dirty="0"/>
+              <a:t>docker run –ti --volumes-from firstContainerName ubuntu</a:t>
+            </a:r>
+            <a:endParaRPr lang="en-US"/>
           </a:p>
         </p:txBody>
       </p:sp>
@@ -5848,6 +6795,886 @@
       </p:par>
     </p:tnLst>
   </p:timing>
+</p:sld>
+</file>
+
+<file path=ppt/slides/slide20.xml><?xml version="1.0" encoding="utf-8"?>
+<p:sld xmlns:a="http://schemas.openxmlformats.org/drawingml/2006/main" xmlns:r="http://schemas.openxmlformats.org/officeDocument/2006/relationships" xmlns:p="http://schemas.openxmlformats.org/presentationml/2006/main">
+  <p:cSld>
+    <p:spTree>
+      <p:nvGrpSpPr>
+        <p:cNvPr id="1" name=""/>
+        <p:cNvGrpSpPr/>
+        <p:nvPr/>
+      </p:nvGrpSpPr>
+      <p:grpSpPr>
+        <a:xfrm>
+          <a:off x="0" y="0"/>
+          <a:ext cx="0" cy="0"/>
+          <a:chOff x="0" y="0"/>
+          <a:chExt cx="0" cy="0"/>
+        </a:xfrm>
+      </p:grpSpPr>
+      <p:pic>
+        <p:nvPicPr>
+          <p:cNvPr id="4" name="Picture 3"/>
+          <p:cNvPicPr>
+            <a:picLocks noChangeAspect="1"/>
+          </p:cNvPicPr>
+          <p:nvPr/>
+        </p:nvPicPr>
+        <p:blipFill>
+          <a:blip r:embed="rId1"/>
+          <a:stretch>
+            <a:fillRect/>
+          </a:stretch>
+        </p:blipFill>
+        <p:spPr>
+          <a:xfrm>
+            <a:off x="1356995" y="991870"/>
+            <a:ext cx="6429375" cy="4467225"/>
+          </a:xfrm>
+          <a:prstGeom prst="rect">
+            <a:avLst/>
+          </a:prstGeom>
+        </p:spPr>
+      </p:pic>
+      <p:sp>
+        <p:nvSpPr>
+          <p:cNvPr id="5" name="Text Box 4"/>
+          <p:cNvSpPr txBox="1"/>
+          <p:nvPr/>
+        </p:nvSpPr>
+        <p:spPr>
+          <a:xfrm>
+            <a:off x="718820" y="262255"/>
+            <a:ext cx="7510145" cy="645160"/>
+          </a:xfrm>
+          <a:prstGeom prst="rect">
+            <a:avLst/>
+          </a:prstGeom>
+          <a:noFill/>
+        </p:spPr>
+        <p:txBody>
+          <a:bodyPr wrap="square" rtlCol="0" anchor="t">
+            <a:spAutoFit/>
+          </a:bodyPr>
+          <a:p>
+            <a:r>
+              <a:rPr lang="en-US" sz="3600" b="1"/>
+              <a:t>Images and layers</a:t>
+            </a:r>
+            <a:endParaRPr lang="en-US" sz="3600" b="1"/>
+          </a:p>
+        </p:txBody>
+      </p:sp>
+      <p:sp>
+        <p:nvSpPr>
+          <p:cNvPr id="6" name="Text Box 5"/>
+          <p:cNvSpPr txBox="1"/>
+          <p:nvPr/>
+        </p:nvSpPr>
+        <p:spPr>
+          <a:xfrm>
+            <a:off x="182880" y="5477510"/>
+            <a:ext cx="8778240" cy="645160"/>
+          </a:xfrm>
+          <a:prstGeom prst="rect">
+            <a:avLst/>
+          </a:prstGeom>
+          <a:noFill/>
+        </p:spPr>
+        <p:txBody>
+          <a:bodyPr wrap="square" rtlCol="0" anchor="t">
+            <a:spAutoFit/>
+          </a:bodyPr>
+          <a:p>
+            <a:r>
+              <a:rPr lang="en-US"/>
+              <a:t>The major difference between a container and an image is the top writable layer</a:t>
+            </a:r>
+            <a:endParaRPr lang="en-US"/>
+          </a:p>
+        </p:txBody>
+      </p:sp>
+    </p:spTree>
+  </p:cSld>
+  <p:clrMapOvr>
+    <a:masterClrMapping/>
+  </p:clrMapOvr>
+</p:sld>
+</file>
+
+<file path=ppt/slides/slide21.xml><?xml version="1.0" encoding="utf-8"?>
+<p:sld xmlns:a="http://schemas.openxmlformats.org/drawingml/2006/main" xmlns:r="http://schemas.openxmlformats.org/officeDocument/2006/relationships" xmlns:p="http://schemas.openxmlformats.org/presentationml/2006/main">
+  <p:cSld>
+    <p:spTree>
+      <p:nvGrpSpPr>
+        <p:cNvPr id="1" name=""/>
+        <p:cNvGrpSpPr/>
+        <p:nvPr/>
+      </p:nvGrpSpPr>
+      <p:grpSpPr>
+        <a:xfrm>
+          <a:off x="0" y="0"/>
+          <a:ext cx="0" cy="0"/>
+          <a:chOff x="0" y="0"/>
+          <a:chExt cx="0" cy="0"/>
+        </a:xfrm>
+      </p:grpSpPr>
+      <p:pic>
+        <p:nvPicPr>
+          <p:cNvPr id="2" name="Picture 1"/>
+          <p:cNvPicPr>
+            <a:picLocks noChangeAspect="1"/>
+          </p:cNvPicPr>
+          <p:nvPr/>
+        </p:nvPicPr>
+        <p:blipFill>
+          <a:blip r:embed="rId1"/>
+          <a:stretch>
+            <a:fillRect/>
+          </a:stretch>
+        </p:blipFill>
+        <p:spPr>
+          <a:xfrm>
+            <a:off x="909955" y="1243330"/>
+            <a:ext cx="7324725" cy="4524375"/>
+          </a:xfrm>
+          <a:prstGeom prst="rect">
+            <a:avLst/>
+          </a:prstGeom>
+        </p:spPr>
+      </p:pic>
+      <p:sp>
+        <p:nvSpPr>
+          <p:cNvPr id="3" name="Text Box 2"/>
+          <p:cNvSpPr txBox="1"/>
+          <p:nvPr/>
+        </p:nvSpPr>
+        <p:spPr>
+          <a:xfrm>
+            <a:off x="2397125" y="5767705"/>
+            <a:ext cx="4349115" cy="245110"/>
+          </a:xfrm>
+          <a:prstGeom prst="rect">
+            <a:avLst/>
+          </a:prstGeom>
+          <a:noFill/>
+        </p:spPr>
+        <p:txBody>
+          <a:bodyPr wrap="square" rtlCol="0" anchor="t">
+            <a:spAutoFit/>
+          </a:bodyPr>
+          <a:p>
+            <a:r>
+              <a:rPr lang="en-US" altLang="en-US" sz="1000" i="1"/>
+              <a:t>M</a:t>
+            </a:r>
+            <a:r>
+              <a:rPr lang="en-US" sz="1000" i="1"/>
+              <a:t>ultiple containers sharing the same Ubuntu 15.04 image</a:t>
+            </a:r>
+            <a:endParaRPr lang="en-US" sz="1000" i="1"/>
+          </a:p>
+        </p:txBody>
+      </p:sp>
+      <p:sp>
+        <p:nvSpPr>
+          <p:cNvPr id="7" name="Text Box 6"/>
+          <p:cNvSpPr txBox="1"/>
+          <p:nvPr/>
+        </p:nvSpPr>
+        <p:spPr>
+          <a:xfrm>
+            <a:off x="909955" y="454660"/>
+            <a:ext cx="6142355" cy="645160"/>
+          </a:xfrm>
+          <a:prstGeom prst="rect">
+            <a:avLst/>
+          </a:prstGeom>
+          <a:noFill/>
+        </p:spPr>
+        <p:txBody>
+          <a:bodyPr wrap="square" rtlCol="0" anchor="t">
+            <a:spAutoFit/>
+          </a:bodyPr>
+          <a:p>
+            <a:r>
+              <a:rPr lang="en-US" sz="3600" b="1"/>
+              <a:t>Container and layers</a:t>
+            </a:r>
+            <a:endParaRPr lang="en-US" sz="3600" b="1"/>
+          </a:p>
+        </p:txBody>
+      </p:sp>
+    </p:spTree>
+  </p:cSld>
+  <p:clrMapOvr>
+    <a:masterClrMapping/>
+  </p:clrMapOvr>
+</p:sld>
+</file>
+
+<file path=ppt/slides/slide22.xml><?xml version="1.0" encoding="utf-8"?>
+<p:sld xmlns:a="http://schemas.openxmlformats.org/drawingml/2006/main" xmlns:r="http://schemas.openxmlformats.org/officeDocument/2006/relationships" xmlns:p="http://schemas.openxmlformats.org/presentationml/2006/main">
+  <p:cSld>
+    <p:spTree>
+      <p:nvGrpSpPr>
+        <p:cNvPr id="1" name=""/>
+        <p:cNvGrpSpPr/>
+        <p:nvPr/>
+      </p:nvGrpSpPr>
+      <p:grpSpPr>
+        <a:xfrm>
+          <a:off x="0" y="0"/>
+          <a:ext cx="0" cy="0"/>
+          <a:chOff x="0" y="0"/>
+          <a:chExt cx="0" cy="0"/>
+        </a:xfrm>
+      </p:grpSpPr>
+      <p:sp>
+        <p:nvSpPr>
+          <p:cNvPr id="2" name="Slide Number Placeholder 1"/>
+          <p:cNvSpPr>
+            <a:spLocks noGrp="1"/>
+          </p:cNvSpPr>
+          <p:nvPr>
+            <p:ph type="sldNum" sz="quarter" idx="12"/>
+          </p:nvPr>
+        </p:nvSpPr>
+        <p:spPr/>
+        <p:txBody>
+          <a:bodyPr/>
+          <a:lstStyle/>
+          <a:p>
+            <a:fld id="{1BA865F8-D0B2-3245-A9F6-5F06F5A3A0C6}" type="slidenum">
+              <a:rPr lang="en-US" smtClean="0"/>
+            </a:fld>
+            <a:endParaRPr lang="en-US" dirty="0"/>
+          </a:p>
+        </p:txBody>
+      </p:sp>
+      <p:pic>
+        <p:nvPicPr>
+          <p:cNvPr id="9" name="Picture 8" descr="Selection_001"/>
+          <p:cNvPicPr>
+            <a:picLocks noChangeAspect="1"/>
+          </p:cNvPicPr>
+          <p:nvPr/>
+        </p:nvPicPr>
+        <p:blipFill>
+          <a:blip r:embed="rId1"/>
+          <a:stretch>
+            <a:fillRect/>
+          </a:stretch>
+        </p:blipFill>
+        <p:spPr>
+          <a:xfrm>
+            <a:off x="9525" y="-14605"/>
+            <a:ext cx="9126220" cy="4443730"/>
+          </a:xfrm>
+          <a:prstGeom prst="rect">
+            <a:avLst/>
+          </a:prstGeom>
+        </p:spPr>
+      </p:pic>
+      <p:sp>
+        <p:nvSpPr>
+          <p:cNvPr id="3" name="Text Box 2"/>
+          <p:cNvSpPr txBox="1"/>
+          <p:nvPr/>
+        </p:nvSpPr>
+        <p:spPr>
+          <a:xfrm>
+            <a:off x="98425" y="4429125"/>
+            <a:ext cx="8947785" cy="1753235"/>
+          </a:xfrm>
+          <a:prstGeom prst="rect">
+            <a:avLst/>
+          </a:prstGeom>
+          <a:noFill/>
+        </p:spPr>
+        <p:txBody>
+          <a:bodyPr wrap="square" rtlCol="0" anchor="t">
+            <a:spAutoFit/>
+          </a:bodyPr>
+          <a:p>
+            <a:pPr marL="285750" indent="-285750">
+              <a:buFont typeface="Arial" panose="02080604020202020204" pitchFamily="34" charset="0"/>
+              <a:buChar char="•"/>
+            </a:pPr>
+            <a:r>
+              <a:rPr lang="en-US"/>
+              <a:t>When we create a new container, we add a new &amp; thin writable layer on top of the underlying stack of layers present in the base docker image.</a:t>
+            </a:r>
+            <a:endParaRPr lang="en-US"/>
+          </a:p>
+          <a:p>
+            <a:pPr marL="285750" indent="-285750">
+              <a:buFont typeface="Arial" panose="02080604020202020204" pitchFamily="34" charset="0"/>
+              <a:buChar char="•"/>
+            </a:pPr>
+            <a:endParaRPr lang="en-US"/>
+          </a:p>
+          <a:p>
+            <a:pPr marL="285750" indent="-285750">
+              <a:buFont typeface="Arial" panose="02080604020202020204" pitchFamily="34" charset="0"/>
+              <a:buChar char="•"/>
+            </a:pPr>
+            <a:r>
+              <a:rPr lang="en-US"/>
+              <a:t>All changes made to the running container, such as creating new files, modifying existing files or deleting files, are written to this thin writable container layer.</a:t>
+            </a:r>
+            <a:endParaRPr lang="en-US"/>
+          </a:p>
+        </p:txBody>
+      </p:sp>
+      <p:sp>
+        <p:nvSpPr>
+          <p:cNvPr id="4" name="Rectangle 3"/>
+          <p:cNvSpPr/>
+          <p:nvPr/>
+        </p:nvSpPr>
+        <p:spPr>
+          <a:xfrm>
+            <a:off x="3017520" y="-14605"/>
+            <a:ext cx="3108960" cy="679450"/>
+          </a:xfrm>
+          <a:prstGeom prst="rect">
+            <a:avLst/>
+          </a:prstGeom>
+          <a:ln>
+            <a:noFill/>
+          </a:ln>
+        </p:spPr>
+        <p:style>
+          <a:lnRef idx="2">
+            <a:schemeClr val="dk1"/>
+          </a:lnRef>
+          <a:fillRef idx="1">
+            <a:schemeClr val="lt1"/>
+          </a:fillRef>
+          <a:effectRef idx="0">
+            <a:schemeClr val="dk1"/>
+          </a:effectRef>
+          <a:fontRef idx="minor">
+            <a:schemeClr val="dk1"/>
+          </a:fontRef>
+        </p:style>
+        <p:txBody>
+          <a:bodyPr/>
+          <a:p>
+            <a:pPr algn="ctr"/>
+            <a:r>
+              <a:rPr lang="en-US" altLang="en-US" sz="3600" b="1"/>
+              <a:t>Filesystem</a:t>
+            </a:r>
+            <a:endParaRPr lang="en-US" altLang="en-US" sz="3600" b="1"/>
+          </a:p>
+        </p:txBody>
+      </p:sp>
+    </p:spTree>
+  </p:cSld>
+  <p:clrMapOvr>
+    <a:masterClrMapping/>
+  </p:clrMapOvr>
+</p:sld>
+</file>
+
+<file path=ppt/slides/slide23.xml><?xml version="1.0" encoding="utf-8"?>
+<p:sld xmlns:a="http://schemas.openxmlformats.org/drawingml/2006/main" xmlns:r="http://schemas.openxmlformats.org/officeDocument/2006/relationships" xmlns:p="http://schemas.openxmlformats.org/presentationml/2006/main">
+  <p:cSld>
+    <p:spTree>
+      <p:nvGrpSpPr>
+        <p:cNvPr id="1" name=""/>
+        <p:cNvGrpSpPr/>
+        <p:nvPr/>
+      </p:nvGrpSpPr>
+      <p:grpSpPr>
+        <a:xfrm>
+          <a:off x="0" y="0"/>
+          <a:ext cx="0" cy="0"/>
+          <a:chOff x="0" y="0"/>
+          <a:chExt cx="0" cy="0"/>
+        </a:xfrm>
+      </p:grpSpPr>
+      <p:sp>
+        <p:nvSpPr>
+          <p:cNvPr id="3" name="Text Box 2"/>
+          <p:cNvSpPr txBox="1"/>
+          <p:nvPr/>
+        </p:nvSpPr>
+        <p:spPr>
+          <a:xfrm>
+            <a:off x="718820" y="310515"/>
+            <a:ext cx="4017645" cy="645160"/>
+          </a:xfrm>
+          <a:prstGeom prst="rect">
+            <a:avLst/>
+          </a:prstGeom>
+          <a:noFill/>
+        </p:spPr>
+        <p:txBody>
+          <a:bodyPr wrap="square" rtlCol="0" anchor="t">
+            <a:spAutoFit/>
+          </a:bodyPr>
+          <a:p>
+            <a:r>
+              <a:rPr lang="en-US" sz="3600" b="1"/>
+              <a:t>Data volumes</a:t>
+            </a:r>
+            <a:endParaRPr lang="en-US" sz="3600" b="1"/>
+          </a:p>
+        </p:txBody>
+      </p:sp>
+      <p:pic>
+        <p:nvPicPr>
+          <p:cNvPr id="4" name="Picture 3"/>
+          <p:cNvPicPr>
+            <a:picLocks noChangeAspect="1"/>
+          </p:cNvPicPr>
+          <p:nvPr/>
+        </p:nvPicPr>
+        <p:blipFill>
+          <a:blip r:embed="rId1"/>
+          <a:stretch>
+            <a:fillRect/>
+          </a:stretch>
+        </p:blipFill>
+        <p:spPr>
+          <a:xfrm>
+            <a:off x="3360420" y="2390140"/>
+            <a:ext cx="5749925" cy="3691890"/>
+          </a:xfrm>
+          <a:prstGeom prst="rect">
+            <a:avLst/>
+          </a:prstGeom>
+        </p:spPr>
+      </p:pic>
+      <p:sp>
+        <p:nvSpPr>
+          <p:cNvPr id="5" name="Text Box 4"/>
+          <p:cNvSpPr txBox="1"/>
+          <p:nvPr/>
+        </p:nvSpPr>
+        <p:spPr>
+          <a:xfrm>
+            <a:off x="514985" y="1107440"/>
+            <a:ext cx="8318500" cy="1476375"/>
+          </a:xfrm>
+          <a:prstGeom prst="rect">
+            <a:avLst/>
+          </a:prstGeom>
+          <a:noFill/>
+        </p:spPr>
+        <p:txBody>
+          <a:bodyPr wrap="square" rtlCol="0" anchor="t">
+            <a:spAutoFit/>
+          </a:bodyPr>
+          <a:p>
+            <a:pPr marL="285750" indent="-285750">
+              <a:buFont typeface="Arial" panose="02080604020202020204" pitchFamily="34" charset="0"/>
+              <a:buChar char="•"/>
+            </a:pPr>
+            <a:r>
+              <a:rPr lang="en-US"/>
+              <a:t>A data volume is a directory or file in the Docker host’s filesystem that is mounted directly into a container</a:t>
+            </a:r>
+            <a:endParaRPr lang="en-US"/>
+          </a:p>
+          <a:p>
+            <a:pPr marL="285750" indent="-285750">
+              <a:buFont typeface="Arial" panose="02080604020202020204" pitchFamily="34" charset="0"/>
+              <a:buChar char="•"/>
+            </a:pPr>
+            <a:r>
+              <a:rPr lang="en-US"/>
+              <a:t>Data volumes are not controlled by the </a:t>
+            </a:r>
+            <a:r>
+              <a:rPr lang="en-US" b="1"/>
+              <a:t>storage driver</a:t>
+            </a:r>
+            <a:r>
+              <a:rPr lang="en-US" altLang="en-US" b="1"/>
+              <a:t>. </a:t>
+            </a:r>
+            <a:r>
+              <a:rPr lang="en-US" altLang="en-US"/>
+              <a:t>Reads and writes to data volumes bypass the storage driver and operate at native host speeds</a:t>
+            </a:r>
+            <a:endParaRPr lang="en-US" altLang="en-US"/>
+          </a:p>
+        </p:txBody>
+      </p:sp>
+      <p:sp>
+        <p:nvSpPr>
+          <p:cNvPr id="6" name="Text Box 5"/>
+          <p:cNvSpPr txBox="1"/>
+          <p:nvPr/>
+        </p:nvSpPr>
+        <p:spPr>
+          <a:xfrm>
+            <a:off x="514985" y="2870200"/>
+            <a:ext cx="2760345" cy="2306955"/>
+          </a:xfrm>
+          <a:prstGeom prst="rect">
+            <a:avLst/>
+          </a:prstGeom>
+          <a:noFill/>
+        </p:spPr>
+        <p:txBody>
+          <a:bodyPr wrap="square" rtlCol="0" anchor="t">
+            <a:spAutoFit/>
+          </a:bodyPr>
+          <a:p>
+            <a:pPr marL="285750" indent="-285750">
+              <a:buFont typeface="Arial" panose="02080604020202020204" pitchFamily="34" charset="0"/>
+              <a:buChar char="•"/>
+            </a:pPr>
+            <a:r>
+              <a:rPr lang="en-US"/>
+              <a:t>You can mount any number of data volumes into a container. Multiple containers can also share one or more data volumes.</a:t>
+            </a:r>
+            <a:endParaRPr lang="en-US"/>
+          </a:p>
+          <a:p>
+            <a:pPr marL="285750" indent="-285750">
+              <a:buFont typeface="Arial" panose="02080604020202020204" pitchFamily="34" charset="0"/>
+              <a:buChar char="•"/>
+            </a:pPr>
+            <a:endParaRPr lang="en-US"/>
+          </a:p>
+        </p:txBody>
+      </p:sp>
+    </p:spTree>
+  </p:cSld>
+  <p:clrMapOvr>
+    <a:masterClrMapping/>
+  </p:clrMapOvr>
+</p:sld>
+</file>
+
+<file path=ppt/slides/slide24.xml><?xml version="1.0" encoding="utf-8"?>
+<p:sld xmlns:a="http://schemas.openxmlformats.org/drawingml/2006/main" xmlns:r="http://schemas.openxmlformats.org/officeDocument/2006/relationships" xmlns:p="http://schemas.openxmlformats.org/presentationml/2006/main">
+  <p:cSld>
+    <p:spTree>
+      <p:nvGrpSpPr>
+        <p:cNvPr id="1" name=""/>
+        <p:cNvGrpSpPr/>
+        <p:nvPr/>
+      </p:nvGrpSpPr>
+      <p:grpSpPr>
+        <a:xfrm>
+          <a:off x="0" y="0"/>
+          <a:ext cx="0" cy="0"/>
+          <a:chOff x="0" y="0"/>
+          <a:chExt cx="0" cy="0"/>
+        </a:xfrm>
+      </p:grpSpPr>
+      <p:sp>
+        <p:nvSpPr>
+          <p:cNvPr id="2" name="Slide Number Placeholder 1"/>
+          <p:cNvSpPr>
+            <a:spLocks noGrp="1"/>
+          </p:cNvSpPr>
+          <p:nvPr>
+            <p:ph type="sldNum" sz="quarter" idx="12"/>
+          </p:nvPr>
+        </p:nvSpPr>
+        <p:spPr/>
+        <p:txBody>
+          <a:bodyPr/>
+          <a:lstStyle/>
+          <a:p>
+            <a:fld id="{1BA865F8-D0B2-3245-A9F6-5F06F5A3A0C6}" type="slidenum">
+              <a:rPr lang="en-US" smtClean="0"/>
+            </a:fld>
+            <a:endParaRPr lang="en-US" dirty="0"/>
+          </a:p>
+        </p:txBody>
+      </p:sp>
+      <p:sp>
+        <p:nvSpPr>
+          <p:cNvPr id="3" name="Text Placeholder 2"/>
+          <p:cNvSpPr>
+            <a:spLocks noGrp="1"/>
+          </p:cNvSpPr>
+          <p:nvPr>
+            <p:ph type="body" sz="quarter" idx="13"/>
+          </p:nvPr>
+        </p:nvSpPr>
+        <p:spPr>
+          <a:xfrm>
+            <a:off x="1011551" y="629544"/>
+            <a:ext cx="6286589" cy="607027"/>
+          </a:xfrm>
+        </p:spPr>
+        <p:txBody>
+          <a:bodyPr/>
+          <a:lstStyle/>
+          <a:p>
+            <a:r>
+              <a:rPr lang="de-CH" dirty="0" smtClean="0"/>
+              <a:t>Docker Use Cases</a:t>
+            </a:r>
+            <a:endParaRPr lang="en-US" dirty="0"/>
+          </a:p>
+        </p:txBody>
+      </p:sp>
+      <p:sp>
+        <p:nvSpPr>
+          <p:cNvPr id="4" name="Text Placeholder 3"/>
+          <p:cNvSpPr>
+            <a:spLocks noGrp="1"/>
+          </p:cNvSpPr>
+          <p:nvPr>
+            <p:ph type="body" sz="quarter" idx="14"/>
+          </p:nvPr>
+        </p:nvSpPr>
+        <p:spPr>
+          <a:xfrm>
+            <a:off x="1011555" y="1677035"/>
+            <a:ext cx="6680200" cy="4091940"/>
+          </a:xfrm>
+        </p:spPr>
+        <p:txBody>
+          <a:bodyPr/>
+          <a:lstStyle/>
+          <a:p>
+            <a:r>
+              <a:rPr lang="de-CH" dirty="0" smtClean="0"/>
+              <a:t>Development Environment</a:t>
+            </a:r>
+            <a:endParaRPr lang="de-CH" dirty="0" smtClean="0"/>
+          </a:p>
+          <a:p>
+            <a:r>
+              <a:rPr lang="de-CH" dirty="0" smtClean="0"/>
+              <a:t>Environments for Integration Tests</a:t>
+            </a:r>
+            <a:endParaRPr lang="de-CH" dirty="0" smtClean="0"/>
+          </a:p>
+          <a:p>
+            <a:r>
+              <a:rPr lang="de-CH" dirty="0" smtClean="0"/>
+              <a:t>Quick evaluation of software</a:t>
+            </a:r>
+            <a:endParaRPr lang="de-CH" dirty="0" smtClean="0"/>
+          </a:p>
+          <a:p>
+            <a:r>
+              <a:rPr lang="de-CH" dirty="0" smtClean="0"/>
+              <a:t>Microservices</a:t>
+            </a:r>
+            <a:endParaRPr lang="en-US" dirty="0"/>
+          </a:p>
+        </p:txBody>
+      </p:sp>
+    </p:spTree>
+  </p:cSld>
+  <p:clrMapOvr>
+    <a:masterClrMapping/>
+  </p:clrMapOvr>
+</p:sld>
+</file>
+
+<file path=ppt/slides/slide25.xml><?xml version="1.0" encoding="utf-8"?>
+<p:sld xmlns:a="http://schemas.openxmlformats.org/drawingml/2006/main" xmlns:r="http://schemas.openxmlformats.org/officeDocument/2006/relationships" xmlns:p="http://schemas.openxmlformats.org/presentationml/2006/main">
+  <p:cSld>
+    <p:spTree>
+      <p:nvGrpSpPr>
+        <p:cNvPr id="1" name=""/>
+        <p:cNvGrpSpPr/>
+        <p:nvPr/>
+      </p:nvGrpSpPr>
+      <p:grpSpPr>
+        <a:xfrm>
+          <a:off x="0" y="0"/>
+          <a:ext cx="0" cy="0"/>
+          <a:chOff x="0" y="0"/>
+          <a:chExt cx="0" cy="0"/>
+        </a:xfrm>
+      </p:grpSpPr>
+      <p:sp>
+        <p:nvSpPr>
+          <p:cNvPr id="2" name="Slide Number Placeholder 1"/>
+          <p:cNvSpPr>
+            <a:spLocks noGrp="1"/>
+          </p:cNvSpPr>
+          <p:nvPr>
+            <p:ph type="sldNum" sz="quarter" idx="12"/>
+          </p:nvPr>
+        </p:nvSpPr>
+        <p:spPr/>
+        <p:txBody>
+          <a:bodyPr/>
+          <a:lstStyle/>
+          <a:p>
+            <a:fld id="{1BA865F8-D0B2-3245-A9F6-5F06F5A3A0C6}" type="slidenum">
+              <a:rPr lang="en-US" smtClean="0"/>
+            </a:fld>
+            <a:endParaRPr lang="en-US" dirty="0"/>
+          </a:p>
+        </p:txBody>
+      </p:sp>
+      <p:sp>
+        <p:nvSpPr>
+          <p:cNvPr id="3" name="Text Placeholder 2"/>
+          <p:cNvSpPr>
+            <a:spLocks noGrp="1"/>
+          </p:cNvSpPr>
+          <p:nvPr>
+            <p:ph type="body" sz="quarter" idx="13"/>
+          </p:nvPr>
+        </p:nvSpPr>
+        <p:spPr>
+          <a:xfrm>
+            <a:off x="1011551" y="505719"/>
+            <a:ext cx="6286589" cy="607027"/>
+          </a:xfrm>
+        </p:spPr>
+        <p:txBody>
+          <a:bodyPr/>
+          <a:lstStyle/>
+          <a:p>
+            <a:r>
+              <a:rPr lang="de-CH" dirty="0" smtClean="0"/>
+              <a:t>Documentation</a:t>
+            </a:r>
+            <a:endParaRPr lang="en-US" dirty="0"/>
+          </a:p>
+        </p:txBody>
+      </p:sp>
+      <p:sp>
+        <p:nvSpPr>
+          <p:cNvPr id="4" name="Text Placeholder 3"/>
+          <p:cNvSpPr>
+            <a:spLocks noGrp="1"/>
+          </p:cNvSpPr>
+          <p:nvPr>
+            <p:ph type="body" sz="quarter" idx="14"/>
+          </p:nvPr>
+        </p:nvSpPr>
+        <p:spPr>
+          <a:xfrm>
+            <a:off x="1011551" y="1430539"/>
+            <a:ext cx="7771502" cy="4127950"/>
+          </a:xfrm>
+        </p:spPr>
+        <p:txBody>
+          <a:bodyPr>
+            <a:normAutofit lnSpcReduction="10000"/>
+          </a:bodyPr>
+          <a:lstStyle/>
+          <a:p>
+            <a:r>
+              <a:rPr lang="de-CH" dirty="0"/>
+              <a:t>Docker homepage: </a:t>
+            </a:r>
+            <a:r>
+              <a:rPr lang="de-CH" dirty="0" smtClean="0">
+                <a:hlinkClick r:id="rId1"/>
+              </a:rPr>
+              <a:t>https</a:t>
+            </a:r>
+            <a:r>
+              <a:rPr lang="de-CH" dirty="0">
+                <a:hlinkClick r:id="rId1"/>
+              </a:rPr>
+              <a:t>://www.docker.com</a:t>
+            </a:r>
+            <a:r>
+              <a:rPr lang="de-CH" dirty="0" smtClean="0">
+                <a:hlinkClick r:id="rId1"/>
+              </a:rPr>
+              <a:t>/</a:t>
+            </a:r>
+            <a:endParaRPr lang="de-CH" dirty="0" smtClean="0"/>
+          </a:p>
+          <a:p>
+            <a:pPr lvl="1"/>
+            <a:r>
+              <a:rPr lang="de-CH" dirty="0"/>
+              <a:t>Introduction: </a:t>
+            </a:r>
+            <a:r>
+              <a:rPr lang="de-CH" dirty="0">
+                <a:hlinkClick r:id="rId2"/>
+              </a:rPr>
+              <a:t>https://www.docker.com/whatisdocker</a:t>
+            </a:r>
+            <a:r>
+              <a:rPr lang="de-CH" dirty="0" smtClean="0">
+                <a:hlinkClick r:id="rId2"/>
+              </a:rPr>
+              <a:t>/</a:t>
+            </a:r>
+            <a:r>
+              <a:rPr lang="de-CH" dirty="0" smtClean="0"/>
+              <a:t> </a:t>
+            </a:r>
+            <a:endParaRPr lang="de-CH" dirty="0"/>
+          </a:p>
+          <a:p>
+            <a:pPr lvl="1"/>
+            <a:r>
+              <a:rPr lang="de-CH" dirty="0" smtClean="0"/>
+              <a:t>Online </a:t>
+            </a:r>
+            <a:r>
+              <a:rPr lang="de-CH" dirty="0"/>
+              <a:t>tutorial: </a:t>
+            </a:r>
+            <a:r>
+              <a:rPr lang="de-CH" dirty="0">
+                <a:hlinkClick r:id="rId3"/>
+              </a:rPr>
+              <a:t>https://www.docker.com/tryit</a:t>
+            </a:r>
+            <a:r>
+              <a:rPr lang="de-CH" dirty="0" smtClean="0">
+                <a:hlinkClick r:id="rId3"/>
+              </a:rPr>
+              <a:t>/</a:t>
+            </a:r>
+            <a:endParaRPr lang="de-CH" dirty="0" smtClean="0"/>
+          </a:p>
+          <a:p>
+            <a:pPr lvl="1"/>
+            <a:r>
+              <a:rPr lang="de-CH" dirty="0"/>
+              <a:t>Installation and user guide: </a:t>
+            </a:r>
+            <a:r>
+              <a:rPr lang="de-CH" dirty="0">
+                <a:hlinkClick r:id="rId4"/>
+              </a:rPr>
+              <a:t>https://docs.docker.com</a:t>
+            </a:r>
+            <a:r>
+              <a:rPr lang="de-CH" dirty="0" smtClean="0">
+                <a:hlinkClick r:id="rId4"/>
+              </a:rPr>
+              <a:t>/</a:t>
+            </a:r>
+            <a:endParaRPr lang="de-CH" dirty="0" smtClean="0"/>
+          </a:p>
+          <a:p>
+            <a:endParaRPr lang="de-CH" dirty="0" smtClean="0"/>
+          </a:p>
+          <a:p>
+            <a:pPr lvl="1"/>
+            <a:endParaRPr lang="en-US" dirty="0"/>
+          </a:p>
+        </p:txBody>
+      </p:sp>
+    </p:spTree>
+  </p:cSld>
+  <p:clrMapOvr>
+    <a:masterClrMapping/>
+  </p:clrMapOvr>
 </p:sld>
 </file>
 
@@ -6132,56 +7959,9 @@
           <a:chExt cx="0" cy="0"/>
         </a:xfrm>
       </p:grpSpPr>
-      <p:sp>
-        <p:nvSpPr>
-          <p:cNvPr id="2" name="Slide Number Placeholder 1"/>
-          <p:cNvSpPr>
-            <a:spLocks noGrp="1"/>
-          </p:cNvSpPr>
-          <p:nvPr>
-            <p:ph type="sldNum" sz="quarter" idx="12"/>
-          </p:nvPr>
-        </p:nvSpPr>
-        <p:spPr/>
-        <p:txBody>
-          <a:bodyPr/>
-          <a:lstStyle/>
-          <a:p>
-            <a:fld id="{1BA865F8-D0B2-3245-A9F6-5F06F5A3A0C6}" type="slidenum">
-              <a:rPr lang="en-US" smtClean="0"/>
-            </a:fld>
-            <a:endParaRPr lang="en-US" dirty="0"/>
-          </a:p>
-        </p:txBody>
-      </p:sp>
-      <p:sp>
-        <p:nvSpPr>
-          <p:cNvPr id="3" name="Text Placeholder 2"/>
-          <p:cNvSpPr>
-            <a:spLocks noGrp="1"/>
-          </p:cNvSpPr>
-          <p:nvPr>
-            <p:ph type="body" sz="quarter" idx="13"/>
-          </p:nvPr>
-        </p:nvSpPr>
-        <p:spPr/>
-        <p:txBody>
-          <a:bodyPr>
-            <a:normAutofit fontScale="77500" lnSpcReduction="20000"/>
-          </a:bodyPr>
-          <a:lstStyle/>
-          <a:p>
-            <a:r>
-              <a:rPr lang="de-CH" dirty="0" smtClean="0"/>
-              <a:t>Docker vs. Virtual Machine</a:t>
-            </a:r>
-            <a:endParaRPr lang="en-US" dirty="0"/>
-          </a:p>
-        </p:txBody>
-      </p:sp>
       <p:pic>
         <p:nvPicPr>
-          <p:cNvPr id="6" name="Picture 5"/>
+          <p:cNvPr id="8" name="Picture 7"/>
           <p:cNvPicPr>
             <a:picLocks noChangeAspect="1"/>
           </p:cNvPicPr>
@@ -6195,17 +7975,62 @@
         </p:blipFill>
         <p:spPr>
           <a:xfrm>
-            <a:off x="4909668" y="1716527"/>
-            <a:ext cx="3305799" cy="3687428"/>
+            <a:off x="4426585" y="3145155"/>
+            <a:ext cx="4500880" cy="2487930"/>
           </a:xfrm>
           <a:prstGeom prst="rect">
             <a:avLst/>
           </a:prstGeom>
         </p:spPr>
       </p:pic>
+      <p:sp>
+        <p:nvSpPr>
+          <p:cNvPr id="2" name="Slide Number Placeholder 1"/>
+          <p:cNvSpPr>
+            <a:spLocks noGrp="1"/>
+          </p:cNvSpPr>
+          <p:nvPr>
+            <p:ph type="sldNum" sz="quarter" idx="12"/>
+          </p:nvPr>
+        </p:nvSpPr>
+        <p:spPr/>
+        <p:txBody>
+          <a:bodyPr/>
+          <a:lstStyle/>
+          <a:p>
+            <a:fld id="{1BA865F8-D0B2-3245-A9F6-5F06F5A3A0C6}" type="slidenum">
+              <a:rPr lang="en-US" smtClean="0"/>
+            </a:fld>
+            <a:endParaRPr lang="en-US" dirty="0"/>
+          </a:p>
+        </p:txBody>
+      </p:sp>
+      <p:sp>
+        <p:nvSpPr>
+          <p:cNvPr id="3" name="Text Placeholder 2"/>
+          <p:cNvSpPr>
+            <a:spLocks noGrp="1"/>
+          </p:cNvSpPr>
+          <p:nvPr>
+            <p:ph type="body" sz="quarter" idx="13"/>
+          </p:nvPr>
+        </p:nvSpPr>
+        <p:spPr/>
+        <p:txBody>
+          <a:bodyPr/>
+          <a:lstStyle/>
+          <a:p>
+            <a:r>
+              <a:rPr lang="de-CH" dirty="0" smtClean="0"/>
+              <a:t>Docker</a:t>
+            </a:r>
+            <a:endParaRPr lang="en-US" dirty="0"/>
+          </a:p>
+        </p:txBody>
+      </p:sp>
       <p:pic>
         <p:nvPicPr>
-          <p:cNvPr id="8" name="Picture 7"/>
+          <p:cNvPr id="5" name="Picture 4"/>
           <p:cNvPicPr>
             <a:picLocks noChangeAspect="1"/>
           </p:cNvPicPr>
@@ -6219,14 +8044,124 @@
         </p:blipFill>
         <p:spPr>
           <a:xfrm>
-            <a:off x="1011551" y="2732552"/>
-            <a:ext cx="3325624" cy="2671403"/>
+            <a:off x="6327140" y="234950"/>
+            <a:ext cx="2599690" cy="1760855"/>
           </a:xfrm>
           <a:prstGeom prst="rect">
             <a:avLst/>
           </a:prstGeom>
         </p:spPr>
       </p:pic>
+      <p:sp>
+        <p:nvSpPr>
+          <p:cNvPr id="7" name="Text Box 6"/>
+          <p:cNvSpPr txBox="1"/>
+          <p:nvPr/>
+        </p:nvSpPr>
+        <p:spPr>
+          <a:xfrm>
+            <a:off x="582295" y="2125345"/>
+            <a:ext cx="4841240" cy="460375"/>
+          </a:xfrm>
+          <a:prstGeom prst="rect">
+            <a:avLst/>
+          </a:prstGeom>
+          <a:noFill/>
+        </p:spPr>
+        <p:txBody>
+          <a:bodyPr wrap="square" rtlCol="0" anchor="t">
+            <a:spAutoFit/>
+          </a:bodyPr>
+          <a:p>
+            <a:r>
+              <a:rPr lang="en-US" sz="2400"/>
+              <a:t>Build Once, Configure Once.</a:t>
+            </a:r>
+            <a:endParaRPr lang="en-US" sz="2400"/>
+          </a:p>
+        </p:txBody>
+      </p:sp>
+      <p:sp>
+        <p:nvSpPr>
+          <p:cNvPr id="10" name="Text Box 9"/>
+          <p:cNvSpPr txBox="1"/>
+          <p:nvPr/>
+        </p:nvSpPr>
+        <p:spPr>
+          <a:xfrm>
+            <a:off x="582295" y="2847975"/>
+            <a:ext cx="4255770" cy="2153285"/>
+          </a:xfrm>
+          <a:prstGeom prst="rect">
+            <a:avLst/>
+          </a:prstGeom>
+          <a:noFill/>
+        </p:spPr>
+        <p:txBody>
+          <a:bodyPr wrap="square" rtlCol="0" anchor="t">
+            <a:spAutoFit/>
+          </a:bodyPr>
+          <a:p>
+            <a:r>
+              <a:rPr lang="en-US" sz="2400">
+                <a:sym typeface="+mn-ea"/>
+              </a:rPr>
+              <a:t>Deploy</a:t>
+            </a:r>
+            <a:endParaRPr lang="en-US" sz="2400"/>
+          </a:p>
+          <a:p>
+            <a:pPr lvl="1"/>
+            <a:r>
+              <a:rPr lang="en-US" sz="2200">
+                <a:sym typeface="+mn-ea"/>
+              </a:rPr>
+              <a:t>Everything*</a:t>
+            </a:r>
+            <a:endParaRPr lang="en-US" sz="2200"/>
+          </a:p>
+          <a:p>
+            <a:pPr lvl="1"/>
+            <a:r>
+              <a:rPr lang="en-US" sz="2200">
+                <a:sym typeface="+mn-ea"/>
+              </a:rPr>
+              <a:t>Everywhere*</a:t>
+            </a:r>
+            <a:endParaRPr lang="en-US" sz="2200"/>
+          </a:p>
+          <a:p>
+            <a:pPr lvl="1"/>
+            <a:r>
+              <a:rPr lang="en-US" sz="2200">
+                <a:sym typeface="+mn-ea"/>
+              </a:rPr>
+              <a:t>Reliably &amp; Consistently</a:t>
+            </a:r>
+            <a:endParaRPr lang="en-US" sz="2200"/>
+          </a:p>
+          <a:p>
+            <a:pPr lvl="1"/>
+            <a:r>
+              <a:rPr lang="en-US" sz="2200">
+                <a:sym typeface="+mn-ea"/>
+              </a:rPr>
+              <a:t>Efficiently</a:t>
+            </a:r>
+            <a:endParaRPr lang="en-US" sz="2200"/>
+          </a:p>
+          <a:p>
+            <a:pPr lvl="1"/>
+            <a:r>
+              <a:rPr lang="en-US" sz="2200">
+                <a:sym typeface="+mn-ea"/>
+              </a:rPr>
+              <a:t>Cheaply</a:t>
+            </a:r>
+            <a:endParaRPr lang="en-US" sz="2200"/>
+          </a:p>
+        </p:txBody>
+      </p:sp>
     </p:spTree>
   </p:cSld>
   <p:clrMapOvr>
@@ -6293,59 +8228,79 @@
         </p:nvSpPr>
         <p:spPr/>
         <p:txBody>
-          <a:bodyPr/>
+          <a:bodyPr>
+            <a:normAutofit fontScale="77500" lnSpcReduction="20000"/>
+          </a:bodyPr>
           <a:lstStyle/>
           <a:p>
             <a:r>
               <a:rPr lang="de-CH" dirty="0" smtClean="0"/>
-              <a:t>Run Platforms</a:t>
+              <a:t>Docker vs. Virtual Machine</a:t>
             </a:r>
             <a:endParaRPr lang="en-US" dirty="0"/>
           </a:p>
         </p:txBody>
       </p:sp>
-      <p:sp>
-        <p:nvSpPr>
-          <p:cNvPr id="4" name="Text Placeholder 3"/>
-          <p:cNvSpPr>
-            <a:spLocks noGrp="1"/>
-          </p:cNvSpPr>
-          <p:nvPr>
-            <p:ph type="body" sz="quarter" idx="14"/>
-          </p:nvPr>
-        </p:nvSpPr>
-        <p:spPr/>
-        <p:txBody>
-          <a:bodyPr/>
-          <a:lstStyle/>
-          <a:p>
-            <a:r>
-              <a:rPr lang="de-CH" dirty="0" smtClean="0"/>
-              <a:t>Various Linux distributions (Ubuntu, Fedora, RHEL, Centos, openSUSE, ...)</a:t>
-            </a:r>
-            <a:endParaRPr lang="de-CH" dirty="0" smtClean="0"/>
-          </a:p>
-          <a:p>
-            <a:r>
-              <a:rPr lang="de-CH" dirty="0" smtClean="0"/>
-              <a:t>Cloud (Amazon EC2, Google Compute Engine, Rackspace)</a:t>
-            </a:r>
-            <a:endParaRPr lang="de-CH" dirty="0" smtClean="0"/>
-          </a:p>
-          <a:p>
-            <a:r>
-              <a:rPr lang="de-CH" dirty="0" smtClean="0"/>
-              <a:t>2014-10: Microsoft announces plans to integrate Docker with next release of Windows Server</a:t>
-            </a:r>
-            <a:endParaRPr lang="en-US" dirty="0"/>
-          </a:p>
-        </p:txBody>
-      </p:sp>
+      <p:pic>
+        <p:nvPicPr>
+          <p:cNvPr id="6" name="Picture 5"/>
+          <p:cNvPicPr>
+            <a:picLocks noChangeAspect="1"/>
+          </p:cNvPicPr>
+          <p:nvPr/>
+        </p:nvPicPr>
+        <p:blipFill>
+          <a:blip r:embed="rId1"/>
+          <a:stretch>
+            <a:fillRect/>
+          </a:stretch>
+        </p:blipFill>
+        <p:spPr>
+          <a:xfrm>
+            <a:off x="4909668" y="1716527"/>
+            <a:ext cx="3305799" cy="3687428"/>
+          </a:xfrm>
+          <a:prstGeom prst="rect">
+            <a:avLst/>
+          </a:prstGeom>
+        </p:spPr>
+      </p:pic>
+      <p:pic>
+        <p:nvPicPr>
+          <p:cNvPr id="8" name="Picture 7"/>
+          <p:cNvPicPr>
+            <a:picLocks noChangeAspect="1"/>
+          </p:cNvPicPr>
+          <p:nvPr/>
+        </p:nvPicPr>
+        <p:blipFill>
+          <a:blip r:embed="rId2"/>
+          <a:stretch>
+            <a:fillRect/>
+          </a:stretch>
+        </p:blipFill>
+        <p:spPr>
+          <a:xfrm>
+            <a:off x="1011551" y="2732552"/>
+            <a:ext cx="3325624" cy="2671403"/>
+          </a:xfrm>
+          <a:prstGeom prst="rect">
+            <a:avLst/>
+          </a:prstGeom>
+        </p:spPr>
+      </p:pic>
     </p:spTree>
   </p:cSld>
   <p:clrMapOvr>
     <a:masterClrMapping/>
   </p:clrMapOvr>
+  <p:timing>
+    <p:tnLst>
+      <p:par>
+        <p:cTn id="1" dur="indefinite" restart="never" nodeType="tmRoot"/>
+      </p:par>
+    </p:tnLst>
+  </p:timing>
 </p:sld>
 </file>
 
@@ -6398,19 +8353,16 @@
             <p:ph type="body" sz="quarter" idx="13"/>
           </p:nvPr>
         </p:nvSpPr>
-        <p:spPr>
-          <a:xfrm>
-            <a:off x="957576" y="439044"/>
-            <a:ext cx="6286589" cy="607027"/>
-          </a:xfrm>
-        </p:spPr>
-        <p:txBody>
-          <a:bodyPr/>
-          <a:lstStyle/>
-          <a:p>
-            <a:r>
-              <a:rPr lang="en-US" dirty="0" smtClean="0"/>
-              <a:t>Docker Engine</a:t>
+        <p:spPr/>
+        <p:txBody>
+          <a:bodyPr>
+            <a:normAutofit fontScale="77500" lnSpcReduction="20000"/>
+          </a:bodyPr>
+          <a:lstStyle/>
+          <a:p>
+            <a:r>
+              <a:rPr lang="de-CH" dirty="0" smtClean="0"/>
+              <a:t>Docker vs. Virtual Machine</a:t>
             </a:r>
             <a:endParaRPr lang="en-US" dirty="0"/>
           </a:p>
@@ -6418,7 +8370,7 @@
       </p:sp>
       <p:pic>
         <p:nvPicPr>
-          <p:cNvPr id="6" name="Picture 5"/>
+          <p:cNvPr id="5" name="Picture 4" descr="Selection_005"/>
           <p:cNvPicPr>
             <a:picLocks noChangeAspect="1"/>
           </p:cNvPicPr>
@@ -6426,15 +8378,14 @@
         </p:nvPicPr>
         <p:blipFill>
           <a:blip r:embed="rId1"/>
-          <a:srcRect t="16620" b="14445"/>
           <a:stretch>
             <a:fillRect/>
           </a:stretch>
         </p:blipFill>
         <p:spPr>
           <a:xfrm>
-            <a:off x="1011555" y="1555115"/>
-            <a:ext cx="7207885" cy="4111625"/>
+            <a:off x="468630" y="1992630"/>
+            <a:ext cx="8206740" cy="4088130"/>
           </a:xfrm>
           <a:prstGeom prst="rect">
             <a:avLst/>
@@ -6446,6 +8397,13 @@
   <p:clrMapOvr>
     <a:masterClrMapping/>
   </p:clrMapOvr>
+  <p:timing>
+    <p:tnLst>
+      <p:par>
+        <p:cTn id="1" dur="indefinite" restart="never" nodeType="tmRoot"/>
+      </p:par>
+    </p:tnLst>
+  </p:timing>
 </p:sld>
 </file>
 
@@ -6498,19 +8456,16 @@
             <p:ph type="body" sz="quarter" idx="13"/>
           </p:nvPr>
         </p:nvSpPr>
-        <p:spPr>
-          <a:xfrm>
-            <a:off x="334641" y="250449"/>
-            <a:ext cx="6286589" cy="607027"/>
-          </a:xfrm>
-        </p:spPr>
-        <p:txBody>
-          <a:bodyPr/>
-          <a:lstStyle/>
-          <a:p>
-            <a:r>
-              <a:rPr lang="en-US" dirty="0" smtClean="0"/>
-              <a:t>Docker Engine</a:t>
+        <p:spPr/>
+        <p:txBody>
+          <a:bodyPr>
+            <a:normAutofit fontScale="77500" lnSpcReduction="20000"/>
+          </a:bodyPr>
+          <a:lstStyle/>
+          <a:p>
+            <a:r>
+              <a:rPr lang="de-CH" dirty="0" smtClean="0"/>
+              <a:t>Docker vs. Virtual Machine</a:t>
             </a:r>
             <a:endParaRPr lang="en-US" dirty="0"/>
           </a:p>
@@ -6518,7 +8473,7 @@
       </p:sp>
       <p:pic>
         <p:nvPicPr>
-          <p:cNvPr id="4" name="Picture 3"/>
+          <p:cNvPr id="7" name="Picture 6" descr="Selection_006"/>
           <p:cNvPicPr>
             <a:picLocks noChangeAspect="1"/>
           </p:cNvPicPr>
@@ -6532,121 +8487,26 @@
         </p:blipFill>
         <p:spPr>
           <a:xfrm>
-            <a:off x="3822700" y="1877695"/>
-            <a:ext cx="5261610" cy="4117340"/>
+            <a:off x="139700" y="1978025"/>
+            <a:ext cx="8907145" cy="4105275"/>
           </a:xfrm>
           <a:prstGeom prst="rect">
             <a:avLst/>
           </a:prstGeom>
         </p:spPr>
       </p:pic>
-      <p:sp>
-        <p:nvSpPr>
-          <p:cNvPr id="5" name="Text Box 4"/>
-          <p:cNvSpPr txBox="1"/>
-          <p:nvPr/>
-        </p:nvSpPr>
-        <p:spPr>
-          <a:xfrm>
-            <a:off x="334645" y="1134110"/>
-            <a:ext cx="9203055" cy="368300"/>
-          </a:xfrm>
-          <a:prstGeom prst="rect">
-            <a:avLst/>
-          </a:prstGeom>
-          <a:noFill/>
-        </p:spPr>
-        <p:txBody>
-          <a:bodyPr wrap="square" rtlCol="0" anchor="t">
-            <a:spAutoFit/>
-          </a:bodyPr>
-          <a:p>
-            <a:r>
-              <a:rPr lang="en-US" altLang="en-US"/>
-              <a:t>Docker Engine is a</a:t>
-            </a:r>
-            <a:r>
-              <a:rPr lang="en-US"/>
-              <a:t> client-server application with these major components:</a:t>
-            </a:r>
-            <a:endParaRPr lang="en-US"/>
-          </a:p>
-        </p:txBody>
-      </p:sp>
-      <p:sp>
-        <p:nvSpPr>
-          <p:cNvPr id="7" name="Text Box 6"/>
-          <p:cNvSpPr txBox="1"/>
-          <p:nvPr/>
-        </p:nvSpPr>
-        <p:spPr>
-          <a:xfrm>
-            <a:off x="334645" y="1788160"/>
-            <a:ext cx="3488055" cy="3969385"/>
-          </a:xfrm>
-          <a:prstGeom prst="rect">
-            <a:avLst/>
-          </a:prstGeom>
-          <a:noFill/>
-        </p:spPr>
-        <p:txBody>
-          <a:bodyPr wrap="square" rtlCol="0" anchor="t">
-            <a:spAutoFit/>
-          </a:bodyPr>
-          <a:p>
-            <a:pPr marL="285750" indent="-285750">
-              <a:buFont typeface="Arial" panose="02080604020202020204" pitchFamily="34" charset="0"/>
-              <a:buChar char="•"/>
-            </a:pPr>
-            <a:r>
-              <a:rPr lang="en-US"/>
-              <a:t>A server which is a type of long-running program called a daemon process (the dockerd command).</a:t>
-            </a:r>
-            <a:endParaRPr lang="en-US"/>
-          </a:p>
-          <a:p>
-            <a:pPr marL="285750" indent="-285750">
-              <a:buFont typeface="Arial" panose="02080604020202020204" pitchFamily="34" charset="0"/>
-              <a:buChar char="•"/>
-            </a:pPr>
-            <a:endParaRPr lang="en-US"/>
-          </a:p>
-          <a:p>
-            <a:pPr marL="285750" indent="-285750">
-              <a:buFont typeface="Arial" panose="02080604020202020204" pitchFamily="34" charset="0"/>
-              <a:buChar char="•"/>
-            </a:pPr>
-            <a:r>
-              <a:rPr lang="en-US"/>
-              <a:t>A REST API which specifies interfaces that programs can use to talk to the daemon and instruct it what to do.</a:t>
-            </a:r>
-            <a:endParaRPr lang="en-US"/>
-          </a:p>
-          <a:p>
-            <a:pPr marL="285750" indent="-285750">
-              <a:buFont typeface="Arial" panose="02080604020202020204" pitchFamily="34" charset="0"/>
-              <a:buChar char="•"/>
-            </a:pPr>
-            <a:endParaRPr lang="en-US"/>
-          </a:p>
-          <a:p>
-            <a:pPr marL="285750" indent="-285750">
-              <a:buFont typeface="Arial" panose="02080604020202020204" pitchFamily="34" charset="0"/>
-              <a:buChar char="•"/>
-            </a:pPr>
-            <a:r>
-              <a:rPr lang="en-US"/>
-              <a:t>A command line interface (CLI) client (the docker command).</a:t>
-            </a:r>
-            <a:endParaRPr lang="en-US"/>
-          </a:p>
-        </p:txBody>
-      </p:sp>
     </p:spTree>
   </p:cSld>
   <p:clrMapOvr>
     <a:masterClrMapping/>
   </p:clrMapOvr>
+  <p:timing>
+    <p:tnLst>
+      <p:par>
+        <p:cTn id="1" dur="indefinite" restart="never" nodeType="tmRoot"/>
+      </p:par>
+    </p:tnLst>
+  </p:timing>
 </p:sld>
 </file>
 
@@ -6706,13 +8566,9 @@
           <a:p>
             <a:r>
               <a:rPr lang="de-CH" dirty="0" smtClean="0"/>
-              <a:t>Hello World </a:t>
-            </a:r>
-            <a:r>
-              <a:rPr lang="en-US" altLang="de-CH" dirty="0" smtClean="0"/>
-              <a:t>(1/2)</a:t>
-            </a:r>
-            <a:endParaRPr lang="en-US" altLang="de-CH" dirty="0" smtClean="0"/>
+              <a:t>Run Platforms</a:t>
+            </a:r>
+            <a:endParaRPr lang="en-US" dirty="0"/>
           </a:p>
         </p:txBody>
       </p:sp>
@@ -6728,63 +8584,39 @@
         </p:nvSpPr>
         <p:spPr>
           <a:xfrm>
-            <a:off x="1011551" y="1923933"/>
-            <a:ext cx="6113626" cy="4087983"/>
-          </a:xfrm>
-        </p:spPr>
-        <p:txBody>
-          <a:bodyPr>
-            <a:normAutofit/>
-          </a:bodyPr>
-          <a:lstStyle/>
-          <a:p>
-            <a:pPr marL="0" indent="0">
-              <a:buNone/>
-            </a:pPr>
-            <a:r>
-              <a:rPr lang="de-CH" b="1" dirty="0" smtClean="0"/>
-              <a:t>Simple Command - Ad-Hoc Container</a:t>
-            </a:r>
-            <a:endParaRPr lang="de-CH" b="1" dirty="0" smtClean="0"/>
-          </a:p>
-          <a:p>
-            <a:pPr marL="0" indent="0">
-              <a:buNone/>
-            </a:pPr>
-            <a:endParaRPr lang="en-US" altLang="de-CH" dirty="0" smtClean="0">
-              <a:latin typeface="Courier 10 Pitch" charset="0"/>
-              <a:cs typeface="Courier 10 Pitch" charset="0"/>
-            </a:endParaRPr>
-          </a:p>
-          <a:p>
-            <a:pPr marL="0" indent="0">
-              <a:buNone/>
-            </a:pPr>
-            <a:r>
-              <a:rPr lang="en-US" altLang="en-US" dirty="0" smtClean="0">
-                <a:latin typeface="Courier 10 Pitch" charset="0"/>
-                <a:cs typeface="Courier 10 Pitch" charset="0"/>
-              </a:rPr>
-              <a:t>	</a:t>
-            </a:r>
-            <a:r>
-              <a:rPr lang="en-US" altLang="de-CH" dirty="0" smtClean="0">
-                <a:latin typeface="Courier 10 Pitch" charset="0"/>
-                <a:cs typeface="Courier 10 Pitch" charset="0"/>
-              </a:rPr>
-              <a:t>docker run hello-worl</a:t>
-            </a:r>
-            <a:r>
-              <a:rPr lang="en-US" altLang="en-US" dirty="0" smtClean="0">
-                <a:latin typeface="Courier 10 Pitch" charset="0"/>
-                <a:cs typeface="Courier 10 Pitch" charset="0"/>
-              </a:rPr>
-              <a:t>d</a:t>
-            </a:r>
-            <a:endParaRPr lang="en-US" altLang="en-US" dirty="0" smtClean="0">
-              <a:latin typeface="Courier 10 Pitch" charset="0"/>
-              <a:cs typeface="Courier 10 Pitch" charset="0"/>
-            </a:endParaRPr>
+            <a:off x="1011555" y="1924050"/>
+            <a:ext cx="7736205" cy="4100195"/>
+          </a:xfrm>
+        </p:spPr>
+        <p:txBody>
+          <a:bodyPr/>
+          <a:lstStyle/>
+          <a:p>
+            <a:r>
+              <a:rPr lang="de-CH" dirty="0" smtClean="0"/>
+              <a:t>Various Linux distributions (Ubuntu, Fedora, RHEL, Centos, openSUSE, ...)</a:t>
+            </a:r>
+            <a:endParaRPr lang="de-CH" dirty="0" smtClean="0"/>
+          </a:p>
+          <a:p>
+            <a:endParaRPr lang="de-CH" dirty="0" smtClean="0"/>
+          </a:p>
+          <a:p>
+            <a:r>
+              <a:rPr lang="de-CH" dirty="0" smtClean="0"/>
+              <a:t>Cloud (Amazon EC2, Google Compute Engine, Rackspace)</a:t>
+            </a:r>
+            <a:endParaRPr lang="de-CH" dirty="0" smtClean="0"/>
+          </a:p>
+          <a:p>
+            <a:endParaRPr lang="de-CH" dirty="0" smtClean="0"/>
+          </a:p>
+          <a:p>
+            <a:r>
+              <a:rPr lang="de-CH" dirty="0" smtClean="0"/>
+              <a:t>2014-10: Microsoft announces plans to integrate Docker with next release of Windows Server</a:t>
+            </a:r>
+            <a:endParaRPr lang="en-US" dirty="0"/>
           </a:p>
         </p:txBody>
       </p:sp>

--- a/docker_present.pptx
+++ b/docker_present.pptx
@@ -8,7 +8,7 @@
     <p:notesMasterId r:id="rId4"/>
   </p:notesMasterIdLst>
   <p:handoutMasterIdLst>
-    <p:handoutMasterId r:id="rId29"/>
+    <p:handoutMasterId r:id="rId30"/>
   </p:handoutMasterIdLst>
   <p:sldIdLst>
     <p:sldId id="256" r:id="rId3"/>
@@ -22,20 +22,21 @@
     <p:sldId id="262" r:id="rId12"/>
     <p:sldId id="293" r:id="rId13"/>
     <p:sldId id="294" r:id="rId14"/>
-    <p:sldId id="264" r:id="rId15"/>
-    <p:sldId id="303" r:id="rId16"/>
-    <p:sldId id="274" r:id="rId17"/>
-    <p:sldId id="277" r:id="rId18"/>
-    <p:sldId id="278" r:id="rId19"/>
-    <p:sldId id="268" r:id="rId20"/>
-    <p:sldId id="305" r:id="rId21"/>
-    <p:sldId id="266" r:id="rId22"/>
-    <p:sldId id="333" r:id="rId23"/>
-    <p:sldId id="334" r:id="rId24"/>
-    <p:sldId id="314" r:id="rId25"/>
-    <p:sldId id="313" r:id="rId26"/>
-    <p:sldId id="281" r:id="rId27"/>
-    <p:sldId id="276" r:id="rId28"/>
+    <p:sldId id="339" r:id="rId15"/>
+    <p:sldId id="264" r:id="rId16"/>
+    <p:sldId id="303" r:id="rId17"/>
+    <p:sldId id="274" r:id="rId18"/>
+    <p:sldId id="277" r:id="rId19"/>
+    <p:sldId id="278" r:id="rId20"/>
+    <p:sldId id="268" r:id="rId21"/>
+    <p:sldId id="305" r:id="rId22"/>
+    <p:sldId id="266" r:id="rId23"/>
+    <p:sldId id="333" r:id="rId24"/>
+    <p:sldId id="334" r:id="rId25"/>
+    <p:sldId id="314" r:id="rId26"/>
+    <p:sldId id="313" r:id="rId27"/>
+    <p:sldId id="281" r:id="rId28"/>
+    <p:sldId id="276" r:id="rId29"/>
   </p:sldIdLst>
   <p:sldSz cx="9144000" cy="6858000" type="screen4x3"/>
   <p:notesSz cx="6858000" cy="9144000"/>
@@ -773,14 +774,10 @@
           <a:bodyPr/>
           <a:lstStyle/>
           <a:p>
-            <a:r>
-              <a:rPr lang="de-CH" dirty="0" smtClean="0"/>
-              <a:t>docker run</a:t>
-            </a:r>
-            <a:r>
-              <a:rPr lang="de-CH" baseline="0" dirty="0" smtClean="0"/>
-              <a:t> --rm to remove container after termination</a:t>
-            </a:r>
+            <a:pPr indent="0">
+              <a:buFont typeface="Arial" panose="02080604020202020204" pitchFamily="34" charset="0"/>
+              <a:buNone/>
+            </a:pPr>
             <a:endParaRPr lang="en-US" dirty="0"/>
           </a:p>
         </p:txBody>
@@ -860,99 +857,14 @@
           <a:lstStyle/>
           <a:p>
             <a:r>
-              <a:rPr lang="en-US" altLang="en-US" dirty="0"/>
-              <a:t>~: cat app.js</a:t>
-            </a:r>
-            <a:endParaRPr lang="en-US" altLang="en-US" dirty="0"/>
-          </a:p>
-          <a:p>
-            <a:r>
-              <a:rPr lang="en-US" altLang="en-US" dirty="0"/>
-              <a:t># starts up an HTTP server on port 8080</a:t>
-            </a:r>
-            <a:endParaRPr lang="en-US" altLang="en-US" dirty="0"/>
-          </a:p>
-          <a:p>
-            <a:endParaRPr lang="en-US" altLang="en-US" dirty="0"/>
-          </a:p>
-          <a:p>
-            <a:r>
-              <a:rPr lang="en-US" altLang="en-US" dirty="0"/>
-              <a:t>const http = require('http');</a:t>
-            </a:r>
-            <a:endParaRPr lang="en-US" altLang="en-US" dirty="0"/>
-          </a:p>
-          <a:p>
-            <a:r>
-              <a:rPr lang="en-US" altLang="en-US" dirty="0"/>
-              <a:t>const os = require('os');</a:t>
-            </a:r>
-            <a:endParaRPr lang="en-US" altLang="en-US" dirty="0"/>
-          </a:p>
-          <a:p>
-            <a:endParaRPr lang="en-US" altLang="en-US" dirty="0"/>
-          </a:p>
-          <a:p>
-            <a:r>
-              <a:rPr lang="en-US" altLang="en-US" dirty="0"/>
-              <a:t>console.log("Kubia server starting...");</a:t>
-            </a:r>
-            <a:endParaRPr lang="en-US" altLang="en-US" dirty="0"/>
-          </a:p>
-          <a:p>
-            <a:endParaRPr lang="en-US" altLang="en-US" dirty="0"/>
-          </a:p>
-          <a:p>
-            <a:r>
-              <a:rPr lang="en-US" altLang="en-US" dirty="0"/>
-              <a:t>var handler = function(request, response) {</a:t>
-            </a:r>
-            <a:endParaRPr lang="en-US" altLang="en-US" dirty="0"/>
-          </a:p>
-          <a:p>
-            <a:r>
-              <a:rPr lang="en-US" altLang="en-US" dirty="0"/>
-              <a:t>	console.log("Received request from " + request.connection.remoteAddress);</a:t>
-            </a:r>
-            <a:endParaRPr lang="en-US" altLang="en-US" dirty="0"/>
-          </a:p>
-          <a:p>
-            <a:r>
-              <a:rPr lang="en-US" altLang="en-US" dirty="0"/>
-              <a:t>	response.writeHead(200);</a:t>
-            </a:r>
-            <a:endParaRPr lang="en-US" altLang="en-US" dirty="0"/>
-          </a:p>
-          <a:p>
-            <a:r>
-              <a:rPr lang="en-US" altLang="en-US" dirty="0"/>
-              <a:t>	response.end("You've hit " + os.hostname() + "\n");</a:t>
-            </a:r>
-            <a:endParaRPr lang="en-US" altLang="en-US" dirty="0"/>
-          </a:p>
-          <a:p>
-            <a:r>
-              <a:rPr lang="en-US" altLang="en-US" dirty="0"/>
-              <a:t>};</a:t>
-            </a:r>
-            <a:endParaRPr lang="en-US" altLang="en-US" dirty="0"/>
-          </a:p>
-          <a:p>
-            <a:endParaRPr lang="en-US" altLang="en-US" dirty="0"/>
-          </a:p>
-          <a:p>
-            <a:r>
-              <a:rPr lang="en-US" altLang="en-US" dirty="0"/>
-              <a:t>var www = http.createServer(handler);</a:t>
-            </a:r>
-            <a:endParaRPr lang="en-US" altLang="en-US" dirty="0"/>
-          </a:p>
-          <a:p>
-            <a:r>
-              <a:rPr lang="en-US" altLang="en-US" dirty="0"/>
-              <a:t>www.listen(8080);</a:t>
-            </a:r>
-            <a:endParaRPr lang="en-US" altLang="en-US" dirty="0"/>
+              <a:rPr lang="de-CH" dirty="0" smtClean="0"/>
+              <a:t>docker run</a:t>
+            </a:r>
+            <a:r>
+              <a:rPr lang="de-CH" baseline="0" dirty="0" smtClean="0"/>
+              <a:t> --rm to remove container after termination</a:t>
+            </a:r>
+            <a:endParaRPr lang="en-US" dirty="0"/>
           </a:p>
         </p:txBody>
       </p:sp>
@@ -1030,6 +942,99 @@
           <a:bodyPr/>
           <a:lstStyle/>
           <a:p>
+            <a:r>
+              <a:rPr lang="en-US" altLang="en-US" dirty="0"/>
+              <a:t>~: cat app.js</a:t>
+            </a:r>
+            <a:endParaRPr lang="en-US" altLang="en-US" dirty="0"/>
+          </a:p>
+          <a:p>
+            <a:r>
+              <a:rPr lang="en-US" altLang="en-US" dirty="0"/>
+              <a:t># starts up an HTTP server on port 8080</a:t>
+            </a:r>
+            <a:endParaRPr lang="en-US" altLang="en-US" dirty="0"/>
+          </a:p>
+          <a:p>
+            <a:endParaRPr lang="en-US" altLang="en-US" dirty="0"/>
+          </a:p>
+          <a:p>
+            <a:r>
+              <a:rPr lang="en-US" altLang="en-US" dirty="0"/>
+              <a:t>const http = require('http');</a:t>
+            </a:r>
+            <a:endParaRPr lang="en-US" altLang="en-US" dirty="0"/>
+          </a:p>
+          <a:p>
+            <a:r>
+              <a:rPr lang="en-US" altLang="en-US" dirty="0"/>
+              <a:t>const os = require('os');</a:t>
+            </a:r>
+            <a:endParaRPr lang="en-US" altLang="en-US" dirty="0"/>
+          </a:p>
+          <a:p>
+            <a:endParaRPr lang="en-US" altLang="en-US" dirty="0"/>
+          </a:p>
+          <a:p>
+            <a:r>
+              <a:rPr lang="en-US" altLang="en-US" dirty="0"/>
+              <a:t>console.log("Kubia server starting...");</a:t>
+            </a:r>
+            <a:endParaRPr lang="en-US" altLang="en-US" dirty="0"/>
+          </a:p>
+          <a:p>
+            <a:endParaRPr lang="en-US" altLang="en-US" dirty="0"/>
+          </a:p>
+          <a:p>
+            <a:r>
+              <a:rPr lang="en-US" altLang="en-US" dirty="0"/>
+              <a:t>var handler = function(request, response) {</a:t>
+            </a:r>
+            <a:endParaRPr lang="en-US" altLang="en-US" dirty="0"/>
+          </a:p>
+          <a:p>
+            <a:r>
+              <a:rPr lang="en-US" altLang="en-US" dirty="0"/>
+              <a:t>	console.log("Received request from " + request.connection.remoteAddress);</a:t>
+            </a:r>
+            <a:endParaRPr lang="en-US" altLang="en-US" dirty="0"/>
+          </a:p>
+          <a:p>
+            <a:r>
+              <a:rPr lang="en-US" altLang="en-US" dirty="0"/>
+              <a:t>	response.writeHead(200);</a:t>
+            </a:r>
+            <a:endParaRPr lang="en-US" altLang="en-US" dirty="0"/>
+          </a:p>
+          <a:p>
+            <a:r>
+              <a:rPr lang="en-US" altLang="en-US" dirty="0"/>
+              <a:t>	response.end("You've hit " + os.hostname() + "\n");</a:t>
+            </a:r>
+            <a:endParaRPr lang="en-US" altLang="en-US" dirty="0"/>
+          </a:p>
+          <a:p>
+            <a:r>
+              <a:rPr lang="en-US" altLang="en-US" dirty="0"/>
+              <a:t>};</a:t>
+            </a:r>
+            <a:endParaRPr lang="en-US" altLang="en-US" dirty="0"/>
+          </a:p>
+          <a:p>
+            <a:endParaRPr lang="en-US" altLang="en-US" dirty="0"/>
+          </a:p>
+          <a:p>
+            <a:r>
+              <a:rPr lang="en-US" altLang="en-US" dirty="0"/>
+              <a:t>var www = http.createServer(handler);</a:t>
+            </a:r>
+            <a:endParaRPr lang="en-US" altLang="en-US" dirty="0"/>
+          </a:p>
+          <a:p>
+            <a:r>
+              <a:rPr lang="en-US" altLang="en-US" dirty="0"/>
+              <a:t>www.listen(8080);</a:t>
+            </a:r>
             <a:endParaRPr lang="en-US" altLang="en-US" dirty="0"/>
           </a:p>
         </p:txBody>
@@ -1108,7 +1113,7 @@
           <a:bodyPr/>
           <a:lstStyle/>
           <a:p>
-            <a:endParaRPr lang="en-US" dirty="0"/>
+            <a:endParaRPr lang="en-US" altLang="en-US" dirty="0"/>
           </a:p>
         </p:txBody>
       </p:sp>
@@ -1454,6 +1459,84 @@
 </p:notes>
 </file>
 
+<file path=ppt/notesSlides/notesSlide18.xml><?xml version="1.0" encoding="utf-8"?>
+<p:notes xmlns:a="http://schemas.openxmlformats.org/drawingml/2006/main" xmlns:r="http://schemas.openxmlformats.org/officeDocument/2006/relationships" xmlns:p="http://schemas.openxmlformats.org/presentationml/2006/main">
+  <p:cSld>
+    <p:spTree>
+      <p:nvGrpSpPr>
+        <p:cNvPr id="1" name=""/>
+        <p:cNvGrpSpPr/>
+        <p:nvPr/>
+      </p:nvGrpSpPr>
+      <p:grpSpPr>
+        <a:xfrm>
+          <a:off x="0" y="0"/>
+          <a:ext cx="0" cy="0"/>
+          <a:chOff x="0" y="0"/>
+          <a:chExt cx="0" cy="0"/>
+        </a:xfrm>
+      </p:grpSpPr>
+      <p:sp>
+        <p:nvSpPr>
+          <p:cNvPr id="2" name="Slide Image Placeholder 1"/>
+          <p:cNvSpPr>
+            <a:spLocks noGrp="1" noRot="1" noChangeAspect="1"/>
+          </p:cNvSpPr>
+          <p:nvPr>
+            <p:ph type="sldImg"/>
+          </p:nvPr>
+        </p:nvSpPr>
+        <p:spPr/>
+      </p:sp>
+      <p:sp>
+        <p:nvSpPr>
+          <p:cNvPr id="3" name="Notes Placeholder 2"/>
+          <p:cNvSpPr>
+            <a:spLocks noGrp="1"/>
+          </p:cNvSpPr>
+          <p:nvPr>
+            <p:ph type="body" idx="1"/>
+          </p:nvPr>
+        </p:nvSpPr>
+        <p:spPr/>
+        <p:txBody>
+          <a:bodyPr/>
+          <a:lstStyle/>
+          <a:p>
+            <a:endParaRPr lang="en-US" dirty="0"/>
+          </a:p>
+        </p:txBody>
+      </p:sp>
+      <p:sp>
+        <p:nvSpPr>
+          <p:cNvPr id="4" name="Slide Number Placeholder 3"/>
+          <p:cNvSpPr>
+            <a:spLocks noGrp="1"/>
+          </p:cNvSpPr>
+          <p:nvPr>
+            <p:ph type="sldNum" sz="quarter" idx="10"/>
+          </p:nvPr>
+        </p:nvSpPr>
+        <p:spPr/>
+        <p:txBody>
+          <a:bodyPr/>
+          <a:lstStyle/>
+          <a:p>
+            <a:fld id="{52E27252-EF20-D744-8857-623D53E3D728}" type="slidenum">
+              <a:rPr lang="en-US" smtClean="0"/>
+            </a:fld>
+            <a:endParaRPr lang="en-US"/>
+          </a:p>
+        </p:txBody>
+      </p:sp>
+    </p:spTree>
+  </p:cSld>
+  <p:clrMapOvr>
+    <a:masterClrMapping/>
+  </p:clrMapOvr>
+</p:notes>
+</file>
+
 <file path=ppt/notesSlides/notesSlide2.xml><?xml version="1.0" encoding="utf-8"?>
 <p:notes xmlns:a="http://schemas.openxmlformats.org/drawingml/2006/main" xmlns:r="http://schemas.openxmlformats.org/officeDocument/2006/relationships" xmlns:p="http://schemas.openxmlformats.org/presentationml/2006/main">
   <p:cSld>
@@ -2458,85 +2541,18 @@
           <a:bodyPr/>
           <a:lstStyle/>
           <a:p>
-            <a:pPr marL="171450" indent="-171450">
-              <a:buFont typeface="Arial" panose="02080604020202020204" pitchFamily="34" charset="0"/>
-              <a:buChar char="•"/>
-            </a:pPr>
             <a:r>
               <a:rPr lang="de-CH" dirty="0" smtClean="0"/>
-              <a:t>Immediately</a:t>
-            </a:r>
-            <a:r>
-              <a:rPr lang="de-CH" baseline="0" dirty="0" smtClean="0"/>
-              <a:t> exits</a:t>
-            </a:r>
-            <a:endParaRPr lang="de-CH" baseline="0" dirty="0" smtClean="0"/>
-          </a:p>
-          <a:p>
-            <a:pPr marL="628650" lvl="1" indent="-171450">
-              <a:buFont typeface="Arial" panose="02080604020202020204" pitchFamily="34" charset="0"/>
-              <a:buChar char="•"/>
-            </a:pPr>
-            <a:r>
-              <a:rPr lang="de-CH" baseline="0" dirty="0" smtClean="0"/>
-              <a:t>docker ps</a:t>
-            </a:r>
-            <a:endParaRPr lang="de-CH" baseline="0" dirty="0" smtClean="0"/>
-          </a:p>
-          <a:p>
-            <a:pPr marL="628650" lvl="1" indent="-171450">
-              <a:buFont typeface="Arial" panose="02080604020202020204" pitchFamily="34" charset="0"/>
-              <a:buChar char="•"/>
-            </a:pPr>
-            <a:r>
-              <a:rPr lang="de-CH" baseline="0" dirty="0" smtClean="0"/>
-              <a:t>docker ps –a</a:t>
-            </a:r>
-            <a:endParaRPr lang="de-CH" baseline="0" dirty="0" smtClean="0"/>
-          </a:p>
-          <a:p>
-            <a:pPr marL="1085850" lvl="2" indent="-171450">
-              <a:buFont typeface="Arial" panose="02080604020202020204" pitchFamily="34" charset="0"/>
-              <a:buChar char="•"/>
-            </a:pPr>
-            <a:r>
-              <a:rPr lang="de-CH" baseline="0" dirty="0" smtClean="0"/>
-              <a:t>Re-attach: docker start –i stoic_wozniak</a:t>
-            </a:r>
-            <a:endParaRPr lang="de-CH" baseline="0" dirty="0" smtClean="0"/>
-          </a:p>
-          <a:p>
-            <a:pPr marL="628650" lvl="1" indent="-171450">
-              <a:buFont typeface="Arial" panose="02080604020202020204" pitchFamily="34" charset="0"/>
-              <a:buChar char="•"/>
-            </a:pPr>
-            <a:r>
-              <a:rPr lang="de-CH" baseline="0" dirty="0" smtClean="0"/>
-              <a:t>docker commit –m «message» containerId imageName(e.g. mytest/test1:1.0)</a:t>
-            </a:r>
-            <a:endParaRPr lang="de-CH" baseline="0" dirty="0" smtClean="0"/>
-          </a:p>
-          <a:p>
-            <a:pPr marL="1085850" lvl="2" indent="-171450">
-              <a:buFont typeface="Arial" panose="02080604020202020204" pitchFamily="34" charset="0"/>
-              <a:buChar char="•"/>
-            </a:pPr>
-            <a:r>
-              <a:rPr lang="de-CH" baseline="0" dirty="0" smtClean="0"/>
-              <a:t>New Image</a:t>
-            </a:r>
-            <a:endParaRPr lang="de-CH" baseline="0" dirty="0" smtClean="0"/>
-          </a:p>
-          <a:p>
-            <a:pPr marL="628650" lvl="1" indent="-171450">
-              <a:buFont typeface="Arial" panose="02080604020202020204" pitchFamily="34" charset="0"/>
-              <a:buChar char="•"/>
-            </a:pPr>
-            <a:r>
-              <a:rPr lang="de-CH" baseline="0" dirty="0" smtClean="0"/>
-              <a:t>docker images</a:t>
-            </a:r>
-            <a:endParaRPr lang="en-US" dirty="0"/>
+              <a:t># listen using the default unix socket, and on 2 specific IP addresses on this host.</a:t>
+            </a:r>
+            <a:endParaRPr lang="de-CH" dirty="0" smtClean="0"/>
+          </a:p>
+          <a:p>
+            <a:r>
+              <a:rPr lang="de-CH" dirty="0" smtClean="0"/>
+              <a:t>$ sudo dockerd -H unix:///var/run/docker.sock -H tcp://192.168.59.106 -H tcp://10.10.10.2</a:t>
+            </a:r>
+            <a:endParaRPr lang="de-CH" dirty="0" smtClean="0"/>
           </a:p>
         </p:txBody>
       </p:sp>
@@ -2614,10 +2630,84 @@
           <a:bodyPr/>
           <a:lstStyle/>
           <a:p>
-            <a:pPr indent="0">
+            <a:pPr marL="171450" indent="-171450">
               <a:buFont typeface="Arial" panose="02080604020202020204" pitchFamily="34" charset="0"/>
-              <a:buNone/>
+              <a:buChar char="•"/>
             </a:pPr>
+            <a:r>
+              <a:rPr lang="de-CH" dirty="0" smtClean="0"/>
+              <a:t>Immediately</a:t>
+            </a:r>
+            <a:r>
+              <a:rPr lang="de-CH" baseline="0" dirty="0" smtClean="0"/>
+              <a:t> exits</a:t>
+            </a:r>
+            <a:endParaRPr lang="de-CH" baseline="0" dirty="0" smtClean="0"/>
+          </a:p>
+          <a:p>
+            <a:pPr marL="628650" lvl="1" indent="-171450">
+              <a:buFont typeface="Arial" panose="02080604020202020204" pitchFamily="34" charset="0"/>
+              <a:buChar char="•"/>
+            </a:pPr>
+            <a:r>
+              <a:rPr lang="de-CH" baseline="0" dirty="0" smtClean="0"/>
+              <a:t>docker ps</a:t>
+            </a:r>
+            <a:endParaRPr lang="de-CH" baseline="0" dirty="0" smtClean="0"/>
+          </a:p>
+          <a:p>
+            <a:pPr marL="628650" lvl="1" indent="-171450">
+              <a:buFont typeface="Arial" panose="02080604020202020204" pitchFamily="34" charset="0"/>
+              <a:buChar char="•"/>
+            </a:pPr>
+            <a:r>
+              <a:rPr lang="de-CH" baseline="0" dirty="0" smtClean="0"/>
+              <a:t>docker ps –a</a:t>
+            </a:r>
+            <a:endParaRPr lang="de-CH" baseline="0" dirty="0" smtClean="0"/>
+          </a:p>
+          <a:p>
+            <a:pPr marL="1085850" lvl="2" indent="-171450">
+              <a:buFont typeface="Arial" panose="02080604020202020204" pitchFamily="34" charset="0"/>
+              <a:buChar char="•"/>
+            </a:pPr>
+            <a:r>
+              <a:rPr lang="de-CH" baseline="0" dirty="0" smtClean="0"/>
+              <a:t>Re-attach: docker start –i stoic_wozniak</a:t>
+            </a:r>
+            <a:endParaRPr lang="de-CH" baseline="0" dirty="0" smtClean="0"/>
+          </a:p>
+          <a:p>
+            <a:pPr marL="628650" lvl="1" indent="-171450">
+              <a:buFont typeface="Arial" panose="02080604020202020204" pitchFamily="34" charset="0"/>
+              <a:buChar char="•"/>
+            </a:pPr>
+            <a:r>
+              <a:rPr lang="de-CH" baseline="0" dirty="0" smtClean="0"/>
+              <a:t>docker commit –m «message» containerId imageName(e.g. mytest/test1:1.0)</a:t>
+            </a:r>
+            <a:endParaRPr lang="de-CH" baseline="0" dirty="0" smtClean="0"/>
+          </a:p>
+          <a:p>
+            <a:pPr marL="1085850" lvl="2" indent="-171450">
+              <a:buFont typeface="Arial" panose="02080604020202020204" pitchFamily="34" charset="0"/>
+              <a:buChar char="•"/>
+            </a:pPr>
+            <a:r>
+              <a:rPr lang="de-CH" baseline="0" dirty="0" smtClean="0"/>
+              <a:t>New Image</a:t>
+            </a:r>
+            <a:endParaRPr lang="de-CH" baseline="0" dirty="0" smtClean="0"/>
+          </a:p>
+          <a:p>
+            <a:pPr marL="628650" lvl="1" indent="-171450">
+              <a:buFont typeface="Arial" panose="02080604020202020204" pitchFamily="34" charset="0"/>
+              <a:buChar char="•"/>
+            </a:pPr>
+            <a:r>
+              <a:rPr lang="de-CH" baseline="0" dirty="0" smtClean="0"/>
+              <a:t>docker images</a:t>
+            </a:r>
             <a:endParaRPr lang="en-US" dirty="0"/>
           </a:p>
         </p:txBody>
@@ -4393,89 +4483,212 @@
             <p:ph type="body" sz="quarter" idx="13"/>
           </p:nvPr>
         </p:nvSpPr>
-        <p:spPr/>
+        <p:spPr>
+          <a:xfrm>
+            <a:off x="334645" y="250190"/>
+            <a:ext cx="8749665" cy="607060"/>
+          </a:xfrm>
+        </p:spPr>
         <p:txBody>
           <a:bodyPr/>
           <a:lstStyle/>
           <a:p>
             <a:r>
-              <a:rPr lang="de-CH" dirty="0" smtClean="0"/>
-              <a:t>Hello World </a:t>
-            </a:r>
-            <a:r>
-              <a:rPr lang="en-US" altLang="de-CH" dirty="0" smtClean="0"/>
-              <a:t>(1/2)</a:t>
-            </a:r>
-            <a:endParaRPr lang="en-US" altLang="de-CH" dirty="0" smtClean="0"/>
-          </a:p>
-        </p:txBody>
-      </p:sp>
-      <p:sp>
-        <p:nvSpPr>
-          <p:cNvPr id="4" name="Text Placeholder 3"/>
-          <p:cNvSpPr>
-            <a:spLocks noGrp="1"/>
-          </p:cNvSpPr>
-          <p:nvPr>
-            <p:ph type="body" sz="quarter" idx="14"/>
-          </p:nvPr>
-        </p:nvSpPr>
-        <p:spPr>
-          <a:xfrm>
-            <a:off x="1011551" y="1923933"/>
-            <a:ext cx="6113626" cy="4087983"/>
-          </a:xfrm>
-        </p:spPr>
-        <p:txBody>
-          <a:bodyPr>
-            <a:normAutofit/>
+              <a:rPr lang="en-US" sz="2800" dirty="0" smtClean="0"/>
+              <a:t>How the Client Talks to the Docker Host</a:t>
+            </a:r>
+            <a:endParaRPr lang="en-US" sz="2800" dirty="0" smtClean="0"/>
+          </a:p>
+        </p:txBody>
+      </p:sp>
+      <p:pic>
+        <p:nvPicPr>
+          <p:cNvPr id="6" name="Picture 5"/>
+          <p:cNvPicPr>
+            <a:picLocks noChangeAspect="1"/>
+          </p:cNvPicPr>
+          <p:nvPr/>
+        </p:nvPicPr>
+        <p:blipFill>
+          <a:blip r:embed="rId1"/>
+          <a:stretch>
+            <a:fillRect/>
+          </a:stretch>
+        </p:blipFill>
+        <p:spPr>
+          <a:xfrm>
+            <a:off x="1009650" y="2303780"/>
+            <a:ext cx="7124700" cy="3752215"/>
+          </a:xfrm>
+          <a:prstGeom prst="rect">
+            <a:avLst/>
+          </a:prstGeom>
+        </p:spPr>
+      </p:pic>
+      <p:sp>
+        <p:nvSpPr>
+          <p:cNvPr id="8" name="Text Box 7"/>
+          <p:cNvSpPr txBox="1"/>
+          <p:nvPr/>
+        </p:nvSpPr>
+        <p:spPr>
+          <a:xfrm>
+            <a:off x="6295390" y="1473835"/>
+            <a:ext cx="2712720" cy="829945"/>
+          </a:xfrm>
+          <a:prstGeom prst="rect">
+            <a:avLst/>
+          </a:prstGeom>
+          <a:noFill/>
+        </p:spPr>
+        <p:txBody>
+          <a:bodyPr wrap="square" rtlCol="0" anchor="t">
+            <a:spAutoFit/>
           </a:bodyPr>
-          <a:lstStyle/>
-          <a:p>
-            <a:pPr marL="0" indent="0">
-              <a:buNone/>
-            </a:pPr>
-            <a:r>
-              <a:rPr lang="de-CH" b="1" dirty="0" smtClean="0"/>
-              <a:t>Simple Command - Ad-Hoc Container</a:t>
-            </a:r>
-            <a:endParaRPr lang="de-CH" b="1" dirty="0" smtClean="0"/>
-          </a:p>
-          <a:p>
-            <a:pPr marL="0" indent="0">
-              <a:buNone/>
-            </a:pPr>
-            <a:endParaRPr lang="en-US" altLang="de-CH" dirty="0" smtClean="0">
+          <a:p>
+            <a:r>
+              <a:rPr lang="en-US" sz="1600" i="1"/>
+              <a:t>a place to find and download Docker images</a:t>
+            </a:r>
+            <a:endParaRPr lang="en-US" sz="1600" i="1"/>
+          </a:p>
+        </p:txBody>
+      </p:sp>
+      <p:sp>
+        <p:nvSpPr>
+          <p:cNvPr id="9" name="Text Box 8"/>
+          <p:cNvSpPr txBox="1"/>
+          <p:nvPr/>
+        </p:nvSpPr>
+        <p:spPr>
+          <a:xfrm>
+            <a:off x="2950845" y="1073785"/>
+            <a:ext cx="3122295" cy="1322070"/>
+          </a:xfrm>
+          <a:prstGeom prst="rect">
+            <a:avLst/>
+          </a:prstGeom>
+          <a:noFill/>
+        </p:spPr>
+        <p:txBody>
+          <a:bodyPr wrap="square" rtlCol="0" anchor="t">
+            <a:spAutoFit/>
+          </a:bodyPr>
+          <a:p>
+            <a:r>
+              <a:rPr lang="en-US" sz="1600" i="1"/>
+              <a:t>The Docker daemon can listen for Docker Engine API requests via three different types of Socket: unix, tcp, and fd.</a:t>
+            </a:r>
+            <a:endParaRPr lang="en-US" sz="1600" i="1"/>
+          </a:p>
+        </p:txBody>
+      </p:sp>
+      <p:sp>
+        <p:nvSpPr>
+          <p:cNvPr id="10" name="Text Box 9"/>
+          <p:cNvSpPr txBox="1"/>
+          <p:nvPr/>
+        </p:nvSpPr>
+        <p:spPr>
+          <a:xfrm>
+            <a:off x="56515" y="1073785"/>
+            <a:ext cx="2775585" cy="1322070"/>
+          </a:xfrm>
+          <a:prstGeom prst="rect">
+            <a:avLst/>
+          </a:prstGeom>
+          <a:noFill/>
+        </p:spPr>
+        <p:txBody>
+          <a:bodyPr wrap="square" rtlCol="0" anchor="t">
+            <a:spAutoFit/>
+          </a:bodyPr>
+          <a:p>
+            <a:r>
+              <a:rPr lang="en-US" sz="1600" i="1"/>
+              <a:t>The Docker client will honor the </a:t>
+            </a:r>
+            <a:r>
+              <a:rPr lang="en-US" sz="1600" b="1" i="1"/>
+              <a:t>DOCKER_HOST</a:t>
+            </a:r>
+            <a:r>
+              <a:rPr lang="en-US" sz="1600" i="1"/>
+              <a:t> </a:t>
+            </a:r>
+            <a:r>
+              <a:rPr lang="" altLang="en-US" sz="1600" i="1"/>
+              <a:t>env </a:t>
+            </a:r>
+            <a:r>
+              <a:rPr lang="en-US" sz="1600" i="1"/>
+              <a:t>variable to set the -H flag for the client.</a:t>
+            </a:r>
+            <a:endParaRPr lang="en-US" sz="1600" i="1"/>
+          </a:p>
+        </p:txBody>
+      </p:sp>
+      <p:sp>
+        <p:nvSpPr>
+          <p:cNvPr id="11" name="Text Box 10"/>
+          <p:cNvSpPr txBox="1"/>
+          <p:nvPr/>
+        </p:nvSpPr>
+        <p:spPr>
+          <a:xfrm>
+            <a:off x="57150" y="4794250"/>
+            <a:ext cx="2774950" cy="1198880"/>
+          </a:xfrm>
+          <a:prstGeom prst="rect">
+            <a:avLst/>
+          </a:prstGeom>
+          <a:noFill/>
+        </p:spPr>
+        <p:txBody>
+          <a:bodyPr wrap="square" rtlCol="0" anchor="t">
+            <a:spAutoFit/>
+          </a:bodyPr>
+          <a:p>
+            <a:r>
+              <a:rPr lang="en-US" sz="1200" i="1">
+                <a:latin typeface="Courier 10 Pitch" charset="0"/>
+                <a:cs typeface="Courier 10 Pitch" charset="0"/>
+              </a:rPr>
+              <a:t>docker -H tcp://0.0.0.0:2375 ps</a:t>
+            </a:r>
+            <a:endParaRPr lang="en-US" sz="1200" i="1">
               <a:latin typeface="Courier 10 Pitch" charset="0"/>
               <a:cs typeface="Courier 10 Pitch" charset="0"/>
             </a:endParaRPr>
           </a:p>
           <a:p>
-            <a:pPr marL="0" indent="0">
-              <a:buNone/>
-            </a:pPr>
-            <a:r>
-              <a:rPr lang="en-US" altLang="en-US" dirty="0" smtClean="0">
+            <a:r>
+              <a:rPr lang="en-US" sz="1200" i="1">
                 <a:latin typeface="Courier 10 Pitch" charset="0"/>
                 <a:cs typeface="Courier 10 Pitch" charset="0"/>
               </a:rPr>
-              <a:t>	</a:t>
-            </a:r>
-            <a:r>
-              <a:rPr lang="en-US" altLang="de-CH" i="1" dirty="0" smtClean="0">
+              <a:t>export DOCKER_HOST="tcp://0.0.0.0:2375"</a:t>
+            </a:r>
+            <a:endParaRPr lang="en-US" sz="1200" i="1">
+              <a:latin typeface="Courier 10 Pitch" charset="0"/>
+              <a:cs typeface="Courier 10 Pitch" charset="0"/>
+            </a:endParaRPr>
+          </a:p>
+          <a:p>
+            <a:endParaRPr lang="en-US" sz="1200" i="1">
+              <a:latin typeface="Courier 10 Pitch" charset="0"/>
+              <a:cs typeface="Courier 10 Pitch" charset="0"/>
+            </a:endParaRPr>
+          </a:p>
+          <a:p>
+            <a:r>
+              <a:rPr lang="en-US" sz="1200" i="1">
                 <a:latin typeface="Courier 10 Pitch" charset="0"/>
                 <a:cs typeface="Courier 10 Pitch" charset="0"/>
               </a:rPr>
-              <a:t>docker run hello-worl</a:t>
-            </a:r>
-            <a:r>
-              <a:rPr lang="en-US" altLang="en-US" i="1" dirty="0" smtClean="0">
-                <a:latin typeface="Courier 10 Pitch" charset="0"/>
-                <a:cs typeface="Courier 10 Pitch" charset="0"/>
-              </a:rPr>
-              <a:t>d</a:t>
-            </a:r>
-            <a:endParaRPr lang="en-US" altLang="en-US" i="1" dirty="0" smtClean="0">
+              <a:t>docker ps</a:t>
+            </a:r>
+            <a:endParaRPr lang="en-US" sz="1200" i="1">
               <a:latin typeface="Courier 10 Pitch" charset="0"/>
               <a:cs typeface="Courier 10 Pitch" charset="0"/>
             </a:endParaRPr>
@@ -4550,62 +4763,81 @@
             </a:r>
             <a:r>
               <a:rPr lang="en-US" altLang="de-CH" dirty="0" smtClean="0"/>
-              <a:t>(2/2)</a:t>
+              <a:t>(1/2)</a:t>
             </a:r>
             <a:endParaRPr lang="en-US" altLang="de-CH" dirty="0" smtClean="0"/>
           </a:p>
         </p:txBody>
       </p:sp>
-      <p:pic>
-        <p:nvPicPr>
-          <p:cNvPr id="7" name="Picture 6" descr="Selection_007"/>
-          <p:cNvPicPr>
-            <a:picLocks noChangeAspect="1"/>
-          </p:cNvPicPr>
-          <p:nvPr/>
-        </p:nvPicPr>
-        <p:blipFill>
-          <a:blip r:embed="rId1"/>
-          <a:stretch>
-            <a:fillRect/>
-          </a:stretch>
-        </p:blipFill>
-        <p:spPr>
-          <a:xfrm>
-            <a:off x="158750" y="1847850"/>
-            <a:ext cx="8827135" cy="4185920"/>
-          </a:xfrm>
-          <a:prstGeom prst="rect">
-            <a:avLst/>
-          </a:prstGeom>
-        </p:spPr>
-      </p:pic>
-      <p:sp>
-        <p:nvSpPr>
-          <p:cNvPr id="8" name="Text Box 7"/>
-          <p:cNvSpPr txBox="1"/>
-          <p:nvPr/>
-        </p:nvSpPr>
-        <p:spPr>
-          <a:xfrm>
-            <a:off x="7215505" y="5197475"/>
-            <a:ext cx="1964690" cy="275590"/>
-          </a:xfrm>
-          <a:prstGeom prst="rect">
-            <a:avLst/>
-          </a:prstGeom>
-          <a:noFill/>
-        </p:spPr>
-        <p:txBody>
-          <a:bodyPr wrap="square" rtlCol="0" anchor="t">
-            <a:spAutoFit/>
+      <p:sp>
+        <p:nvSpPr>
+          <p:cNvPr id="4" name="Text Placeholder 3"/>
+          <p:cNvSpPr>
+            <a:spLocks noGrp="1"/>
+          </p:cNvSpPr>
+          <p:nvPr>
+            <p:ph type="body" sz="quarter" idx="14"/>
+          </p:nvPr>
+        </p:nvSpPr>
+        <p:spPr>
+          <a:xfrm>
+            <a:off x="1011551" y="1923933"/>
+            <a:ext cx="6113626" cy="4087983"/>
+          </a:xfrm>
+        </p:spPr>
+        <p:txBody>
+          <a:bodyPr>
+            <a:normAutofit/>
           </a:bodyPr>
-          <a:p>
-            <a:r>
-              <a:rPr lang="en-US" sz="1200"/>
-              <a:t>http://hub.docker.com</a:t>
-            </a:r>
-            <a:endParaRPr lang="en-US" sz="1200"/>
+          <a:lstStyle/>
+          <a:p>
+            <a:pPr marL="0" indent="0">
+              <a:buNone/>
+            </a:pPr>
+            <a:r>
+              <a:rPr lang="de-CH" b="1" dirty="0" smtClean="0"/>
+              <a:t>Simple Command - Ad-Hoc Container</a:t>
+            </a:r>
+            <a:endParaRPr lang="de-CH" b="1" dirty="0" smtClean="0"/>
+          </a:p>
+          <a:p>
+            <a:pPr marL="0" indent="0">
+              <a:buNone/>
+            </a:pPr>
+            <a:endParaRPr lang="en-US" altLang="de-CH" dirty="0" smtClean="0">
+              <a:latin typeface="Courier 10 Pitch" charset="0"/>
+              <a:cs typeface="Courier 10 Pitch" charset="0"/>
+            </a:endParaRPr>
+          </a:p>
+          <a:p>
+            <a:pPr marL="0" indent="0">
+              <a:buNone/>
+            </a:pPr>
+            <a:r>
+              <a:rPr lang="en-US" altLang="en-US" dirty="0" smtClean="0">
+                <a:latin typeface="Courier 10 Pitch" charset="0"/>
+                <a:cs typeface="Courier 10 Pitch" charset="0"/>
+              </a:rPr>
+              <a:t>	</a:t>
+            </a:r>
+            <a:r>
+              <a:rPr lang="en-US" altLang="de-CH" i="1" dirty="0" smtClean="0">
+                <a:latin typeface="Courier 10 Pitch" charset="0"/>
+                <a:cs typeface="Courier 10 Pitch" charset="0"/>
+              </a:rPr>
+              <a:t>docker run hello-worl</a:t>
+            </a:r>
+            <a:r>
+              <a:rPr lang="en-US" altLang="en-US" i="1" dirty="0" smtClean="0">
+                <a:latin typeface="Courier 10 Pitch" charset="0"/>
+                <a:cs typeface="Courier 10 Pitch" charset="0"/>
+              </a:rPr>
+              <a:t>d</a:t>
+            </a:r>
+            <a:endParaRPr lang="en-US" altLang="en-US" i="1" dirty="0" smtClean="0">
+              <a:latin typeface="Courier 10 Pitch" charset="0"/>
+              <a:cs typeface="Courier 10 Pitch" charset="0"/>
+            </a:endParaRPr>
           </a:p>
         </p:txBody>
       </p:sp>
@@ -4666,145 +4898,73 @@
             <p:ph type="body" sz="quarter" idx="13"/>
           </p:nvPr>
         </p:nvSpPr>
-        <p:spPr>
-          <a:xfrm>
-            <a:off x="1011555" y="558800"/>
-            <a:ext cx="7316470" cy="607060"/>
-          </a:xfrm>
-        </p:spPr>
+        <p:spPr/>
         <p:txBody>
           <a:bodyPr/>
           <a:lstStyle/>
           <a:p>
             <a:r>
               <a:rPr lang="de-CH" dirty="0" smtClean="0"/>
-              <a:t>Terminology - Image</a:t>
-            </a:r>
-            <a:endParaRPr lang="en-US" dirty="0"/>
-          </a:p>
-        </p:txBody>
-      </p:sp>
-      <p:sp>
-        <p:nvSpPr>
-          <p:cNvPr id="4" name="Text Placeholder 3"/>
-          <p:cNvSpPr>
-            <a:spLocks noGrp="1"/>
-          </p:cNvSpPr>
-          <p:nvPr>
-            <p:ph type="body" sz="quarter" idx="14"/>
-          </p:nvPr>
-        </p:nvSpPr>
-        <p:spPr>
-          <a:xfrm>
-            <a:off x="1011555" y="1579245"/>
-            <a:ext cx="7566660" cy="4324350"/>
-          </a:xfrm>
-        </p:spPr>
-        <p:txBody>
-          <a:bodyPr>
-            <a:normAutofit lnSpcReduction="20000"/>
+              <a:t>Hello World </a:t>
+            </a:r>
+            <a:r>
+              <a:rPr lang="en-US" altLang="de-CH" dirty="0" smtClean="0"/>
+              <a:t>(2/2)</a:t>
+            </a:r>
+            <a:endParaRPr lang="en-US" altLang="de-CH" dirty="0" smtClean="0"/>
+          </a:p>
+        </p:txBody>
+      </p:sp>
+      <p:pic>
+        <p:nvPicPr>
+          <p:cNvPr id="7" name="Picture 6" descr="Selection_007"/>
+          <p:cNvPicPr>
+            <a:picLocks noChangeAspect="1"/>
+          </p:cNvPicPr>
+          <p:nvPr/>
+        </p:nvPicPr>
+        <p:blipFill>
+          <a:blip r:embed="rId1"/>
+          <a:stretch>
+            <a:fillRect/>
+          </a:stretch>
+        </p:blipFill>
+        <p:spPr>
+          <a:xfrm>
+            <a:off x="158750" y="1847850"/>
+            <a:ext cx="8827135" cy="4185920"/>
+          </a:xfrm>
+          <a:prstGeom prst="rect">
+            <a:avLst/>
+          </a:prstGeom>
+        </p:spPr>
+      </p:pic>
+      <p:sp>
+        <p:nvSpPr>
+          <p:cNvPr id="8" name="Text Box 7"/>
+          <p:cNvSpPr txBox="1"/>
+          <p:nvPr/>
+        </p:nvSpPr>
+        <p:spPr>
+          <a:xfrm>
+            <a:off x="7215505" y="5197475"/>
+            <a:ext cx="1964690" cy="275590"/>
+          </a:xfrm>
+          <a:prstGeom prst="rect">
+            <a:avLst/>
+          </a:prstGeom>
+          <a:noFill/>
+        </p:spPr>
+        <p:txBody>
+          <a:bodyPr wrap="square" rtlCol="0" anchor="t">
+            <a:spAutoFit/>
           </a:bodyPr>
-          <a:lstStyle/>
-          <a:p>
-            <a:r>
-              <a:rPr lang="de-CH" dirty="0" smtClean="0"/>
-              <a:t>Persisted snapshot that can be run</a:t>
-            </a:r>
-            <a:endParaRPr lang="de-CH" dirty="0" smtClean="0"/>
-          </a:p>
-          <a:p>
-            <a:pPr lvl="1"/>
-            <a:r>
-              <a:rPr lang="de-CH" b="1" i="1" dirty="0" smtClean="0">
-                <a:latin typeface="Courier 10 Pitch" charset="0"/>
-                <a:cs typeface="Courier 10 Pitch" charset="0"/>
-              </a:rPr>
-              <a:t>images</a:t>
-            </a:r>
-            <a:r>
-              <a:rPr lang="de-CH" i="1" dirty="0" smtClean="0"/>
-              <a:t>: </a:t>
-            </a:r>
-            <a:r>
-              <a:rPr lang="de-CH" dirty="0" smtClean="0"/>
-              <a:t>List all local images</a:t>
-            </a:r>
-            <a:endParaRPr lang="de-CH" dirty="0" smtClean="0"/>
-          </a:p>
-          <a:p>
-            <a:pPr lvl="1"/>
-            <a:r>
-              <a:rPr lang="de-CH" b="1" dirty="0" smtClean="0"/>
-              <a:t>history &lt;image&gt;</a:t>
-            </a:r>
-            <a:r>
-              <a:rPr lang="en-US" altLang="de-CH" b="1" dirty="0" smtClean="0"/>
-              <a:t>: </a:t>
-            </a:r>
-            <a:r>
-              <a:rPr lang="en-US" altLang="de-CH" dirty="0" smtClean="0"/>
-              <a:t>view all the layers that make up the image </a:t>
-            </a:r>
-            <a:endParaRPr lang="en-US" altLang="de-CH" b="1" dirty="0" smtClean="0"/>
-          </a:p>
-          <a:p>
-            <a:pPr lvl="1"/>
-            <a:r>
-              <a:rPr lang="de-CH" b="1" i="1" dirty="0" smtClean="0">
-                <a:latin typeface="Courier 10 Pitch" charset="0"/>
-                <a:cs typeface="Courier 10 Pitch" charset="0"/>
-              </a:rPr>
-              <a:t>run</a:t>
-            </a:r>
-            <a:r>
-              <a:rPr lang="de-CH" dirty="0" smtClean="0"/>
-              <a:t>: Create a container from an image and execute a command in it</a:t>
-            </a:r>
-            <a:endParaRPr lang="de-CH" dirty="0" smtClean="0"/>
-          </a:p>
-          <a:p>
-            <a:pPr lvl="1"/>
-            <a:r>
-              <a:rPr lang="de-CH" b="1" i="1" dirty="0" smtClean="0"/>
-              <a:t>tag</a:t>
-            </a:r>
-            <a:r>
-              <a:rPr lang="de-CH" dirty="0" smtClean="0"/>
-              <a:t>: Tag an image</a:t>
-            </a:r>
-            <a:endParaRPr lang="de-CH" dirty="0" smtClean="0"/>
-          </a:p>
-          <a:p>
-            <a:pPr lvl="1"/>
-            <a:r>
-              <a:rPr lang="de-CH" b="1" i="1" dirty="0" smtClean="0"/>
-              <a:t>pull</a:t>
-            </a:r>
-            <a:r>
-              <a:rPr lang="de-CH" dirty="0" smtClean="0"/>
-              <a:t>: Download image from repository</a:t>
-            </a:r>
-            <a:endParaRPr lang="de-CH" dirty="0" smtClean="0"/>
-          </a:p>
-          <a:p>
-            <a:pPr lvl="1"/>
-            <a:r>
-              <a:rPr lang="de-CH" b="1" i="1" dirty="0" smtClean="0"/>
-              <a:t>rmi</a:t>
-            </a:r>
-            <a:r>
-              <a:rPr lang="de-CH" dirty="0" smtClean="0"/>
-              <a:t>: Delete a local image</a:t>
-            </a:r>
-            <a:endParaRPr lang="de-CH" dirty="0" smtClean="0"/>
-          </a:p>
-          <a:p>
-            <a:pPr lvl="2"/>
-            <a:r>
-              <a:rPr lang="de-CH" dirty="0" smtClean="0"/>
-              <a:t>This will also remove intermediate images if no longer used</a:t>
-            </a:r>
-            <a:endParaRPr lang="de-CH" dirty="0" smtClean="0"/>
+          <a:p>
+            <a:r>
+              <a:rPr lang="en-US" sz="1200"/>
+              <a:t>http://hub.docker.com</a:t>
+            </a:r>
+            <a:endParaRPr lang="en-US" sz="1200"/>
           </a:p>
         </p:txBody>
       </p:sp>
@@ -4867,8 +5027,8 @@
         </p:nvSpPr>
         <p:spPr>
           <a:xfrm>
-            <a:off x="486410" y="443865"/>
-            <a:ext cx="8493125" cy="607060"/>
+            <a:off x="1011555" y="558800"/>
+            <a:ext cx="7316470" cy="607060"/>
           </a:xfrm>
         </p:spPr>
         <p:txBody>
@@ -4877,9 +5037,9 @@
           <a:p>
             <a:r>
               <a:rPr lang="de-CH" dirty="0" smtClean="0"/>
-              <a:t>Terminology - Container</a:t>
-            </a:r>
-            <a:endParaRPr lang="de-CH" dirty="0" smtClean="0"/>
+              <a:t>Terminology - Image</a:t>
+            </a:r>
+            <a:endParaRPr lang="en-US" dirty="0"/>
           </a:p>
         </p:txBody>
       </p:sp>
@@ -4895,8 +5055,8 @@
         </p:nvSpPr>
         <p:spPr>
           <a:xfrm>
-            <a:off x="1011551" y="1417838"/>
-            <a:ext cx="7379176" cy="4055761"/>
+            <a:off x="1011555" y="1579245"/>
+            <a:ext cx="7566660" cy="4324350"/>
           </a:xfrm>
         </p:spPr>
         <p:txBody>
@@ -4907,47 +5067,81 @@
           <a:p>
             <a:r>
               <a:rPr lang="de-CH" dirty="0" smtClean="0"/>
-              <a:t>Runnable </a:t>
-            </a:r>
-            <a:r>
-              <a:rPr lang="de-CH" dirty="0"/>
-              <a:t>instance of an image</a:t>
-            </a:r>
-            <a:endParaRPr lang="de-CH" dirty="0"/>
+              <a:t>Persisted snapshot that can be run</a:t>
+            </a:r>
+            <a:endParaRPr lang="de-CH" dirty="0" smtClean="0"/>
           </a:p>
           <a:p>
             <a:pPr lvl="1"/>
             <a:r>
+              <a:rPr lang="de-CH" b="1" i="1" dirty="0" smtClean="0">
+                <a:latin typeface="Courier 10 Pitch" charset="0"/>
+                <a:cs typeface="Courier 10 Pitch" charset="0"/>
+              </a:rPr>
+              <a:t>images</a:t>
+            </a:r>
+            <a:r>
+              <a:rPr lang="de-CH" i="1" dirty="0" smtClean="0"/>
+              <a:t>: </a:t>
+            </a:r>
+            <a:r>
+              <a:rPr lang="de-CH" dirty="0" smtClean="0"/>
+              <a:t>List all local images</a:t>
+            </a:r>
+            <a:endParaRPr lang="de-CH" dirty="0" smtClean="0"/>
+          </a:p>
+          <a:p>
+            <a:pPr lvl="1"/>
+            <a:r>
+              <a:rPr lang="de-CH" b="1" dirty="0" smtClean="0"/>
+              <a:t>history &lt;image&gt;</a:t>
+            </a:r>
+            <a:r>
+              <a:rPr lang="en-US" altLang="de-CH" b="1" dirty="0" smtClean="0"/>
+              <a:t>: </a:t>
+            </a:r>
+            <a:r>
+              <a:rPr lang="en-US" altLang="de-CH" dirty="0" smtClean="0"/>
+              <a:t>view all the layers that make up the image </a:t>
+            </a:r>
+            <a:endParaRPr lang="en-US" altLang="de-CH" b="1" dirty="0" smtClean="0"/>
+          </a:p>
+          <a:p>
+            <a:pPr lvl="1"/>
+            <a:r>
+              <a:rPr lang="de-CH" b="1" i="1" dirty="0" smtClean="0">
+                <a:latin typeface="Courier 10 Pitch" charset="0"/>
+                <a:cs typeface="Courier 10 Pitch" charset="0"/>
+              </a:rPr>
+              <a:t>run</a:t>
+            </a:r>
+            <a:r>
+              <a:rPr lang="de-CH" dirty="0" smtClean="0"/>
+              <a:t>: Create a container from an image and execute a command in it</a:t>
+            </a:r>
+            <a:endParaRPr lang="de-CH" dirty="0" smtClean="0"/>
+          </a:p>
+          <a:p>
+            <a:pPr lvl="1"/>
+            <a:r>
               <a:rPr lang="de-CH" b="1" i="1" dirty="0" smtClean="0"/>
-              <a:t>ps</a:t>
-            </a:r>
-            <a:r>
-              <a:rPr lang="de-CH" i="1" dirty="0"/>
-              <a:t>:</a:t>
-            </a:r>
-            <a:r>
-              <a:rPr lang="de-CH" dirty="0"/>
-              <a:t> List all running containers</a:t>
-            </a:r>
-            <a:endParaRPr lang="de-CH" dirty="0"/>
+              <a:t>tag</a:t>
+            </a:r>
+            <a:r>
+              <a:rPr lang="de-CH" dirty="0" smtClean="0"/>
+              <a:t>: Tag an image</a:t>
+            </a:r>
+            <a:endParaRPr lang="de-CH" dirty="0" smtClean="0"/>
           </a:p>
           <a:p>
             <a:pPr lvl="1"/>
             <a:r>
               <a:rPr lang="de-CH" b="1" i="1" dirty="0" smtClean="0"/>
-              <a:t>ps </a:t>
-            </a:r>
-            <a:r>
-              <a:rPr lang="de-CH" b="1" i="1" dirty="0"/>
-              <a:t>–a</a:t>
-            </a:r>
-            <a:r>
-              <a:rPr lang="de-CH" dirty="0"/>
-              <a:t>: List all containers (incl. stopped</a:t>
+              <a:t>pull</a:t>
             </a:r>
             <a:r>
               <a:rPr lang="de-CH" dirty="0" smtClean="0"/>
-              <a:t>)</a:t>
+              <a:t>: Download image from repository</a:t>
             </a:r>
             <a:endParaRPr lang="de-CH" dirty="0" smtClean="0"/>
           </a:p>
@@ -4955,77 +5149,21 @@
             <a:pPr lvl="1"/>
             <a:r>
               <a:rPr lang="de-CH" b="1" i="1" dirty="0" smtClean="0"/>
-              <a:t>top</a:t>
+              <a:t>rmi</a:t>
             </a:r>
             <a:r>
               <a:rPr lang="de-CH" dirty="0" smtClean="0"/>
-              <a:t>: Display processes of a container</a:t>
-            </a:r>
-            <a:endParaRPr lang="de-CH" dirty="0"/>
-          </a:p>
-          <a:p>
-            <a:pPr lvl="1"/>
-            <a:r>
-              <a:rPr lang="de-CH" b="1" i="1" dirty="0" smtClean="0"/>
-              <a:t>start</a:t>
-            </a:r>
-            <a:r>
-              <a:rPr lang="de-CH" dirty="0"/>
-              <a:t>: Start a stopped container</a:t>
-            </a:r>
-            <a:endParaRPr lang="de-CH" dirty="0"/>
-          </a:p>
-          <a:p>
-            <a:pPr lvl="1"/>
-            <a:r>
-              <a:rPr lang="de-CH" b="1" i="1" dirty="0" smtClean="0"/>
-              <a:t>stop</a:t>
-            </a:r>
-            <a:r>
-              <a:rPr lang="de-CH" dirty="0"/>
-              <a:t>: Stop a running container</a:t>
-            </a:r>
-            <a:endParaRPr lang="de-CH" dirty="0"/>
-          </a:p>
-          <a:p>
-            <a:pPr lvl="1"/>
-            <a:r>
-              <a:rPr lang="de-CH" b="1" i="1" dirty="0" smtClean="0"/>
-              <a:t>pause</a:t>
-            </a:r>
-            <a:r>
-              <a:rPr lang="de-CH" dirty="0"/>
-              <a:t>: Pause all processes within a </a:t>
-            </a:r>
+              <a:t>: Delete a local image</a:t>
+            </a:r>
+            <a:endParaRPr lang="de-CH" dirty="0" smtClean="0"/>
+          </a:p>
+          <a:p>
+            <a:pPr lvl="2"/>
             <a:r>
               <a:rPr lang="de-CH" dirty="0" smtClean="0"/>
-              <a:t>container</a:t>
+              <a:t>This will also remove intermediate images if no longer used</a:t>
             </a:r>
             <a:endParaRPr lang="de-CH" dirty="0" smtClean="0"/>
-          </a:p>
-          <a:p>
-            <a:pPr lvl="1"/>
-            <a:r>
-              <a:rPr lang="de-CH" b="1" i="1" dirty="0" smtClean="0"/>
-              <a:t>rm</a:t>
-            </a:r>
-            <a:r>
-              <a:rPr lang="de-CH" dirty="0" smtClean="0"/>
-              <a:t>: Delete a container</a:t>
-            </a:r>
-            <a:endParaRPr lang="de-CH" dirty="0" smtClean="0"/>
-          </a:p>
-          <a:p>
-            <a:pPr lvl="1"/>
-            <a:r>
-              <a:rPr lang="de-CH" b="1" i="1" dirty="0" smtClean="0"/>
-              <a:t>commit</a:t>
-            </a:r>
-            <a:r>
-              <a:rPr lang="de-CH" dirty="0" smtClean="0"/>
-              <a:t>: Create an image from a container</a:t>
-            </a:r>
-            <a:endParaRPr lang="en-US" dirty="0"/>
           </a:p>
         </p:txBody>
       </p:sp>
@@ -5056,106 +5194,6 @@
       </p:grpSpPr>
       <p:sp>
         <p:nvSpPr>
-          <p:cNvPr id="32" name="Rounded Rectangle 31"/>
-          <p:cNvSpPr/>
-          <p:nvPr/>
-        </p:nvSpPr>
-        <p:spPr>
-          <a:xfrm>
-            <a:off x="5645498" y="5208679"/>
-            <a:ext cx="1718268" cy="713433"/>
-          </a:xfrm>
-          <a:prstGeom prst="roundRect">
-            <a:avLst/>
-          </a:prstGeom>
-        </p:spPr>
-        <p:style>
-          <a:lnRef idx="1">
-            <a:schemeClr val="accent6"/>
-          </a:lnRef>
-          <a:fillRef idx="3">
-            <a:schemeClr val="accent6"/>
-          </a:fillRef>
-          <a:effectRef idx="2">
-            <a:schemeClr val="accent6"/>
-          </a:effectRef>
-          <a:fontRef idx="minor">
-            <a:schemeClr val="lt1"/>
-          </a:fontRef>
-        </p:style>
-        <p:txBody>
-          <a:bodyPr rtlCol="0" anchor="ctr"/>
-          <a:lstStyle/>
-          <a:p>
-            <a:pPr algn="ctr"/>
-            <a:r>
-              <a:rPr lang="de-CH" dirty="0" smtClean="0"/>
-              <a:t>Container</a:t>
-            </a:r>
-            <a:endParaRPr lang="de-CH" dirty="0" smtClean="0"/>
-          </a:p>
-          <a:p>
-            <a:pPr algn="ctr"/>
-            <a:r>
-              <a:rPr lang="de-CH" dirty="0" smtClean="0"/>
-              <a:t>cid4</a:t>
-            </a:r>
-            <a:endParaRPr lang="en-US" dirty="0"/>
-          </a:p>
-        </p:txBody>
-      </p:sp>
-      <p:sp>
-        <p:nvSpPr>
-          <p:cNvPr id="31" name="Rounded Rectangle 30"/>
-          <p:cNvSpPr/>
-          <p:nvPr/>
-        </p:nvSpPr>
-        <p:spPr>
-          <a:xfrm>
-            <a:off x="5493098" y="4845261"/>
-            <a:ext cx="1718268" cy="713433"/>
-          </a:xfrm>
-          <a:prstGeom prst="roundRect">
-            <a:avLst/>
-          </a:prstGeom>
-        </p:spPr>
-        <p:style>
-          <a:lnRef idx="1">
-            <a:schemeClr val="accent6"/>
-          </a:lnRef>
-          <a:fillRef idx="3">
-            <a:schemeClr val="accent6"/>
-          </a:fillRef>
-          <a:effectRef idx="2">
-            <a:schemeClr val="accent6"/>
-          </a:effectRef>
-          <a:fontRef idx="minor">
-            <a:schemeClr val="lt1"/>
-          </a:fontRef>
-        </p:style>
-        <p:txBody>
-          <a:bodyPr rtlCol="0" anchor="ctr"/>
-          <a:lstStyle/>
-          <a:p>
-            <a:pPr algn="ctr"/>
-            <a:r>
-              <a:rPr lang="de-CH" dirty="0" smtClean="0"/>
-              <a:t>Container</a:t>
-            </a:r>
-            <a:endParaRPr lang="de-CH" dirty="0" smtClean="0"/>
-          </a:p>
-          <a:p>
-            <a:pPr algn="ctr"/>
-            <a:r>
-              <a:rPr lang="de-CH" dirty="0" smtClean="0"/>
-              <a:t>cid3</a:t>
-            </a:r>
-            <a:endParaRPr lang="en-US" dirty="0"/>
-          </a:p>
-        </p:txBody>
-      </p:sp>
-      <p:sp>
-        <p:nvSpPr>
           <p:cNvPr id="2" name="Slide Number Placeholder 1"/>
           <p:cNvSpPr>
             <a:spLocks noGrp="1"/>
@@ -5188,8 +5226,8 @@
         </p:nvSpPr>
         <p:spPr>
           <a:xfrm>
-            <a:off x="1011555" y="279400"/>
-            <a:ext cx="6743065" cy="1445260"/>
+            <a:off x="486410" y="443865"/>
+            <a:ext cx="8493125" cy="607060"/>
           </a:xfrm>
         </p:spPr>
         <p:txBody>
@@ -5198,605 +5236,153 @@
           <a:p>
             <a:r>
               <a:rPr lang="de-CH" dirty="0" smtClean="0"/>
-              <a:t>Image vs. </a:t>
-            </a:r>
-            <a:r>
-              <a:rPr lang="en-US" altLang="de-CH" dirty="0" smtClean="0"/>
-              <a:t>				</a:t>
-            </a:r>
+              <a:t>Terminology - Container</a:t>
+            </a:r>
+            <a:endParaRPr lang="de-CH" dirty="0" smtClean="0"/>
+          </a:p>
+        </p:txBody>
+      </p:sp>
+      <p:sp>
+        <p:nvSpPr>
+          <p:cNvPr id="4" name="Text Placeholder 3"/>
+          <p:cNvSpPr>
+            <a:spLocks noGrp="1"/>
+          </p:cNvSpPr>
+          <p:nvPr>
+            <p:ph type="body" sz="quarter" idx="14"/>
+          </p:nvPr>
+        </p:nvSpPr>
+        <p:spPr>
+          <a:xfrm>
+            <a:off x="1011551" y="1417838"/>
+            <a:ext cx="7379176" cy="4055761"/>
+          </a:xfrm>
+        </p:spPr>
+        <p:txBody>
+          <a:bodyPr>
+            <a:normAutofit lnSpcReduction="20000"/>
+          </a:bodyPr>
+          <a:lstStyle/>
+          <a:p>
             <a:r>
               <a:rPr lang="de-CH" dirty="0" smtClean="0"/>
-              <a:t>Container</a:t>
-            </a:r>
-            <a:endParaRPr lang="en-US" dirty="0"/>
-          </a:p>
-        </p:txBody>
-      </p:sp>
-      <p:sp>
-        <p:nvSpPr>
-          <p:cNvPr id="5" name="Rectangle 4"/>
-          <p:cNvSpPr/>
-          <p:nvPr/>
-        </p:nvSpPr>
-        <p:spPr>
-          <a:xfrm>
-            <a:off x="1095270" y="2022217"/>
-            <a:ext cx="1718268" cy="713433"/>
-          </a:xfrm>
-          <a:prstGeom prst="rect">
-            <a:avLst/>
-          </a:prstGeom>
-        </p:spPr>
-        <p:style>
-          <a:lnRef idx="1">
-            <a:schemeClr val="accent1"/>
-          </a:lnRef>
-          <a:fillRef idx="3">
-            <a:schemeClr val="accent1"/>
-          </a:fillRef>
-          <a:effectRef idx="2">
-            <a:schemeClr val="accent1"/>
-          </a:effectRef>
-          <a:fontRef idx="minor">
-            <a:schemeClr val="lt1"/>
-          </a:fontRef>
-        </p:style>
-        <p:txBody>
-          <a:bodyPr rtlCol="0" anchor="ctr"/>
-          <a:lstStyle/>
-          <a:p>
-            <a:pPr algn="ctr"/>
+              <a:t>Runnable </a:t>
+            </a:r>
+            <a:r>
+              <a:rPr lang="de-CH" dirty="0"/>
+              <a:t>instance of an image</a:t>
+            </a:r>
+            <a:endParaRPr lang="de-CH" dirty="0"/>
+          </a:p>
+          <a:p>
+            <a:pPr lvl="1"/>
+            <a:r>
+              <a:rPr lang="de-CH" b="1" i="1" dirty="0" smtClean="0"/>
+              <a:t>ps</a:t>
+            </a:r>
+            <a:r>
+              <a:rPr lang="de-CH" i="1" dirty="0"/>
+              <a:t>:</a:t>
+            </a:r>
+            <a:r>
+              <a:rPr lang="de-CH" dirty="0"/>
+              <a:t> List all running containers</a:t>
+            </a:r>
+            <a:endParaRPr lang="de-CH" dirty="0"/>
+          </a:p>
+          <a:p>
+            <a:pPr lvl="1"/>
+            <a:r>
+              <a:rPr lang="de-CH" b="1" i="1" dirty="0" smtClean="0"/>
+              <a:t>ps </a:t>
+            </a:r>
+            <a:r>
+              <a:rPr lang="de-CH" b="1" i="1" dirty="0"/>
+              <a:t>–a</a:t>
+            </a:r>
+            <a:r>
+              <a:rPr lang="de-CH" dirty="0"/>
+              <a:t>: List all containers (incl. stopped</a:t>
+            </a:r>
             <a:r>
               <a:rPr lang="de-CH" dirty="0" smtClean="0"/>
-              <a:t>Base Image</a:t>
+              <a:t>)</a:t>
             </a:r>
             <a:endParaRPr lang="de-CH" dirty="0" smtClean="0"/>
           </a:p>
           <a:p>
-            <a:pPr algn="ctr"/>
-            <a:r>
-              <a:rPr lang="de-CH" i="1" dirty="0" smtClean="0"/>
-              <a:t>ubuntu:latest</a:t>
-            </a:r>
-            <a:endParaRPr lang="de-CH" i="1" dirty="0" smtClean="0"/>
-          </a:p>
-        </p:txBody>
-      </p:sp>
-      <p:sp>
-        <p:nvSpPr>
-          <p:cNvPr id="6" name="Rounded Rectangle 5"/>
-          <p:cNvSpPr/>
-          <p:nvPr/>
-        </p:nvSpPr>
-        <p:spPr>
-          <a:xfrm>
-            <a:off x="5285433" y="2022216"/>
-            <a:ext cx="1718268" cy="713433"/>
-          </a:xfrm>
-          <a:prstGeom prst="roundRect">
-            <a:avLst/>
-          </a:prstGeom>
-        </p:spPr>
-        <p:style>
-          <a:lnRef idx="1">
-            <a:schemeClr val="accent6"/>
-          </a:lnRef>
-          <a:fillRef idx="3">
-            <a:schemeClr val="accent6"/>
-          </a:fillRef>
-          <a:effectRef idx="2">
-            <a:schemeClr val="accent6"/>
-          </a:effectRef>
-          <a:fontRef idx="minor">
-            <a:schemeClr val="lt1"/>
-          </a:fontRef>
-        </p:style>
-        <p:txBody>
-          <a:bodyPr rtlCol="0" anchor="ctr"/>
-          <a:lstStyle/>
-          <a:p>
-            <a:pPr algn="ctr"/>
+            <a:pPr lvl="1"/>
+            <a:r>
+              <a:rPr lang="de-CH" b="1" i="1" dirty="0" smtClean="0"/>
+              <a:t>top</a:t>
+            </a:r>
             <a:r>
               <a:rPr lang="de-CH" dirty="0" smtClean="0"/>
-              <a:t>Container</a:t>
+              <a:t>: Display processes of a container</a:t>
+            </a:r>
+            <a:endParaRPr lang="de-CH" dirty="0"/>
+          </a:p>
+          <a:p>
+            <a:pPr lvl="1"/>
+            <a:r>
+              <a:rPr lang="de-CH" b="1" i="1" dirty="0" smtClean="0"/>
+              <a:t>start</a:t>
+            </a:r>
+            <a:r>
+              <a:rPr lang="de-CH" dirty="0"/>
+              <a:t>: Start a stopped container</a:t>
+            </a:r>
+            <a:endParaRPr lang="de-CH" dirty="0"/>
+          </a:p>
+          <a:p>
+            <a:pPr lvl="1"/>
+            <a:r>
+              <a:rPr lang="de-CH" b="1" i="1" dirty="0" smtClean="0"/>
+              <a:t>stop</a:t>
+            </a:r>
+            <a:r>
+              <a:rPr lang="de-CH" dirty="0"/>
+              <a:t>: Stop a running container</a:t>
+            </a:r>
+            <a:endParaRPr lang="de-CH" dirty="0"/>
+          </a:p>
+          <a:p>
+            <a:pPr lvl="1"/>
+            <a:r>
+              <a:rPr lang="de-CH" b="1" i="1" dirty="0" smtClean="0"/>
+              <a:t>pause</a:t>
+            </a:r>
+            <a:r>
+              <a:rPr lang="de-CH" dirty="0"/>
+              <a:t>: Pause all processes within a </a:t>
+            </a:r>
+            <a:r>
+              <a:rPr lang="de-CH" dirty="0" smtClean="0"/>
+              <a:t>container</a:t>
             </a:r>
             <a:endParaRPr lang="de-CH" dirty="0" smtClean="0"/>
           </a:p>
           <a:p>
-            <a:pPr algn="ctr"/>
+            <a:pPr lvl="1"/>
+            <a:r>
+              <a:rPr lang="de-CH" b="1" i="1" dirty="0" smtClean="0"/>
+              <a:t>rm</a:t>
+            </a:r>
             <a:r>
               <a:rPr lang="de-CH" dirty="0" smtClean="0"/>
-              <a:t>cid1</a:t>
-            </a:r>
-            <a:endParaRPr lang="en-US" dirty="0"/>
-          </a:p>
-        </p:txBody>
-      </p:sp>
-      <p:cxnSp>
-        <p:nvCxnSpPr>
-          <p:cNvPr id="8" name="Straight Arrow Connector 7"/>
-          <p:cNvCxnSpPr>
-            <a:stCxn id="5" idx="3"/>
-            <a:endCxn id="6" idx="1"/>
-          </p:cNvCxnSpPr>
-          <p:nvPr/>
-        </p:nvCxnSpPr>
-        <p:spPr>
-          <a:xfrm>
-            <a:off x="2813538" y="2379569"/>
-            <a:ext cx="2472055" cy="0"/>
-          </a:xfrm>
-          <a:prstGeom prst="straightConnector1">
-            <a:avLst/>
-          </a:prstGeom>
-          <a:ln>
-            <a:tailEnd type="triangle"/>
-          </a:ln>
-        </p:spPr>
-        <p:style>
-          <a:lnRef idx="2">
-            <a:schemeClr val="accent1"/>
-          </a:lnRef>
-          <a:fillRef idx="0">
-            <a:schemeClr val="accent1"/>
-          </a:fillRef>
-          <a:effectRef idx="1">
-            <a:schemeClr val="accent1"/>
-          </a:effectRef>
-          <a:fontRef idx="minor">
-            <a:schemeClr val="tx1"/>
-          </a:fontRef>
-        </p:style>
-      </p:cxnSp>
-      <p:sp>
-        <p:nvSpPr>
-          <p:cNvPr id="9" name="TextBox 8"/>
-          <p:cNvSpPr txBox="1"/>
-          <p:nvPr/>
-        </p:nvSpPr>
-        <p:spPr>
-          <a:xfrm>
-            <a:off x="3753660" y="2031595"/>
-            <a:ext cx="518091" cy="369332"/>
-          </a:xfrm>
-          <a:prstGeom prst="rect">
-            <a:avLst/>
-          </a:prstGeom>
-          <a:noFill/>
-        </p:spPr>
-        <p:txBody>
-          <a:bodyPr wrap="none" rtlCol="0">
-            <a:spAutoFit/>
-          </a:bodyPr>
-          <a:lstStyle/>
-          <a:p>
+              <a:t>: Delete a container</a:t>
+            </a:r>
+            <a:endParaRPr lang="de-CH" dirty="0" smtClean="0"/>
+          </a:p>
+          <a:p>
+            <a:pPr lvl="1"/>
+            <a:r>
+              <a:rPr lang="de-CH" b="1" i="1" dirty="0" smtClean="0"/>
+              <a:t>commit</a:t>
+            </a:r>
             <a:r>
               <a:rPr lang="de-CH" dirty="0" smtClean="0"/>
-              <a:t>run</a:t>
-            </a:r>
-            <a:endParaRPr lang="en-US" dirty="0"/>
-          </a:p>
-        </p:txBody>
-      </p:sp>
-      <p:sp>
-        <p:nvSpPr>
-          <p:cNvPr id="10" name="Rounded Rectangle 9"/>
-          <p:cNvSpPr/>
-          <p:nvPr/>
-        </p:nvSpPr>
-        <p:spPr>
-          <a:xfrm>
-            <a:off x="5285433" y="3435415"/>
-            <a:ext cx="1718268" cy="713433"/>
-          </a:xfrm>
-          <a:prstGeom prst="roundRect">
-            <a:avLst/>
-          </a:prstGeom>
-        </p:spPr>
-        <p:style>
-          <a:lnRef idx="1">
-            <a:schemeClr val="accent6"/>
-          </a:lnRef>
-          <a:fillRef idx="3">
-            <a:schemeClr val="accent6"/>
-          </a:fillRef>
-          <a:effectRef idx="2">
-            <a:schemeClr val="accent6"/>
-          </a:effectRef>
-          <a:fontRef idx="minor">
-            <a:schemeClr val="lt1"/>
-          </a:fontRef>
-        </p:style>
-        <p:txBody>
-          <a:bodyPr rtlCol="0" anchor="ctr"/>
-          <a:lstStyle/>
-          <a:p>
-            <a:pPr algn="ctr"/>
-            <a:r>
-              <a:rPr lang="de-CH" dirty="0" smtClean="0"/>
-              <a:t>Container</a:t>
-            </a:r>
-            <a:endParaRPr lang="de-CH" dirty="0" smtClean="0"/>
-          </a:p>
-          <a:p>
-            <a:pPr algn="ctr"/>
-            <a:r>
-              <a:rPr lang="de-CH" dirty="0" smtClean="0"/>
-              <a:t>cid1</a:t>
-            </a:r>
-            <a:endParaRPr lang="en-US" dirty="0"/>
-          </a:p>
-        </p:txBody>
-      </p:sp>
-      <p:cxnSp>
-        <p:nvCxnSpPr>
-          <p:cNvPr id="11" name="Straight Arrow Connector 10"/>
-          <p:cNvCxnSpPr>
-            <a:stCxn id="6" idx="2"/>
-            <a:endCxn id="10" idx="0"/>
-          </p:cNvCxnSpPr>
-          <p:nvPr/>
-        </p:nvCxnSpPr>
-        <p:spPr>
-          <a:xfrm>
-            <a:off x="6145202" y="2736284"/>
-            <a:ext cx="0" cy="699135"/>
-          </a:xfrm>
-          <a:prstGeom prst="straightConnector1">
-            <a:avLst/>
-          </a:prstGeom>
-          <a:ln>
-            <a:tailEnd type="triangle"/>
-          </a:ln>
-        </p:spPr>
-        <p:style>
-          <a:lnRef idx="2">
-            <a:schemeClr val="accent1"/>
-          </a:lnRef>
-          <a:fillRef idx="0">
-            <a:schemeClr val="accent1"/>
-          </a:fillRef>
-          <a:effectRef idx="1">
-            <a:schemeClr val="accent1"/>
-          </a:effectRef>
-          <a:fontRef idx="minor">
-            <a:schemeClr val="tx1"/>
-          </a:fontRef>
-        </p:style>
-      </p:cxnSp>
-      <p:sp>
-        <p:nvSpPr>
-          <p:cNvPr id="14" name="TextBox 13"/>
-          <p:cNvSpPr txBox="1"/>
-          <p:nvPr/>
-        </p:nvSpPr>
-        <p:spPr>
-          <a:xfrm>
-            <a:off x="6115623" y="2894033"/>
-            <a:ext cx="1962397" cy="369332"/>
-          </a:xfrm>
-          <a:prstGeom prst="rect">
-            <a:avLst/>
-          </a:prstGeom>
-          <a:noFill/>
-        </p:spPr>
-        <p:txBody>
-          <a:bodyPr wrap="none" rtlCol="0">
-            <a:spAutoFit/>
-          </a:bodyPr>
-          <a:lstStyle/>
-          <a:p>
-            <a:r>
-              <a:rPr lang="de-CH" dirty="0" smtClean="0"/>
-              <a:t>cmd </a:t>
-            </a:r>
-            <a:r>
-              <a:rPr lang="de-CH" dirty="0" smtClean="0">
-                <a:sym typeface="Wingdings" panose="05000000000000000000" pitchFamily="2" charset="2"/>
-              </a:rPr>
-              <a:t> </a:t>
-            </a:r>
-            <a:r>
-              <a:rPr lang="de-CH" dirty="0" smtClean="0"/>
-              <a:t>new state</a:t>
-            </a:r>
-            <a:endParaRPr lang="en-US" dirty="0"/>
-          </a:p>
-        </p:txBody>
-      </p:sp>
-      <p:cxnSp>
-        <p:nvCxnSpPr>
-          <p:cNvPr id="15" name="Straight Arrow Connector 14"/>
-          <p:cNvCxnSpPr>
-            <a:stCxn id="10" idx="1"/>
-            <a:endCxn id="18" idx="3"/>
-          </p:cNvCxnSpPr>
-          <p:nvPr/>
-        </p:nvCxnSpPr>
-        <p:spPr>
-          <a:xfrm flipH="1" flipV="1">
-            <a:off x="2829253" y="3789592"/>
-            <a:ext cx="2456180" cy="2540"/>
-          </a:xfrm>
-          <a:prstGeom prst="straightConnector1">
-            <a:avLst/>
-          </a:prstGeom>
-          <a:ln>
-            <a:tailEnd type="triangle"/>
-          </a:ln>
-        </p:spPr>
-        <p:style>
-          <a:lnRef idx="2">
-            <a:schemeClr val="accent1"/>
-          </a:lnRef>
-          <a:fillRef idx="0">
-            <a:schemeClr val="accent1"/>
-          </a:fillRef>
-          <a:effectRef idx="1">
-            <a:schemeClr val="accent1"/>
-          </a:effectRef>
-          <a:fontRef idx="minor">
-            <a:schemeClr val="tx1"/>
-          </a:fontRef>
-        </p:style>
-      </p:cxnSp>
-      <p:sp>
-        <p:nvSpPr>
-          <p:cNvPr id="18" name="Rectangle 17"/>
-          <p:cNvSpPr/>
-          <p:nvPr/>
-        </p:nvSpPr>
-        <p:spPr>
-          <a:xfrm>
-            <a:off x="1111544" y="3432958"/>
-            <a:ext cx="1718268" cy="713433"/>
-          </a:xfrm>
-          <a:prstGeom prst="rect">
-            <a:avLst/>
-          </a:prstGeom>
-        </p:spPr>
-        <p:style>
-          <a:lnRef idx="1">
-            <a:schemeClr val="accent1"/>
-          </a:lnRef>
-          <a:fillRef idx="3">
-            <a:schemeClr val="accent1"/>
-          </a:fillRef>
-          <a:effectRef idx="2">
-            <a:schemeClr val="accent1"/>
-          </a:effectRef>
-          <a:fontRef idx="minor">
-            <a:schemeClr val="lt1"/>
-          </a:fontRef>
-        </p:style>
-        <p:txBody>
-          <a:bodyPr rtlCol="0" anchor="ctr"/>
-          <a:lstStyle/>
-          <a:p>
-            <a:pPr algn="ctr"/>
-            <a:r>
-              <a:rPr lang="de-CH" dirty="0" smtClean="0"/>
-              <a:t>New Image</a:t>
-            </a:r>
-            <a:endParaRPr lang="de-CH" dirty="0" smtClean="0"/>
-          </a:p>
-          <a:p>
-            <a:pPr algn="ctr"/>
-            <a:r>
-              <a:rPr lang="de-CH" dirty="0" smtClean="0"/>
-              <a:t>iid1</a:t>
-            </a:r>
-            <a:endParaRPr lang="de-CH" dirty="0" smtClean="0"/>
-          </a:p>
-        </p:txBody>
-      </p:sp>
-      <p:sp>
-        <p:nvSpPr>
-          <p:cNvPr id="20" name="TextBox 19"/>
-          <p:cNvSpPr txBox="1"/>
-          <p:nvPr/>
-        </p:nvSpPr>
-        <p:spPr>
-          <a:xfrm>
-            <a:off x="3609666" y="3435415"/>
-            <a:ext cx="928459" cy="369332"/>
-          </a:xfrm>
-          <a:prstGeom prst="rect">
-            <a:avLst/>
-          </a:prstGeom>
-          <a:noFill/>
-        </p:spPr>
-        <p:txBody>
-          <a:bodyPr wrap="none" rtlCol="0">
-            <a:spAutoFit/>
-          </a:bodyPr>
-          <a:lstStyle/>
-          <a:p>
-            <a:r>
-              <a:rPr lang="de-CH" dirty="0" smtClean="0"/>
-              <a:t>commit</a:t>
-            </a:r>
-            <a:endParaRPr lang="en-US" dirty="0"/>
-          </a:p>
-        </p:txBody>
-      </p:sp>
-      <p:cxnSp>
-        <p:nvCxnSpPr>
-          <p:cNvPr id="21" name="Straight Arrow Connector 20"/>
-          <p:cNvCxnSpPr>
-            <a:stCxn id="18" idx="0"/>
-            <a:endCxn id="5" idx="2"/>
-          </p:cNvCxnSpPr>
-          <p:nvPr/>
-        </p:nvCxnSpPr>
-        <p:spPr>
-          <a:xfrm flipH="1" flipV="1">
-            <a:off x="1954803" y="2736363"/>
-            <a:ext cx="15875" cy="696595"/>
-          </a:xfrm>
-          <a:prstGeom prst="straightConnector1">
-            <a:avLst/>
-          </a:prstGeom>
-          <a:ln>
-            <a:tailEnd type="triangle"/>
-          </a:ln>
-        </p:spPr>
-        <p:style>
-          <a:lnRef idx="2">
-            <a:schemeClr val="accent1"/>
-          </a:lnRef>
-          <a:fillRef idx="0">
-            <a:schemeClr val="accent1"/>
-          </a:fillRef>
-          <a:effectRef idx="1">
-            <a:schemeClr val="accent1"/>
-          </a:effectRef>
-          <a:fontRef idx="minor">
-            <a:schemeClr val="tx1"/>
-          </a:fontRef>
-        </p:style>
-      </p:cxnSp>
-      <p:sp>
-        <p:nvSpPr>
-          <p:cNvPr id="24" name="TextBox 23"/>
-          <p:cNvSpPr txBox="1"/>
-          <p:nvPr/>
-        </p:nvSpPr>
-        <p:spPr>
-          <a:xfrm>
-            <a:off x="1931226" y="2914576"/>
-            <a:ext cx="1402948" cy="369332"/>
-          </a:xfrm>
-          <a:prstGeom prst="rect">
-            <a:avLst/>
-          </a:prstGeom>
-          <a:noFill/>
-        </p:spPr>
-        <p:txBody>
-          <a:bodyPr wrap="none" rtlCol="0">
-            <a:spAutoFit/>
-          </a:bodyPr>
-          <a:lstStyle/>
-          <a:p>
-            <a:r>
-              <a:rPr lang="de-CH" dirty="0" smtClean="0"/>
-              <a:t>base image</a:t>
-            </a:r>
-            <a:endParaRPr lang="en-US" dirty="0"/>
-          </a:p>
-        </p:txBody>
-      </p:sp>
-      <p:sp>
-        <p:nvSpPr>
-          <p:cNvPr id="25" name="Rounded Rectangle 24"/>
-          <p:cNvSpPr/>
-          <p:nvPr/>
-        </p:nvSpPr>
-        <p:spPr>
-          <a:xfrm>
-            <a:off x="5340698" y="4491897"/>
-            <a:ext cx="1718268" cy="713433"/>
-          </a:xfrm>
-          <a:prstGeom prst="roundRect">
-            <a:avLst/>
-          </a:prstGeom>
-        </p:spPr>
-        <p:style>
-          <a:lnRef idx="1">
-            <a:schemeClr val="accent6"/>
-          </a:lnRef>
-          <a:fillRef idx="3">
-            <a:schemeClr val="accent6"/>
-          </a:fillRef>
-          <a:effectRef idx="2">
-            <a:schemeClr val="accent6"/>
-          </a:effectRef>
-          <a:fontRef idx="minor">
-            <a:schemeClr val="lt1"/>
-          </a:fontRef>
-        </p:style>
-        <p:txBody>
-          <a:bodyPr rtlCol="0" anchor="ctr"/>
-          <a:lstStyle/>
-          <a:p>
-            <a:pPr algn="ctr"/>
-            <a:r>
-              <a:rPr lang="de-CH" dirty="0" smtClean="0"/>
-              <a:t>Container</a:t>
-            </a:r>
-            <a:endParaRPr lang="de-CH" dirty="0" smtClean="0"/>
-          </a:p>
-          <a:p>
-            <a:pPr algn="ctr"/>
-            <a:r>
-              <a:rPr lang="de-CH" dirty="0" smtClean="0"/>
-              <a:t>cid2</a:t>
-            </a:r>
-            <a:endParaRPr lang="en-US" dirty="0"/>
-          </a:p>
-        </p:txBody>
-      </p:sp>
-      <p:cxnSp>
-        <p:nvCxnSpPr>
-          <p:cNvPr id="26" name="Straight Arrow Connector 25"/>
-          <p:cNvCxnSpPr>
-            <a:stCxn id="18" idx="2"/>
-            <a:endCxn id="25" idx="1"/>
-          </p:cNvCxnSpPr>
-          <p:nvPr/>
-        </p:nvCxnSpPr>
-        <p:spPr>
-          <a:xfrm>
-            <a:off x="1970678" y="4146391"/>
-            <a:ext cx="3370580" cy="702310"/>
-          </a:xfrm>
-          <a:prstGeom prst="straightConnector1">
-            <a:avLst/>
-          </a:prstGeom>
-          <a:ln>
-            <a:tailEnd type="triangle"/>
-          </a:ln>
-        </p:spPr>
-        <p:style>
-          <a:lnRef idx="2">
-            <a:schemeClr val="accent1"/>
-          </a:lnRef>
-          <a:fillRef idx="0">
-            <a:schemeClr val="accent1"/>
-          </a:fillRef>
-          <a:effectRef idx="1">
-            <a:schemeClr val="accent1"/>
-          </a:effectRef>
-          <a:fontRef idx="minor">
-            <a:schemeClr val="tx1"/>
-          </a:fontRef>
-        </p:style>
-      </p:cxnSp>
-      <p:sp>
-        <p:nvSpPr>
-          <p:cNvPr id="30" name="TextBox 29"/>
-          <p:cNvSpPr txBox="1"/>
-          <p:nvPr/>
-        </p:nvSpPr>
-        <p:spPr>
-          <a:xfrm>
-            <a:off x="3814849" y="4159006"/>
-            <a:ext cx="518091" cy="369332"/>
-          </a:xfrm>
-          <a:prstGeom prst="rect">
-            <a:avLst/>
-          </a:prstGeom>
-          <a:noFill/>
-        </p:spPr>
-        <p:txBody>
-          <a:bodyPr wrap="none" rtlCol="0">
-            <a:spAutoFit/>
-          </a:bodyPr>
-          <a:lstStyle/>
-          <a:p>
-            <a:r>
-              <a:rPr lang="de-CH" dirty="0" smtClean="0"/>
-              <a:t>run</a:t>
+              <a:t>: Create an image from a container</a:t>
             </a:r>
             <a:endParaRPr lang="en-US" dirty="0"/>
           </a:p>
@@ -5829,6 +5415,779 @@
       </p:grpSpPr>
       <p:sp>
         <p:nvSpPr>
+          <p:cNvPr id="32" name="Rounded Rectangle 31"/>
+          <p:cNvSpPr/>
+          <p:nvPr/>
+        </p:nvSpPr>
+        <p:spPr>
+          <a:xfrm>
+            <a:off x="5645498" y="5208679"/>
+            <a:ext cx="1718268" cy="713433"/>
+          </a:xfrm>
+          <a:prstGeom prst="roundRect">
+            <a:avLst/>
+          </a:prstGeom>
+        </p:spPr>
+        <p:style>
+          <a:lnRef idx="1">
+            <a:schemeClr val="accent6"/>
+          </a:lnRef>
+          <a:fillRef idx="3">
+            <a:schemeClr val="accent6"/>
+          </a:fillRef>
+          <a:effectRef idx="2">
+            <a:schemeClr val="accent6"/>
+          </a:effectRef>
+          <a:fontRef idx="minor">
+            <a:schemeClr val="lt1"/>
+          </a:fontRef>
+        </p:style>
+        <p:txBody>
+          <a:bodyPr rtlCol="0" anchor="ctr"/>
+          <a:lstStyle/>
+          <a:p>
+            <a:pPr algn="ctr"/>
+            <a:r>
+              <a:rPr lang="de-CH" dirty="0" smtClean="0"/>
+              <a:t>Container</a:t>
+            </a:r>
+            <a:endParaRPr lang="de-CH" dirty="0" smtClean="0"/>
+          </a:p>
+          <a:p>
+            <a:pPr algn="ctr"/>
+            <a:r>
+              <a:rPr lang="de-CH" dirty="0" smtClean="0"/>
+              <a:t>cid4</a:t>
+            </a:r>
+            <a:endParaRPr lang="en-US" dirty="0"/>
+          </a:p>
+        </p:txBody>
+      </p:sp>
+      <p:sp>
+        <p:nvSpPr>
+          <p:cNvPr id="31" name="Rounded Rectangle 30"/>
+          <p:cNvSpPr/>
+          <p:nvPr/>
+        </p:nvSpPr>
+        <p:spPr>
+          <a:xfrm>
+            <a:off x="5493098" y="4845261"/>
+            <a:ext cx="1718268" cy="713433"/>
+          </a:xfrm>
+          <a:prstGeom prst="roundRect">
+            <a:avLst/>
+          </a:prstGeom>
+        </p:spPr>
+        <p:style>
+          <a:lnRef idx="1">
+            <a:schemeClr val="accent6"/>
+          </a:lnRef>
+          <a:fillRef idx="3">
+            <a:schemeClr val="accent6"/>
+          </a:fillRef>
+          <a:effectRef idx="2">
+            <a:schemeClr val="accent6"/>
+          </a:effectRef>
+          <a:fontRef idx="minor">
+            <a:schemeClr val="lt1"/>
+          </a:fontRef>
+        </p:style>
+        <p:txBody>
+          <a:bodyPr rtlCol="0" anchor="ctr"/>
+          <a:lstStyle/>
+          <a:p>
+            <a:pPr algn="ctr"/>
+            <a:r>
+              <a:rPr lang="de-CH" dirty="0" smtClean="0"/>
+              <a:t>Container</a:t>
+            </a:r>
+            <a:endParaRPr lang="de-CH" dirty="0" smtClean="0"/>
+          </a:p>
+          <a:p>
+            <a:pPr algn="ctr"/>
+            <a:r>
+              <a:rPr lang="de-CH" dirty="0" smtClean="0"/>
+              <a:t>cid3</a:t>
+            </a:r>
+            <a:endParaRPr lang="en-US" dirty="0"/>
+          </a:p>
+        </p:txBody>
+      </p:sp>
+      <p:sp>
+        <p:nvSpPr>
+          <p:cNvPr id="2" name="Slide Number Placeholder 1"/>
+          <p:cNvSpPr>
+            <a:spLocks noGrp="1"/>
+          </p:cNvSpPr>
+          <p:nvPr>
+            <p:ph type="sldNum" sz="quarter" idx="12"/>
+          </p:nvPr>
+        </p:nvSpPr>
+        <p:spPr/>
+        <p:txBody>
+          <a:bodyPr/>
+          <a:lstStyle/>
+          <a:p>
+            <a:fld id="{1BA865F8-D0B2-3245-A9F6-5F06F5A3A0C6}" type="slidenum">
+              <a:rPr lang="en-US" smtClean="0"/>
+            </a:fld>
+            <a:endParaRPr lang="en-US" dirty="0"/>
+          </a:p>
+        </p:txBody>
+      </p:sp>
+      <p:sp>
+        <p:nvSpPr>
+          <p:cNvPr id="3" name="Text Placeholder 2"/>
+          <p:cNvSpPr>
+            <a:spLocks noGrp="1"/>
+          </p:cNvSpPr>
+          <p:nvPr>
+            <p:ph type="body" sz="quarter" idx="13"/>
+          </p:nvPr>
+        </p:nvSpPr>
+        <p:spPr>
+          <a:xfrm>
+            <a:off x="1011555" y="279400"/>
+            <a:ext cx="6743065" cy="1445260"/>
+          </a:xfrm>
+        </p:spPr>
+        <p:txBody>
+          <a:bodyPr/>
+          <a:lstStyle/>
+          <a:p>
+            <a:r>
+              <a:rPr lang="de-CH" dirty="0" smtClean="0"/>
+              <a:t>Image vs. </a:t>
+            </a:r>
+            <a:r>
+              <a:rPr lang="en-US" altLang="de-CH" dirty="0" smtClean="0"/>
+              <a:t>				</a:t>
+            </a:r>
+            <a:r>
+              <a:rPr lang="de-CH" dirty="0" smtClean="0"/>
+              <a:t>Container</a:t>
+            </a:r>
+            <a:endParaRPr lang="en-US" dirty="0"/>
+          </a:p>
+        </p:txBody>
+      </p:sp>
+      <p:sp>
+        <p:nvSpPr>
+          <p:cNvPr id="5" name="Rectangle 4"/>
+          <p:cNvSpPr/>
+          <p:nvPr/>
+        </p:nvSpPr>
+        <p:spPr>
+          <a:xfrm>
+            <a:off x="1095270" y="2022217"/>
+            <a:ext cx="1718268" cy="713433"/>
+          </a:xfrm>
+          <a:prstGeom prst="rect">
+            <a:avLst/>
+          </a:prstGeom>
+        </p:spPr>
+        <p:style>
+          <a:lnRef idx="1">
+            <a:schemeClr val="accent1"/>
+          </a:lnRef>
+          <a:fillRef idx="3">
+            <a:schemeClr val="accent1"/>
+          </a:fillRef>
+          <a:effectRef idx="2">
+            <a:schemeClr val="accent1"/>
+          </a:effectRef>
+          <a:fontRef idx="minor">
+            <a:schemeClr val="lt1"/>
+          </a:fontRef>
+        </p:style>
+        <p:txBody>
+          <a:bodyPr rtlCol="0" anchor="ctr"/>
+          <a:lstStyle/>
+          <a:p>
+            <a:pPr algn="ctr"/>
+            <a:r>
+              <a:rPr lang="de-CH" dirty="0" smtClean="0"/>
+              <a:t>Base Image</a:t>
+            </a:r>
+            <a:endParaRPr lang="de-CH" dirty="0" smtClean="0"/>
+          </a:p>
+          <a:p>
+            <a:pPr algn="ctr"/>
+            <a:r>
+              <a:rPr lang="de-CH" i="1" dirty="0" smtClean="0"/>
+              <a:t>ubuntu:latest</a:t>
+            </a:r>
+            <a:endParaRPr lang="de-CH" i="1" dirty="0" smtClean="0"/>
+          </a:p>
+        </p:txBody>
+      </p:sp>
+      <p:sp>
+        <p:nvSpPr>
+          <p:cNvPr id="6" name="Rounded Rectangle 5"/>
+          <p:cNvSpPr/>
+          <p:nvPr/>
+        </p:nvSpPr>
+        <p:spPr>
+          <a:xfrm>
+            <a:off x="5285433" y="2022216"/>
+            <a:ext cx="1718268" cy="713433"/>
+          </a:xfrm>
+          <a:prstGeom prst="roundRect">
+            <a:avLst/>
+          </a:prstGeom>
+        </p:spPr>
+        <p:style>
+          <a:lnRef idx="1">
+            <a:schemeClr val="accent6"/>
+          </a:lnRef>
+          <a:fillRef idx="3">
+            <a:schemeClr val="accent6"/>
+          </a:fillRef>
+          <a:effectRef idx="2">
+            <a:schemeClr val="accent6"/>
+          </a:effectRef>
+          <a:fontRef idx="minor">
+            <a:schemeClr val="lt1"/>
+          </a:fontRef>
+        </p:style>
+        <p:txBody>
+          <a:bodyPr rtlCol="0" anchor="ctr"/>
+          <a:lstStyle/>
+          <a:p>
+            <a:pPr algn="ctr"/>
+            <a:r>
+              <a:rPr lang="de-CH" dirty="0" smtClean="0"/>
+              <a:t>Container</a:t>
+            </a:r>
+            <a:endParaRPr lang="de-CH" dirty="0" smtClean="0"/>
+          </a:p>
+          <a:p>
+            <a:pPr algn="ctr"/>
+            <a:r>
+              <a:rPr lang="de-CH" dirty="0" smtClean="0"/>
+              <a:t>cid1</a:t>
+            </a:r>
+            <a:endParaRPr lang="en-US" dirty="0"/>
+          </a:p>
+        </p:txBody>
+      </p:sp>
+      <p:cxnSp>
+        <p:nvCxnSpPr>
+          <p:cNvPr id="8" name="Straight Arrow Connector 7"/>
+          <p:cNvCxnSpPr>
+            <a:stCxn id="5" idx="3"/>
+            <a:endCxn id="6" idx="1"/>
+          </p:cNvCxnSpPr>
+          <p:nvPr/>
+        </p:nvCxnSpPr>
+        <p:spPr>
+          <a:xfrm>
+            <a:off x="2813538" y="2379569"/>
+            <a:ext cx="2472055" cy="0"/>
+          </a:xfrm>
+          <a:prstGeom prst="straightConnector1">
+            <a:avLst/>
+          </a:prstGeom>
+          <a:ln>
+            <a:tailEnd type="triangle"/>
+          </a:ln>
+        </p:spPr>
+        <p:style>
+          <a:lnRef idx="2">
+            <a:schemeClr val="accent1"/>
+          </a:lnRef>
+          <a:fillRef idx="0">
+            <a:schemeClr val="accent1"/>
+          </a:fillRef>
+          <a:effectRef idx="1">
+            <a:schemeClr val="accent1"/>
+          </a:effectRef>
+          <a:fontRef idx="minor">
+            <a:schemeClr val="tx1"/>
+          </a:fontRef>
+        </p:style>
+      </p:cxnSp>
+      <p:sp>
+        <p:nvSpPr>
+          <p:cNvPr id="9" name="TextBox 8"/>
+          <p:cNvSpPr txBox="1"/>
+          <p:nvPr/>
+        </p:nvSpPr>
+        <p:spPr>
+          <a:xfrm>
+            <a:off x="3753660" y="2031595"/>
+            <a:ext cx="518091" cy="369332"/>
+          </a:xfrm>
+          <a:prstGeom prst="rect">
+            <a:avLst/>
+          </a:prstGeom>
+          <a:noFill/>
+        </p:spPr>
+        <p:txBody>
+          <a:bodyPr wrap="none" rtlCol="0">
+            <a:spAutoFit/>
+          </a:bodyPr>
+          <a:lstStyle/>
+          <a:p>
+            <a:r>
+              <a:rPr lang="de-CH" dirty="0" smtClean="0"/>
+              <a:t>run</a:t>
+            </a:r>
+            <a:endParaRPr lang="en-US" dirty="0"/>
+          </a:p>
+        </p:txBody>
+      </p:sp>
+      <p:sp>
+        <p:nvSpPr>
+          <p:cNvPr id="10" name="Rounded Rectangle 9"/>
+          <p:cNvSpPr/>
+          <p:nvPr/>
+        </p:nvSpPr>
+        <p:spPr>
+          <a:xfrm>
+            <a:off x="5285433" y="3435415"/>
+            <a:ext cx="1718268" cy="713433"/>
+          </a:xfrm>
+          <a:prstGeom prst="roundRect">
+            <a:avLst/>
+          </a:prstGeom>
+        </p:spPr>
+        <p:style>
+          <a:lnRef idx="1">
+            <a:schemeClr val="accent6"/>
+          </a:lnRef>
+          <a:fillRef idx="3">
+            <a:schemeClr val="accent6"/>
+          </a:fillRef>
+          <a:effectRef idx="2">
+            <a:schemeClr val="accent6"/>
+          </a:effectRef>
+          <a:fontRef idx="minor">
+            <a:schemeClr val="lt1"/>
+          </a:fontRef>
+        </p:style>
+        <p:txBody>
+          <a:bodyPr rtlCol="0" anchor="ctr"/>
+          <a:lstStyle/>
+          <a:p>
+            <a:pPr algn="ctr"/>
+            <a:r>
+              <a:rPr lang="de-CH" dirty="0" smtClean="0"/>
+              <a:t>Container</a:t>
+            </a:r>
+            <a:endParaRPr lang="de-CH" dirty="0" smtClean="0"/>
+          </a:p>
+          <a:p>
+            <a:pPr algn="ctr"/>
+            <a:r>
+              <a:rPr lang="de-CH" dirty="0" smtClean="0"/>
+              <a:t>cid1</a:t>
+            </a:r>
+            <a:endParaRPr lang="en-US" dirty="0"/>
+          </a:p>
+        </p:txBody>
+      </p:sp>
+      <p:cxnSp>
+        <p:nvCxnSpPr>
+          <p:cNvPr id="11" name="Straight Arrow Connector 10"/>
+          <p:cNvCxnSpPr>
+            <a:stCxn id="6" idx="2"/>
+            <a:endCxn id="10" idx="0"/>
+          </p:cNvCxnSpPr>
+          <p:nvPr/>
+        </p:nvCxnSpPr>
+        <p:spPr>
+          <a:xfrm>
+            <a:off x="6145202" y="2736284"/>
+            <a:ext cx="0" cy="699135"/>
+          </a:xfrm>
+          <a:prstGeom prst="straightConnector1">
+            <a:avLst/>
+          </a:prstGeom>
+          <a:ln>
+            <a:tailEnd type="triangle"/>
+          </a:ln>
+        </p:spPr>
+        <p:style>
+          <a:lnRef idx="2">
+            <a:schemeClr val="accent1"/>
+          </a:lnRef>
+          <a:fillRef idx="0">
+            <a:schemeClr val="accent1"/>
+          </a:fillRef>
+          <a:effectRef idx="1">
+            <a:schemeClr val="accent1"/>
+          </a:effectRef>
+          <a:fontRef idx="minor">
+            <a:schemeClr val="tx1"/>
+          </a:fontRef>
+        </p:style>
+      </p:cxnSp>
+      <p:sp>
+        <p:nvSpPr>
+          <p:cNvPr id="14" name="TextBox 13"/>
+          <p:cNvSpPr txBox="1"/>
+          <p:nvPr/>
+        </p:nvSpPr>
+        <p:spPr>
+          <a:xfrm>
+            <a:off x="6115623" y="2894033"/>
+            <a:ext cx="1962397" cy="369332"/>
+          </a:xfrm>
+          <a:prstGeom prst="rect">
+            <a:avLst/>
+          </a:prstGeom>
+          <a:noFill/>
+        </p:spPr>
+        <p:txBody>
+          <a:bodyPr wrap="none" rtlCol="0">
+            <a:spAutoFit/>
+          </a:bodyPr>
+          <a:lstStyle/>
+          <a:p>
+            <a:r>
+              <a:rPr lang="de-CH" dirty="0" smtClean="0"/>
+              <a:t>cmd </a:t>
+            </a:r>
+            <a:r>
+              <a:rPr lang="de-CH" dirty="0" smtClean="0">
+                <a:sym typeface="Wingdings" panose="05000000000000000000" pitchFamily="2" charset="2"/>
+              </a:rPr>
+              <a:t> </a:t>
+            </a:r>
+            <a:r>
+              <a:rPr lang="de-CH" dirty="0" smtClean="0"/>
+              <a:t>new state</a:t>
+            </a:r>
+            <a:endParaRPr lang="en-US" dirty="0"/>
+          </a:p>
+        </p:txBody>
+      </p:sp>
+      <p:cxnSp>
+        <p:nvCxnSpPr>
+          <p:cNvPr id="15" name="Straight Arrow Connector 14"/>
+          <p:cNvCxnSpPr>
+            <a:stCxn id="10" idx="1"/>
+            <a:endCxn id="18" idx="3"/>
+          </p:cNvCxnSpPr>
+          <p:nvPr/>
+        </p:nvCxnSpPr>
+        <p:spPr>
+          <a:xfrm flipH="1" flipV="1">
+            <a:off x="2829253" y="3789592"/>
+            <a:ext cx="2456180" cy="2540"/>
+          </a:xfrm>
+          <a:prstGeom prst="straightConnector1">
+            <a:avLst/>
+          </a:prstGeom>
+          <a:ln>
+            <a:tailEnd type="triangle"/>
+          </a:ln>
+        </p:spPr>
+        <p:style>
+          <a:lnRef idx="2">
+            <a:schemeClr val="accent1"/>
+          </a:lnRef>
+          <a:fillRef idx="0">
+            <a:schemeClr val="accent1"/>
+          </a:fillRef>
+          <a:effectRef idx="1">
+            <a:schemeClr val="accent1"/>
+          </a:effectRef>
+          <a:fontRef idx="minor">
+            <a:schemeClr val="tx1"/>
+          </a:fontRef>
+        </p:style>
+      </p:cxnSp>
+      <p:sp>
+        <p:nvSpPr>
+          <p:cNvPr id="18" name="Rectangle 17"/>
+          <p:cNvSpPr/>
+          <p:nvPr/>
+        </p:nvSpPr>
+        <p:spPr>
+          <a:xfrm>
+            <a:off x="1111544" y="3432958"/>
+            <a:ext cx="1718268" cy="713433"/>
+          </a:xfrm>
+          <a:prstGeom prst="rect">
+            <a:avLst/>
+          </a:prstGeom>
+        </p:spPr>
+        <p:style>
+          <a:lnRef idx="1">
+            <a:schemeClr val="accent1"/>
+          </a:lnRef>
+          <a:fillRef idx="3">
+            <a:schemeClr val="accent1"/>
+          </a:fillRef>
+          <a:effectRef idx="2">
+            <a:schemeClr val="accent1"/>
+          </a:effectRef>
+          <a:fontRef idx="minor">
+            <a:schemeClr val="lt1"/>
+          </a:fontRef>
+        </p:style>
+        <p:txBody>
+          <a:bodyPr rtlCol="0" anchor="ctr"/>
+          <a:lstStyle/>
+          <a:p>
+            <a:pPr algn="ctr"/>
+            <a:r>
+              <a:rPr lang="de-CH" dirty="0" smtClean="0"/>
+              <a:t>New Image</a:t>
+            </a:r>
+            <a:endParaRPr lang="de-CH" dirty="0" smtClean="0"/>
+          </a:p>
+          <a:p>
+            <a:pPr algn="ctr"/>
+            <a:r>
+              <a:rPr lang="de-CH" dirty="0" smtClean="0"/>
+              <a:t>iid1</a:t>
+            </a:r>
+            <a:endParaRPr lang="de-CH" dirty="0" smtClean="0"/>
+          </a:p>
+        </p:txBody>
+      </p:sp>
+      <p:sp>
+        <p:nvSpPr>
+          <p:cNvPr id="20" name="TextBox 19"/>
+          <p:cNvSpPr txBox="1"/>
+          <p:nvPr/>
+        </p:nvSpPr>
+        <p:spPr>
+          <a:xfrm>
+            <a:off x="3609666" y="3435415"/>
+            <a:ext cx="928459" cy="369332"/>
+          </a:xfrm>
+          <a:prstGeom prst="rect">
+            <a:avLst/>
+          </a:prstGeom>
+          <a:noFill/>
+        </p:spPr>
+        <p:txBody>
+          <a:bodyPr wrap="none" rtlCol="0">
+            <a:spAutoFit/>
+          </a:bodyPr>
+          <a:lstStyle/>
+          <a:p>
+            <a:r>
+              <a:rPr lang="de-CH" dirty="0" smtClean="0"/>
+              <a:t>commit</a:t>
+            </a:r>
+            <a:endParaRPr lang="en-US" dirty="0"/>
+          </a:p>
+        </p:txBody>
+      </p:sp>
+      <p:cxnSp>
+        <p:nvCxnSpPr>
+          <p:cNvPr id="21" name="Straight Arrow Connector 20"/>
+          <p:cNvCxnSpPr>
+            <a:stCxn id="18" idx="0"/>
+            <a:endCxn id="5" idx="2"/>
+          </p:cNvCxnSpPr>
+          <p:nvPr/>
+        </p:nvCxnSpPr>
+        <p:spPr>
+          <a:xfrm flipH="1" flipV="1">
+            <a:off x="1954803" y="2736363"/>
+            <a:ext cx="15875" cy="696595"/>
+          </a:xfrm>
+          <a:prstGeom prst="straightConnector1">
+            <a:avLst/>
+          </a:prstGeom>
+          <a:ln>
+            <a:tailEnd type="triangle"/>
+          </a:ln>
+        </p:spPr>
+        <p:style>
+          <a:lnRef idx="2">
+            <a:schemeClr val="accent1"/>
+          </a:lnRef>
+          <a:fillRef idx="0">
+            <a:schemeClr val="accent1"/>
+          </a:fillRef>
+          <a:effectRef idx="1">
+            <a:schemeClr val="accent1"/>
+          </a:effectRef>
+          <a:fontRef idx="minor">
+            <a:schemeClr val="tx1"/>
+          </a:fontRef>
+        </p:style>
+      </p:cxnSp>
+      <p:sp>
+        <p:nvSpPr>
+          <p:cNvPr id="24" name="TextBox 23"/>
+          <p:cNvSpPr txBox="1"/>
+          <p:nvPr/>
+        </p:nvSpPr>
+        <p:spPr>
+          <a:xfrm>
+            <a:off x="1931226" y="2914576"/>
+            <a:ext cx="1402948" cy="369332"/>
+          </a:xfrm>
+          <a:prstGeom prst="rect">
+            <a:avLst/>
+          </a:prstGeom>
+          <a:noFill/>
+        </p:spPr>
+        <p:txBody>
+          <a:bodyPr wrap="none" rtlCol="0">
+            <a:spAutoFit/>
+          </a:bodyPr>
+          <a:lstStyle/>
+          <a:p>
+            <a:r>
+              <a:rPr lang="de-CH" dirty="0" smtClean="0"/>
+              <a:t>base image</a:t>
+            </a:r>
+            <a:endParaRPr lang="en-US" dirty="0"/>
+          </a:p>
+        </p:txBody>
+      </p:sp>
+      <p:sp>
+        <p:nvSpPr>
+          <p:cNvPr id="25" name="Rounded Rectangle 24"/>
+          <p:cNvSpPr/>
+          <p:nvPr/>
+        </p:nvSpPr>
+        <p:spPr>
+          <a:xfrm>
+            <a:off x="5340698" y="4491897"/>
+            <a:ext cx="1718268" cy="713433"/>
+          </a:xfrm>
+          <a:prstGeom prst="roundRect">
+            <a:avLst/>
+          </a:prstGeom>
+        </p:spPr>
+        <p:style>
+          <a:lnRef idx="1">
+            <a:schemeClr val="accent6"/>
+          </a:lnRef>
+          <a:fillRef idx="3">
+            <a:schemeClr val="accent6"/>
+          </a:fillRef>
+          <a:effectRef idx="2">
+            <a:schemeClr val="accent6"/>
+          </a:effectRef>
+          <a:fontRef idx="minor">
+            <a:schemeClr val="lt1"/>
+          </a:fontRef>
+        </p:style>
+        <p:txBody>
+          <a:bodyPr rtlCol="0" anchor="ctr"/>
+          <a:lstStyle/>
+          <a:p>
+            <a:pPr algn="ctr"/>
+            <a:r>
+              <a:rPr lang="de-CH" dirty="0" smtClean="0"/>
+              <a:t>Container</a:t>
+            </a:r>
+            <a:endParaRPr lang="de-CH" dirty="0" smtClean="0"/>
+          </a:p>
+          <a:p>
+            <a:pPr algn="ctr"/>
+            <a:r>
+              <a:rPr lang="de-CH" dirty="0" smtClean="0"/>
+              <a:t>cid2</a:t>
+            </a:r>
+            <a:endParaRPr lang="en-US" dirty="0"/>
+          </a:p>
+        </p:txBody>
+      </p:sp>
+      <p:cxnSp>
+        <p:nvCxnSpPr>
+          <p:cNvPr id="26" name="Straight Arrow Connector 25"/>
+          <p:cNvCxnSpPr>
+            <a:stCxn id="18" idx="2"/>
+            <a:endCxn id="25" idx="1"/>
+          </p:cNvCxnSpPr>
+          <p:nvPr/>
+        </p:nvCxnSpPr>
+        <p:spPr>
+          <a:xfrm>
+            <a:off x="1970678" y="4146391"/>
+            <a:ext cx="3370580" cy="702310"/>
+          </a:xfrm>
+          <a:prstGeom prst="straightConnector1">
+            <a:avLst/>
+          </a:prstGeom>
+          <a:ln>
+            <a:tailEnd type="triangle"/>
+          </a:ln>
+        </p:spPr>
+        <p:style>
+          <a:lnRef idx="2">
+            <a:schemeClr val="accent1"/>
+          </a:lnRef>
+          <a:fillRef idx="0">
+            <a:schemeClr val="accent1"/>
+          </a:fillRef>
+          <a:effectRef idx="1">
+            <a:schemeClr val="accent1"/>
+          </a:effectRef>
+          <a:fontRef idx="minor">
+            <a:schemeClr val="tx1"/>
+          </a:fontRef>
+        </p:style>
+      </p:cxnSp>
+      <p:sp>
+        <p:nvSpPr>
+          <p:cNvPr id="30" name="TextBox 29"/>
+          <p:cNvSpPr txBox="1"/>
+          <p:nvPr/>
+        </p:nvSpPr>
+        <p:spPr>
+          <a:xfrm>
+            <a:off x="3814849" y="4159006"/>
+            <a:ext cx="518091" cy="369332"/>
+          </a:xfrm>
+          <a:prstGeom prst="rect">
+            <a:avLst/>
+          </a:prstGeom>
+          <a:noFill/>
+        </p:spPr>
+        <p:txBody>
+          <a:bodyPr wrap="none" rtlCol="0">
+            <a:spAutoFit/>
+          </a:bodyPr>
+          <a:lstStyle/>
+          <a:p>
+            <a:r>
+              <a:rPr lang="de-CH" dirty="0" smtClean="0"/>
+              <a:t>run</a:t>
+            </a:r>
+            <a:endParaRPr lang="en-US" dirty="0"/>
+          </a:p>
+        </p:txBody>
+      </p:sp>
+    </p:spTree>
+  </p:cSld>
+  <p:clrMapOvr>
+    <a:masterClrMapping/>
+  </p:clrMapOvr>
+</p:sld>
+</file>
+
+<file path=ppt/slides/slide18.xml><?xml version="1.0" encoding="utf-8"?>
+<p:sld xmlns:a="http://schemas.openxmlformats.org/drawingml/2006/main" xmlns:r="http://schemas.openxmlformats.org/officeDocument/2006/relationships" xmlns:p="http://schemas.openxmlformats.org/presentationml/2006/main">
+  <p:cSld>
+    <p:spTree>
+      <p:nvGrpSpPr>
+        <p:cNvPr id="1" name=""/>
+        <p:cNvGrpSpPr/>
+        <p:nvPr/>
+      </p:nvGrpSpPr>
+      <p:grpSpPr>
+        <a:xfrm>
+          <a:off x="0" y="0"/>
+          <a:ext cx="0" cy="0"/>
+          <a:chOff x="0" y="0"/>
+          <a:chExt cx="0" cy="0"/>
+        </a:xfrm>
+      </p:grpSpPr>
+      <p:sp>
+        <p:nvSpPr>
           <p:cNvPr id="2" name="Slide Number Placeholder 1"/>
           <p:cNvSpPr>
             <a:spLocks noGrp="1"/>
@@ -6096,7 +6455,7 @@
 </p:sld>
 </file>
 
-<file path=ppt/slides/slide18.xml><?xml version="1.0" encoding="utf-8"?>
+<file path=ppt/slides/slide19.xml><?xml version="1.0" encoding="utf-8"?>
 <p:sld xmlns:a="http://schemas.openxmlformats.org/drawingml/2006/main" xmlns:r="http://schemas.openxmlformats.org/officeDocument/2006/relationships" xmlns:p="http://schemas.openxmlformats.org/presentationml/2006/main">
   <p:cSld>
     <p:spTree>
@@ -6442,182 +6801,6 @@
 </p:sld>
 </file>
 
-<file path=ppt/slides/slide19.xml><?xml version="1.0" encoding="utf-8"?>
-<p:sld xmlns:a="http://schemas.openxmlformats.org/drawingml/2006/main" xmlns:r="http://schemas.openxmlformats.org/officeDocument/2006/relationships" xmlns:p="http://schemas.openxmlformats.org/presentationml/2006/main">
-  <p:cSld>
-    <p:spTree>
-      <p:nvGrpSpPr>
-        <p:cNvPr id="1" name=""/>
-        <p:cNvGrpSpPr/>
-        <p:nvPr/>
-      </p:nvGrpSpPr>
-      <p:grpSpPr>
-        <a:xfrm>
-          <a:off x="0" y="0"/>
-          <a:ext cx="0" cy="0"/>
-          <a:chOff x="0" y="0"/>
-          <a:chExt cx="0" cy="0"/>
-        </a:xfrm>
-      </p:grpSpPr>
-      <p:sp>
-        <p:nvSpPr>
-          <p:cNvPr id="2" name="Slide Number Placeholder 1"/>
-          <p:cNvSpPr>
-            <a:spLocks noGrp="1"/>
-          </p:cNvSpPr>
-          <p:nvPr>
-            <p:ph type="sldNum" sz="quarter" idx="12"/>
-          </p:nvPr>
-        </p:nvSpPr>
-        <p:spPr/>
-        <p:txBody>
-          <a:bodyPr/>
-          <a:lstStyle/>
-          <a:p>
-            <a:fld id="{1BA865F8-D0B2-3245-A9F6-5F06F5A3A0C6}" type="slidenum">
-              <a:rPr lang="en-US" smtClean="0"/>
-            </a:fld>
-            <a:endParaRPr lang="en-US" dirty="0"/>
-          </a:p>
-        </p:txBody>
-      </p:sp>
-      <p:sp>
-        <p:nvSpPr>
-          <p:cNvPr id="3" name="Text Placeholder 2"/>
-          <p:cNvSpPr>
-            <a:spLocks noGrp="1"/>
-          </p:cNvSpPr>
-          <p:nvPr>
-            <p:ph type="body" sz="quarter" idx="13"/>
-          </p:nvPr>
-        </p:nvSpPr>
-        <p:spPr>
-          <a:xfrm>
-            <a:off x="795016" y="567949"/>
-            <a:ext cx="6286589" cy="607027"/>
-          </a:xfrm>
-        </p:spPr>
-        <p:txBody>
-          <a:bodyPr/>
-          <a:lstStyle/>
-          <a:p>
-            <a:r>
-              <a:rPr lang="de-CH" dirty="0" smtClean="0"/>
-              <a:t>Mount Volumes</a:t>
-            </a:r>
-            <a:endParaRPr lang="en-US" dirty="0"/>
-          </a:p>
-        </p:txBody>
-      </p:sp>
-      <p:sp>
-        <p:nvSpPr>
-          <p:cNvPr id="4" name="Text Placeholder 3"/>
-          <p:cNvSpPr>
-            <a:spLocks noGrp="1"/>
-          </p:cNvSpPr>
-          <p:nvPr>
-            <p:ph type="body" sz="quarter" idx="14"/>
-          </p:nvPr>
-        </p:nvSpPr>
-        <p:spPr>
-          <a:xfrm>
-            <a:off x="795020" y="1779905"/>
-            <a:ext cx="7926070" cy="1464310"/>
-          </a:xfrm>
-        </p:spPr>
-        <p:txBody>
-          <a:bodyPr/>
-          <a:lstStyle/>
-          <a:p>
-            <a:r>
-              <a:rPr lang="de-CH" i="1" dirty="0" smtClean="0">
-                <a:solidFill>
-                  <a:srgbClr val="00B050"/>
-                </a:solidFill>
-                <a:latin typeface="Courier New" panose="02070309020205020404" pitchFamily="49" charset="0"/>
-                <a:cs typeface="Courier New" panose="02070309020205020404" pitchFamily="49" charset="0"/>
-              </a:rPr>
-              <a:t>docker run –ti </a:t>
-            </a:r>
-            <a:r>
-              <a:rPr lang="de-CH" b="1" i="1" dirty="0" smtClean="0">
-                <a:solidFill>
-                  <a:srgbClr val="00B050"/>
-                </a:solidFill>
-                <a:latin typeface="Courier New" panose="02070309020205020404" pitchFamily="49" charset="0"/>
-                <a:cs typeface="Courier New" panose="02070309020205020404" pitchFamily="49" charset="0"/>
-              </a:rPr>
-              <a:t>–v /hostLog:/log</a:t>
-            </a:r>
-            <a:r>
-              <a:rPr lang="de-CH" i="1" dirty="0" smtClean="0">
-                <a:solidFill>
-                  <a:srgbClr val="00B050"/>
-                </a:solidFill>
-                <a:latin typeface="Courier New" panose="02070309020205020404" pitchFamily="49" charset="0"/>
-                <a:cs typeface="Courier New" panose="02070309020205020404" pitchFamily="49" charset="0"/>
-              </a:rPr>
-              <a:t> ubuntu</a:t>
-            </a:r>
-            <a:endParaRPr lang="de-CH" dirty="0" smtClean="0">
-              <a:latin typeface="Courier New" panose="02070309020205020404" pitchFamily="49" charset="0"/>
-              <a:cs typeface="Courier New" panose="02070309020205020404" pitchFamily="49" charset="0"/>
-            </a:endParaRPr>
-          </a:p>
-          <a:p>
-            <a:r>
-              <a:rPr lang="de-CH" dirty="0" smtClean="0"/>
-              <a:t>Run second container: Volume can be shared</a:t>
-            </a:r>
-            <a:endParaRPr lang="en-US" i="1" dirty="0">
-              <a:latin typeface="Courier New" panose="02070309020205020404" pitchFamily="49" charset="0"/>
-              <a:cs typeface="Courier New" panose="02070309020205020404" pitchFamily="49" charset="0"/>
-            </a:endParaRPr>
-          </a:p>
-        </p:txBody>
-      </p:sp>
-      <p:sp>
-        <p:nvSpPr>
-          <p:cNvPr id="5" name="Text Box 4"/>
-          <p:cNvSpPr txBox="1"/>
-          <p:nvPr/>
-        </p:nvSpPr>
-        <p:spPr>
-          <a:xfrm>
-            <a:off x="955675" y="3388995"/>
-            <a:ext cx="7232650" cy="368300"/>
-          </a:xfrm>
-          <a:prstGeom prst="rect">
-            <a:avLst/>
-          </a:prstGeom>
-          <a:noFill/>
-        </p:spPr>
-        <p:txBody>
-          <a:bodyPr wrap="none" rtlCol="0" anchor="t">
-            <a:spAutoFit/>
-          </a:bodyPr>
-          <a:p>
-            <a:pPr lvl="1"/>
-            <a:r>
-              <a:rPr lang="de-CH" i="1" dirty="0" smtClean="0">
-                <a:latin typeface="Courier New" panose="02070309020205020404" pitchFamily="49" charset="0"/>
-                <a:cs typeface="Courier New" panose="02070309020205020404" pitchFamily="49" charset="0"/>
-                <a:sym typeface="+mn-ea"/>
-              </a:rPr>
-              <a:t>docker run –ti --volumes-from firstContainerName ubuntu</a:t>
-            </a:r>
-            <a:endParaRPr lang="en-US"/>
-          </a:p>
-        </p:txBody>
-      </p:sp>
-    </p:spTree>
-  </p:cSld>
-  <p:clrMapOvr>
-    <a:masterClrMapping/>
-  </p:clrMapOvr>
-</p:sld>
-</file>
-
 <file path=ppt/slides/slide2.xml><?xml version="1.0" encoding="utf-8"?>
 <p:sld xmlns:a="http://schemas.openxmlformats.org/drawingml/2006/main" xmlns:r="http://schemas.openxmlformats.org/officeDocument/2006/relationships" xmlns:p="http://schemas.openxmlformats.org/presentationml/2006/main">
   <p:cSld>
@@ -6815,6 +6998,182 @@
           <a:chExt cx="0" cy="0"/>
         </a:xfrm>
       </p:grpSpPr>
+      <p:sp>
+        <p:nvSpPr>
+          <p:cNvPr id="2" name="Slide Number Placeholder 1"/>
+          <p:cNvSpPr>
+            <a:spLocks noGrp="1"/>
+          </p:cNvSpPr>
+          <p:nvPr>
+            <p:ph type="sldNum" sz="quarter" idx="12"/>
+          </p:nvPr>
+        </p:nvSpPr>
+        <p:spPr/>
+        <p:txBody>
+          <a:bodyPr/>
+          <a:lstStyle/>
+          <a:p>
+            <a:fld id="{1BA865F8-D0B2-3245-A9F6-5F06F5A3A0C6}" type="slidenum">
+              <a:rPr lang="en-US" smtClean="0"/>
+            </a:fld>
+            <a:endParaRPr lang="en-US" dirty="0"/>
+          </a:p>
+        </p:txBody>
+      </p:sp>
+      <p:sp>
+        <p:nvSpPr>
+          <p:cNvPr id="3" name="Text Placeholder 2"/>
+          <p:cNvSpPr>
+            <a:spLocks noGrp="1"/>
+          </p:cNvSpPr>
+          <p:nvPr>
+            <p:ph type="body" sz="quarter" idx="13"/>
+          </p:nvPr>
+        </p:nvSpPr>
+        <p:spPr>
+          <a:xfrm>
+            <a:off x="795016" y="567949"/>
+            <a:ext cx="6286589" cy="607027"/>
+          </a:xfrm>
+        </p:spPr>
+        <p:txBody>
+          <a:bodyPr/>
+          <a:lstStyle/>
+          <a:p>
+            <a:r>
+              <a:rPr lang="de-CH" dirty="0" smtClean="0"/>
+              <a:t>Mount Volumes</a:t>
+            </a:r>
+            <a:endParaRPr lang="en-US" dirty="0"/>
+          </a:p>
+        </p:txBody>
+      </p:sp>
+      <p:sp>
+        <p:nvSpPr>
+          <p:cNvPr id="4" name="Text Placeholder 3"/>
+          <p:cNvSpPr>
+            <a:spLocks noGrp="1"/>
+          </p:cNvSpPr>
+          <p:nvPr>
+            <p:ph type="body" sz="quarter" idx="14"/>
+          </p:nvPr>
+        </p:nvSpPr>
+        <p:spPr>
+          <a:xfrm>
+            <a:off x="795020" y="1779905"/>
+            <a:ext cx="7926070" cy="1464310"/>
+          </a:xfrm>
+        </p:spPr>
+        <p:txBody>
+          <a:bodyPr/>
+          <a:lstStyle/>
+          <a:p>
+            <a:r>
+              <a:rPr lang="de-CH" i="1" dirty="0" smtClean="0">
+                <a:solidFill>
+                  <a:srgbClr val="00B050"/>
+                </a:solidFill>
+                <a:latin typeface="Courier New" panose="02070309020205020404" pitchFamily="49" charset="0"/>
+                <a:cs typeface="Courier New" panose="02070309020205020404" pitchFamily="49" charset="0"/>
+              </a:rPr>
+              <a:t>docker run –ti </a:t>
+            </a:r>
+            <a:r>
+              <a:rPr lang="de-CH" b="1" i="1" dirty="0" smtClean="0">
+                <a:solidFill>
+                  <a:srgbClr val="00B050"/>
+                </a:solidFill>
+                <a:latin typeface="Courier New" panose="02070309020205020404" pitchFamily="49" charset="0"/>
+                <a:cs typeface="Courier New" panose="02070309020205020404" pitchFamily="49" charset="0"/>
+              </a:rPr>
+              <a:t>–v /hostLog:/log</a:t>
+            </a:r>
+            <a:r>
+              <a:rPr lang="de-CH" i="1" dirty="0" smtClean="0">
+                <a:solidFill>
+                  <a:srgbClr val="00B050"/>
+                </a:solidFill>
+                <a:latin typeface="Courier New" panose="02070309020205020404" pitchFamily="49" charset="0"/>
+                <a:cs typeface="Courier New" panose="02070309020205020404" pitchFamily="49" charset="0"/>
+              </a:rPr>
+              <a:t> ubuntu</a:t>
+            </a:r>
+            <a:endParaRPr lang="de-CH" dirty="0" smtClean="0">
+              <a:latin typeface="Courier New" panose="02070309020205020404" pitchFamily="49" charset="0"/>
+              <a:cs typeface="Courier New" panose="02070309020205020404" pitchFamily="49" charset="0"/>
+            </a:endParaRPr>
+          </a:p>
+          <a:p>
+            <a:r>
+              <a:rPr lang="de-CH" dirty="0" smtClean="0"/>
+              <a:t>Run second container: Volume can be shared</a:t>
+            </a:r>
+            <a:endParaRPr lang="en-US" i="1" dirty="0">
+              <a:latin typeface="Courier New" panose="02070309020205020404" pitchFamily="49" charset="0"/>
+              <a:cs typeface="Courier New" panose="02070309020205020404" pitchFamily="49" charset="0"/>
+            </a:endParaRPr>
+          </a:p>
+        </p:txBody>
+      </p:sp>
+      <p:sp>
+        <p:nvSpPr>
+          <p:cNvPr id="5" name="Text Box 4"/>
+          <p:cNvSpPr txBox="1"/>
+          <p:nvPr/>
+        </p:nvSpPr>
+        <p:spPr>
+          <a:xfrm>
+            <a:off x="955675" y="3388995"/>
+            <a:ext cx="7232650" cy="368300"/>
+          </a:xfrm>
+          <a:prstGeom prst="rect">
+            <a:avLst/>
+          </a:prstGeom>
+          <a:noFill/>
+        </p:spPr>
+        <p:txBody>
+          <a:bodyPr wrap="none" rtlCol="0" anchor="t">
+            <a:spAutoFit/>
+          </a:bodyPr>
+          <a:p>
+            <a:pPr lvl="1"/>
+            <a:r>
+              <a:rPr lang="de-CH" i="1" dirty="0" smtClean="0">
+                <a:latin typeface="Courier New" panose="02070309020205020404" pitchFamily="49" charset="0"/>
+                <a:cs typeface="Courier New" panose="02070309020205020404" pitchFamily="49" charset="0"/>
+                <a:sym typeface="+mn-ea"/>
+              </a:rPr>
+              <a:t>docker run –ti --volumes-from firstContainerName ubuntu</a:t>
+            </a:r>
+            <a:endParaRPr lang="en-US"/>
+          </a:p>
+        </p:txBody>
+      </p:sp>
+    </p:spTree>
+  </p:cSld>
+  <p:clrMapOvr>
+    <a:masterClrMapping/>
+  </p:clrMapOvr>
+</p:sld>
+</file>
+
+<file path=ppt/slides/slide21.xml><?xml version="1.0" encoding="utf-8"?>
+<p:sld xmlns:a="http://schemas.openxmlformats.org/drawingml/2006/main" xmlns:r="http://schemas.openxmlformats.org/officeDocument/2006/relationships" xmlns:p="http://schemas.openxmlformats.org/presentationml/2006/main">
+  <p:cSld>
+    <p:spTree>
+      <p:nvGrpSpPr>
+        <p:cNvPr id="1" name=""/>
+        <p:cNvGrpSpPr/>
+        <p:nvPr/>
+      </p:nvGrpSpPr>
+      <p:grpSpPr>
+        <a:xfrm>
+          <a:off x="0" y="0"/>
+          <a:ext cx="0" cy="0"/>
+          <a:chOff x="0" y="0"/>
+          <a:chExt cx="0" cy="0"/>
+        </a:xfrm>
+      </p:grpSpPr>
       <p:pic>
         <p:nvPicPr>
           <p:cNvPr id="4" name="Picture 3"/>
@@ -6905,7 +7264,7 @@
 </p:sld>
 </file>
 
-<file path=ppt/slides/slide21.xml><?xml version="1.0" encoding="utf-8"?>
+<file path=ppt/slides/slide22.xml><?xml version="1.0" encoding="utf-8"?>
 <p:sld xmlns:a="http://schemas.openxmlformats.org/drawingml/2006/main" xmlns:r="http://schemas.openxmlformats.org/officeDocument/2006/relationships" xmlns:p="http://schemas.openxmlformats.org/presentationml/2006/main">
   <p:cSld>
     <p:spTree>
@@ -7016,172 +7375,6 @@
 </p:sld>
 </file>
 
-<file path=ppt/slides/slide22.xml><?xml version="1.0" encoding="utf-8"?>
-<p:sld xmlns:a="http://schemas.openxmlformats.org/drawingml/2006/main" xmlns:r="http://schemas.openxmlformats.org/officeDocument/2006/relationships" xmlns:p="http://schemas.openxmlformats.org/presentationml/2006/main">
-  <p:cSld>
-    <p:spTree>
-      <p:nvGrpSpPr>
-        <p:cNvPr id="1" name=""/>
-        <p:cNvGrpSpPr/>
-        <p:nvPr/>
-      </p:nvGrpSpPr>
-      <p:grpSpPr>
-        <a:xfrm>
-          <a:off x="0" y="0"/>
-          <a:ext cx="0" cy="0"/>
-          <a:chOff x="0" y="0"/>
-          <a:chExt cx="0" cy="0"/>
-        </a:xfrm>
-      </p:grpSpPr>
-      <p:sp>
-        <p:nvSpPr>
-          <p:cNvPr id="2" name="Slide Number Placeholder 1"/>
-          <p:cNvSpPr>
-            <a:spLocks noGrp="1"/>
-          </p:cNvSpPr>
-          <p:nvPr>
-            <p:ph type="sldNum" sz="quarter" idx="12"/>
-          </p:nvPr>
-        </p:nvSpPr>
-        <p:spPr/>
-        <p:txBody>
-          <a:bodyPr/>
-          <a:lstStyle/>
-          <a:p>
-            <a:fld id="{1BA865F8-D0B2-3245-A9F6-5F06F5A3A0C6}" type="slidenum">
-              <a:rPr lang="en-US" smtClean="0"/>
-            </a:fld>
-            <a:endParaRPr lang="en-US" dirty="0"/>
-          </a:p>
-        </p:txBody>
-      </p:sp>
-      <p:pic>
-        <p:nvPicPr>
-          <p:cNvPr id="9" name="Picture 8" descr="Selection_001"/>
-          <p:cNvPicPr>
-            <a:picLocks noChangeAspect="1"/>
-          </p:cNvPicPr>
-          <p:nvPr/>
-        </p:nvPicPr>
-        <p:blipFill>
-          <a:blip r:embed="rId1"/>
-          <a:stretch>
-            <a:fillRect/>
-          </a:stretch>
-        </p:blipFill>
-        <p:spPr>
-          <a:xfrm>
-            <a:off x="9525" y="-14605"/>
-            <a:ext cx="9126220" cy="4443730"/>
-          </a:xfrm>
-          <a:prstGeom prst="rect">
-            <a:avLst/>
-          </a:prstGeom>
-        </p:spPr>
-      </p:pic>
-      <p:sp>
-        <p:nvSpPr>
-          <p:cNvPr id="3" name="Text Box 2"/>
-          <p:cNvSpPr txBox="1"/>
-          <p:nvPr/>
-        </p:nvSpPr>
-        <p:spPr>
-          <a:xfrm>
-            <a:off x="98425" y="4429125"/>
-            <a:ext cx="8947785" cy="1753235"/>
-          </a:xfrm>
-          <a:prstGeom prst="rect">
-            <a:avLst/>
-          </a:prstGeom>
-          <a:noFill/>
-        </p:spPr>
-        <p:txBody>
-          <a:bodyPr wrap="square" rtlCol="0" anchor="t">
-            <a:spAutoFit/>
-          </a:bodyPr>
-          <a:p>
-            <a:pPr marL="285750" indent="-285750">
-              <a:buFont typeface="Arial" panose="02080604020202020204" pitchFamily="34" charset="0"/>
-              <a:buChar char="•"/>
-            </a:pPr>
-            <a:r>
-              <a:rPr lang="en-US"/>
-              <a:t>When we create a new container, we add a new &amp; thin writable layer on top of the underlying stack of layers present in the base docker image.</a:t>
-            </a:r>
-            <a:endParaRPr lang="en-US"/>
-          </a:p>
-          <a:p>
-            <a:pPr marL="285750" indent="-285750">
-              <a:buFont typeface="Arial" panose="02080604020202020204" pitchFamily="34" charset="0"/>
-              <a:buChar char="•"/>
-            </a:pPr>
-            <a:endParaRPr lang="en-US"/>
-          </a:p>
-          <a:p>
-            <a:pPr marL="285750" indent="-285750">
-              <a:buFont typeface="Arial" panose="02080604020202020204" pitchFamily="34" charset="0"/>
-              <a:buChar char="•"/>
-            </a:pPr>
-            <a:r>
-              <a:rPr lang="en-US"/>
-              <a:t>All changes made to the running container, such as creating new files, modifying existing files or deleting files, are written to this thin writable container layer.</a:t>
-            </a:r>
-            <a:endParaRPr lang="en-US"/>
-          </a:p>
-        </p:txBody>
-      </p:sp>
-      <p:sp>
-        <p:nvSpPr>
-          <p:cNvPr id="4" name="Rectangle 3"/>
-          <p:cNvSpPr/>
-          <p:nvPr/>
-        </p:nvSpPr>
-        <p:spPr>
-          <a:xfrm>
-            <a:off x="3017520" y="-14605"/>
-            <a:ext cx="3108960" cy="679450"/>
-          </a:xfrm>
-          <a:prstGeom prst="rect">
-            <a:avLst/>
-          </a:prstGeom>
-          <a:ln>
-            <a:noFill/>
-          </a:ln>
-        </p:spPr>
-        <p:style>
-          <a:lnRef idx="2">
-            <a:schemeClr val="dk1"/>
-          </a:lnRef>
-          <a:fillRef idx="1">
-            <a:schemeClr val="lt1"/>
-          </a:fillRef>
-          <a:effectRef idx="0">
-            <a:schemeClr val="dk1"/>
-          </a:effectRef>
-          <a:fontRef idx="minor">
-            <a:schemeClr val="dk1"/>
-          </a:fontRef>
-        </p:style>
-        <p:txBody>
-          <a:bodyPr/>
-          <a:p>
-            <a:pPr algn="ctr"/>
-            <a:r>
-              <a:rPr lang="en-US" altLang="en-US" sz="3600" b="1"/>
-              <a:t>Filesystem</a:t>
-            </a:r>
-            <a:endParaRPr lang="en-US" altLang="en-US" sz="3600" b="1"/>
-          </a:p>
-        </p:txBody>
-      </p:sp>
-    </p:spTree>
-  </p:cSld>
-  <p:clrMapOvr>
-    <a:masterClrMapping/>
-  </p:clrMapOvr>
-</p:sld>
-</file>
-
 <file path=ppt/slides/slide23.xml><?xml version="1.0" encoding="utf-8"?>
 <p:sld xmlns:a="http://schemas.openxmlformats.org/drawingml/2006/main" xmlns:r="http://schemas.openxmlformats.org/officeDocument/2006/relationships" xmlns:p="http://schemas.openxmlformats.org/presentationml/2006/main">
   <p:cSld>
@@ -7201,36 +7394,29 @@
       </p:grpSpPr>
       <p:sp>
         <p:nvSpPr>
-          <p:cNvPr id="3" name="Text Box 2"/>
-          <p:cNvSpPr txBox="1"/>
-          <p:nvPr/>
-        </p:nvSpPr>
-        <p:spPr>
-          <a:xfrm>
-            <a:off x="718820" y="310515"/>
-            <a:ext cx="4017645" cy="645160"/>
-          </a:xfrm>
-          <a:prstGeom prst="rect">
-            <a:avLst/>
-          </a:prstGeom>
-          <a:noFill/>
-        </p:spPr>
-        <p:txBody>
-          <a:bodyPr wrap="square" rtlCol="0" anchor="t">
-            <a:spAutoFit/>
-          </a:bodyPr>
-          <a:p>
-            <a:r>
-              <a:rPr lang="en-US" sz="3600" b="1"/>
-              <a:t>Data volumes</a:t>
-            </a:r>
-            <a:endParaRPr lang="en-US" sz="3600" b="1"/>
+          <p:cNvPr id="2" name="Slide Number Placeholder 1"/>
+          <p:cNvSpPr>
+            <a:spLocks noGrp="1"/>
+          </p:cNvSpPr>
+          <p:nvPr>
+            <p:ph type="sldNum" sz="quarter" idx="12"/>
+          </p:nvPr>
+        </p:nvSpPr>
+        <p:spPr/>
+        <p:txBody>
+          <a:bodyPr/>
+          <a:lstStyle/>
+          <a:p>
+            <a:fld id="{1BA865F8-D0B2-3245-A9F6-5F06F5A3A0C6}" type="slidenum">
+              <a:rPr lang="en-US" smtClean="0"/>
+            </a:fld>
+            <a:endParaRPr lang="en-US" dirty="0"/>
           </a:p>
         </p:txBody>
       </p:sp>
       <p:pic>
         <p:nvPicPr>
-          <p:cNvPr id="4" name="Picture 3"/>
+          <p:cNvPr id="9" name="Picture 8" descr="Selection_001"/>
           <p:cNvPicPr>
             <a:picLocks noChangeAspect="1"/>
           </p:cNvPicPr>
@@ -7244,8 +7430,8 @@
         </p:blipFill>
         <p:spPr>
           <a:xfrm>
-            <a:off x="3360420" y="2390140"/>
-            <a:ext cx="5749925" cy="3691890"/>
+            <a:off x="9525" y="-14605"/>
+            <a:ext cx="9126220" cy="4443730"/>
           </a:xfrm>
           <a:prstGeom prst="rect">
             <a:avLst/>
@@ -7254,14 +7440,14 @@
       </p:pic>
       <p:sp>
         <p:nvSpPr>
-          <p:cNvPr id="5" name="Text Box 4"/>
+          <p:cNvPr id="3" name="Text Box 2"/>
           <p:cNvSpPr txBox="1"/>
           <p:nvPr/>
         </p:nvSpPr>
         <p:spPr>
           <a:xfrm>
-            <a:off x="514985" y="1107440"/>
-            <a:ext cx="8318500" cy="1476375"/>
+            <a:off x="98425" y="4429125"/>
+            <a:ext cx="8947785" cy="1753235"/>
           </a:xfrm>
           <a:prstGeom prst="rect">
             <a:avLst/>
@@ -7279,63 +7465,7 @@
             </a:pPr>
             <a:r>
               <a:rPr lang="en-US"/>
-              <a:t>A data volume is a directory or file in the Docker host’s filesystem that is mounted directly into a container</a:t>
-            </a:r>
-            <a:endParaRPr lang="en-US"/>
-          </a:p>
-          <a:p>
-            <a:pPr marL="285750" indent="-285750">
-              <a:buFont typeface="Arial" panose="02080604020202020204" pitchFamily="34" charset="0"/>
-              <a:buChar char="•"/>
-            </a:pPr>
-            <a:r>
-              <a:rPr lang="en-US"/>
-              <a:t>Data volumes are not controlled by the </a:t>
-            </a:r>
-            <a:r>
-              <a:rPr lang="en-US" b="1"/>
-              <a:t>storage driver</a:t>
-            </a:r>
-            <a:r>
-              <a:rPr lang="en-US" altLang="en-US" b="1"/>
-              <a:t>. </a:t>
-            </a:r>
-            <a:r>
-              <a:rPr lang="en-US" altLang="en-US"/>
-              <a:t>Reads and writes to data volumes bypass the storage driver and operate at native host speeds</a:t>
-            </a:r>
-            <a:endParaRPr lang="en-US" altLang="en-US"/>
-          </a:p>
-        </p:txBody>
-      </p:sp>
-      <p:sp>
-        <p:nvSpPr>
-          <p:cNvPr id="6" name="Text Box 5"/>
-          <p:cNvSpPr txBox="1"/>
-          <p:nvPr/>
-        </p:nvSpPr>
-        <p:spPr>
-          <a:xfrm>
-            <a:off x="514985" y="2870200"/>
-            <a:ext cx="2760345" cy="2306955"/>
-          </a:xfrm>
-          <a:prstGeom prst="rect">
-            <a:avLst/>
-          </a:prstGeom>
-          <a:noFill/>
-        </p:spPr>
-        <p:txBody>
-          <a:bodyPr wrap="square" rtlCol="0" anchor="t">
-            <a:spAutoFit/>
-          </a:bodyPr>
-          <a:p>
-            <a:pPr marL="285750" indent="-285750">
-              <a:buFont typeface="Arial" panose="02080604020202020204" pitchFamily="34" charset="0"/>
-              <a:buChar char="•"/>
-            </a:pPr>
-            <a:r>
-              <a:rPr lang="en-US"/>
-              <a:t>You can mount any number of data volumes into a container. Multiple containers can also share one or more data volumes.</a:t>
+              <a:t>When we create a new container, we add a new &amp; thin writable layer on top of the underlying stack of layers present in the base docker image.</a:t>
             </a:r>
             <a:endParaRPr lang="en-US"/>
           </a:p>
@@ -7345,6 +7475,61 @@
               <a:buChar char="•"/>
             </a:pPr>
             <a:endParaRPr lang="en-US"/>
+          </a:p>
+          <a:p>
+            <a:pPr marL="285750" indent="-285750">
+              <a:buFont typeface="Arial" panose="02080604020202020204" pitchFamily="34" charset="0"/>
+              <a:buChar char="•"/>
+            </a:pPr>
+            <a:r>
+              <a:rPr lang="en-US"/>
+              <a:t>All changes made to the running container, such as creating new files, modifying existing files or deleting files, are written to this thin writable container layer.</a:t>
+            </a:r>
+            <a:endParaRPr lang="en-US"/>
+          </a:p>
+        </p:txBody>
+      </p:sp>
+      <p:sp>
+        <p:nvSpPr>
+          <p:cNvPr id="4" name="Rectangle 3"/>
+          <p:cNvSpPr/>
+          <p:nvPr/>
+        </p:nvSpPr>
+        <p:spPr>
+          <a:xfrm>
+            <a:off x="3017520" y="-14605"/>
+            <a:ext cx="3108960" cy="679450"/>
+          </a:xfrm>
+          <a:prstGeom prst="rect">
+            <a:avLst/>
+          </a:prstGeom>
+          <a:ln>
+            <a:noFill/>
+          </a:ln>
+        </p:spPr>
+        <p:style>
+          <a:lnRef idx="2">
+            <a:schemeClr val="dk1"/>
+          </a:lnRef>
+          <a:fillRef idx="1">
+            <a:schemeClr val="lt1"/>
+          </a:fillRef>
+          <a:effectRef idx="0">
+            <a:schemeClr val="dk1"/>
+          </a:effectRef>
+          <a:fontRef idx="minor">
+            <a:schemeClr val="dk1"/>
+          </a:fontRef>
+        </p:style>
+        <p:txBody>
+          <a:bodyPr/>
+          <a:p>
+            <a:pPr algn="ctr"/>
+            <a:r>
+              <a:rPr lang="en-US" altLang="en-US" sz="3600" b="1"/>
+              <a:t>Filesystem</a:t>
+            </a:r>
+            <a:endParaRPr lang="en-US" altLang="en-US" sz="3600" b="1"/>
           </a:p>
         </p:txBody>
       </p:sp>
@@ -7375,100 +7560,150 @@
       </p:grpSpPr>
       <p:sp>
         <p:nvSpPr>
-          <p:cNvPr id="2" name="Slide Number Placeholder 1"/>
-          <p:cNvSpPr>
-            <a:spLocks noGrp="1"/>
-          </p:cNvSpPr>
-          <p:nvPr>
-            <p:ph type="sldNum" sz="quarter" idx="12"/>
-          </p:nvPr>
-        </p:nvSpPr>
-        <p:spPr/>
-        <p:txBody>
-          <a:bodyPr/>
-          <a:lstStyle/>
-          <a:p>
-            <a:fld id="{1BA865F8-D0B2-3245-A9F6-5F06F5A3A0C6}" type="slidenum">
-              <a:rPr lang="en-US" smtClean="0"/>
-            </a:fld>
-            <a:endParaRPr lang="en-US" dirty="0"/>
-          </a:p>
-        </p:txBody>
-      </p:sp>
-      <p:sp>
-        <p:nvSpPr>
-          <p:cNvPr id="3" name="Text Placeholder 2"/>
-          <p:cNvSpPr>
-            <a:spLocks noGrp="1"/>
-          </p:cNvSpPr>
-          <p:nvPr>
-            <p:ph type="body" sz="quarter" idx="13"/>
-          </p:nvPr>
-        </p:nvSpPr>
-        <p:spPr>
-          <a:xfrm>
-            <a:off x="1011551" y="629544"/>
-            <a:ext cx="6286589" cy="607027"/>
-          </a:xfrm>
-        </p:spPr>
-        <p:txBody>
-          <a:bodyPr/>
-          <a:lstStyle/>
-          <a:p>
-            <a:r>
-              <a:rPr lang="de-CH" dirty="0" smtClean="0"/>
-              <a:t>Docker Use Cases</a:t>
-            </a:r>
-            <a:endParaRPr lang="en-US" dirty="0"/>
-          </a:p>
-        </p:txBody>
-      </p:sp>
-      <p:sp>
-        <p:nvSpPr>
-          <p:cNvPr id="4" name="Text Placeholder 3"/>
-          <p:cNvSpPr>
-            <a:spLocks noGrp="1"/>
-          </p:cNvSpPr>
-          <p:nvPr>
-            <p:ph type="body" sz="quarter" idx="14"/>
-          </p:nvPr>
-        </p:nvSpPr>
-        <p:spPr>
-          <a:xfrm>
-            <a:off x="1011555" y="1677035"/>
-            <a:ext cx="6680200" cy="4091940"/>
-          </a:xfrm>
-        </p:spPr>
-        <p:txBody>
-          <a:bodyPr/>
-          <a:lstStyle/>
-          <a:p>
-            <a:r>
-              <a:rPr lang="de-CH" dirty="0" smtClean="0"/>
-              <a:t>Development Environment</a:t>
-            </a:r>
-            <a:endParaRPr lang="de-CH" dirty="0" smtClean="0"/>
-          </a:p>
-          <a:p>
-            <a:r>
-              <a:rPr lang="de-CH" dirty="0" smtClean="0"/>
-              <a:t>Environments for Integration Tests</a:t>
-            </a:r>
-            <a:endParaRPr lang="de-CH" dirty="0" smtClean="0"/>
-          </a:p>
-          <a:p>
-            <a:r>
-              <a:rPr lang="de-CH" dirty="0" smtClean="0"/>
-              <a:t>Quick evaluation of software</a:t>
-            </a:r>
-            <a:endParaRPr lang="de-CH" dirty="0" smtClean="0"/>
-          </a:p>
-          <a:p>
-            <a:r>
-              <a:rPr lang="de-CH" dirty="0" smtClean="0"/>
-              <a:t>Microservices</a:t>
-            </a:r>
-            <a:endParaRPr lang="en-US" dirty="0"/>
+          <p:cNvPr id="3" name="Text Box 2"/>
+          <p:cNvSpPr txBox="1"/>
+          <p:nvPr/>
+        </p:nvSpPr>
+        <p:spPr>
+          <a:xfrm>
+            <a:off x="718820" y="310515"/>
+            <a:ext cx="4017645" cy="645160"/>
+          </a:xfrm>
+          <a:prstGeom prst="rect">
+            <a:avLst/>
+          </a:prstGeom>
+          <a:noFill/>
+        </p:spPr>
+        <p:txBody>
+          <a:bodyPr wrap="square" rtlCol="0" anchor="t">
+            <a:spAutoFit/>
+          </a:bodyPr>
+          <a:p>
+            <a:r>
+              <a:rPr lang="en-US" sz="3600" b="1"/>
+              <a:t>Data volumes</a:t>
+            </a:r>
+            <a:endParaRPr lang="en-US" sz="3600" b="1"/>
+          </a:p>
+        </p:txBody>
+      </p:sp>
+      <p:pic>
+        <p:nvPicPr>
+          <p:cNvPr id="4" name="Picture 3"/>
+          <p:cNvPicPr>
+            <a:picLocks noChangeAspect="1"/>
+          </p:cNvPicPr>
+          <p:nvPr/>
+        </p:nvPicPr>
+        <p:blipFill>
+          <a:blip r:embed="rId1"/>
+          <a:stretch>
+            <a:fillRect/>
+          </a:stretch>
+        </p:blipFill>
+        <p:spPr>
+          <a:xfrm>
+            <a:off x="3360420" y="2390140"/>
+            <a:ext cx="5749925" cy="3691890"/>
+          </a:xfrm>
+          <a:prstGeom prst="rect">
+            <a:avLst/>
+          </a:prstGeom>
+        </p:spPr>
+      </p:pic>
+      <p:sp>
+        <p:nvSpPr>
+          <p:cNvPr id="5" name="Text Box 4"/>
+          <p:cNvSpPr txBox="1"/>
+          <p:nvPr/>
+        </p:nvSpPr>
+        <p:spPr>
+          <a:xfrm>
+            <a:off x="514985" y="1107440"/>
+            <a:ext cx="8318500" cy="1476375"/>
+          </a:xfrm>
+          <a:prstGeom prst="rect">
+            <a:avLst/>
+          </a:prstGeom>
+          <a:noFill/>
+        </p:spPr>
+        <p:txBody>
+          <a:bodyPr wrap="square" rtlCol="0" anchor="t">
+            <a:spAutoFit/>
+          </a:bodyPr>
+          <a:p>
+            <a:pPr marL="285750" indent="-285750">
+              <a:buFont typeface="Arial" panose="02080604020202020204" pitchFamily="34" charset="0"/>
+              <a:buChar char="•"/>
+            </a:pPr>
+            <a:r>
+              <a:rPr lang="en-US"/>
+              <a:t>A data volume is a directory or file in the Docker host’s filesystem that is mounted directly into a container</a:t>
+            </a:r>
+            <a:endParaRPr lang="en-US"/>
+          </a:p>
+          <a:p>
+            <a:pPr marL="285750" indent="-285750">
+              <a:buFont typeface="Arial" panose="02080604020202020204" pitchFamily="34" charset="0"/>
+              <a:buChar char="•"/>
+            </a:pPr>
+            <a:r>
+              <a:rPr lang="en-US"/>
+              <a:t>Data volumes are not controlled by the </a:t>
+            </a:r>
+            <a:r>
+              <a:rPr lang="en-US" b="1"/>
+              <a:t>storage driver</a:t>
+            </a:r>
+            <a:r>
+              <a:rPr lang="en-US" altLang="en-US" b="1"/>
+              <a:t>. </a:t>
+            </a:r>
+            <a:r>
+              <a:rPr lang="en-US" altLang="en-US"/>
+              <a:t>Reads and writes to data volumes bypass the storage driver and operate at native host speeds</a:t>
+            </a:r>
+            <a:endParaRPr lang="en-US" altLang="en-US"/>
+          </a:p>
+        </p:txBody>
+      </p:sp>
+      <p:sp>
+        <p:nvSpPr>
+          <p:cNvPr id="6" name="Text Box 5"/>
+          <p:cNvSpPr txBox="1"/>
+          <p:nvPr/>
+        </p:nvSpPr>
+        <p:spPr>
+          <a:xfrm>
+            <a:off x="514985" y="2870200"/>
+            <a:ext cx="2760345" cy="2306955"/>
+          </a:xfrm>
+          <a:prstGeom prst="rect">
+            <a:avLst/>
+          </a:prstGeom>
+          <a:noFill/>
+        </p:spPr>
+        <p:txBody>
+          <a:bodyPr wrap="square" rtlCol="0" anchor="t">
+            <a:spAutoFit/>
+          </a:bodyPr>
+          <a:p>
+            <a:pPr marL="285750" indent="-285750">
+              <a:buFont typeface="Arial" panose="02080604020202020204" pitchFamily="34" charset="0"/>
+              <a:buChar char="•"/>
+            </a:pPr>
+            <a:r>
+              <a:rPr lang="en-US"/>
+              <a:t>You can mount any number of data volumes into a container. Multiple containers can also share one or more data volumes.</a:t>
+            </a:r>
+            <a:endParaRPr lang="en-US"/>
+          </a:p>
+          <a:p>
+            <a:pPr marL="285750" indent="-285750">
+              <a:buFont typeface="Arial" panose="02080604020202020204" pitchFamily="34" charset="0"/>
+              <a:buChar char="•"/>
+            </a:pPr>
+            <a:endParaRPr lang="en-US"/>
           </a:p>
         </p:txBody>
       </p:sp>
@@ -7481,6 +7716,130 @@
 </file>
 
 <file path=ppt/slides/slide25.xml><?xml version="1.0" encoding="utf-8"?>
+<p:sld xmlns:a="http://schemas.openxmlformats.org/drawingml/2006/main" xmlns:r="http://schemas.openxmlformats.org/officeDocument/2006/relationships" xmlns:p="http://schemas.openxmlformats.org/presentationml/2006/main">
+  <p:cSld>
+    <p:spTree>
+      <p:nvGrpSpPr>
+        <p:cNvPr id="1" name=""/>
+        <p:cNvGrpSpPr/>
+        <p:nvPr/>
+      </p:nvGrpSpPr>
+      <p:grpSpPr>
+        <a:xfrm>
+          <a:off x="0" y="0"/>
+          <a:ext cx="0" cy="0"/>
+          <a:chOff x="0" y="0"/>
+          <a:chExt cx="0" cy="0"/>
+        </a:xfrm>
+      </p:grpSpPr>
+      <p:sp>
+        <p:nvSpPr>
+          <p:cNvPr id="2" name="Slide Number Placeholder 1"/>
+          <p:cNvSpPr>
+            <a:spLocks noGrp="1"/>
+          </p:cNvSpPr>
+          <p:nvPr>
+            <p:ph type="sldNum" sz="quarter" idx="12"/>
+          </p:nvPr>
+        </p:nvSpPr>
+        <p:spPr/>
+        <p:txBody>
+          <a:bodyPr/>
+          <a:lstStyle/>
+          <a:p>
+            <a:fld id="{1BA865F8-D0B2-3245-A9F6-5F06F5A3A0C6}" type="slidenum">
+              <a:rPr lang="en-US" smtClean="0"/>
+            </a:fld>
+            <a:endParaRPr lang="en-US" dirty="0"/>
+          </a:p>
+        </p:txBody>
+      </p:sp>
+      <p:sp>
+        <p:nvSpPr>
+          <p:cNvPr id="3" name="Text Placeholder 2"/>
+          <p:cNvSpPr>
+            <a:spLocks noGrp="1"/>
+          </p:cNvSpPr>
+          <p:nvPr>
+            <p:ph type="body" sz="quarter" idx="13"/>
+          </p:nvPr>
+        </p:nvSpPr>
+        <p:spPr>
+          <a:xfrm>
+            <a:off x="1011551" y="629544"/>
+            <a:ext cx="6286589" cy="607027"/>
+          </a:xfrm>
+        </p:spPr>
+        <p:txBody>
+          <a:bodyPr/>
+          <a:lstStyle/>
+          <a:p>
+            <a:r>
+              <a:rPr lang="de-CH" dirty="0" smtClean="0"/>
+              <a:t>Docker Use Cases</a:t>
+            </a:r>
+            <a:endParaRPr lang="en-US" dirty="0"/>
+          </a:p>
+        </p:txBody>
+      </p:sp>
+      <p:sp>
+        <p:nvSpPr>
+          <p:cNvPr id="4" name="Text Placeholder 3"/>
+          <p:cNvSpPr>
+            <a:spLocks noGrp="1"/>
+          </p:cNvSpPr>
+          <p:nvPr>
+            <p:ph type="body" sz="quarter" idx="14"/>
+          </p:nvPr>
+        </p:nvSpPr>
+        <p:spPr>
+          <a:xfrm>
+            <a:off x="1011555" y="1677035"/>
+            <a:ext cx="6680200" cy="4091940"/>
+          </a:xfrm>
+        </p:spPr>
+        <p:txBody>
+          <a:bodyPr/>
+          <a:lstStyle/>
+          <a:p>
+            <a:r>
+              <a:rPr lang="de-CH" dirty="0" smtClean="0"/>
+              <a:t>Development Environment</a:t>
+            </a:r>
+            <a:endParaRPr lang="de-CH" dirty="0" smtClean="0"/>
+          </a:p>
+          <a:p>
+            <a:r>
+              <a:rPr lang="de-CH" dirty="0" smtClean="0"/>
+              <a:t>Environments for Integration Tests</a:t>
+            </a:r>
+            <a:endParaRPr lang="de-CH" dirty="0" smtClean="0"/>
+          </a:p>
+          <a:p>
+            <a:r>
+              <a:rPr lang="de-CH" dirty="0" smtClean="0"/>
+              <a:t>Quick evaluation of software</a:t>
+            </a:r>
+            <a:endParaRPr lang="de-CH" dirty="0" smtClean="0"/>
+          </a:p>
+          <a:p>
+            <a:r>
+              <a:rPr lang="de-CH" dirty="0" smtClean="0"/>
+              <a:t>Microservices</a:t>
+            </a:r>
+            <a:endParaRPr lang="en-US" dirty="0"/>
+          </a:p>
+        </p:txBody>
+      </p:sp>
+    </p:spTree>
+  </p:cSld>
+  <p:clrMapOvr>
+    <a:masterClrMapping/>
+  </p:clrMapOvr>
+</p:sld>
+</file>
+
+<file path=ppt/slides/slide26.xml><?xml version="1.0" encoding="utf-8"?>
 <p:sld xmlns:a="http://schemas.openxmlformats.org/drawingml/2006/main" xmlns:r="http://schemas.openxmlformats.org/officeDocument/2006/relationships" xmlns:p="http://schemas.openxmlformats.org/presentationml/2006/main">
   <p:cSld>
     <p:spTree>
